--- a/training/core_java/10_Basic IO.pptx
+++ b/training/core_java/10_Basic IO.pptx
@@ -32,20 +32,27 @@
     <p:sldId id="552" r:id="rId26"/>
     <p:sldId id="553" r:id="rId27"/>
     <p:sldId id="554" r:id="rId28"/>
-    <p:sldId id="551" r:id="rId29"/>
-    <p:sldId id="542" r:id="rId30"/>
-    <p:sldId id="543" r:id="rId31"/>
-    <p:sldId id="544" r:id="rId32"/>
-    <p:sldId id="545" r:id="rId33"/>
-    <p:sldId id="522" r:id="rId34"/>
-    <p:sldId id="521" r:id="rId35"/>
-    <p:sldId id="488" r:id="rId36"/>
-    <p:sldId id="293" r:id="rId37"/>
-    <p:sldId id="313" r:id="rId38"/>
-    <p:sldId id="320" r:id="rId39"/>
-    <p:sldId id="316" r:id="rId40"/>
-    <p:sldId id="261" r:id="rId41"/>
-    <p:sldId id="502" r:id="rId42"/>
+    <p:sldId id="555" r:id="rId29"/>
+    <p:sldId id="556" r:id="rId30"/>
+    <p:sldId id="557" r:id="rId31"/>
+    <p:sldId id="558" r:id="rId32"/>
+    <p:sldId id="561" r:id="rId33"/>
+    <p:sldId id="560" r:id="rId34"/>
+    <p:sldId id="559" r:id="rId35"/>
+    <p:sldId id="551" r:id="rId36"/>
+    <p:sldId id="542" r:id="rId37"/>
+    <p:sldId id="543" r:id="rId38"/>
+    <p:sldId id="544" r:id="rId39"/>
+    <p:sldId id="545" r:id="rId40"/>
+    <p:sldId id="522" r:id="rId41"/>
+    <p:sldId id="521" r:id="rId42"/>
+    <p:sldId id="488" r:id="rId43"/>
+    <p:sldId id="293" r:id="rId44"/>
+    <p:sldId id="313" r:id="rId45"/>
+    <p:sldId id="320" r:id="rId46"/>
+    <p:sldId id="316" r:id="rId47"/>
+    <p:sldId id="261" r:id="rId48"/>
+    <p:sldId id="502" r:id="rId49"/>
   </p:sldIdLst>
   <p:sldSz cx="12192000" cy="6858000"/>
   <p:notesSz cx="6858000" cy="9144000"/>
@@ -328,7 +335,7 @@
           <a:p>
             <a:fld id="{96DFF08F-DC6B-4601-B491-B0F83F6DD2DA}" type="datetimeFigureOut">
               <a:rPr lang="en-US" dirty="0"/>
-              <a:t>10/12/2015</a:t>
+              <a:t>10/13/2015</a:t>
             </a:fld>
             <a:endParaRPr lang="en-US" dirty="0"/>
           </a:p>
@@ -493,7 +500,7 @@
           <a:p>
             <a:fld id="{96DFF08F-DC6B-4601-B491-B0F83F6DD2DA}" type="datetimeFigureOut">
               <a:rPr lang="en-US" dirty="0"/>
-              <a:t>10/12/2015</a:t>
+              <a:t>10/13/2015</a:t>
             </a:fld>
             <a:endParaRPr lang="en-US" dirty="0"/>
           </a:p>
@@ -711,7 +718,7 @@
           <a:p>
             <a:fld id="{96DFF08F-DC6B-4601-B491-B0F83F6DD2DA}" type="datetimeFigureOut">
               <a:rPr lang="en-US" dirty="0"/>
-              <a:t>10/12/2015</a:t>
+              <a:t>10/13/2015</a:t>
             </a:fld>
             <a:endParaRPr lang="en-US" dirty="0"/>
           </a:p>
@@ -886,7 +893,7 @@
           <a:p>
             <a:fld id="{96DFF08F-DC6B-4601-B491-B0F83F6DD2DA}" type="datetimeFigureOut">
               <a:rPr lang="en-US" dirty="0"/>
-              <a:t>10/12/2015</a:t>
+              <a:t>10/13/2015</a:t>
             </a:fld>
             <a:endParaRPr lang="en-US" dirty="0"/>
           </a:p>
@@ -1183,7 +1190,7 @@
             <a:fld id="{96DFF08F-DC6B-4601-B491-B0F83F6DD2DA}" type="datetimeFigureOut">
               <a:rPr lang="en-US" dirty="0"/>
               <a:pPr/>
-              <a:t>10/12/2015</a:t>
+              <a:t>10/13/2015</a:t>
             </a:fld>
             <a:endParaRPr lang="en-US" dirty="0"/>
           </a:p>
@@ -1483,7 +1490,7 @@
           <a:p>
             <a:fld id="{96DFF08F-DC6B-4601-B491-B0F83F6DD2DA}" type="datetimeFigureOut">
               <a:rPr lang="en-US" dirty="0"/>
-              <a:t>10/12/2015</a:t>
+              <a:t>10/13/2015</a:t>
             </a:fld>
             <a:endParaRPr lang="en-US" dirty="0"/>
           </a:p>
@@ -1900,7 +1907,7 @@
           <a:p>
             <a:fld id="{96DFF08F-DC6B-4601-B491-B0F83F6DD2DA}" type="datetimeFigureOut">
               <a:rPr lang="en-US" dirty="0"/>
-              <a:t>10/12/2015</a:t>
+              <a:t>10/13/2015</a:t>
             </a:fld>
             <a:endParaRPr lang="en-US" dirty="0"/>
           </a:p>
@@ -2013,7 +2020,7 @@
           <a:p>
             <a:fld id="{96DFF08F-DC6B-4601-B491-B0F83F6DD2DA}" type="datetimeFigureOut">
               <a:rPr lang="en-US" dirty="0"/>
-              <a:t>10/12/2015</a:t>
+              <a:t>10/13/2015</a:t>
             </a:fld>
             <a:endParaRPr lang="en-US" dirty="0"/>
           </a:p>
@@ -2103,7 +2110,7 @@
           <a:p>
             <a:fld id="{96DFF08F-DC6B-4601-B491-B0F83F6DD2DA}" type="datetimeFigureOut">
               <a:rPr lang="en-US" dirty="0"/>
-              <a:t>10/12/2015</a:t>
+              <a:t>10/13/2015</a:t>
             </a:fld>
             <a:endParaRPr lang="en-US" dirty="0"/>
           </a:p>
@@ -2371,7 +2378,7 @@
           <a:p>
             <a:fld id="{96DFF08F-DC6B-4601-B491-B0F83F6DD2DA}" type="datetimeFigureOut">
               <a:rPr lang="en-US" dirty="0"/>
-              <a:t>10/12/2015</a:t>
+              <a:t>10/13/2015</a:t>
             </a:fld>
             <a:endParaRPr lang="en-US" dirty="0"/>
           </a:p>
@@ -2631,7 +2638,7 @@
           <a:p>
             <a:fld id="{96DFF08F-DC6B-4601-B491-B0F83F6DD2DA}" type="datetimeFigureOut">
               <a:rPr lang="en-US" dirty="0"/>
-              <a:t>10/12/2015</a:t>
+              <a:t>10/13/2015</a:t>
             </a:fld>
             <a:endParaRPr lang="en-US" dirty="0"/>
           </a:p>
@@ -2879,7 +2886,7 @@
             <a:fld id="{96DFF08F-DC6B-4601-B491-B0F83F6DD2DA}" type="datetimeFigureOut">
               <a:rPr lang="en-US" dirty="0"/>
               <a:pPr/>
-              <a:t>10/12/2015</a:t>
+              <a:t>10/13/2015</a:t>
             </a:fld>
             <a:endParaRPr lang="en-US" dirty="0"/>
           </a:p>
@@ -8431,15 +8438,7 @@
                   <a:schemeClr val="bg1"/>
                 </a:solidFill>
               </a:rPr>
-              <a:t>File </a:t>
-            </a:r>
-            <a:r>
-              <a:rPr lang="en-US" sz="3200" b="1" dirty="0" smtClean="0">
-                <a:solidFill>
-                  <a:schemeClr val="bg1"/>
-                </a:solidFill>
-              </a:rPr>
-              <a:t>I/O – 	Path</a:t>
+              <a:t>File I/O – 	Path</a:t>
             </a:r>
             <a:endParaRPr lang="en-US" sz="3200" b="1" dirty="0">
               <a:solidFill>
@@ -9636,15 +9635,7 @@
                   <a:schemeClr val="bg1"/>
                 </a:solidFill>
               </a:rPr>
-              <a:t>File </a:t>
-            </a:r>
-            <a:r>
-              <a:rPr lang="en-US" sz="3200" b="1" dirty="0" smtClean="0">
-                <a:solidFill>
-                  <a:schemeClr val="bg1"/>
-                </a:solidFill>
-              </a:rPr>
-              <a:t>I/O – Path Operations</a:t>
+              <a:t>File I/O – Path Operations</a:t>
             </a:r>
             <a:endParaRPr lang="en-US" sz="3200" b="1" dirty="0">
               <a:solidFill>
@@ -10252,15 +10243,7 @@
                   <a:schemeClr val="bg1"/>
                 </a:solidFill>
               </a:rPr>
-              <a:t>File </a:t>
-            </a:r>
-            <a:r>
-              <a:rPr lang="en-US" sz="3200" b="1" dirty="0" smtClean="0">
-                <a:solidFill>
-                  <a:schemeClr val="bg1"/>
-                </a:solidFill>
-              </a:rPr>
-              <a:t>I/O – Path Operations ….</a:t>
+              <a:t>File I/O – Path Operations ….</a:t>
             </a:r>
             <a:endParaRPr lang="en-US" sz="3200" b="1" dirty="0">
               <a:solidFill>
@@ -11055,15 +11038,7 @@
                   <a:schemeClr val="bg1"/>
                 </a:solidFill>
               </a:rPr>
-              <a:t>File </a:t>
-            </a:r>
-            <a:r>
-              <a:rPr lang="en-US" sz="3200" b="1" dirty="0" smtClean="0">
-                <a:solidFill>
-                  <a:schemeClr val="bg1"/>
-                </a:solidFill>
-              </a:rPr>
-              <a:t>I/O – Path Operations ….</a:t>
+              <a:t>File I/O – Path Operations ….</a:t>
             </a:r>
             <a:endParaRPr lang="en-US" sz="3200" b="1" dirty="0">
               <a:solidFill>
@@ -11674,15 +11649,7 @@
                   <a:schemeClr val="bg1"/>
                 </a:solidFill>
               </a:rPr>
-              <a:t>File </a:t>
-            </a:r>
-            <a:r>
-              <a:rPr lang="en-US" sz="3200" b="1" dirty="0" smtClean="0">
-                <a:solidFill>
-                  <a:schemeClr val="bg1"/>
-                </a:solidFill>
-              </a:rPr>
-              <a:t>I/O – Path Operations ….</a:t>
+              <a:t>File I/O – Path Operations ….</a:t>
             </a:r>
             <a:endParaRPr lang="en-US" sz="3200" b="1" dirty="0">
               <a:solidFill>
@@ -12382,15 +12349,7 @@
                   <a:schemeClr val="bg1"/>
                 </a:solidFill>
               </a:rPr>
-              <a:t>File </a:t>
-            </a:r>
-            <a:r>
-              <a:rPr lang="en-US" sz="3200" b="1" dirty="0" smtClean="0">
-                <a:solidFill>
-                  <a:schemeClr val="bg1"/>
-                </a:solidFill>
-              </a:rPr>
-              <a:t>Operations</a:t>
+              <a:t>File Operations</a:t>
             </a:r>
             <a:endParaRPr lang="en-US" sz="3200" b="1" dirty="0">
               <a:solidFill>
@@ -13167,11 +13126,6 @@
               </a:rPr>
               <a:t>a File or Directory</a:t>
             </a:r>
-            <a:endParaRPr lang="en-US" sz="3200" b="1" dirty="0">
-              <a:solidFill>
-                <a:schemeClr val="bg1"/>
-              </a:solidFill>
-            </a:endParaRPr>
           </a:p>
         </p:txBody>
       </p:sp>
@@ -14997,6 +14951,453 @@
           </a:p>
         </p:txBody>
       </p:sp>
+      <p:sp>
+        <p:nvSpPr>
+          <p:cNvPr id="12" name="TextBox 11"/>
+          <p:cNvSpPr txBox="1"/>
+          <p:nvPr/>
+        </p:nvSpPr>
+        <p:spPr>
+          <a:xfrm>
+            <a:off x="444819" y="1161143"/>
+            <a:ext cx="10796921" cy="4862870"/>
+          </a:xfrm>
+          <a:prstGeom prst="rect">
+            <a:avLst/>
+          </a:prstGeom>
+          <a:noFill/>
+        </p:spPr>
+        <p:txBody>
+          <a:bodyPr wrap="square" rtlCol="0">
+            <a:spAutoFit/>
+          </a:bodyPr>
+          <a:lstStyle/>
+          <a:p>
+            <a:pPr marL="285750" indent="-285750">
+              <a:buFont typeface="Arial" panose="020B0604020202020204" pitchFamily="34" charset="0"/>
+              <a:buChar char="•"/>
+            </a:pPr>
+            <a:r>
+              <a:rPr lang="en-US" sz="2000" dirty="0">
+                <a:solidFill>
+                  <a:schemeClr val="bg1"/>
+                </a:solidFill>
+              </a:rPr>
+              <a:t>You can copy a file or directory by using the </a:t>
+            </a:r>
+            <a:r>
+              <a:rPr lang="en-US" sz="2400" b="1" dirty="0">
+                <a:solidFill>
+                  <a:schemeClr val="bg1"/>
+                </a:solidFill>
+              </a:rPr>
+              <a:t>copy(Path, Path, </a:t>
+            </a:r>
+            <a:r>
+              <a:rPr lang="en-US" sz="2400" b="1" dirty="0" err="1">
+                <a:solidFill>
+                  <a:schemeClr val="bg1"/>
+                </a:solidFill>
+              </a:rPr>
+              <a:t>CopyOption</a:t>
+            </a:r>
+            <a:r>
+              <a:rPr lang="en-US" sz="2400" b="1" dirty="0">
+                <a:solidFill>
+                  <a:schemeClr val="bg1"/>
+                </a:solidFill>
+              </a:rPr>
+              <a:t>...) </a:t>
+            </a:r>
+            <a:r>
+              <a:rPr lang="en-US" sz="2000" dirty="0" smtClean="0">
+                <a:solidFill>
+                  <a:schemeClr val="bg1"/>
+                </a:solidFill>
+              </a:rPr>
+              <a:t>method.</a:t>
+            </a:r>
+          </a:p>
+          <a:p>
+            <a:pPr marL="285750" indent="-285750">
+              <a:buFont typeface="Arial" panose="020B0604020202020204" pitchFamily="34" charset="0"/>
+              <a:buChar char="•"/>
+            </a:pPr>
+            <a:r>
+              <a:rPr lang="en-US" sz="2000" dirty="0" smtClean="0">
+                <a:solidFill>
+                  <a:schemeClr val="bg1"/>
+                </a:solidFill>
+              </a:rPr>
+              <a:t>Copy Options :</a:t>
+            </a:r>
+          </a:p>
+          <a:p>
+            <a:pPr marL="742950" lvl="1" indent="-285750">
+              <a:buFont typeface="Arial" panose="020B0604020202020204" pitchFamily="34" charset="0"/>
+              <a:buChar char="•"/>
+            </a:pPr>
+            <a:r>
+              <a:rPr lang="en-US" sz="2000" dirty="0">
+                <a:solidFill>
+                  <a:schemeClr val="bg1"/>
+                </a:solidFill>
+              </a:rPr>
+              <a:t>REPLACE_EXISTING – Performs the copy even when the target file already </a:t>
+            </a:r>
+            <a:r>
+              <a:rPr lang="en-US" sz="2000" dirty="0" smtClean="0">
+                <a:solidFill>
+                  <a:schemeClr val="bg1"/>
+                </a:solidFill>
+              </a:rPr>
+              <a:t>exists.</a:t>
+            </a:r>
+          </a:p>
+          <a:p>
+            <a:pPr marL="742950" lvl="1" indent="-285750">
+              <a:buFont typeface="Arial" panose="020B0604020202020204" pitchFamily="34" charset="0"/>
+              <a:buChar char="•"/>
+            </a:pPr>
+            <a:r>
+              <a:rPr lang="en-US" sz="2000" dirty="0">
+                <a:solidFill>
+                  <a:schemeClr val="bg1"/>
+                </a:solidFill>
+              </a:rPr>
+              <a:t>COPY_ATTRIBUTES – Copies the file attributes associated with the file to the target </a:t>
+            </a:r>
+            <a:r>
+              <a:rPr lang="en-US" sz="2000" dirty="0" smtClean="0">
+                <a:solidFill>
+                  <a:schemeClr val="bg1"/>
+                </a:solidFill>
+              </a:rPr>
+              <a:t>file.</a:t>
+            </a:r>
+          </a:p>
+          <a:p>
+            <a:pPr marL="742950" lvl="1" indent="-285750">
+              <a:buFont typeface="Arial" panose="020B0604020202020204" pitchFamily="34" charset="0"/>
+              <a:buChar char="•"/>
+            </a:pPr>
+            <a:r>
+              <a:rPr lang="en-US" sz="2000" dirty="0">
+                <a:solidFill>
+                  <a:schemeClr val="bg1"/>
+                </a:solidFill>
+              </a:rPr>
+              <a:t>NOFOLLOW_LINKS – Indicates that symbolic links should not be </a:t>
+            </a:r>
+            <a:r>
+              <a:rPr lang="en-US" sz="2000" dirty="0" smtClean="0">
+                <a:solidFill>
+                  <a:schemeClr val="bg1"/>
+                </a:solidFill>
+              </a:rPr>
+              <a:t>followed.</a:t>
+            </a:r>
+          </a:p>
+          <a:p>
+            <a:pPr marL="742950" lvl="1" indent="-285750">
+              <a:buFont typeface="Arial" panose="020B0604020202020204" pitchFamily="34" charset="0"/>
+              <a:buChar char="•"/>
+            </a:pPr>
+            <a:endParaRPr lang="en-US" sz="2000" dirty="0">
+              <a:solidFill>
+                <a:schemeClr val="bg1"/>
+              </a:solidFill>
+            </a:endParaRPr>
+          </a:p>
+          <a:p>
+            <a:pPr marL="282575" lvl="1" indent="-282575">
+              <a:buFont typeface="Arial" panose="020B0604020202020204" pitchFamily="34" charset="0"/>
+              <a:buChar char="•"/>
+            </a:pPr>
+            <a:r>
+              <a:rPr lang="en-US" sz="2000" dirty="0">
+                <a:solidFill>
+                  <a:schemeClr val="bg1"/>
+                </a:solidFill>
+              </a:rPr>
+              <a:t>The </a:t>
+            </a:r>
+            <a:r>
+              <a:rPr lang="en-US" sz="2400" b="1" dirty="0">
+                <a:solidFill>
+                  <a:schemeClr val="bg1"/>
+                </a:solidFill>
+              </a:rPr>
+              <a:t>copy(</a:t>
+            </a:r>
+            <a:r>
+              <a:rPr lang="en-US" sz="2400" b="1" dirty="0" err="1">
+                <a:solidFill>
+                  <a:schemeClr val="bg1"/>
+                </a:solidFill>
+              </a:rPr>
+              <a:t>InputStream</a:t>
+            </a:r>
+            <a:r>
+              <a:rPr lang="en-US" sz="2400" b="1" dirty="0">
+                <a:solidFill>
+                  <a:schemeClr val="bg1"/>
+                </a:solidFill>
+              </a:rPr>
+              <a:t>, Path, </a:t>
+            </a:r>
+            <a:r>
+              <a:rPr lang="en-US" sz="2400" b="1" dirty="0" err="1">
+                <a:solidFill>
+                  <a:schemeClr val="bg1"/>
+                </a:solidFill>
+              </a:rPr>
+              <a:t>CopyOptions</a:t>
+            </a:r>
+            <a:r>
+              <a:rPr lang="en-US" sz="2400" b="1" dirty="0">
+                <a:solidFill>
+                  <a:schemeClr val="bg1"/>
+                </a:solidFill>
+              </a:rPr>
+              <a:t>...) </a:t>
+            </a:r>
+            <a:r>
+              <a:rPr lang="en-US" sz="2000" dirty="0">
+                <a:solidFill>
+                  <a:schemeClr val="bg1"/>
+                </a:solidFill>
+              </a:rPr>
+              <a:t>method may be used to copy all bytes from an input stream to a </a:t>
+            </a:r>
+            <a:r>
+              <a:rPr lang="en-US" sz="2000" dirty="0" smtClean="0">
+                <a:solidFill>
+                  <a:schemeClr val="bg1"/>
+                </a:solidFill>
+              </a:rPr>
+              <a:t>file.</a:t>
+            </a:r>
+          </a:p>
+          <a:p>
+            <a:pPr marL="282575" lvl="1" indent="-282575">
+              <a:buFont typeface="Arial" panose="020B0604020202020204" pitchFamily="34" charset="0"/>
+              <a:buChar char="•"/>
+            </a:pPr>
+            <a:r>
+              <a:rPr lang="en-US" sz="2000" dirty="0">
+                <a:solidFill>
+                  <a:schemeClr val="bg1"/>
+                </a:solidFill>
+              </a:rPr>
+              <a:t>The </a:t>
+            </a:r>
+            <a:r>
+              <a:rPr lang="en-US" sz="2400" b="1" dirty="0">
+                <a:solidFill>
+                  <a:schemeClr val="bg1"/>
+                </a:solidFill>
+              </a:rPr>
+              <a:t>copy(Path, </a:t>
+            </a:r>
+            <a:r>
+              <a:rPr lang="en-US" sz="2400" b="1" dirty="0" err="1">
+                <a:solidFill>
+                  <a:schemeClr val="bg1"/>
+                </a:solidFill>
+              </a:rPr>
+              <a:t>OutputStream</a:t>
+            </a:r>
+            <a:r>
+              <a:rPr lang="en-US" sz="2400" b="1" dirty="0">
+                <a:solidFill>
+                  <a:schemeClr val="bg1"/>
+                </a:solidFill>
+              </a:rPr>
+              <a:t>) </a:t>
+            </a:r>
+            <a:r>
+              <a:rPr lang="en-US" sz="2000" dirty="0">
+                <a:solidFill>
+                  <a:schemeClr val="bg1"/>
+                </a:solidFill>
+              </a:rPr>
+              <a:t>method may be used to copy all bytes from a file to an output </a:t>
+            </a:r>
+            <a:r>
+              <a:rPr lang="en-US" sz="2000" dirty="0" smtClean="0">
+                <a:solidFill>
+                  <a:schemeClr val="bg1"/>
+                </a:solidFill>
+              </a:rPr>
+              <a:t>stream.</a:t>
+            </a:r>
+          </a:p>
+          <a:p>
+            <a:pPr marL="282575" lvl="1" indent="-282575">
+              <a:buFont typeface="Arial" panose="020B0604020202020204" pitchFamily="34" charset="0"/>
+              <a:buChar char="•"/>
+            </a:pPr>
+            <a:r>
+              <a:rPr lang="en-US" sz="2000" dirty="0" smtClean="0">
+                <a:solidFill>
+                  <a:schemeClr val="bg1"/>
+                </a:solidFill>
+              </a:rPr>
+              <a:t>Ex: </a:t>
+            </a:r>
+          </a:p>
+          <a:p>
+            <a:pPr marL="1196975" lvl="3" indent="-282575">
+              <a:buFont typeface="Arial" panose="020B0604020202020204" pitchFamily="34" charset="0"/>
+              <a:buChar char="•"/>
+            </a:pPr>
+            <a:r>
+              <a:rPr lang="en-US" sz="2000" dirty="0" smtClean="0">
+                <a:solidFill>
+                  <a:srgbClr val="C00000"/>
+                </a:solidFill>
+              </a:rPr>
+              <a:t>import </a:t>
+            </a:r>
+            <a:r>
+              <a:rPr lang="en-US" sz="2000" dirty="0">
+                <a:solidFill>
+                  <a:srgbClr val="C00000"/>
+                </a:solidFill>
+              </a:rPr>
+              <a:t>static </a:t>
+            </a:r>
+            <a:r>
+              <a:rPr lang="en-US" sz="2000" dirty="0" err="1">
+                <a:solidFill>
+                  <a:srgbClr val="C00000"/>
+                </a:solidFill>
+              </a:rPr>
+              <a:t>java.nio.file.StandardCopyOption</a:t>
+            </a:r>
+            <a:r>
+              <a:rPr lang="en-US" sz="2000" dirty="0">
+                <a:solidFill>
+                  <a:srgbClr val="C00000"/>
+                </a:solidFill>
+              </a:rPr>
+              <a:t>.*;</a:t>
+            </a:r>
+          </a:p>
+          <a:p>
+            <a:pPr marL="1196975" lvl="3" indent="-282575">
+              <a:buFont typeface="Arial" panose="020B0604020202020204" pitchFamily="34" charset="0"/>
+              <a:buChar char="•"/>
+            </a:pPr>
+            <a:r>
+              <a:rPr lang="en-US" sz="2000" dirty="0">
+                <a:solidFill>
+                  <a:srgbClr val="C00000"/>
+                </a:solidFill>
+              </a:rPr>
+              <a:t>...</a:t>
+            </a:r>
+          </a:p>
+          <a:p>
+            <a:pPr marL="1196975" lvl="3" indent="-282575">
+              <a:buFont typeface="Arial" panose="020B0604020202020204" pitchFamily="34" charset="0"/>
+              <a:buChar char="•"/>
+            </a:pPr>
+            <a:r>
+              <a:rPr lang="en-US" sz="2000" dirty="0" err="1">
+                <a:solidFill>
+                  <a:srgbClr val="C00000"/>
+                </a:solidFill>
+              </a:rPr>
+              <a:t>Files.copy</a:t>
+            </a:r>
+            <a:r>
+              <a:rPr lang="en-US" sz="2000" dirty="0">
+                <a:solidFill>
+                  <a:srgbClr val="C00000"/>
+                </a:solidFill>
+              </a:rPr>
+              <a:t>(source, target, REPLACE_EXISTING);</a:t>
+            </a:r>
+            <a:endParaRPr lang="en-US" sz="2000" dirty="0" smtClean="0">
+              <a:solidFill>
+                <a:srgbClr val="C00000"/>
+              </a:solidFill>
+            </a:endParaRPr>
+          </a:p>
+          <a:p>
+            <a:pPr marL="285750" indent="-285750">
+              <a:buFont typeface="Arial" panose="020B0604020202020204" pitchFamily="34" charset="0"/>
+              <a:buChar char="•"/>
+            </a:pPr>
+            <a:endParaRPr lang="en-US" dirty="0">
+              <a:solidFill>
+                <a:schemeClr val="bg1"/>
+              </a:solidFill>
+            </a:endParaRPr>
+          </a:p>
+        </p:txBody>
+      </p:sp>
+      <p:sp>
+        <p:nvSpPr>
+          <p:cNvPr id="13" name="TextBox 12"/>
+          <p:cNvSpPr txBox="1"/>
+          <p:nvPr/>
+        </p:nvSpPr>
+        <p:spPr>
+          <a:xfrm>
+            <a:off x="2689412" y="4504765"/>
+            <a:ext cx="184731" cy="369332"/>
+          </a:xfrm>
+          <a:prstGeom prst="rect">
+            <a:avLst/>
+          </a:prstGeom>
+          <a:noFill/>
+        </p:spPr>
+        <p:txBody>
+          <a:bodyPr wrap="none" rtlCol="0">
+            <a:spAutoFit/>
+          </a:bodyPr>
+          <a:lstStyle/>
+          <a:p>
+            <a:endParaRPr lang="en-US" dirty="0"/>
+          </a:p>
+        </p:txBody>
+      </p:sp>
+      <p:sp>
+        <p:nvSpPr>
+          <p:cNvPr id="14" name="TextBox 13"/>
+          <p:cNvSpPr txBox="1"/>
+          <p:nvPr/>
+        </p:nvSpPr>
+        <p:spPr>
+          <a:xfrm>
+            <a:off x="1202919" y="5856194"/>
+            <a:ext cx="9312681" cy="584775"/>
+          </a:xfrm>
+          <a:prstGeom prst="rect">
+            <a:avLst/>
+          </a:prstGeom>
+          <a:noFill/>
+        </p:spPr>
+        <p:txBody>
+          <a:bodyPr wrap="square" rtlCol="0">
+            <a:spAutoFit/>
+          </a:bodyPr>
+          <a:lstStyle/>
+          <a:p>
+            <a:r>
+              <a:rPr lang="en-US" sz="3200" dirty="0">
+                <a:solidFill>
+                  <a:schemeClr val="bg1"/>
+                </a:solidFill>
+              </a:rPr>
+              <a:t>Lab19.13: Demonstration of File copying</a:t>
+            </a:r>
+          </a:p>
+        </p:txBody>
+      </p:sp>
     </p:spTree>
     <p:extLst>
       <p:ext uri="{BB962C8B-B14F-4D97-AF65-F5344CB8AC3E}">
@@ -15196,7 +15597,7 @@
         <p:spPr>
           <a:xfrm>
             <a:off x="444820" y="390569"/>
-            <a:ext cx="5650139" cy="584775"/>
+            <a:ext cx="9290851" cy="584775"/>
           </a:xfrm>
           <a:prstGeom prst="rect">
             <a:avLst/>
@@ -15215,7 +15616,23 @@
                   <a:schemeClr val="bg1"/>
                 </a:solidFill>
               </a:rPr>
-              <a:t>File I/O</a:t>
+              <a:t>File Operations – </a:t>
+            </a:r>
+            <a:r>
+              <a:rPr lang="en-US" sz="3200" b="1" dirty="0" smtClean="0">
+                <a:solidFill>
+                  <a:schemeClr val="bg1"/>
+                </a:solidFill>
+              </a:rPr>
+              <a:t>Moving </a:t>
+            </a:r>
+            <a:r>
+              <a:rPr lang="en-US" sz="3200" b="1" dirty="0" smtClean="0">
+                <a:solidFill>
+                  <a:schemeClr val="bg1"/>
+                </a:solidFill>
+              </a:rPr>
+              <a:t>a File/Directory</a:t>
             </a:r>
             <a:endParaRPr lang="en-US" sz="3200" b="1" dirty="0">
               <a:solidFill>
@@ -15315,10 +15732,343 @@
           </a:p>
         </p:txBody>
       </p:sp>
+      <p:sp>
+        <p:nvSpPr>
+          <p:cNvPr id="3" name="TextBox 2"/>
+          <p:cNvSpPr txBox="1"/>
+          <p:nvPr/>
+        </p:nvSpPr>
+        <p:spPr>
+          <a:xfrm>
+            <a:off x="557897" y="1194911"/>
+            <a:ext cx="9668436" cy="707886"/>
+          </a:xfrm>
+          <a:prstGeom prst="rect">
+            <a:avLst/>
+          </a:prstGeom>
+          <a:noFill/>
+        </p:spPr>
+        <p:txBody>
+          <a:bodyPr wrap="square" rtlCol="0">
+            <a:spAutoFit/>
+          </a:bodyPr>
+          <a:lstStyle/>
+          <a:p>
+            <a:pPr marL="914400" lvl="3"/>
+            <a:endParaRPr lang="en-US" sz="2000" dirty="0">
+              <a:solidFill>
+                <a:srgbClr val="C00000"/>
+              </a:solidFill>
+            </a:endParaRPr>
+          </a:p>
+          <a:p>
+            <a:pPr marL="914400" lvl="3"/>
+            <a:endParaRPr lang="en-US" sz="2000" dirty="0">
+              <a:solidFill>
+                <a:srgbClr val="C00000"/>
+              </a:solidFill>
+            </a:endParaRPr>
+          </a:p>
+        </p:txBody>
+      </p:sp>
+      <p:sp>
+        <p:nvSpPr>
+          <p:cNvPr id="11" name="TextBox 10"/>
+          <p:cNvSpPr txBox="1"/>
+          <p:nvPr/>
+        </p:nvSpPr>
+        <p:spPr>
+          <a:xfrm>
+            <a:off x="557897" y="1315670"/>
+            <a:ext cx="10429102" cy="400110"/>
+          </a:xfrm>
+          <a:prstGeom prst="rect">
+            <a:avLst/>
+          </a:prstGeom>
+          <a:noFill/>
+        </p:spPr>
+        <p:txBody>
+          <a:bodyPr wrap="square" rtlCol="0">
+            <a:spAutoFit/>
+          </a:bodyPr>
+          <a:lstStyle/>
+          <a:p>
+            <a:pPr marL="285750" indent="-285750">
+              <a:buFont typeface="Arial" panose="020B0604020202020204" pitchFamily="34" charset="0"/>
+              <a:buChar char="•"/>
+            </a:pPr>
+            <a:endParaRPr lang="en-US" sz="2000" dirty="0">
+              <a:solidFill>
+                <a:schemeClr val="bg1"/>
+              </a:solidFill>
+            </a:endParaRPr>
+          </a:p>
+        </p:txBody>
+      </p:sp>
+      <p:sp>
+        <p:nvSpPr>
+          <p:cNvPr id="13" name="TextBox 12"/>
+          <p:cNvSpPr txBox="1"/>
+          <p:nvPr/>
+        </p:nvSpPr>
+        <p:spPr>
+          <a:xfrm>
+            <a:off x="2689412" y="4504765"/>
+            <a:ext cx="184731" cy="369332"/>
+          </a:xfrm>
+          <a:prstGeom prst="rect">
+            <a:avLst/>
+          </a:prstGeom>
+          <a:noFill/>
+        </p:spPr>
+        <p:txBody>
+          <a:bodyPr wrap="none" rtlCol="0">
+            <a:spAutoFit/>
+          </a:bodyPr>
+          <a:lstStyle/>
+          <a:p>
+            <a:endParaRPr lang="en-US" dirty="0"/>
+          </a:p>
+        </p:txBody>
+      </p:sp>
+      <p:sp>
+        <p:nvSpPr>
+          <p:cNvPr id="17" name="TextBox 16"/>
+          <p:cNvSpPr txBox="1"/>
+          <p:nvPr/>
+        </p:nvSpPr>
+        <p:spPr>
+          <a:xfrm>
+            <a:off x="557897" y="1315670"/>
+            <a:ext cx="11074124" cy="3170099"/>
+          </a:xfrm>
+          <a:prstGeom prst="rect">
+            <a:avLst/>
+          </a:prstGeom>
+          <a:noFill/>
+        </p:spPr>
+        <p:txBody>
+          <a:bodyPr wrap="square" rtlCol="0">
+            <a:spAutoFit/>
+          </a:bodyPr>
+          <a:lstStyle/>
+          <a:p>
+            <a:pPr marL="285750" indent="-285750">
+              <a:buFont typeface="Arial" panose="020B0604020202020204" pitchFamily="34" charset="0"/>
+              <a:buChar char="•"/>
+            </a:pPr>
+            <a:r>
+              <a:rPr lang="en-US" sz="2000" dirty="0">
+                <a:solidFill>
+                  <a:schemeClr val="bg1"/>
+                </a:solidFill>
+              </a:rPr>
+              <a:t>You can move a file or directory by using the move(Path, Path, </a:t>
+            </a:r>
+            <a:r>
+              <a:rPr lang="en-US" sz="2000" dirty="0" err="1">
+                <a:solidFill>
+                  <a:schemeClr val="bg1"/>
+                </a:solidFill>
+              </a:rPr>
+              <a:t>CopyOption</a:t>
+            </a:r>
+            <a:r>
+              <a:rPr lang="en-US" sz="2000" dirty="0" smtClean="0">
+                <a:solidFill>
+                  <a:schemeClr val="bg1"/>
+                </a:solidFill>
+              </a:rPr>
+              <a:t>...).</a:t>
+            </a:r>
+          </a:p>
+          <a:p>
+            <a:pPr marL="285750" indent="-285750">
+              <a:buFont typeface="Arial" panose="020B0604020202020204" pitchFamily="34" charset="0"/>
+              <a:buChar char="•"/>
+            </a:pPr>
+            <a:r>
+              <a:rPr lang="en-US" sz="2000" dirty="0" err="1" smtClean="0">
+                <a:solidFill>
+                  <a:schemeClr val="bg1"/>
+                </a:solidFill>
+              </a:rPr>
+              <a:t>StandardCopyOption</a:t>
+            </a:r>
+            <a:r>
+              <a:rPr lang="en-US" sz="2000" dirty="0" smtClean="0">
+                <a:solidFill>
+                  <a:schemeClr val="bg1"/>
+                </a:solidFill>
+              </a:rPr>
+              <a:t>:</a:t>
+            </a:r>
+          </a:p>
+          <a:p>
+            <a:pPr marL="742950" lvl="1" indent="-285750">
+              <a:buFont typeface="Arial" panose="020B0604020202020204" pitchFamily="34" charset="0"/>
+              <a:buChar char="•"/>
+            </a:pPr>
+            <a:r>
+              <a:rPr lang="en-US" sz="2000" b="1" dirty="0">
+                <a:solidFill>
+                  <a:schemeClr val="bg1"/>
+                </a:solidFill>
+              </a:rPr>
+              <a:t>REPLACE_EXISTING</a:t>
+            </a:r>
+            <a:r>
+              <a:rPr lang="en-US" sz="2000" dirty="0">
+                <a:solidFill>
+                  <a:schemeClr val="bg1"/>
+                </a:solidFill>
+              </a:rPr>
+              <a:t> – Performs the move even when the target file already exists</a:t>
+            </a:r>
+            <a:r>
+              <a:rPr lang="en-US" sz="2000" dirty="0" smtClean="0">
+                <a:solidFill>
+                  <a:schemeClr val="bg1"/>
+                </a:solidFill>
+              </a:rPr>
+              <a:t>.</a:t>
+            </a:r>
+          </a:p>
+          <a:p>
+            <a:pPr marL="742950" lvl="1" indent="-285750">
+              <a:buFont typeface="Arial" panose="020B0604020202020204" pitchFamily="34" charset="0"/>
+              <a:buChar char="•"/>
+            </a:pPr>
+            <a:r>
+              <a:rPr lang="en-US" sz="2000" b="1" dirty="0">
+                <a:solidFill>
+                  <a:schemeClr val="bg1"/>
+                </a:solidFill>
+              </a:rPr>
+              <a:t>ATOMIC_MOVE</a:t>
+            </a:r>
+            <a:r>
+              <a:rPr lang="en-US" sz="2000" dirty="0">
+                <a:solidFill>
+                  <a:schemeClr val="bg1"/>
+                </a:solidFill>
+              </a:rPr>
+              <a:t> – Performs the move as an atomic file operation. If the file system does not support an atomic move, an exception is thrown</a:t>
+            </a:r>
+            <a:r>
+              <a:rPr lang="en-US" sz="2000" dirty="0" smtClean="0">
+                <a:solidFill>
+                  <a:schemeClr val="bg1"/>
+                </a:solidFill>
+              </a:rPr>
+              <a:t>.</a:t>
+            </a:r>
+          </a:p>
+          <a:p>
+            <a:pPr marL="742950" lvl="1" indent="-285750">
+              <a:buFont typeface="Arial" panose="020B0604020202020204" pitchFamily="34" charset="0"/>
+              <a:buChar char="•"/>
+            </a:pPr>
+            <a:endParaRPr lang="en-US" sz="2000" dirty="0">
+              <a:solidFill>
+                <a:schemeClr val="bg1"/>
+              </a:solidFill>
+            </a:endParaRPr>
+          </a:p>
+          <a:p>
+            <a:pPr marL="742950" lvl="1" indent="-285750">
+              <a:buFont typeface="Arial" panose="020B0604020202020204" pitchFamily="34" charset="0"/>
+              <a:buChar char="•"/>
+            </a:pPr>
+            <a:r>
+              <a:rPr lang="en-US" sz="2000" dirty="0" smtClean="0">
+                <a:solidFill>
+                  <a:schemeClr val="bg1"/>
+                </a:solidFill>
+              </a:rPr>
+              <a:t>Ex:</a:t>
+            </a:r>
+          </a:p>
+          <a:p>
+            <a:pPr marL="1200150" lvl="2" indent="-285750">
+              <a:buFont typeface="Arial" panose="020B0604020202020204" pitchFamily="34" charset="0"/>
+              <a:buChar char="•"/>
+            </a:pPr>
+            <a:r>
+              <a:rPr lang="en-US" sz="2000" dirty="0">
+                <a:solidFill>
+                  <a:srgbClr val="C00000"/>
+                </a:solidFill>
+              </a:rPr>
+              <a:t>import static </a:t>
+            </a:r>
+            <a:r>
+              <a:rPr lang="en-US" sz="2000" dirty="0" err="1">
+                <a:solidFill>
+                  <a:srgbClr val="C00000"/>
+                </a:solidFill>
+              </a:rPr>
+              <a:t>java.nio.file.StandardCopyOption</a:t>
+            </a:r>
+            <a:r>
+              <a:rPr lang="en-US" sz="2000" dirty="0">
+                <a:solidFill>
+                  <a:srgbClr val="C00000"/>
+                </a:solidFill>
+              </a:rPr>
+              <a:t>.*;</a:t>
+            </a:r>
+          </a:p>
+          <a:p>
+            <a:pPr marL="1200150" lvl="2" indent="-285750">
+              <a:buFont typeface="Arial" panose="020B0604020202020204" pitchFamily="34" charset="0"/>
+              <a:buChar char="•"/>
+            </a:pPr>
+            <a:r>
+              <a:rPr lang="en-US" sz="2000" dirty="0">
+                <a:solidFill>
+                  <a:srgbClr val="C00000"/>
+                </a:solidFill>
+              </a:rPr>
+              <a:t>...</a:t>
+            </a:r>
+          </a:p>
+          <a:p>
+            <a:pPr marL="1200150" lvl="2" indent="-285750">
+              <a:buFont typeface="Arial" panose="020B0604020202020204" pitchFamily="34" charset="0"/>
+              <a:buChar char="•"/>
+            </a:pPr>
+            <a:r>
+              <a:rPr lang="en-US" sz="2000" dirty="0" err="1">
+                <a:solidFill>
+                  <a:srgbClr val="C00000"/>
+                </a:solidFill>
+              </a:rPr>
+              <a:t>Files.move</a:t>
+            </a:r>
+            <a:r>
+              <a:rPr lang="en-US" sz="2000" dirty="0">
+                <a:solidFill>
+                  <a:srgbClr val="C00000"/>
+                </a:solidFill>
+              </a:rPr>
+              <a:t>(source, target, REPLACE_EXISTING</a:t>
+            </a:r>
+            <a:r>
+              <a:rPr lang="en-US" dirty="0">
+                <a:solidFill>
+                  <a:srgbClr val="C00000"/>
+                </a:solidFill>
+              </a:rPr>
+              <a:t>);</a:t>
+            </a:r>
+          </a:p>
+        </p:txBody>
+      </p:sp>
     </p:spTree>
     <p:extLst>
       <p:ext uri="{BB962C8B-B14F-4D97-AF65-F5344CB8AC3E}">
-        <p14:creationId xmlns:p14="http://schemas.microsoft.com/office/powerpoint/2010/main" val="1321772074"/>
+        <p14:creationId xmlns:p14="http://schemas.microsoft.com/office/powerpoint/2010/main" val="3871511732"/>
       </p:ext>
     </p:extLst>
   </p:cSld>
@@ -15514,7 +16264,7 @@
         <p:spPr>
           <a:xfrm>
             <a:off x="444820" y="390569"/>
-            <a:ext cx="5650139" cy="584775"/>
+            <a:ext cx="9290851" cy="584775"/>
           </a:xfrm>
           <a:prstGeom prst="rect">
             <a:avLst/>
@@ -15533,7 +16283,15 @@
                   <a:schemeClr val="bg1"/>
                 </a:solidFill>
               </a:rPr>
-              <a:t>File I/O (Prior to SE7)</a:t>
+              <a:t>File Operations – </a:t>
+            </a:r>
+            <a:r>
+              <a:rPr lang="en-US" sz="3200" b="1" dirty="0" smtClean="0">
+                <a:solidFill>
+                  <a:schemeClr val="bg1"/>
+                </a:solidFill>
+              </a:rPr>
+              <a:t>Managing Meta data</a:t>
             </a:r>
             <a:endParaRPr lang="en-US" sz="3200" b="1" dirty="0">
               <a:solidFill>
@@ -15641,53 +16399,146 @@
         </p:nvSpPr>
         <p:spPr>
           <a:xfrm>
-            <a:off x="591671" y="1315670"/>
-            <a:ext cx="9197788" cy="523220"/>
-          </a:xfrm>
-          <a:prstGeom prst="rect">
-            <a:avLst/>
-          </a:prstGeom>
-          <a:noFill/>
-        </p:spPr>
-        <p:txBody>
-          <a:bodyPr wrap="square" rtlCol="0">
-            <a:spAutoFit/>
-          </a:bodyPr>
-          <a:lstStyle/>
-          <a:p>
-            <a:r>
-              <a:rPr lang="en-US" sz="2800" i="1" dirty="0">
-                <a:solidFill>
-                  <a:schemeClr val="bg1"/>
-                </a:solidFill>
-              </a:rPr>
-              <a:t>Mapping </a:t>
-            </a:r>
-            <a:r>
-              <a:rPr lang="en-US" sz="2800" i="1" dirty="0" err="1">
-                <a:solidFill>
-                  <a:schemeClr val="bg1"/>
-                </a:solidFill>
-              </a:rPr>
-              <a:t>java.io.File</a:t>
-            </a:r>
-            <a:r>
-              <a:rPr lang="en-US" sz="2800" i="1" dirty="0">
-                <a:solidFill>
-                  <a:schemeClr val="bg1"/>
-                </a:solidFill>
-              </a:rPr>
-              <a:t> Functionality to </a:t>
-            </a:r>
-            <a:r>
-              <a:rPr lang="en-US" sz="2800" i="1" dirty="0" err="1">
-                <a:solidFill>
-                  <a:schemeClr val="bg1"/>
-                </a:solidFill>
-              </a:rPr>
-              <a:t>java.nio.file</a:t>
-            </a:r>
-            <a:endParaRPr lang="en-US" sz="2800" i="1" dirty="0">
+            <a:off x="557897" y="1194911"/>
+            <a:ext cx="9668436" cy="707886"/>
+          </a:xfrm>
+          <a:prstGeom prst="rect">
+            <a:avLst/>
+          </a:prstGeom>
+          <a:noFill/>
+        </p:spPr>
+        <p:txBody>
+          <a:bodyPr wrap="square" rtlCol="0">
+            <a:spAutoFit/>
+          </a:bodyPr>
+          <a:lstStyle/>
+          <a:p>
+            <a:pPr marL="914400" lvl="3"/>
+            <a:endParaRPr lang="en-US" sz="2000" dirty="0">
+              <a:solidFill>
+                <a:srgbClr val="C00000"/>
+              </a:solidFill>
+            </a:endParaRPr>
+          </a:p>
+          <a:p>
+            <a:pPr marL="914400" lvl="3"/>
+            <a:endParaRPr lang="en-US" sz="2000" dirty="0">
+              <a:solidFill>
+                <a:srgbClr val="C00000"/>
+              </a:solidFill>
+            </a:endParaRPr>
+          </a:p>
+        </p:txBody>
+      </p:sp>
+      <p:sp>
+        <p:nvSpPr>
+          <p:cNvPr id="11" name="TextBox 10"/>
+          <p:cNvSpPr txBox="1"/>
+          <p:nvPr/>
+        </p:nvSpPr>
+        <p:spPr>
+          <a:xfrm>
+            <a:off x="557897" y="1315670"/>
+            <a:ext cx="10429102" cy="400110"/>
+          </a:xfrm>
+          <a:prstGeom prst="rect">
+            <a:avLst/>
+          </a:prstGeom>
+          <a:noFill/>
+        </p:spPr>
+        <p:txBody>
+          <a:bodyPr wrap="square" rtlCol="0">
+            <a:spAutoFit/>
+          </a:bodyPr>
+          <a:lstStyle/>
+          <a:p>
+            <a:pPr marL="285750" indent="-285750">
+              <a:buFont typeface="Arial" panose="020B0604020202020204" pitchFamily="34" charset="0"/>
+              <a:buChar char="•"/>
+            </a:pPr>
+            <a:endParaRPr lang="en-US" sz="2000" dirty="0">
+              <a:solidFill>
+                <a:schemeClr val="bg1"/>
+              </a:solidFill>
+            </a:endParaRPr>
+          </a:p>
+        </p:txBody>
+      </p:sp>
+      <p:sp>
+        <p:nvSpPr>
+          <p:cNvPr id="13" name="TextBox 12"/>
+          <p:cNvSpPr txBox="1"/>
+          <p:nvPr/>
+        </p:nvSpPr>
+        <p:spPr>
+          <a:xfrm>
+            <a:off x="2689412" y="4504765"/>
+            <a:ext cx="184731" cy="369332"/>
+          </a:xfrm>
+          <a:prstGeom prst="rect">
+            <a:avLst/>
+          </a:prstGeom>
+          <a:noFill/>
+        </p:spPr>
+        <p:txBody>
+          <a:bodyPr wrap="none" rtlCol="0">
+            <a:spAutoFit/>
+          </a:bodyPr>
+          <a:lstStyle/>
+          <a:p>
+            <a:endParaRPr lang="en-US" dirty="0"/>
+          </a:p>
+        </p:txBody>
+      </p:sp>
+      <p:sp>
+        <p:nvSpPr>
+          <p:cNvPr id="17" name="TextBox 16"/>
+          <p:cNvSpPr txBox="1"/>
+          <p:nvPr/>
+        </p:nvSpPr>
+        <p:spPr>
+          <a:xfrm>
+            <a:off x="557897" y="1315670"/>
+            <a:ext cx="11074124" cy="769441"/>
+          </a:xfrm>
+          <a:prstGeom prst="rect">
+            <a:avLst/>
+          </a:prstGeom>
+          <a:noFill/>
+        </p:spPr>
+        <p:txBody>
+          <a:bodyPr wrap="square" rtlCol="0">
+            <a:spAutoFit/>
+          </a:bodyPr>
+          <a:lstStyle/>
+          <a:p>
+            <a:pPr marL="285750" indent="-285750">
+              <a:buFont typeface="Arial" panose="020B0604020202020204" pitchFamily="34" charset="0"/>
+              <a:buChar char="•"/>
+            </a:pPr>
+            <a:r>
+              <a:rPr lang="en-US" sz="2400" b="1" dirty="0" smtClean="0">
+                <a:solidFill>
+                  <a:schemeClr val="bg1"/>
+                </a:solidFill>
+              </a:rPr>
+              <a:t>Files</a:t>
+            </a:r>
+            <a:r>
+              <a:rPr lang="en-US" sz="2000" dirty="0" smtClean="0">
+                <a:solidFill>
+                  <a:schemeClr val="bg1"/>
+                </a:solidFill>
+              </a:rPr>
+              <a:t> class provides various methods for managing meta data (i.e. data about data).</a:t>
+            </a:r>
+          </a:p>
+          <a:p>
+            <a:pPr marL="285750" indent="-285750">
+              <a:buFont typeface="Arial" panose="020B0604020202020204" pitchFamily="34" charset="0"/>
+              <a:buChar char="•"/>
+            </a:pPr>
+            <a:endParaRPr lang="en-US" sz="2000" dirty="0">
               <a:solidFill>
                 <a:schemeClr val="bg1"/>
               </a:solidFill>
@@ -15697,7 +16548,7 @@
       </p:sp>
       <p:pic>
         <p:nvPicPr>
-          <p:cNvPr id="11" name="Picture 10"/>
+          <p:cNvPr id="12" name="Picture 11"/>
           <p:cNvPicPr>
             <a:picLocks noChangeAspect="1"/>
           </p:cNvPicPr>
@@ -15711,8 +16562,8 @@
         </p:blipFill>
         <p:spPr>
           <a:xfrm>
-            <a:off x="591671" y="1814286"/>
-            <a:ext cx="9704927" cy="4852594"/>
+            <a:off x="679382" y="1792936"/>
+            <a:ext cx="9746252" cy="4912664"/>
           </a:xfrm>
           <a:prstGeom prst="rect">
             <a:avLst/>
@@ -15722,7 +16573,7 @@
     </p:spTree>
     <p:extLst>
       <p:ext uri="{BB962C8B-B14F-4D97-AF65-F5344CB8AC3E}">
-        <p14:creationId xmlns:p14="http://schemas.microsoft.com/office/powerpoint/2010/main" val="656930572"/>
+        <p14:creationId xmlns:p14="http://schemas.microsoft.com/office/powerpoint/2010/main" val="532474894"/>
       </p:ext>
     </p:extLst>
   </p:cSld>
@@ -16093,7 +16944,7 @@
         <p:spPr>
           <a:xfrm>
             <a:off x="444820" y="390569"/>
-            <a:ext cx="5650139" cy="584775"/>
+            <a:ext cx="9290851" cy="584775"/>
           </a:xfrm>
           <a:prstGeom prst="rect">
             <a:avLst/>
@@ -16112,7 +16963,15 @@
                   <a:schemeClr val="bg1"/>
                 </a:solidFill>
               </a:rPr>
-              <a:t>File I/O (Prior to SE7)…….</a:t>
+              <a:t>File Operations – </a:t>
+            </a:r>
+            <a:r>
+              <a:rPr lang="en-US" sz="3200" b="1" dirty="0" smtClean="0">
+                <a:solidFill>
+                  <a:schemeClr val="bg1"/>
+                </a:solidFill>
+              </a:rPr>
+              <a:t>Managing Meta data …..</a:t>
             </a:r>
             <a:endParaRPr lang="en-US" sz="3200" b="1" dirty="0">
               <a:solidFill>
@@ -16212,9 +17071,108 @@
           </a:p>
         </p:txBody>
       </p:sp>
+      <p:sp>
+        <p:nvSpPr>
+          <p:cNvPr id="3" name="TextBox 2"/>
+          <p:cNvSpPr txBox="1"/>
+          <p:nvPr/>
+        </p:nvSpPr>
+        <p:spPr>
+          <a:xfrm>
+            <a:off x="557897" y="1194911"/>
+            <a:ext cx="9668436" cy="707886"/>
+          </a:xfrm>
+          <a:prstGeom prst="rect">
+            <a:avLst/>
+          </a:prstGeom>
+          <a:noFill/>
+        </p:spPr>
+        <p:txBody>
+          <a:bodyPr wrap="square" rtlCol="0">
+            <a:spAutoFit/>
+          </a:bodyPr>
+          <a:lstStyle/>
+          <a:p>
+            <a:pPr marL="914400" lvl="3"/>
+            <a:endParaRPr lang="en-US" sz="2000" dirty="0">
+              <a:solidFill>
+                <a:srgbClr val="C00000"/>
+              </a:solidFill>
+            </a:endParaRPr>
+          </a:p>
+          <a:p>
+            <a:pPr marL="914400" lvl="3"/>
+            <a:endParaRPr lang="en-US" sz="2000" dirty="0">
+              <a:solidFill>
+                <a:srgbClr val="C00000"/>
+              </a:solidFill>
+            </a:endParaRPr>
+          </a:p>
+        </p:txBody>
+      </p:sp>
+      <p:sp>
+        <p:nvSpPr>
+          <p:cNvPr id="11" name="TextBox 10"/>
+          <p:cNvSpPr txBox="1"/>
+          <p:nvPr/>
+        </p:nvSpPr>
+        <p:spPr>
+          <a:xfrm>
+            <a:off x="557897" y="1315670"/>
+            <a:ext cx="10429102" cy="400110"/>
+          </a:xfrm>
+          <a:prstGeom prst="rect">
+            <a:avLst/>
+          </a:prstGeom>
+          <a:noFill/>
+        </p:spPr>
+        <p:txBody>
+          <a:bodyPr wrap="square" rtlCol="0">
+            <a:spAutoFit/>
+          </a:bodyPr>
+          <a:lstStyle/>
+          <a:p>
+            <a:pPr marL="285750" indent="-285750">
+              <a:buFont typeface="Arial" panose="020B0604020202020204" pitchFamily="34" charset="0"/>
+              <a:buChar char="•"/>
+            </a:pPr>
+            <a:endParaRPr lang="en-US" sz="2000" dirty="0">
+              <a:solidFill>
+                <a:schemeClr val="bg1"/>
+              </a:solidFill>
+            </a:endParaRPr>
+          </a:p>
+        </p:txBody>
+      </p:sp>
+      <p:sp>
+        <p:nvSpPr>
+          <p:cNvPr id="13" name="TextBox 12"/>
+          <p:cNvSpPr txBox="1"/>
+          <p:nvPr/>
+        </p:nvSpPr>
+        <p:spPr>
+          <a:xfrm>
+            <a:off x="2689412" y="4504765"/>
+            <a:ext cx="184731" cy="369332"/>
+          </a:xfrm>
+          <a:prstGeom prst="rect">
+            <a:avLst/>
+          </a:prstGeom>
+          <a:noFill/>
+        </p:spPr>
+        <p:txBody>
+          <a:bodyPr wrap="none" rtlCol="0">
+            <a:spAutoFit/>
+          </a:bodyPr>
+          <a:lstStyle/>
+          <a:p>
+            <a:endParaRPr lang="en-US" dirty="0"/>
+          </a:p>
+        </p:txBody>
+      </p:sp>
       <p:pic>
         <p:nvPicPr>
-          <p:cNvPr id="12" name="Picture 11"/>
+          <p:cNvPr id="15" name="Picture 14"/>
           <p:cNvPicPr>
             <a:picLocks noChangeAspect="1"/>
           </p:cNvPicPr>
@@ -16228,8 +17186,32 @@
         </p:blipFill>
         <p:spPr>
           <a:xfrm>
-            <a:off x="444819" y="1372762"/>
-            <a:ext cx="11495038" cy="4449813"/>
+            <a:off x="557896" y="1262351"/>
+            <a:ext cx="9476277" cy="3302813"/>
+          </a:xfrm>
+          <a:prstGeom prst="rect">
+            <a:avLst/>
+          </a:prstGeom>
+        </p:spPr>
+      </p:pic>
+      <p:pic>
+        <p:nvPicPr>
+          <p:cNvPr id="18" name="Picture 17"/>
+          <p:cNvPicPr>
+            <a:picLocks noChangeAspect="1"/>
+          </p:cNvPicPr>
+          <p:nvPr/>
+        </p:nvPicPr>
+        <p:blipFill>
+          <a:blip r:embed="rId3"/>
+          <a:stretch>
+            <a:fillRect/>
+          </a:stretch>
+        </p:blipFill>
+        <p:spPr>
+          <a:xfrm>
+            <a:off x="557896" y="4812915"/>
+            <a:ext cx="9412763" cy="1803844"/>
           </a:xfrm>
           <a:prstGeom prst="rect">
             <a:avLst/>
@@ -16239,7 +17221,7 @@
     </p:spTree>
     <p:extLst>
       <p:ext uri="{BB962C8B-B14F-4D97-AF65-F5344CB8AC3E}">
-        <p14:creationId xmlns:p14="http://schemas.microsoft.com/office/powerpoint/2010/main" val="764176100"/>
+        <p14:creationId xmlns:p14="http://schemas.microsoft.com/office/powerpoint/2010/main" val="398564958"/>
       </p:ext>
     </p:extLst>
   </p:cSld>
@@ -16435,7 +17417,7 @@
         <p:spPr>
           <a:xfrm>
             <a:off x="444820" y="390569"/>
-            <a:ext cx="5650139" cy="584775"/>
+            <a:ext cx="9290851" cy="584775"/>
           </a:xfrm>
           <a:prstGeom prst="rect">
             <a:avLst/>
@@ -16454,7 +17436,15 @@
                   <a:schemeClr val="bg1"/>
                 </a:solidFill>
               </a:rPr>
-              <a:t>File I/O (Prior to SE7)…….</a:t>
+              <a:t>File Operations – </a:t>
+            </a:r>
+            <a:r>
+              <a:rPr lang="en-US" sz="3200" b="1" dirty="0" smtClean="0">
+                <a:solidFill>
+                  <a:schemeClr val="bg1"/>
+                </a:solidFill>
+              </a:rPr>
+              <a:t>Managing Meta data …..</a:t>
             </a:r>
             <a:endParaRPr lang="en-US" sz="3200" b="1" dirty="0">
               <a:solidFill>
@@ -16554,34 +17544,346 @@
           </a:p>
         </p:txBody>
       </p:sp>
-      <p:pic>
-        <p:nvPicPr>
-          <p:cNvPr id="11" name="Picture 10"/>
-          <p:cNvPicPr>
-            <a:picLocks noChangeAspect="1"/>
-          </p:cNvPicPr>
-          <p:nvPr/>
-        </p:nvPicPr>
-        <p:blipFill>
-          <a:blip r:embed="rId2"/>
-          <a:stretch>
-            <a:fillRect/>
-          </a:stretch>
-        </p:blipFill>
-        <p:spPr>
-          <a:xfrm>
-            <a:off x="307972" y="1315670"/>
-            <a:ext cx="11458691" cy="4950659"/>
-          </a:xfrm>
-          <a:prstGeom prst="rect">
-            <a:avLst/>
-          </a:prstGeom>
-        </p:spPr>
-      </p:pic>
+      <p:sp>
+        <p:nvSpPr>
+          <p:cNvPr id="3" name="TextBox 2"/>
+          <p:cNvSpPr txBox="1"/>
+          <p:nvPr/>
+        </p:nvSpPr>
+        <p:spPr>
+          <a:xfrm>
+            <a:off x="557897" y="1194911"/>
+            <a:ext cx="9668436" cy="707886"/>
+          </a:xfrm>
+          <a:prstGeom prst="rect">
+            <a:avLst/>
+          </a:prstGeom>
+          <a:noFill/>
+        </p:spPr>
+        <p:txBody>
+          <a:bodyPr wrap="square" rtlCol="0">
+            <a:spAutoFit/>
+          </a:bodyPr>
+          <a:lstStyle/>
+          <a:p>
+            <a:pPr marL="914400" lvl="3"/>
+            <a:endParaRPr lang="en-US" sz="2000" dirty="0">
+              <a:solidFill>
+                <a:srgbClr val="C00000"/>
+              </a:solidFill>
+            </a:endParaRPr>
+          </a:p>
+          <a:p>
+            <a:pPr marL="914400" lvl="3"/>
+            <a:endParaRPr lang="en-US" sz="2000" dirty="0">
+              <a:solidFill>
+                <a:srgbClr val="C00000"/>
+              </a:solidFill>
+            </a:endParaRPr>
+          </a:p>
+        </p:txBody>
+      </p:sp>
+      <p:sp>
+        <p:nvSpPr>
+          <p:cNvPr id="11" name="TextBox 10"/>
+          <p:cNvSpPr txBox="1"/>
+          <p:nvPr/>
+        </p:nvSpPr>
+        <p:spPr>
+          <a:xfrm>
+            <a:off x="557897" y="1315670"/>
+            <a:ext cx="10429102" cy="400110"/>
+          </a:xfrm>
+          <a:prstGeom prst="rect">
+            <a:avLst/>
+          </a:prstGeom>
+          <a:noFill/>
+        </p:spPr>
+        <p:txBody>
+          <a:bodyPr wrap="square" rtlCol="0">
+            <a:spAutoFit/>
+          </a:bodyPr>
+          <a:lstStyle/>
+          <a:p>
+            <a:pPr marL="285750" indent="-285750">
+              <a:buFont typeface="Arial" panose="020B0604020202020204" pitchFamily="34" charset="0"/>
+              <a:buChar char="•"/>
+            </a:pPr>
+            <a:endParaRPr lang="en-US" sz="2000" dirty="0">
+              <a:solidFill>
+                <a:schemeClr val="bg1"/>
+              </a:solidFill>
+            </a:endParaRPr>
+          </a:p>
+        </p:txBody>
+      </p:sp>
+      <p:sp>
+        <p:nvSpPr>
+          <p:cNvPr id="13" name="TextBox 12"/>
+          <p:cNvSpPr txBox="1"/>
+          <p:nvPr/>
+        </p:nvSpPr>
+        <p:spPr>
+          <a:xfrm>
+            <a:off x="2689412" y="4504765"/>
+            <a:ext cx="184731" cy="369332"/>
+          </a:xfrm>
+          <a:prstGeom prst="rect">
+            <a:avLst/>
+          </a:prstGeom>
+          <a:noFill/>
+        </p:spPr>
+        <p:txBody>
+          <a:bodyPr wrap="none" rtlCol="0">
+            <a:spAutoFit/>
+          </a:bodyPr>
+          <a:lstStyle/>
+          <a:p>
+            <a:endParaRPr lang="en-US" dirty="0"/>
+          </a:p>
+        </p:txBody>
+      </p:sp>
+      <p:sp>
+        <p:nvSpPr>
+          <p:cNvPr id="12" name="TextBox 11"/>
+          <p:cNvSpPr txBox="1"/>
+          <p:nvPr/>
+        </p:nvSpPr>
+        <p:spPr>
+          <a:xfrm>
+            <a:off x="557897" y="1315670"/>
+            <a:ext cx="11074124" cy="5170646"/>
+          </a:xfrm>
+          <a:prstGeom prst="rect">
+            <a:avLst/>
+          </a:prstGeom>
+          <a:noFill/>
+        </p:spPr>
+        <p:txBody>
+          <a:bodyPr wrap="square" rtlCol="0">
+            <a:spAutoFit/>
+          </a:bodyPr>
+          <a:lstStyle/>
+          <a:p>
+            <a:pPr marL="285750" indent="-285750">
+              <a:buFont typeface="Arial" panose="020B0604020202020204" pitchFamily="34" charset="0"/>
+              <a:buChar char="•"/>
+            </a:pPr>
+            <a:r>
+              <a:rPr lang="en-US" sz="2400" b="1" dirty="0" smtClean="0">
+                <a:solidFill>
+                  <a:schemeClr val="bg1"/>
+                </a:solidFill>
+              </a:rPr>
+              <a:t>Attribute Views</a:t>
+            </a:r>
+          </a:p>
+          <a:p>
+            <a:pPr marL="742950" lvl="1" indent="-285750">
+              <a:buFont typeface="Arial" panose="020B0604020202020204" pitchFamily="34" charset="0"/>
+              <a:buChar char="•"/>
+            </a:pPr>
+            <a:r>
+              <a:rPr lang="en-US" dirty="0" smtClean="0">
+                <a:solidFill>
+                  <a:schemeClr val="bg1"/>
+                </a:solidFill>
+              </a:rPr>
+              <a:t>Different </a:t>
+            </a:r>
+            <a:r>
+              <a:rPr lang="en-US" dirty="0">
+                <a:solidFill>
+                  <a:schemeClr val="bg1"/>
+                </a:solidFill>
+              </a:rPr>
+              <a:t>file systems have different notions about which attributes should be tracked</a:t>
+            </a:r>
+            <a:r>
+              <a:rPr lang="en-US" dirty="0" smtClean="0">
+                <a:solidFill>
+                  <a:schemeClr val="bg1"/>
+                </a:solidFill>
+              </a:rPr>
+              <a:t>.</a:t>
+            </a:r>
+          </a:p>
+          <a:p>
+            <a:pPr marL="742950" lvl="1" indent="-285750">
+              <a:buFont typeface="Arial" panose="020B0604020202020204" pitchFamily="34" charset="0"/>
+              <a:buChar char="•"/>
+            </a:pPr>
+            <a:r>
+              <a:rPr lang="en-US" dirty="0">
+                <a:solidFill>
+                  <a:schemeClr val="bg1"/>
+                </a:solidFill>
+              </a:rPr>
+              <a:t>The supported views are as follows</a:t>
+            </a:r>
+            <a:r>
+              <a:rPr lang="en-US" dirty="0" smtClean="0">
+                <a:solidFill>
+                  <a:schemeClr val="bg1"/>
+                </a:solidFill>
+              </a:rPr>
+              <a:t>:</a:t>
+            </a:r>
+          </a:p>
+          <a:p>
+            <a:pPr marL="1200150" lvl="2" indent="-285750">
+              <a:buFont typeface="Arial" panose="020B0604020202020204" pitchFamily="34" charset="0"/>
+              <a:buChar char="•"/>
+            </a:pPr>
+            <a:r>
+              <a:rPr lang="en-US" b="1" dirty="0" err="1">
+                <a:solidFill>
+                  <a:schemeClr val="bg1"/>
+                </a:solidFill>
+              </a:rPr>
+              <a:t>BasicFileAttributeView</a:t>
+            </a:r>
+            <a:r>
+              <a:rPr lang="en-US" dirty="0">
+                <a:solidFill>
+                  <a:schemeClr val="bg1"/>
+                </a:solidFill>
+              </a:rPr>
+              <a:t> – </a:t>
+            </a:r>
+            <a:r>
+              <a:rPr lang="en-US" dirty="0" smtClean="0">
+                <a:solidFill>
+                  <a:schemeClr val="bg1"/>
+                </a:solidFill>
+              </a:rPr>
+              <a:t>Basic </a:t>
+            </a:r>
+            <a:r>
+              <a:rPr lang="en-US" dirty="0">
+                <a:solidFill>
+                  <a:schemeClr val="bg1"/>
+                </a:solidFill>
+              </a:rPr>
+              <a:t>attributes that are required to be supported by all file system implementations.</a:t>
+            </a:r>
+          </a:p>
+          <a:p>
+            <a:pPr marL="1200150" lvl="2" indent="-285750">
+              <a:buFont typeface="Arial" panose="020B0604020202020204" pitchFamily="34" charset="0"/>
+              <a:buChar char="•"/>
+            </a:pPr>
+            <a:r>
+              <a:rPr lang="en-US" b="1" dirty="0" err="1">
+                <a:solidFill>
+                  <a:schemeClr val="bg1"/>
+                </a:solidFill>
+              </a:rPr>
+              <a:t>DosFileAttributeView</a:t>
+            </a:r>
+            <a:r>
+              <a:rPr lang="en-US" dirty="0">
+                <a:solidFill>
+                  <a:schemeClr val="bg1"/>
+                </a:solidFill>
+              </a:rPr>
+              <a:t> – Extends the basic attribute view with the standard four bits supported on file systems that support the DOS attributes.</a:t>
+            </a:r>
+          </a:p>
+          <a:p>
+            <a:pPr marL="1200150" lvl="2" indent="-285750">
+              <a:buFont typeface="Arial" panose="020B0604020202020204" pitchFamily="34" charset="0"/>
+              <a:buChar char="•"/>
+            </a:pPr>
+            <a:r>
+              <a:rPr lang="en-US" b="1" dirty="0" err="1">
+                <a:solidFill>
+                  <a:schemeClr val="bg1"/>
+                </a:solidFill>
+              </a:rPr>
+              <a:t>PosixFileAttributeView</a:t>
+            </a:r>
+            <a:r>
+              <a:rPr lang="en-US" dirty="0">
+                <a:solidFill>
+                  <a:schemeClr val="bg1"/>
+                </a:solidFill>
+              </a:rPr>
+              <a:t> – Extends the basic attribute view with attributes supported on file systems that support the POSIX family of standards, such as UNIX. These attributes include file owner, group owner, and the nine related access permissions.</a:t>
+            </a:r>
+          </a:p>
+          <a:p>
+            <a:pPr marL="1200150" lvl="2" indent="-285750">
+              <a:buFont typeface="Arial" panose="020B0604020202020204" pitchFamily="34" charset="0"/>
+              <a:buChar char="•"/>
+            </a:pPr>
+            <a:r>
+              <a:rPr lang="en-US" b="1" dirty="0" err="1">
+                <a:solidFill>
+                  <a:schemeClr val="bg1"/>
+                </a:solidFill>
+              </a:rPr>
+              <a:t>FileOwnerAttributeView</a:t>
+            </a:r>
+            <a:r>
+              <a:rPr lang="en-US" dirty="0">
+                <a:solidFill>
+                  <a:schemeClr val="bg1"/>
+                </a:solidFill>
+              </a:rPr>
+              <a:t> – Supported by any file system implementation that supports the concept of a file owner.</a:t>
+            </a:r>
+          </a:p>
+          <a:p>
+            <a:pPr marL="1200150" lvl="2" indent="-285750">
+              <a:buFont typeface="Arial" panose="020B0604020202020204" pitchFamily="34" charset="0"/>
+              <a:buChar char="•"/>
+            </a:pPr>
+            <a:r>
+              <a:rPr lang="en-US" b="1" dirty="0" err="1">
+                <a:solidFill>
+                  <a:schemeClr val="bg1"/>
+                </a:solidFill>
+              </a:rPr>
+              <a:t>AclFileAttributeView</a:t>
+            </a:r>
+            <a:r>
+              <a:rPr lang="en-US" dirty="0">
+                <a:solidFill>
+                  <a:schemeClr val="bg1"/>
+                </a:solidFill>
+              </a:rPr>
+              <a:t> – Supports reading or updating a file's Access Control Lists (ACL). The NFSv4 ACL model is supported. Any ACL model, such as the Windows ACL model, that has a well-defined mapping to the NFSv4 model might also be supported.</a:t>
+            </a:r>
+          </a:p>
+          <a:p>
+            <a:pPr marL="1200150" lvl="2" indent="-285750">
+              <a:buFont typeface="Arial" panose="020B0604020202020204" pitchFamily="34" charset="0"/>
+              <a:buChar char="•"/>
+            </a:pPr>
+            <a:r>
+              <a:rPr lang="en-US" b="1" dirty="0" err="1">
+                <a:solidFill>
+                  <a:schemeClr val="bg1"/>
+                </a:solidFill>
+              </a:rPr>
+              <a:t>UserDefinedFileAttributeView</a:t>
+            </a:r>
+            <a:r>
+              <a:rPr lang="en-US" dirty="0">
+                <a:solidFill>
+                  <a:schemeClr val="bg1"/>
+                </a:solidFill>
+              </a:rPr>
+              <a:t> – Enables support of metadata that is user defined. This view can be mapped to any extension mechanisms that a system supports. In the Solaris OS, for example, you can use this view to store the MIME type of a file.</a:t>
+            </a:r>
+          </a:p>
+        </p:txBody>
+      </p:sp>
     </p:spTree>
     <p:extLst>
       <p:ext uri="{BB962C8B-B14F-4D97-AF65-F5344CB8AC3E}">
-        <p14:creationId xmlns:p14="http://schemas.microsoft.com/office/powerpoint/2010/main" val="1999220992"/>
+        <p14:creationId xmlns:p14="http://schemas.microsoft.com/office/powerpoint/2010/main" val="2466445702"/>
       </p:ext>
     </p:extLst>
   </p:cSld>
@@ -16777,7 +18079,7 @@
         <p:spPr>
           <a:xfrm>
             <a:off x="444820" y="390569"/>
-            <a:ext cx="5650139" cy="584775"/>
+            <a:ext cx="9290851" cy="584775"/>
           </a:xfrm>
           <a:prstGeom prst="rect">
             <a:avLst/>
@@ -16796,7 +18098,15 @@
                   <a:schemeClr val="bg1"/>
                 </a:solidFill>
               </a:rPr>
-              <a:t>File I/O (Prior to SE7)…….</a:t>
+              <a:t>File Operations – </a:t>
+            </a:r>
+            <a:r>
+              <a:rPr lang="en-US" sz="3200" b="1" dirty="0" smtClean="0">
+                <a:solidFill>
+                  <a:schemeClr val="bg1"/>
+                </a:solidFill>
+              </a:rPr>
+              <a:t>Managing Meta data …..</a:t>
             </a:r>
             <a:endParaRPr lang="en-US" sz="3200" b="1" dirty="0">
               <a:solidFill>
@@ -16896,34 +18206,509 @@
           </a:p>
         </p:txBody>
       </p:sp>
-      <p:pic>
-        <p:nvPicPr>
-          <p:cNvPr id="12" name="Picture 11"/>
-          <p:cNvPicPr>
-            <a:picLocks noChangeAspect="1"/>
-          </p:cNvPicPr>
-          <p:nvPr/>
-        </p:nvPicPr>
-        <p:blipFill>
-          <a:blip r:embed="rId2"/>
-          <a:stretch>
-            <a:fillRect/>
-          </a:stretch>
-        </p:blipFill>
-        <p:spPr>
-          <a:xfrm>
-            <a:off x="444818" y="1288885"/>
-            <a:ext cx="8752969" cy="5321486"/>
-          </a:xfrm>
-          <a:prstGeom prst="rect">
-            <a:avLst/>
-          </a:prstGeom>
-        </p:spPr>
-      </p:pic>
+      <p:sp>
+        <p:nvSpPr>
+          <p:cNvPr id="3" name="TextBox 2"/>
+          <p:cNvSpPr txBox="1"/>
+          <p:nvPr/>
+        </p:nvSpPr>
+        <p:spPr>
+          <a:xfrm>
+            <a:off x="557897" y="1194911"/>
+            <a:ext cx="9668436" cy="707886"/>
+          </a:xfrm>
+          <a:prstGeom prst="rect">
+            <a:avLst/>
+          </a:prstGeom>
+          <a:noFill/>
+        </p:spPr>
+        <p:txBody>
+          <a:bodyPr wrap="square" rtlCol="0">
+            <a:spAutoFit/>
+          </a:bodyPr>
+          <a:lstStyle/>
+          <a:p>
+            <a:pPr marL="914400" lvl="3"/>
+            <a:endParaRPr lang="en-US" sz="2000" dirty="0">
+              <a:solidFill>
+                <a:srgbClr val="C00000"/>
+              </a:solidFill>
+            </a:endParaRPr>
+          </a:p>
+          <a:p>
+            <a:pPr marL="914400" lvl="3"/>
+            <a:endParaRPr lang="en-US" sz="2000" dirty="0">
+              <a:solidFill>
+                <a:srgbClr val="C00000"/>
+              </a:solidFill>
+            </a:endParaRPr>
+          </a:p>
+        </p:txBody>
+      </p:sp>
+      <p:sp>
+        <p:nvSpPr>
+          <p:cNvPr id="11" name="TextBox 10"/>
+          <p:cNvSpPr txBox="1"/>
+          <p:nvPr/>
+        </p:nvSpPr>
+        <p:spPr>
+          <a:xfrm>
+            <a:off x="557897" y="1315670"/>
+            <a:ext cx="10429102" cy="400110"/>
+          </a:xfrm>
+          <a:prstGeom prst="rect">
+            <a:avLst/>
+          </a:prstGeom>
+          <a:noFill/>
+        </p:spPr>
+        <p:txBody>
+          <a:bodyPr wrap="square" rtlCol="0">
+            <a:spAutoFit/>
+          </a:bodyPr>
+          <a:lstStyle/>
+          <a:p>
+            <a:pPr marL="285750" indent="-285750">
+              <a:buFont typeface="Arial" panose="020B0604020202020204" pitchFamily="34" charset="0"/>
+              <a:buChar char="•"/>
+            </a:pPr>
+            <a:endParaRPr lang="en-US" sz="2000" dirty="0">
+              <a:solidFill>
+                <a:schemeClr val="bg1"/>
+              </a:solidFill>
+            </a:endParaRPr>
+          </a:p>
+        </p:txBody>
+      </p:sp>
+      <p:sp>
+        <p:nvSpPr>
+          <p:cNvPr id="13" name="TextBox 12"/>
+          <p:cNvSpPr txBox="1"/>
+          <p:nvPr/>
+        </p:nvSpPr>
+        <p:spPr>
+          <a:xfrm>
+            <a:off x="2689412" y="4504765"/>
+            <a:ext cx="184731" cy="369332"/>
+          </a:xfrm>
+          <a:prstGeom prst="rect">
+            <a:avLst/>
+          </a:prstGeom>
+          <a:noFill/>
+        </p:spPr>
+        <p:txBody>
+          <a:bodyPr wrap="none" rtlCol="0">
+            <a:spAutoFit/>
+          </a:bodyPr>
+          <a:lstStyle/>
+          <a:p>
+            <a:endParaRPr lang="en-US" dirty="0"/>
+          </a:p>
+        </p:txBody>
+      </p:sp>
+      <p:sp>
+        <p:nvSpPr>
+          <p:cNvPr id="12" name="TextBox 11"/>
+          <p:cNvSpPr txBox="1"/>
+          <p:nvPr/>
+        </p:nvSpPr>
+        <p:spPr>
+          <a:xfrm>
+            <a:off x="557897" y="1315670"/>
+            <a:ext cx="11074124" cy="2954655"/>
+          </a:xfrm>
+          <a:prstGeom prst="rect">
+            <a:avLst/>
+          </a:prstGeom>
+          <a:noFill/>
+        </p:spPr>
+        <p:txBody>
+          <a:bodyPr wrap="square" rtlCol="0">
+            <a:spAutoFit/>
+          </a:bodyPr>
+          <a:lstStyle/>
+          <a:p>
+            <a:pPr marL="285750" indent="-285750">
+              <a:buFont typeface="Arial" panose="020B0604020202020204" pitchFamily="34" charset="0"/>
+              <a:buChar char="•"/>
+            </a:pPr>
+            <a:r>
+              <a:rPr lang="en-US" dirty="0">
+                <a:solidFill>
+                  <a:schemeClr val="bg1"/>
+                </a:solidFill>
+              </a:rPr>
+              <a:t>You can use the </a:t>
+            </a:r>
+            <a:r>
+              <a:rPr lang="en-US" dirty="0" err="1">
+                <a:solidFill>
+                  <a:schemeClr val="bg1"/>
+                </a:solidFill>
+              </a:rPr>
+              <a:t>FileStore</a:t>
+            </a:r>
+            <a:r>
+              <a:rPr lang="en-US" dirty="0">
+                <a:solidFill>
+                  <a:schemeClr val="bg1"/>
+                </a:solidFill>
+              </a:rPr>
+              <a:t> class to learn information about a file store, such as how much space is </a:t>
+            </a:r>
+            <a:r>
+              <a:rPr lang="en-US" dirty="0" smtClean="0">
+                <a:solidFill>
+                  <a:schemeClr val="bg1"/>
+                </a:solidFill>
+              </a:rPr>
+              <a:t>available.</a:t>
+            </a:r>
+          </a:p>
+          <a:p>
+            <a:pPr marL="285750" indent="-285750">
+              <a:buFont typeface="Arial" panose="020B0604020202020204" pitchFamily="34" charset="0"/>
+              <a:buChar char="•"/>
+            </a:pPr>
+            <a:r>
+              <a:rPr lang="en-US" dirty="0">
+                <a:solidFill>
+                  <a:schemeClr val="bg1"/>
+                </a:solidFill>
+              </a:rPr>
+              <a:t>The </a:t>
+            </a:r>
+            <a:r>
+              <a:rPr lang="en-US" sz="2400" b="1" dirty="0" err="1">
+                <a:solidFill>
+                  <a:schemeClr val="bg1"/>
+                </a:solidFill>
+              </a:rPr>
+              <a:t>getFileStore</a:t>
+            </a:r>
+            <a:r>
+              <a:rPr lang="en-US" sz="2400" b="1" dirty="0">
+                <a:solidFill>
+                  <a:schemeClr val="bg1"/>
+                </a:solidFill>
+              </a:rPr>
+              <a:t>(Path) </a:t>
+            </a:r>
+            <a:r>
+              <a:rPr lang="en-US" dirty="0">
+                <a:solidFill>
+                  <a:schemeClr val="bg1"/>
+                </a:solidFill>
+              </a:rPr>
+              <a:t>method fetches the file store for the specified </a:t>
+            </a:r>
+            <a:r>
+              <a:rPr lang="en-US" dirty="0" smtClean="0">
+                <a:solidFill>
+                  <a:schemeClr val="bg1"/>
+                </a:solidFill>
+              </a:rPr>
+              <a:t>file.</a:t>
+            </a:r>
+          </a:p>
+          <a:p>
+            <a:pPr marL="285750" indent="-285750">
+              <a:buFont typeface="Arial" panose="020B0604020202020204" pitchFamily="34" charset="0"/>
+              <a:buChar char="•"/>
+            </a:pPr>
+            <a:r>
+              <a:rPr lang="en-US" dirty="0" smtClean="0">
+                <a:solidFill>
+                  <a:schemeClr val="bg1"/>
+                </a:solidFill>
+              </a:rPr>
+              <a:t>Ex:</a:t>
+            </a:r>
+          </a:p>
+          <a:p>
+            <a:pPr marL="1200150" lvl="2" indent="-285750">
+              <a:buFont typeface="Arial" panose="020B0604020202020204" pitchFamily="34" charset="0"/>
+              <a:buChar char="•"/>
+            </a:pPr>
+            <a:r>
+              <a:rPr lang="en-US" dirty="0">
+                <a:solidFill>
+                  <a:srgbClr val="C00000"/>
+                </a:solidFill>
+              </a:rPr>
+              <a:t>Path file = ...;</a:t>
+            </a:r>
+          </a:p>
+          <a:p>
+            <a:pPr marL="1200150" lvl="2" indent="-285750">
+              <a:buFont typeface="Arial" panose="020B0604020202020204" pitchFamily="34" charset="0"/>
+              <a:buChar char="•"/>
+            </a:pPr>
+            <a:r>
+              <a:rPr lang="en-US" dirty="0" err="1">
+                <a:solidFill>
+                  <a:srgbClr val="C00000"/>
+                </a:solidFill>
+              </a:rPr>
+              <a:t>FileStore</a:t>
+            </a:r>
+            <a:r>
+              <a:rPr lang="en-US" dirty="0">
+                <a:solidFill>
+                  <a:srgbClr val="C00000"/>
+                </a:solidFill>
+              </a:rPr>
+              <a:t> store = </a:t>
+            </a:r>
+            <a:r>
+              <a:rPr lang="en-US" dirty="0" err="1">
+                <a:solidFill>
+                  <a:srgbClr val="C00000"/>
+                </a:solidFill>
+              </a:rPr>
+              <a:t>Files.getFileStore</a:t>
+            </a:r>
+            <a:r>
+              <a:rPr lang="en-US" dirty="0">
+                <a:solidFill>
+                  <a:srgbClr val="C00000"/>
+                </a:solidFill>
+              </a:rPr>
+              <a:t>(file);</a:t>
+            </a:r>
+          </a:p>
+          <a:p>
+            <a:pPr marL="1200150" lvl="2" indent="-285750">
+              <a:buFont typeface="Arial" panose="020B0604020202020204" pitchFamily="34" charset="0"/>
+              <a:buChar char="•"/>
+            </a:pPr>
+            <a:endParaRPr lang="en-US" dirty="0">
+              <a:solidFill>
+                <a:srgbClr val="C00000"/>
+              </a:solidFill>
+            </a:endParaRPr>
+          </a:p>
+          <a:p>
+            <a:pPr marL="1200150" lvl="2" indent="-285750">
+              <a:buFont typeface="Arial" panose="020B0604020202020204" pitchFamily="34" charset="0"/>
+              <a:buChar char="•"/>
+            </a:pPr>
+            <a:r>
+              <a:rPr lang="en-US" dirty="0">
+                <a:solidFill>
+                  <a:srgbClr val="C00000"/>
+                </a:solidFill>
+              </a:rPr>
+              <a:t>long total = </a:t>
+            </a:r>
+            <a:r>
+              <a:rPr lang="en-US" dirty="0" err="1">
+                <a:solidFill>
+                  <a:srgbClr val="C00000"/>
+                </a:solidFill>
+              </a:rPr>
+              <a:t>store.getTotalSpace</a:t>
+            </a:r>
+            <a:r>
+              <a:rPr lang="en-US" dirty="0">
+                <a:solidFill>
+                  <a:srgbClr val="C00000"/>
+                </a:solidFill>
+              </a:rPr>
+              <a:t>() / 1024;</a:t>
+            </a:r>
+          </a:p>
+          <a:p>
+            <a:pPr marL="1200150" lvl="2" indent="-285750">
+              <a:buFont typeface="Arial" panose="020B0604020202020204" pitchFamily="34" charset="0"/>
+              <a:buChar char="•"/>
+            </a:pPr>
+            <a:r>
+              <a:rPr lang="en-US" dirty="0">
+                <a:solidFill>
+                  <a:srgbClr val="C00000"/>
+                </a:solidFill>
+              </a:rPr>
+              <a:t>long used = (</a:t>
+            </a:r>
+            <a:r>
+              <a:rPr lang="en-US" dirty="0" err="1">
+                <a:solidFill>
+                  <a:srgbClr val="C00000"/>
+                </a:solidFill>
+              </a:rPr>
+              <a:t>store.getTotalSpace</a:t>
+            </a:r>
+            <a:r>
+              <a:rPr lang="en-US" dirty="0">
+                <a:solidFill>
+                  <a:srgbClr val="C00000"/>
+                </a:solidFill>
+              </a:rPr>
+              <a:t>() -</a:t>
+            </a:r>
+          </a:p>
+          <a:p>
+            <a:pPr marL="1200150" lvl="2" indent="-285750">
+              <a:buFont typeface="Arial" panose="020B0604020202020204" pitchFamily="34" charset="0"/>
+              <a:buChar char="•"/>
+            </a:pPr>
+            <a:r>
+              <a:rPr lang="en-US" dirty="0">
+                <a:solidFill>
+                  <a:srgbClr val="C00000"/>
+                </a:solidFill>
+              </a:rPr>
+              <a:t>             </a:t>
+            </a:r>
+            <a:r>
+              <a:rPr lang="en-US" dirty="0" err="1">
+                <a:solidFill>
+                  <a:srgbClr val="C00000"/>
+                </a:solidFill>
+              </a:rPr>
+              <a:t>store.getUnallocatedSpace</a:t>
+            </a:r>
+            <a:r>
+              <a:rPr lang="en-US" dirty="0">
+                <a:solidFill>
+                  <a:srgbClr val="C00000"/>
+                </a:solidFill>
+              </a:rPr>
+              <a:t>()) / 1024;</a:t>
+            </a:r>
+          </a:p>
+          <a:p>
+            <a:pPr marL="1200150" lvl="2" indent="-285750">
+              <a:buFont typeface="Arial" panose="020B0604020202020204" pitchFamily="34" charset="0"/>
+              <a:buChar char="•"/>
+            </a:pPr>
+            <a:r>
+              <a:rPr lang="en-US" dirty="0">
+                <a:solidFill>
+                  <a:srgbClr val="C00000"/>
+                </a:solidFill>
+              </a:rPr>
+              <a:t>long avail = </a:t>
+            </a:r>
+            <a:r>
+              <a:rPr lang="en-US" dirty="0" err="1">
+                <a:solidFill>
+                  <a:srgbClr val="C00000"/>
+                </a:solidFill>
+              </a:rPr>
+              <a:t>store.getUsableSpace</a:t>
+            </a:r>
+            <a:r>
+              <a:rPr lang="en-US" dirty="0">
+                <a:solidFill>
+                  <a:srgbClr val="C00000"/>
+                </a:solidFill>
+              </a:rPr>
+              <a:t>() / 1024;</a:t>
+            </a:r>
+          </a:p>
+        </p:txBody>
+      </p:sp>
+      <p:sp>
+        <p:nvSpPr>
+          <p:cNvPr id="14" name="TextBox 13"/>
+          <p:cNvSpPr txBox="1"/>
+          <p:nvPr/>
+        </p:nvSpPr>
+        <p:spPr>
+          <a:xfrm>
+            <a:off x="1011970" y="5056112"/>
+            <a:ext cx="10165977" cy="830997"/>
+          </a:xfrm>
+          <a:prstGeom prst="rect">
+            <a:avLst/>
+          </a:prstGeom>
+          <a:noFill/>
+        </p:spPr>
+        <p:txBody>
+          <a:bodyPr wrap="square" rtlCol="0">
+            <a:spAutoFit/>
+          </a:bodyPr>
+          <a:lstStyle/>
+          <a:p>
+            <a:r>
+              <a:rPr lang="en-US" sz="2400" dirty="0" smtClean="0">
+                <a:solidFill>
+                  <a:schemeClr val="bg1"/>
+                </a:solidFill>
+              </a:rPr>
+              <a:t>Lab19.14: </a:t>
+            </a:r>
+            <a:r>
+              <a:rPr lang="en-US" sz="2400" dirty="0">
+                <a:solidFill>
+                  <a:schemeClr val="bg1"/>
+                </a:solidFill>
+              </a:rPr>
+              <a:t>Demonstration of fetching Files </a:t>
+            </a:r>
+            <a:r>
+              <a:rPr lang="en-US" sz="2400" dirty="0" smtClean="0">
+                <a:solidFill>
+                  <a:schemeClr val="bg1"/>
+                </a:solidFill>
+              </a:rPr>
+              <a:t>metadata.</a:t>
+            </a:r>
+          </a:p>
+          <a:p>
+            <a:r>
+              <a:rPr lang="en-US" sz="2400" dirty="0" smtClean="0">
+                <a:solidFill>
+                  <a:schemeClr val="bg1"/>
+                </a:solidFill>
+              </a:rPr>
+              <a:t>Lab19.15: Demonstration </a:t>
+            </a:r>
+            <a:r>
+              <a:rPr lang="en-US" sz="2400" dirty="0">
+                <a:solidFill>
+                  <a:schemeClr val="bg1"/>
+                </a:solidFill>
+              </a:rPr>
+              <a:t>of using </a:t>
+            </a:r>
+            <a:r>
+              <a:rPr lang="en-US" sz="2400" dirty="0" err="1">
+                <a:solidFill>
+                  <a:schemeClr val="bg1"/>
+                </a:solidFill>
+              </a:rPr>
+              <a:t>FileStore</a:t>
+            </a:r>
+            <a:r>
+              <a:rPr lang="en-US" sz="2400" dirty="0">
+                <a:solidFill>
+                  <a:schemeClr val="bg1"/>
+                </a:solidFill>
+              </a:rPr>
+              <a:t> for finding disk usage</a:t>
+            </a:r>
+            <a:r>
+              <a:rPr lang="en-US" sz="2400" dirty="0" smtClean="0">
+                <a:solidFill>
+                  <a:schemeClr val="bg1"/>
+                </a:solidFill>
+              </a:rPr>
+              <a:t>.</a:t>
+            </a:r>
+            <a:endParaRPr lang="en-US" sz="2400" dirty="0">
+              <a:solidFill>
+                <a:schemeClr val="bg1"/>
+              </a:solidFill>
+            </a:endParaRPr>
+          </a:p>
+        </p:txBody>
+      </p:sp>
     </p:spTree>
     <p:extLst>
       <p:ext uri="{BB962C8B-B14F-4D97-AF65-F5344CB8AC3E}">
-        <p14:creationId xmlns:p14="http://schemas.microsoft.com/office/powerpoint/2010/main" val="2555819788"/>
+        <p14:creationId xmlns:p14="http://schemas.microsoft.com/office/powerpoint/2010/main" val="2631768670"/>
       </p:ext>
     </p:extLst>
   </p:cSld>
@@ -17053,13 +18838,17 @@
         </p:nvSpPr>
         <p:spPr>
           <a:xfrm>
-            <a:off x="811369" y="2240924"/>
-            <a:ext cx="7959144" cy="4353059"/>
-          </a:xfrm>
-          <a:prstGeom prst="rect">
-            <a:avLst/>
-          </a:prstGeom>
-          <a:noFill/>
+            <a:off x="307974" y="262826"/>
+            <a:ext cx="11643619" cy="6442774"/>
+          </a:xfrm>
+          <a:prstGeom prst="rect">
+            <a:avLst/>
+          </a:prstGeom>
+          <a:solidFill>
+            <a:schemeClr val="tx1">
+              <a:lumMod val="95000"/>
+            </a:schemeClr>
+          </a:solidFill>
         </p:spPr>
         <p:txBody>
           <a:bodyPr wrap="square" rtlCol="0">
@@ -17071,34 +18860,280 @@
           </a:p>
         </p:txBody>
       </p:sp>
-      <p:pic>
-        <p:nvPicPr>
-          <p:cNvPr id="6" name="Picture 5"/>
-          <p:cNvPicPr>
-            <a:picLocks noChangeAspect="1"/>
-          </p:cNvPicPr>
-          <p:nvPr/>
-        </p:nvPicPr>
-        <p:blipFill>
-          <a:blip r:embed="rId2"/>
-          <a:stretch>
-            <a:fillRect/>
-          </a:stretch>
-        </p:blipFill>
-        <p:spPr>
-          <a:xfrm>
-            <a:off x="307975" y="348157"/>
-            <a:ext cx="10353537" cy="6245825"/>
-          </a:xfrm>
-          <a:prstGeom prst="rect">
-            <a:avLst/>
-          </a:prstGeom>
-        </p:spPr>
-      </p:pic>
+      <p:cxnSp>
+        <p:nvCxnSpPr>
+          <p:cNvPr id="6" name="Straight Connector 5"/>
+          <p:cNvCxnSpPr/>
+          <p:nvPr/>
+        </p:nvCxnSpPr>
+        <p:spPr>
+          <a:xfrm flipV="1">
+            <a:off x="307974" y="1103086"/>
+            <a:ext cx="11643619" cy="58057"/>
+          </a:xfrm>
+          <a:prstGeom prst="line">
+            <a:avLst/>
+          </a:prstGeom>
+          <a:ln w="50800">
+            <a:solidFill>
+              <a:srgbClr val="C00000"/>
+            </a:solidFill>
+          </a:ln>
+        </p:spPr>
+        <p:style>
+          <a:lnRef idx="1">
+            <a:schemeClr val="accent1"/>
+          </a:lnRef>
+          <a:fillRef idx="0">
+            <a:schemeClr val="accent1"/>
+          </a:fillRef>
+          <a:effectRef idx="0">
+            <a:schemeClr val="accent1"/>
+          </a:effectRef>
+          <a:fontRef idx="minor">
+            <a:schemeClr val="tx1"/>
+          </a:fontRef>
+        </p:style>
+      </p:cxnSp>
+      <p:sp>
+        <p:nvSpPr>
+          <p:cNvPr id="7" name="TextBox 6"/>
+          <p:cNvSpPr txBox="1"/>
+          <p:nvPr/>
+        </p:nvSpPr>
+        <p:spPr>
+          <a:xfrm>
+            <a:off x="444820" y="390569"/>
+            <a:ext cx="9290851" cy="584775"/>
+          </a:xfrm>
+          <a:prstGeom prst="rect">
+            <a:avLst/>
+          </a:prstGeom>
+          <a:noFill/>
+        </p:spPr>
+        <p:txBody>
+          <a:bodyPr wrap="square" rtlCol="0">
+            <a:spAutoFit/>
+          </a:bodyPr>
+          <a:lstStyle/>
+          <a:p>
+            <a:r>
+              <a:rPr lang="en-US" sz="3200" b="1" dirty="0" smtClean="0">
+                <a:solidFill>
+                  <a:schemeClr val="bg1"/>
+                </a:solidFill>
+              </a:rPr>
+              <a:t>File Operations – </a:t>
+            </a:r>
+            <a:r>
+              <a:rPr lang="en-US" sz="3200" b="1" dirty="0" smtClean="0">
+                <a:solidFill>
+                  <a:schemeClr val="bg1"/>
+                </a:solidFill>
+              </a:rPr>
+              <a:t>Managing Meta data …..</a:t>
+            </a:r>
+            <a:endParaRPr lang="en-US" sz="3200" b="1" dirty="0">
+              <a:solidFill>
+                <a:schemeClr val="bg1"/>
+              </a:solidFill>
+            </a:endParaRPr>
+          </a:p>
+        </p:txBody>
+      </p:sp>
+      <p:sp>
+        <p:nvSpPr>
+          <p:cNvPr id="10" name="TextBox 9"/>
+          <p:cNvSpPr txBox="1"/>
+          <p:nvPr/>
+        </p:nvSpPr>
+        <p:spPr>
+          <a:xfrm>
+            <a:off x="457952" y="1132114"/>
+            <a:ext cx="10529047" cy="461665"/>
+          </a:xfrm>
+          <a:prstGeom prst="rect">
+            <a:avLst/>
+          </a:prstGeom>
+          <a:noFill/>
+        </p:spPr>
+        <p:txBody>
+          <a:bodyPr wrap="square" rtlCol="0">
+            <a:spAutoFit/>
+          </a:bodyPr>
+          <a:lstStyle/>
+          <a:p>
+            <a:endParaRPr lang="en-US" sz="2400" dirty="0" smtClean="0">
+              <a:solidFill>
+                <a:schemeClr val="bg1"/>
+              </a:solidFill>
+            </a:endParaRPr>
+          </a:p>
+        </p:txBody>
+      </p:sp>
+      <p:sp>
+        <p:nvSpPr>
+          <p:cNvPr id="16" name="TextBox 15"/>
+          <p:cNvSpPr txBox="1"/>
+          <p:nvPr/>
+        </p:nvSpPr>
+        <p:spPr>
+          <a:xfrm>
+            <a:off x="7153835" y="5177118"/>
+            <a:ext cx="4329952" cy="1358153"/>
+          </a:xfrm>
+          <a:prstGeom prst="rect">
+            <a:avLst/>
+          </a:prstGeom>
+          <a:noFill/>
+        </p:spPr>
+        <p:txBody>
+          <a:bodyPr wrap="square" rtlCol="0">
+            <a:spAutoFit/>
+          </a:bodyPr>
+          <a:lstStyle/>
+          <a:p>
+            <a:endParaRPr lang="en-US" dirty="0"/>
+          </a:p>
+        </p:txBody>
+      </p:sp>
+      <p:sp>
+        <p:nvSpPr>
+          <p:cNvPr id="9" name="TextBox 8"/>
+          <p:cNvSpPr txBox="1"/>
+          <p:nvPr/>
+        </p:nvSpPr>
+        <p:spPr>
+          <a:xfrm>
+            <a:off x="444820" y="1315670"/>
+            <a:ext cx="11187201" cy="400110"/>
+          </a:xfrm>
+          <a:prstGeom prst="rect">
+            <a:avLst/>
+          </a:prstGeom>
+          <a:noFill/>
+        </p:spPr>
+        <p:txBody>
+          <a:bodyPr wrap="square" rtlCol="0">
+            <a:spAutoFit/>
+          </a:bodyPr>
+          <a:lstStyle/>
+          <a:p>
+            <a:pPr marL="285750" indent="-285750">
+              <a:buFont typeface="Arial" panose="020B0604020202020204" pitchFamily="34" charset="0"/>
+              <a:buChar char="•"/>
+            </a:pPr>
+            <a:endParaRPr lang="en-US" sz="2000" dirty="0">
+              <a:solidFill>
+                <a:schemeClr val="bg1"/>
+              </a:solidFill>
+            </a:endParaRPr>
+          </a:p>
+        </p:txBody>
+      </p:sp>
+      <p:sp>
+        <p:nvSpPr>
+          <p:cNvPr id="3" name="TextBox 2"/>
+          <p:cNvSpPr txBox="1"/>
+          <p:nvPr/>
+        </p:nvSpPr>
+        <p:spPr>
+          <a:xfrm>
+            <a:off x="557897" y="1194911"/>
+            <a:ext cx="9668436" cy="707886"/>
+          </a:xfrm>
+          <a:prstGeom prst="rect">
+            <a:avLst/>
+          </a:prstGeom>
+          <a:noFill/>
+        </p:spPr>
+        <p:txBody>
+          <a:bodyPr wrap="square" rtlCol="0">
+            <a:spAutoFit/>
+          </a:bodyPr>
+          <a:lstStyle/>
+          <a:p>
+            <a:pPr marL="914400" lvl="3"/>
+            <a:endParaRPr lang="en-US" sz="2000" dirty="0">
+              <a:solidFill>
+                <a:srgbClr val="C00000"/>
+              </a:solidFill>
+            </a:endParaRPr>
+          </a:p>
+          <a:p>
+            <a:pPr marL="914400" lvl="3"/>
+            <a:endParaRPr lang="en-US" sz="2000" dirty="0">
+              <a:solidFill>
+                <a:srgbClr val="C00000"/>
+              </a:solidFill>
+            </a:endParaRPr>
+          </a:p>
+        </p:txBody>
+      </p:sp>
+      <p:sp>
+        <p:nvSpPr>
+          <p:cNvPr id="11" name="TextBox 10"/>
+          <p:cNvSpPr txBox="1"/>
+          <p:nvPr/>
+        </p:nvSpPr>
+        <p:spPr>
+          <a:xfrm>
+            <a:off x="557897" y="1315670"/>
+            <a:ext cx="10429102" cy="400110"/>
+          </a:xfrm>
+          <a:prstGeom prst="rect">
+            <a:avLst/>
+          </a:prstGeom>
+          <a:noFill/>
+        </p:spPr>
+        <p:txBody>
+          <a:bodyPr wrap="square" rtlCol="0">
+            <a:spAutoFit/>
+          </a:bodyPr>
+          <a:lstStyle/>
+          <a:p>
+            <a:pPr marL="285750" indent="-285750">
+              <a:buFont typeface="Arial" panose="020B0604020202020204" pitchFamily="34" charset="0"/>
+              <a:buChar char="•"/>
+            </a:pPr>
+            <a:endParaRPr lang="en-US" sz="2000" dirty="0">
+              <a:solidFill>
+                <a:schemeClr val="bg1"/>
+              </a:solidFill>
+            </a:endParaRPr>
+          </a:p>
+        </p:txBody>
+      </p:sp>
+      <p:sp>
+        <p:nvSpPr>
+          <p:cNvPr id="13" name="TextBox 12"/>
+          <p:cNvSpPr txBox="1"/>
+          <p:nvPr/>
+        </p:nvSpPr>
+        <p:spPr>
+          <a:xfrm>
+            <a:off x="2689412" y="4504765"/>
+            <a:ext cx="184731" cy="369332"/>
+          </a:xfrm>
+          <a:prstGeom prst="rect">
+            <a:avLst/>
+          </a:prstGeom>
+          <a:noFill/>
+        </p:spPr>
+        <p:txBody>
+          <a:bodyPr wrap="none" rtlCol="0">
+            <a:spAutoFit/>
+          </a:bodyPr>
+          <a:lstStyle/>
+          <a:p>
+            <a:endParaRPr lang="en-US" dirty="0"/>
+          </a:p>
+        </p:txBody>
+      </p:sp>
     </p:spTree>
     <p:extLst>
       <p:ext uri="{BB962C8B-B14F-4D97-AF65-F5344CB8AC3E}">
-        <p14:creationId xmlns:p14="http://schemas.microsoft.com/office/powerpoint/2010/main" val="1490834926"/>
+        <p14:creationId xmlns:p14="http://schemas.microsoft.com/office/powerpoint/2010/main" val="186332749"/>
       </p:ext>
     </p:extLst>
   </p:cSld>
@@ -17228,13 +19263,17 @@
         </p:nvSpPr>
         <p:spPr>
           <a:xfrm>
-            <a:off x="811369" y="2240924"/>
-            <a:ext cx="7959144" cy="4353059"/>
-          </a:xfrm>
-          <a:prstGeom prst="rect">
-            <a:avLst/>
-          </a:prstGeom>
-          <a:noFill/>
+            <a:off x="307974" y="262826"/>
+            <a:ext cx="11643619" cy="6442774"/>
+          </a:xfrm>
+          <a:prstGeom prst="rect">
+            <a:avLst/>
+          </a:prstGeom>
+          <a:solidFill>
+            <a:schemeClr val="tx1">
+              <a:lumMod val="95000"/>
+            </a:schemeClr>
+          </a:solidFill>
         </p:spPr>
         <p:txBody>
           <a:bodyPr wrap="square" rtlCol="0">
@@ -17246,34 +19285,280 @@
           </a:p>
         </p:txBody>
       </p:sp>
-      <p:pic>
-        <p:nvPicPr>
-          <p:cNvPr id="6" name="Picture 5"/>
-          <p:cNvPicPr>
-            <a:picLocks noChangeAspect="1"/>
-          </p:cNvPicPr>
-          <p:nvPr/>
-        </p:nvPicPr>
-        <p:blipFill>
-          <a:blip r:embed="rId2"/>
-          <a:stretch>
-            <a:fillRect/>
-          </a:stretch>
-        </p:blipFill>
-        <p:spPr>
-          <a:xfrm>
-            <a:off x="307974" y="284175"/>
-            <a:ext cx="10999229" cy="6309807"/>
-          </a:xfrm>
-          <a:prstGeom prst="rect">
-            <a:avLst/>
-          </a:prstGeom>
-        </p:spPr>
-      </p:pic>
+      <p:cxnSp>
+        <p:nvCxnSpPr>
+          <p:cNvPr id="6" name="Straight Connector 5"/>
+          <p:cNvCxnSpPr/>
+          <p:nvPr/>
+        </p:nvCxnSpPr>
+        <p:spPr>
+          <a:xfrm flipV="1">
+            <a:off x="307974" y="1103086"/>
+            <a:ext cx="11643619" cy="58057"/>
+          </a:xfrm>
+          <a:prstGeom prst="line">
+            <a:avLst/>
+          </a:prstGeom>
+          <a:ln w="50800">
+            <a:solidFill>
+              <a:srgbClr val="C00000"/>
+            </a:solidFill>
+          </a:ln>
+        </p:spPr>
+        <p:style>
+          <a:lnRef idx="1">
+            <a:schemeClr val="accent1"/>
+          </a:lnRef>
+          <a:fillRef idx="0">
+            <a:schemeClr val="accent1"/>
+          </a:fillRef>
+          <a:effectRef idx="0">
+            <a:schemeClr val="accent1"/>
+          </a:effectRef>
+          <a:fontRef idx="minor">
+            <a:schemeClr val="tx1"/>
+          </a:fontRef>
+        </p:style>
+      </p:cxnSp>
+      <p:sp>
+        <p:nvSpPr>
+          <p:cNvPr id="7" name="TextBox 6"/>
+          <p:cNvSpPr txBox="1"/>
+          <p:nvPr/>
+        </p:nvSpPr>
+        <p:spPr>
+          <a:xfrm>
+            <a:off x="444820" y="390569"/>
+            <a:ext cx="9290851" cy="584775"/>
+          </a:xfrm>
+          <a:prstGeom prst="rect">
+            <a:avLst/>
+          </a:prstGeom>
+          <a:noFill/>
+        </p:spPr>
+        <p:txBody>
+          <a:bodyPr wrap="square" rtlCol="0">
+            <a:spAutoFit/>
+          </a:bodyPr>
+          <a:lstStyle/>
+          <a:p>
+            <a:r>
+              <a:rPr lang="en-US" sz="3200" b="1" dirty="0" smtClean="0">
+                <a:solidFill>
+                  <a:schemeClr val="bg1"/>
+                </a:solidFill>
+              </a:rPr>
+              <a:t>File Operations – </a:t>
+            </a:r>
+            <a:r>
+              <a:rPr lang="en-US" sz="3200" b="1" dirty="0" smtClean="0">
+                <a:solidFill>
+                  <a:schemeClr val="bg1"/>
+                </a:solidFill>
+              </a:rPr>
+              <a:t>Managing Meta data …..</a:t>
+            </a:r>
+            <a:endParaRPr lang="en-US" sz="3200" b="1" dirty="0">
+              <a:solidFill>
+                <a:schemeClr val="bg1"/>
+              </a:solidFill>
+            </a:endParaRPr>
+          </a:p>
+        </p:txBody>
+      </p:sp>
+      <p:sp>
+        <p:nvSpPr>
+          <p:cNvPr id="10" name="TextBox 9"/>
+          <p:cNvSpPr txBox="1"/>
+          <p:nvPr/>
+        </p:nvSpPr>
+        <p:spPr>
+          <a:xfrm>
+            <a:off x="457952" y="1132114"/>
+            <a:ext cx="10529047" cy="461665"/>
+          </a:xfrm>
+          <a:prstGeom prst="rect">
+            <a:avLst/>
+          </a:prstGeom>
+          <a:noFill/>
+        </p:spPr>
+        <p:txBody>
+          <a:bodyPr wrap="square" rtlCol="0">
+            <a:spAutoFit/>
+          </a:bodyPr>
+          <a:lstStyle/>
+          <a:p>
+            <a:endParaRPr lang="en-US" sz="2400" dirty="0" smtClean="0">
+              <a:solidFill>
+                <a:schemeClr val="bg1"/>
+              </a:solidFill>
+            </a:endParaRPr>
+          </a:p>
+        </p:txBody>
+      </p:sp>
+      <p:sp>
+        <p:nvSpPr>
+          <p:cNvPr id="16" name="TextBox 15"/>
+          <p:cNvSpPr txBox="1"/>
+          <p:nvPr/>
+        </p:nvSpPr>
+        <p:spPr>
+          <a:xfrm>
+            <a:off x="7153835" y="5177118"/>
+            <a:ext cx="4329952" cy="1358153"/>
+          </a:xfrm>
+          <a:prstGeom prst="rect">
+            <a:avLst/>
+          </a:prstGeom>
+          <a:noFill/>
+        </p:spPr>
+        <p:txBody>
+          <a:bodyPr wrap="square" rtlCol="0">
+            <a:spAutoFit/>
+          </a:bodyPr>
+          <a:lstStyle/>
+          <a:p>
+            <a:endParaRPr lang="en-US" dirty="0"/>
+          </a:p>
+        </p:txBody>
+      </p:sp>
+      <p:sp>
+        <p:nvSpPr>
+          <p:cNvPr id="9" name="TextBox 8"/>
+          <p:cNvSpPr txBox="1"/>
+          <p:nvPr/>
+        </p:nvSpPr>
+        <p:spPr>
+          <a:xfrm>
+            <a:off x="444820" y="1315670"/>
+            <a:ext cx="11187201" cy="400110"/>
+          </a:xfrm>
+          <a:prstGeom prst="rect">
+            <a:avLst/>
+          </a:prstGeom>
+          <a:noFill/>
+        </p:spPr>
+        <p:txBody>
+          <a:bodyPr wrap="square" rtlCol="0">
+            <a:spAutoFit/>
+          </a:bodyPr>
+          <a:lstStyle/>
+          <a:p>
+            <a:pPr marL="285750" indent="-285750">
+              <a:buFont typeface="Arial" panose="020B0604020202020204" pitchFamily="34" charset="0"/>
+              <a:buChar char="•"/>
+            </a:pPr>
+            <a:endParaRPr lang="en-US" sz="2000" dirty="0">
+              <a:solidFill>
+                <a:schemeClr val="bg1"/>
+              </a:solidFill>
+            </a:endParaRPr>
+          </a:p>
+        </p:txBody>
+      </p:sp>
+      <p:sp>
+        <p:nvSpPr>
+          <p:cNvPr id="3" name="TextBox 2"/>
+          <p:cNvSpPr txBox="1"/>
+          <p:nvPr/>
+        </p:nvSpPr>
+        <p:spPr>
+          <a:xfrm>
+            <a:off x="557897" y="1194911"/>
+            <a:ext cx="9668436" cy="707886"/>
+          </a:xfrm>
+          <a:prstGeom prst="rect">
+            <a:avLst/>
+          </a:prstGeom>
+          <a:noFill/>
+        </p:spPr>
+        <p:txBody>
+          <a:bodyPr wrap="square" rtlCol="0">
+            <a:spAutoFit/>
+          </a:bodyPr>
+          <a:lstStyle/>
+          <a:p>
+            <a:pPr marL="914400" lvl="3"/>
+            <a:endParaRPr lang="en-US" sz="2000" dirty="0">
+              <a:solidFill>
+                <a:srgbClr val="C00000"/>
+              </a:solidFill>
+            </a:endParaRPr>
+          </a:p>
+          <a:p>
+            <a:pPr marL="914400" lvl="3"/>
+            <a:endParaRPr lang="en-US" sz="2000" dirty="0">
+              <a:solidFill>
+                <a:srgbClr val="C00000"/>
+              </a:solidFill>
+            </a:endParaRPr>
+          </a:p>
+        </p:txBody>
+      </p:sp>
+      <p:sp>
+        <p:nvSpPr>
+          <p:cNvPr id="11" name="TextBox 10"/>
+          <p:cNvSpPr txBox="1"/>
+          <p:nvPr/>
+        </p:nvSpPr>
+        <p:spPr>
+          <a:xfrm>
+            <a:off x="557897" y="1315670"/>
+            <a:ext cx="10429102" cy="400110"/>
+          </a:xfrm>
+          <a:prstGeom prst="rect">
+            <a:avLst/>
+          </a:prstGeom>
+          <a:noFill/>
+        </p:spPr>
+        <p:txBody>
+          <a:bodyPr wrap="square" rtlCol="0">
+            <a:spAutoFit/>
+          </a:bodyPr>
+          <a:lstStyle/>
+          <a:p>
+            <a:pPr marL="285750" indent="-285750">
+              <a:buFont typeface="Arial" panose="020B0604020202020204" pitchFamily="34" charset="0"/>
+              <a:buChar char="•"/>
+            </a:pPr>
+            <a:endParaRPr lang="en-US" sz="2000" dirty="0">
+              <a:solidFill>
+                <a:schemeClr val="bg1"/>
+              </a:solidFill>
+            </a:endParaRPr>
+          </a:p>
+        </p:txBody>
+      </p:sp>
+      <p:sp>
+        <p:nvSpPr>
+          <p:cNvPr id="13" name="TextBox 12"/>
+          <p:cNvSpPr txBox="1"/>
+          <p:nvPr/>
+        </p:nvSpPr>
+        <p:spPr>
+          <a:xfrm>
+            <a:off x="2689412" y="4504765"/>
+            <a:ext cx="184731" cy="369332"/>
+          </a:xfrm>
+          <a:prstGeom prst="rect">
+            <a:avLst/>
+          </a:prstGeom>
+          <a:noFill/>
+        </p:spPr>
+        <p:txBody>
+          <a:bodyPr wrap="none" rtlCol="0">
+            <a:spAutoFit/>
+          </a:bodyPr>
+          <a:lstStyle/>
+          <a:p>
+            <a:endParaRPr lang="en-US" dirty="0"/>
+          </a:p>
+        </p:txBody>
+      </p:sp>
     </p:spTree>
     <p:extLst>
       <p:ext uri="{BB962C8B-B14F-4D97-AF65-F5344CB8AC3E}">
-        <p14:creationId xmlns:p14="http://schemas.microsoft.com/office/powerpoint/2010/main" val="506832973"/>
+        <p14:creationId xmlns:p14="http://schemas.microsoft.com/office/powerpoint/2010/main" val="3313671103"/>
       </p:ext>
     </p:extLst>
   </p:cSld>
@@ -17403,13 +19688,17 @@
         </p:nvSpPr>
         <p:spPr>
           <a:xfrm>
-            <a:off x="811369" y="2240924"/>
-            <a:ext cx="7959144" cy="4353059"/>
-          </a:xfrm>
-          <a:prstGeom prst="rect">
-            <a:avLst/>
-          </a:prstGeom>
-          <a:noFill/>
+            <a:off x="307974" y="262826"/>
+            <a:ext cx="11643619" cy="6442774"/>
+          </a:xfrm>
+          <a:prstGeom prst="rect">
+            <a:avLst/>
+          </a:prstGeom>
+          <a:solidFill>
+            <a:schemeClr val="tx1">
+              <a:lumMod val="95000"/>
+            </a:schemeClr>
+          </a:solidFill>
         </p:spPr>
         <p:txBody>
           <a:bodyPr wrap="square" rtlCol="0">
@@ -17418,13 +19707,176 @@
           <a:lstStyle/>
           <a:p>
             <a:endParaRPr lang="en-US" dirty="0"/>
+          </a:p>
+        </p:txBody>
+      </p:sp>
+      <p:cxnSp>
+        <p:nvCxnSpPr>
+          <p:cNvPr id="6" name="Straight Connector 5"/>
+          <p:cNvCxnSpPr/>
+          <p:nvPr/>
+        </p:nvCxnSpPr>
+        <p:spPr>
+          <a:xfrm flipV="1">
+            <a:off x="307974" y="1103086"/>
+            <a:ext cx="11643619" cy="58057"/>
+          </a:xfrm>
+          <a:prstGeom prst="line">
+            <a:avLst/>
+          </a:prstGeom>
+          <a:ln w="50800">
+            <a:solidFill>
+              <a:srgbClr val="C00000"/>
+            </a:solidFill>
+          </a:ln>
+        </p:spPr>
+        <p:style>
+          <a:lnRef idx="1">
+            <a:schemeClr val="accent1"/>
+          </a:lnRef>
+          <a:fillRef idx="0">
+            <a:schemeClr val="accent1"/>
+          </a:fillRef>
+          <a:effectRef idx="0">
+            <a:schemeClr val="accent1"/>
+          </a:effectRef>
+          <a:fontRef idx="minor">
+            <a:schemeClr val="tx1"/>
+          </a:fontRef>
+        </p:style>
+      </p:cxnSp>
+      <p:sp>
+        <p:nvSpPr>
+          <p:cNvPr id="7" name="TextBox 6"/>
+          <p:cNvSpPr txBox="1"/>
+          <p:nvPr/>
+        </p:nvSpPr>
+        <p:spPr>
+          <a:xfrm>
+            <a:off x="444820" y="390569"/>
+            <a:ext cx="5650139" cy="584775"/>
+          </a:xfrm>
+          <a:prstGeom prst="rect">
+            <a:avLst/>
+          </a:prstGeom>
+          <a:noFill/>
+        </p:spPr>
+        <p:txBody>
+          <a:bodyPr wrap="square" rtlCol="0">
+            <a:spAutoFit/>
+          </a:bodyPr>
+          <a:lstStyle/>
+          <a:p>
+            <a:r>
+              <a:rPr lang="en-US" sz="3200" b="1" dirty="0" smtClean="0">
+                <a:solidFill>
+                  <a:schemeClr val="bg1"/>
+                </a:solidFill>
+              </a:rPr>
+              <a:t>File I/O</a:t>
+            </a:r>
+            <a:endParaRPr lang="en-US" sz="3200" b="1" dirty="0">
+              <a:solidFill>
+                <a:schemeClr val="bg1"/>
+              </a:solidFill>
+            </a:endParaRPr>
+          </a:p>
+        </p:txBody>
+      </p:sp>
+      <p:sp>
+        <p:nvSpPr>
+          <p:cNvPr id="10" name="TextBox 9"/>
+          <p:cNvSpPr txBox="1"/>
+          <p:nvPr/>
+        </p:nvSpPr>
+        <p:spPr>
+          <a:xfrm>
+            <a:off x="457952" y="1132114"/>
+            <a:ext cx="10529047" cy="461665"/>
+          </a:xfrm>
+          <a:prstGeom prst="rect">
+            <a:avLst/>
+          </a:prstGeom>
+          <a:noFill/>
+        </p:spPr>
+        <p:txBody>
+          <a:bodyPr wrap="square" rtlCol="0">
+            <a:spAutoFit/>
+          </a:bodyPr>
+          <a:lstStyle/>
+          <a:p>
+            <a:endParaRPr lang="en-US" sz="2400" dirty="0" smtClean="0">
+              <a:solidFill>
+                <a:schemeClr val="bg1"/>
+              </a:solidFill>
+            </a:endParaRPr>
+          </a:p>
+        </p:txBody>
+      </p:sp>
+      <p:sp>
+        <p:nvSpPr>
+          <p:cNvPr id="16" name="TextBox 15"/>
+          <p:cNvSpPr txBox="1"/>
+          <p:nvPr/>
+        </p:nvSpPr>
+        <p:spPr>
+          <a:xfrm>
+            <a:off x="7153835" y="5177118"/>
+            <a:ext cx="4329952" cy="1358153"/>
+          </a:xfrm>
+          <a:prstGeom prst="rect">
+            <a:avLst/>
+          </a:prstGeom>
+          <a:noFill/>
+        </p:spPr>
+        <p:txBody>
+          <a:bodyPr wrap="square" rtlCol="0">
+            <a:spAutoFit/>
+          </a:bodyPr>
+          <a:lstStyle/>
+          <a:p>
+            <a:endParaRPr lang="en-US" dirty="0"/>
+          </a:p>
+        </p:txBody>
+      </p:sp>
+      <p:sp>
+        <p:nvSpPr>
+          <p:cNvPr id="9" name="TextBox 8"/>
+          <p:cNvSpPr txBox="1"/>
+          <p:nvPr/>
+        </p:nvSpPr>
+        <p:spPr>
+          <a:xfrm>
+            <a:off x="444820" y="1315670"/>
+            <a:ext cx="11187201" cy="400110"/>
+          </a:xfrm>
+          <a:prstGeom prst="rect">
+            <a:avLst/>
+          </a:prstGeom>
+          <a:noFill/>
+        </p:spPr>
+        <p:txBody>
+          <a:bodyPr wrap="square" rtlCol="0">
+            <a:spAutoFit/>
+          </a:bodyPr>
+          <a:lstStyle/>
+          <a:p>
+            <a:pPr marL="285750" indent="-285750">
+              <a:buFont typeface="Arial" panose="020B0604020202020204" pitchFamily="34" charset="0"/>
+              <a:buChar char="•"/>
+            </a:pPr>
+            <a:endParaRPr lang="en-US" sz="2000" dirty="0">
+              <a:solidFill>
+                <a:schemeClr val="bg1"/>
+              </a:solidFill>
+            </a:endParaRPr>
           </a:p>
         </p:txBody>
       </p:sp>
     </p:spTree>
     <p:extLst>
       <p:ext uri="{BB962C8B-B14F-4D97-AF65-F5344CB8AC3E}">
-        <p14:creationId xmlns:p14="http://schemas.microsoft.com/office/powerpoint/2010/main" val="3823283436"/>
+        <p14:creationId xmlns:p14="http://schemas.microsoft.com/office/powerpoint/2010/main" val="1321772074"/>
       </p:ext>
     </p:extLst>
   </p:cSld>
@@ -17442,7 +19894,7 @@
 </file>
 
 <file path=ppt/slides/slide36.xml><?xml version="1.0" encoding="utf-8"?>
-<p:sld xmlns:a="http://schemas.openxmlformats.org/drawingml/2006/main" xmlns:r="http://schemas.openxmlformats.org/officeDocument/2006/relationships" xmlns:p="http://schemas.openxmlformats.org/presentationml/2006/main" showMasterSp="0">
+<p:sld xmlns:a="http://schemas.openxmlformats.org/drawingml/2006/main" xmlns:r="http://schemas.openxmlformats.org/officeDocument/2006/relationships" xmlns:p="http://schemas.openxmlformats.org/presentationml/2006/main">
   <p:cSld>
     <p:spTree>
       <p:nvGrpSpPr>
@@ -17475,37 +19927,8 @@
           <a:p>
             <a:r>
               <a:rPr lang="en-US" dirty="0" smtClean="0"/>
-              <a:t>Java - miscellaneous</a:t>
-            </a:r>
-            <a:endParaRPr lang="en-US" dirty="0"/>
-          </a:p>
-        </p:txBody>
-      </p:sp>
-      <p:sp>
-        <p:nvSpPr>
-          <p:cNvPr id="6" name="TextBox 5"/>
-          <p:cNvSpPr txBox="1"/>
-          <p:nvPr/>
-        </p:nvSpPr>
-        <p:spPr>
-          <a:xfrm>
-            <a:off x="746975" y="2099256"/>
-            <a:ext cx="6645498" cy="646331"/>
-          </a:xfrm>
-          <a:prstGeom prst="rect">
-            <a:avLst/>
-          </a:prstGeom>
-          <a:noFill/>
-        </p:spPr>
-        <p:txBody>
-          <a:bodyPr wrap="square" rtlCol="0">
-            <a:spAutoFit/>
-          </a:bodyPr>
-          <a:lstStyle/>
-          <a:p>
-            <a:endParaRPr lang="en-US" b="1" dirty="0" smtClean="0"/>
-          </a:p>
-          <a:p>
+              <a:t>exceptions</a:t>
+            </a:r>
             <a:endParaRPr lang="en-US" dirty="0"/>
           </a:p>
         </p:txBody>
@@ -17557,29 +19980,180 @@
         </p:nvSpPr>
         <p:spPr>
           <a:xfrm>
-            <a:off x="1202919" y="2575775"/>
-            <a:ext cx="8224416" cy="523220"/>
-          </a:xfrm>
-          <a:prstGeom prst="rect">
-            <a:avLst/>
-          </a:prstGeom>
-          <a:noFill/>
-        </p:spPr>
-        <p:txBody>
-          <a:bodyPr wrap="square" rtlCol="0">
-            <a:spAutoFit/>
-          </a:bodyPr>
-          <a:lstStyle/>
-          <a:p>
-            <a:r>
-              <a:rPr lang="en-US" sz="2800" b="1" dirty="0"/>
-              <a:t>Type Comparison Operator </a:t>
-            </a:r>
-            <a:r>
-              <a:rPr lang="en-US" sz="2800" b="1" dirty="0" err="1"/>
-              <a:t>instanceof</a:t>
-            </a:r>
-            <a:endParaRPr lang="en-US" sz="2800" b="1" dirty="0"/>
+            <a:off x="7495504" y="2240924"/>
+            <a:ext cx="4456090" cy="400110"/>
+          </a:xfrm>
+          <a:prstGeom prst="rect">
+            <a:avLst/>
+          </a:prstGeom>
+          <a:noFill/>
+        </p:spPr>
+        <p:txBody>
+          <a:bodyPr wrap="square" rtlCol="0">
+            <a:spAutoFit/>
+          </a:bodyPr>
+          <a:lstStyle/>
+          <a:p>
+            <a:endParaRPr lang="en-US" sz="2000" u="sng" dirty="0"/>
+          </a:p>
+        </p:txBody>
+      </p:sp>
+      <p:sp>
+        <p:nvSpPr>
+          <p:cNvPr id="5" name="TextBox 4"/>
+          <p:cNvSpPr txBox="1"/>
+          <p:nvPr/>
+        </p:nvSpPr>
+        <p:spPr>
+          <a:xfrm>
+            <a:off x="307974" y="262826"/>
+            <a:ext cx="11643619" cy="6442774"/>
+          </a:xfrm>
+          <a:prstGeom prst="rect">
+            <a:avLst/>
+          </a:prstGeom>
+          <a:solidFill>
+            <a:schemeClr val="tx1">
+              <a:lumMod val="95000"/>
+            </a:schemeClr>
+          </a:solidFill>
+        </p:spPr>
+        <p:txBody>
+          <a:bodyPr wrap="square" rtlCol="0">
+            <a:spAutoFit/>
+          </a:bodyPr>
+          <a:lstStyle/>
+          <a:p>
+            <a:endParaRPr lang="en-US" dirty="0"/>
+          </a:p>
+        </p:txBody>
+      </p:sp>
+      <p:cxnSp>
+        <p:nvCxnSpPr>
+          <p:cNvPr id="6" name="Straight Connector 5"/>
+          <p:cNvCxnSpPr/>
+          <p:nvPr/>
+        </p:nvCxnSpPr>
+        <p:spPr>
+          <a:xfrm flipV="1">
+            <a:off x="307974" y="1103086"/>
+            <a:ext cx="11643619" cy="58057"/>
+          </a:xfrm>
+          <a:prstGeom prst="line">
+            <a:avLst/>
+          </a:prstGeom>
+          <a:ln w="50800">
+            <a:solidFill>
+              <a:srgbClr val="C00000"/>
+            </a:solidFill>
+          </a:ln>
+        </p:spPr>
+        <p:style>
+          <a:lnRef idx="1">
+            <a:schemeClr val="accent1"/>
+          </a:lnRef>
+          <a:fillRef idx="0">
+            <a:schemeClr val="accent1"/>
+          </a:fillRef>
+          <a:effectRef idx="0">
+            <a:schemeClr val="accent1"/>
+          </a:effectRef>
+          <a:fontRef idx="minor">
+            <a:schemeClr val="tx1"/>
+          </a:fontRef>
+        </p:style>
+      </p:cxnSp>
+      <p:sp>
+        <p:nvSpPr>
+          <p:cNvPr id="7" name="TextBox 6"/>
+          <p:cNvSpPr txBox="1"/>
+          <p:nvPr/>
+        </p:nvSpPr>
+        <p:spPr>
+          <a:xfrm>
+            <a:off x="444820" y="390569"/>
+            <a:ext cx="5650139" cy="584775"/>
+          </a:xfrm>
+          <a:prstGeom prst="rect">
+            <a:avLst/>
+          </a:prstGeom>
+          <a:noFill/>
+        </p:spPr>
+        <p:txBody>
+          <a:bodyPr wrap="square" rtlCol="0">
+            <a:spAutoFit/>
+          </a:bodyPr>
+          <a:lstStyle/>
+          <a:p>
+            <a:r>
+              <a:rPr lang="en-US" sz="3200" b="1" dirty="0" smtClean="0">
+                <a:solidFill>
+                  <a:schemeClr val="bg1"/>
+                </a:solidFill>
+              </a:rPr>
+              <a:t>File I/O (Prior to SE7)</a:t>
+            </a:r>
+            <a:endParaRPr lang="en-US" sz="3200" b="1" dirty="0">
+              <a:solidFill>
+                <a:schemeClr val="bg1"/>
+              </a:solidFill>
+            </a:endParaRPr>
+          </a:p>
+        </p:txBody>
+      </p:sp>
+      <p:sp>
+        <p:nvSpPr>
+          <p:cNvPr id="10" name="TextBox 9"/>
+          <p:cNvSpPr txBox="1"/>
+          <p:nvPr/>
+        </p:nvSpPr>
+        <p:spPr>
+          <a:xfrm>
+            <a:off x="457952" y="1132114"/>
+            <a:ext cx="10529047" cy="461665"/>
+          </a:xfrm>
+          <a:prstGeom prst="rect">
+            <a:avLst/>
+          </a:prstGeom>
+          <a:noFill/>
+        </p:spPr>
+        <p:txBody>
+          <a:bodyPr wrap="square" rtlCol="0">
+            <a:spAutoFit/>
+          </a:bodyPr>
+          <a:lstStyle/>
+          <a:p>
+            <a:endParaRPr lang="en-US" sz="2400" dirty="0" smtClean="0">
+              <a:solidFill>
+                <a:schemeClr val="bg1"/>
+              </a:solidFill>
+            </a:endParaRPr>
+          </a:p>
+        </p:txBody>
+      </p:sp>
+      <p:sp>
+        <p:nvSpPr>
+          <p:cNvPr id="16" name="TextBox 15"/>
+          <p:cNvSpPr txBox="1"/>
+          <p:nvPr/>
+        </p:nvSpPr>
+        <p:spPr>
+          <a:xfrm>
+            <a:off x="7153835" y="5177118"/>
+            <a:ext cx="4329952" cy="1358153"/>
+          </a:xfrm>
+          <a:prstGeom prst="rect">
+            <a:avLst/>
+          </a:prstGeom>
+          <a:noFill/>
+        </p:spPr>
+        <p:txBody>
+          <a:bodyPr wrap="square" rtlCol="0">
+            <a:spAutoFit/>
+          </a:bodyPr>
+          <a:lstStyle/>
+          <a:p>
+            <a:endParaRPr lang="en-US" dirty="0"/>
           </a:p>
         </p:txBody>
       </p:sp>
@@ -17591,41 +20165,16 @@
         </p:nvSpPr>
         <p:spPr>
           <a:xfrm>
-            <a:off x="1300766" y="3098995"/>
-            <a:ext cx="9440214" cy="3198774"/>
-          </a:xfrm>
-          <a:prstGeom prst="rect">
-            <a:avLst/>
-          </a:prstGeom>
-          <a:noFill/>
-        </p:spPr>
-        <p:txBody>
-          <a:bodyPr wrap="square" rtlCol="0">
-            <a:spAutoFit/>
-          </a:bodyPr>
-          <a:lstStyle/>
-          <a:p>
-            <a:endParaRPr lang="en-US" dirty="0"/>
-          </a:p>
-        </p:txBody>
-      </p:sp>
-      <p:sp>
-        <p:nvSpPr>
-          <p:cNvPr id="12" name="Rectangle 11"/>
-          <p:cNvSpPr/>
-          <p:nvPr/>
-        </p:nvSpPr>
-        <p:spPr>
-          <a:xfrm>
-            <a:off x="1202919" y="3222106"/>
-            <a:ext cx="8224416" cy="3354765"/>
-          </a:xfrm>
-          <a:prstGeom prst="rect">
-            <a:avLst/>
-          </a:prstGeom>
-        </p:spPr>
-        <p:txBody>
-          <a:bodyPr wrap="square">
+            <a:off x="444820" y="1315670"/>
+            <a:ext cx="11187201" cy="400110"/>
+          </a:xfrm>
+          <a:prstGeom prst="rect">
+            <a:avLst/>
+          </a:prstGeom>
+          <a:noFill/>
+        </p:spPr>
+        <p:txBody>
+          <a:bodyPr wrap="square" rtlCol="0">
             <a:spAutoFit/>
           </a:bodyPr>
           <a:lstStyle/>
@@ -17634,132 +20183,104 @@
               <a:buFont typeface="Arial" panose="020B0604020202020204" pitchFamily="34" charset="0"/>
               <a:buChar char="•"/>
             </a:pPr>
-            <a:r>
-              <a:rPr lang="en-US" sz="2000" dirty="0"/>
-              <a:t>The </a:t>
-            </a:r>
-            <a:r>
-              <a:rPr lang="en-US" sz="2000" dirty="0" err="1"/>
-              <a:t>instanceof</a:t>
-            </a:r>
-            <a:r>
-              <a:rPr lang="en-US" sz="2000" dirty="0"/>
-              <a:t> operator compares an object to a specified type. </a:t>
-            </a:r>
-            <a:endParaRPr lang="en-US" sz="2000" dirty="0" smtClean="0"/>
-          </a:p>
-          <a:p>
-            <a:pPr marL="285750" indent="-285750">
-              <a:buFont typeface="Arial" panose="020B0604020202020204" pitchFamily="34" charset="0"/>
-              <a:buChar char="•"/>
-            </a:pPr>
-            <a:endParaRPr lang="en-US" sz="2000" dirty="0"/>
-          </a:p>
-          <a:p>
-            <a:pPr marL="285750" indent="-285750">
-              <a:buFont typeface="Arial" panose="020B0604020202020204" pitchFamily="34" charset="0"/>
-              <a:buChar char="•"/>
-            </a:pPr>
-            <a:r>
-              <a:rPr lang="en-US" sz="2000" dirty="0" smtClean="0"/>
-              <a:t>You </a:t>
-            </a:r>
-            <a:r>
-              <a:rPr lang="en-US" sz="2000" dirty="0"/>
-              <a:t>can use it to test if an object is an instance of a class, an instance of a subclass, or an instance of a class that implements a particular </a:t>
-            </a:r>
-            <a:r>
-              <a:rPr lang="en-US" sz="2000" dirty="0" smtClean="0"/>
-              <a:t>interface</a:t>
-            </a:r>
-          </a:p>
-          <a:p>
-            <a:pPr marL="285750" indent="-285750">
-              <a:buFont typeface="Arial" panose="020B0604020202020204" pitchFamily="34" charset="0"/>
-              <a:buChar char="•"/>
-            </a:pPr>
-            <a:endParaRPr lang="en-US" sz="2000" dirty="0"/>
-          </a:p>
-          <a:p>
-            <a:pPr marL="285750" indent="-285750">
-              <a:buFont typeface="Arial" panose="020B0604020202020204" pitchFamily="34" charset="0"/>
-              <a:buChar char="•"/>
-            </a:pPr>
-            <a:r>
-              <a:rPr lang="en-US" sz="3200" dirty="0" smtClean="0"/>
-              <a:t>Classes implementing interfaces</a:t>
-            </a:r>
-          </a:p>
-          <a:p>
-            <a:pPr marL="285750" indent="-285750">
-              <a:buFont typeface="Arial" panose="020B0604020202020204" pitchFamily="34" charset="0"/>
-              <a:buChar char="•"/>
-            </a:pPr>
-            <a:r>
-              <a:rPr lang="en-US" sz="2000" dirty="0"/>
-              <a:t>class </a:t>
-            </a:r>
-            <a:r>
-              <a:rPr lang="en-US" sz="2000" dirty="0" err="1"/>
-              <a:t>MyClass</a:t>
-            </a:r>
-            <a:r>
-              <a:rPr lang="en-US" sz="2000" dirty="0"/>
-              <a:t> extends </a:t>
-            </a:r>
-            <a:r>
-              <a:rPr lang="en-US" sz="2000" dirty="0" err="1"/>
-              <a:t>MySuperClass</a:t>
-            </a:r>
-            <a:r>
-              <a:rPr lang="en-US" sz="2000" dirty="0"/>
-              <a:t> implements </a:t>
-            </a:r>
-            <a:r>
-              <a:rPr lang="en-US" sz="2000" dirty="0" err="1"/>
-              <a:t>YourInterface</a:t>
-            </a:r>
-            <a:r>
-              <a:rPr lang="en-US" sz="2000" dirty="0"/>
-              <a:t> {</a:t>
-            </a:r>
-          </a:p>
-          <a:p>
-            <a:pPr marL="285750" indent="-285750">
-              <a:buFont typeface="Arial" panose="020B0604020202020204" pitchFamily="34" charset="0"/>
-              <a:buChar char="•"/>
-            </a:pPr>
-            <a:r>
-              <a:rPr lang="en-US" sz="2000" dirty="0"/>
-              <a:t>    // field, constructor, and</a:t>
-            </a:r>
-          </a:p>
-          <a:p>
-            <a:pPr marL="285750" indent="-285750">
-              <a:buFont typeface="Arial" panose="020B0604020202020204" pitchFamily="34" charset="0"/>
-              <a:buChar char="•"/>
-            </a:pPr>
-            <a:r>
-              <a:rPr lang="en-US" sz="2000" dirty="0"/>
-              <a:t>    // method declarations</a:t>
-            </a:r>
-          </a:p>
-          <a:p>
-            <a:pPr marL="285750" indent="-285750">
-              <a:buFont typeface="Arial" panose="020B0604020202020204" pitchFamily="34" charset="0"/>
-              <a:buChar char="•"/>
-            </a:pPr>
-            <a:r>
-              <a:rPr lang="en-US" sz="2000" dirty="0"/>
-              <a:t>}</a:t>
-            </a:r>
-          </a:p>
-        </p:txBody>
-      </p:sp>
+            <a:endParaRPr lang="en-US" sz="2000" dirty="0">
+              <a:solidFill>
+                <a:schemeClr val="bg1"/>
+              </a:solidFill>
+            </a:endParaRPr>
+          </a:p>
+        </p:txBody>
+      </p:sp>
+      <p:sp>
+        <p:nvSpPr>
+          <p:cNvPr id="3" name="TextBox 2"/>
+          <p:cNvSpPr txBox="1"/>
+          <p:nvPr/>
+        </p:nvSpPr>
+        <p:spPr>
+          <a:xfrm>
+            <a:off x="591671" y="1315670"/>
+            <a:ext cx="9197788" cy="523220"/>
+          </a:xfrm>
+          <a:prstGeom prst="rect">
+            <a:avLst/>
+          </a:prstGeom>
+          <a:noFill/>
+        </p:spPr>
+        <p:txBody>
+          <a:bodyPr wrap="square" rtlCol="0">
+            <a:spAutoFit/>
+          </a:bodyPr>
+          <a:lstStyle/>
+          <a:p>
+            <a:r>
+              <a:rPr lang="en-US" sz="2800" i="1" dirty="0">
+                <a:solidFill>
+                  <a:schemeClr val="bg1"/>
+                </a:solidFill>
+              </a:rPr>
+              <a:t>Mapping </a:t>
+            </a:r>
+            <a:r>
+              <a:rPr lang="en-US" sz="2800" i="1" dirty="0" err="1">
+                <a:solidFill>
+                  <a:schemeClr val="bg1"/>
+                </a:solidFill>
+              </a:rPr>
+              <a:t>java.io.File</a:t>
+            </a:r>
+            <a:r>
+              <a:rPr lang="en-US" sz="2800" i="1" dirty="0">
+                <a:solidFill>
+                  <a:schemeClr val="bg1"/>
+                </a:solidFill>
+              </a:rPr>
+              <a:t> Functionality to </a:t>
+            </a:r>
+            <a:r>
+              <a:rPr lang="en-US" sz="2800" i="1" dirty="0" err="1">
+                <a:solidFill>
+                  <a:schemeClr val="bg1"/>
+                </a:solidFill>
+              </a:rPr>
+              <a:t>java.nio.file</a:t>
+            </a:r>
+            <a:endParaRPr lang="en-US" sz="2800" i="1" dirty="0">
+              <a:solidFill>
+                <a:schemeClr val="bg1"/>
+              </a:solidFill>
+            </a:endParaRPr>
+          </a:p>
+        </p:txBody>
+      </p:sp>
+      <p:pic>
+        <p:nvPicPr>
+          <p:cNvPr id="11" name="Picture 10"/>
+          <p:cNvPicPr>
+            <a:picLocks noChangeAspect="1"/>
+          </p:cNvPicPr>
+          <p:nvPr/>
+        </p:nvPicPr>
+        <p:blipFill>
+          <a:blip r:embed="rId2"/>
+          <a:stretch>
+            <a:fillRect/>
+          </a:stretch>
+        </p:blipFill>
+        <p:spPr>
+          <a:xfrm>
+            <a:off x="591671" y="1814286"/>
+            <a:ext cx="9704927" cy="4852594"/>
+          </a:xfrm>
+          <a:prstGeom prst="rect">
+            <a:avLst/>
+          </a:prstGeom>
+        </p:spPr>
+      </p:pic>
     </p:spTree>
     <p:extLst>
       <p:ext uri="{BB962C8B-B14F-4D97-AF65-F5344CB8AC3E}">
-        <p14:creationId xmlns:p14="http://schemas.microsoft.com/office/powerpoint/2010/main" val="86288042"/>
+        <p14:creationId xmlns:p14="http://schemas.microsoft.com/office/powerpoint/2010/main" val="656930572"/>
       </p:ext>
     </p:extLst>
   </p:cSld>
@@ -17777,7 +20298,7 @@
 </file>
 
 <file path=ppt/slides/slide37.xml><?xml version="1.0" encoding="utf-8"?>
-<p:sld xmlns:a="http://schemas.openxmlformats.org/drawingml/2006/main" xmlns:r="http://schemas.openxmlformats.org/officeDocument/2006/relationships" xmlns:p="http://schemas.openxmlformats.org/presentationml/2006/main" showMasterSp="0">
+<p:sld xmlns:a="http://schemas.openxmlformats.org/drawingml/2006/main" xmlns:r="http://schemas.openxmlformats.org/officeDocument/2006/relationships" xmlns:p="http://schemas.openxmlformats.org/presentationml/2006/main">
   <p:cSld>
     <p:spTree>
       <p:nvGrpSpPr>
@@ -17810,37 +20331,8 @@
           <a:p>
             <a:r>
               <a:rPr lang="en-US" dirty="0" smtClean="0"/>
-              <a:t>Java - miscellaneous</a:t>
-            </a:r>
-            <a:endParaRPr lang="en-US" dirty="0"/>
-          </a:p>
-        </p:txBody>
-      </p:sp>
-      <p:sp>
-        <p:nvSpPr>
-          <p:cNvPr id="6" name="TextBox 5"/>
-          <p:cNvSpPr txBox="1"/>
-          <p:nvPr/>
-        </p:nvSpPr>
-        <p:spPr>
-          <a:xfrm>
-            <a:off x="746975" y="2099256"/>
-            <a:ext cx="6645498" cy="646331"/>
-          </a:xfrm>
-          <a:prstGeom prst="rect">
-            <a:avLst/>
-          </a:prstGeom>
-          <a:noFill/>
-        </p:spPr>
-        <p:txBody>
-          <a:bodyPr wrap="square" rtlCol="0">
-            <a:spAutoFit/>
-          </a:bodyPr>
-          <a:lstStyle/>
-          <a:p>
-            <a:endParaRPr lang="en-US" b="1" dirty="0" smtClean="0"/>
-          </a:p>
-          <a:p>
+              <a:t>exceptions</a:t>
+            </a:r>
             <a:endParaRPr lang="en-US" dirty="0"/>
           </a:p>
         </p:txBody>
@@ -17892,319 +20384,180 @@
         </p:nvSpPr>
         <p:spPr>
           <a:xfrm>
-            <a:off x="460375" y="1792936"/>
-            <a:ext cx="9994005" cy="4985980"/>
-          </a:xfrm>
-          <a:prstGeom prst="rect">
-            <a:avLst/>
-          </a:prstGeom>
-          <a:noFill/>
-        </p:spPr>
-        <p:txBody>
-          <a:bodyPr wrap="square" rtlCol="0">
-            <a:spAutoFit/>
-          </a:bodyPr>
-          <a:lstStyle/>
-          <a:p>
-            <a:r>
-              <a:rPr lang="en-US" sz="3200" b="1" u="sng" dirty="0" err="1" smtClean="0"/>
-              <a:t>Varargs</a:t>
-            </a:r>
-            <a:r>
-              <a:rPr lang="en-US" sz="3200" b="1" u="sng" dirty="0" smtClean="0"/>
-              <a:t> – Specifying Arbitrary number of arguments</a:t>
-            </a:r>
-          </a:p>
-          <a:p>
-            <a:r>
-              <a:rPr lang="en-US" dirty="0"/>
-              <a:t>public Polygon </a:t>
-            </a:r>
-            <a:r>
-              <a:rPr lang="en-US" dirty="0" err="1"/>
-              <a:t>polygonFrom</a:t>
-            </a:r>
-            <a:r>
-              <a:rPr lang="en-US" dirty="0"/>
-              <a:t>(Point... corners) {</a:t>
-            </a:r>
-          </a:p>
-          <a:p>
-            <a:r>
-              <a:rPr lang="en-US" dirty="0"/>
-              <a:t>    </a:t>
-            </a:r>
-            <a:r>
-              <a:rPr lang="en-US" dirty="0" err="1"/>
-              <a:t>int</a:t>
-            </a:r>
-            <a:r>
-              <a:rPr lang="en-US" dirty="0"/>
-              <a:t> </a:t>
-            </a:r>
-            <a:r>
-              <a:rPr lang="en-US" dirty="0" err="1"/>
-              <a:t>numberOfSides</a:t>
-            </a:r>
-            <a:r>
-              <a:rPr lang="en-US" dirty="0"/>
-              <a:t> = </a:t>
-            </a:r>
-            <a:r>
-              <a:rPr lang="en-US" dirty="0" err="1"/>
-              <a:t>corners.length</a:t>
-            </a:r>
-            <a:r>
-              <a:rPr lang="en-US" dirty="0"/>
-              <a:t>;</a:t>
-            </a:r>
-          </a:p>
-          <a:p>
-            <a:r>
-              <a:rPr lang="en-US" dirty="0"/>
-              <a:t>    double squareOfSide1, lengthOfSide1;</a:t>
-            </a:r>
-          </a:p>
-          <a:p>
-            <a:r>
-              <a:rPr lang="en-US" dirty="0"/>
-              <a:t>    squareOfSide1 = (corners[1].x - corners[0].x)</a:t>
-            </a:r>
-          </a:p>
-          <a:p>
-            <a:r>
-              <a:rPr lang="en-US" dirty="0"/>
-              <a:t>                     * (corners[1].x - corners[0].x) </a:t>
-            </a:r>
-          </a:p>
-          <a:p>
-            <a:r>
-              <a:rPr lang="en-US" dirty="0"/>
-              <a:t>                     + (corners[1].y - corners[0].y)</a:t>
-            </a:r>
-          </a:p>
-          <a:p>
-            <a:r>
-              <a:rPr lang="en-US" dirty="0"/>
-              <a:t>                     * (corners[1].y - corners[0].y);</a:t>
-            </a:r>
-          </a:p>
-          <a:p>
-            <a:r>
-              <a:rPr lang="en-US" dirty="0"/>
-              <a:t>    lengthOfSide1 = </a:t>
-            </a:r>
-            <a:r>
-              <a:rPr lang="en-US" dirty="0" err="1"/>
-              <a:t>Math.sqrt</a:t>
-            </a:r>
-            <a:r>
-              <a:rPr lang="en-US" dirty="0"/>
-              <a:t>(squareOfSide1);</a:t>
-            </a:r>
-          </a:p>
+            <a:off x="7495504" y="2240924"/>
+            <a:ext cx="4456090" cy="400110"/>
+          </a:xfrm>
+          <a:prstGeom prst="rect">
+            <a:avLst/>
+          </a:prstGeom>
+          <a:noFill/>
+        </p:spPr>
+        <p:txBody>
+          <a:bodyPr wrap="square" rtlCol="0">
+            <a:spAutoFit/>
+          </a:bodyPr>
+          <a:lstStyle/>
+          <a:p>
+            <a:endParaRPr lang="en-US" sz="2000" u="sng" dirty="0"/>
+          </a:p>
+        </p:txBody>
+      </p:sp>
+      <p:sp>
+        <p:nvSpPr>
+          <p:cNvPr id="5" name="TextBox 4"/>
+          <p:cNvSpPr txBox="1"/>
+          <p:nvPr/>
+        </p:nvSpPr>
+        <p:spPr>
+          <a:xfrm>
+            <a:off x="307974" y="262826"/>
+            <a:ext cx="11643619" cy="6442774"/>
+          </a:xfrm>
+          <a:prstGeom prst="rect">
+            <a:avLst/>
+          </a:prstGeom>
+          <a:solidFill>
+            <a:schemeClr val="tx1">
+              <a:lumMod val="95000"/>
+            </a:schemeClr>
+          </a:solidFill>
+        </p:spPr>
+        <p:txBody>
+          <a:bodyPr wrap="square" rtlCol="0">
+            <a:spAutoFit/>
+          </a:bodyPr>
+          <a:lstStyle/>
           <a:p>
             <a:endParaRPr lang="en-US" dirty="0"/>
           </a:p>
-          <a:p>
-            <a:r>
-              <a:rPr lang="en-US" dirty="0"/>
-              <a:t>    // more method body code follows that creates and returns a </a:t>
-            </a:r>
-          </a:p>
-          <a:p>
-            <a:r>
-              <a:rPr lang="en-US" dirty="0"/>
-              <a:t>    // polygon connecting the Points</a:t>
-            </a:r>
-          </a:p>
-          <a:p>
-            <a:r>
-              <a:rPr lang="en-US" dirty="0" smtClean="0"/>
-              <a:t>}</a:t>
-            </a:r>
-          </a:p>
-          <a:p>
-            <a:r>
-              <a:rPr lang="en-US" sz="1400" dirty="0"/>
-              <a:t>You will most commonly see </a:t>
-            </a:r>
-            <a:r>
-              <a:rPr lang="en-US" sz="1400" dirty="0" err="1"/>
-              <a:t>varargs</a:t>
-            </a:r>
-            <a:r>
-              <a:rPr lang="en-US" sz="1400" dirty="0"/>
-              <a:t> with the printing methods; for example, this </a:t>
-            </a:r>
-            <a:r>
-              <a:rPr lang="en-US" sz="1400" dirty="0" err="1"/>
-              <a:t>printf</a:t>
-            </a:r>
-            <a:r>
-              <a:rPr lang="en-US" sz="1400" dirty="0"/>
-              <a:t> method:</a:t>
-            </a:r>
-          </a:p>
-          <a:p>
-            <a:endParaRPr lang="en-US" sz="1400" dirty="0"/>
-          </a:p>
-          <a:p>
-            <a:r>
-              <a:rPr lang="en-US" sz="1400" dirty="0">
-                <a:solidFill>
-                  <a:schemeClr val="accent6">
-                    <a:lumMod val="75000"/>
-                  </a:schemeClr>
-                </a:solidFill>
-              </a:rPr>
-              <a:t>public </a:t>
-            </a:r>
-            <a:r>
-              <a:rPr lang="en-US" sz="1400" dirty="0" err="1">
-                <a:solidFill>
-                  <a:schemeClr val="accent6">
-                    <a:lumMod val="75000"/>
-                  </a:schemeClr>
-                </a:solidFill>
-              </a:rPr>
-              <a:t>PrintStream</a:t>
-            </a:r>
-            <a:r>
-              <a:rPr lang="en-US" sz="1400" dirty="0">
-                <a:solidFill>
-                  <a:schemeClr val="accent6">
-                    <a:lumMod val="75000"/>
-                  </a:schemeClr>
-                </a:solidFill>
-              </a:rPr>
-              <a:t> </a:t>
-            </a:r>
-            <a:r>
-              <a:rPr lang="en-US" sz="1400" dirty="0" err="1">
-                <a:solidFill>
-                  <a:schemeClr val="accent6">
-                    <a:lumMod val="75000"/>
-                  </a:schemeClr>
-                </a:solidFill>
-              </a:rPr>
-              <a:t>printf</a:t>
-            </a:r>
-            <a:r>
-              <a:rPr lang="en-US" sz="1400" dirty="0">
-                <a:solidFill>
-                  <a:schemeClr val="accent6">
-                    <a:lumMod val="75000"/>
-                  </a:schemeClr>
-                </a:solidFill>
-              </a:rPr>
-              <a:t>(String format, Object... </a:t>
-            </a:r>
-            <a:r>
-              <a:rPr lang="en-US" sz="1400" dirty="0" err="1">
-                <a:solidFill>
-                  <a:schemeClr val="accent6">
-                    <a:lumMod val="75000"/>
-                  </a:schemeClr>
-                </a:solidFill>
-              </a:rPr>
-              <a:t>args</a:t>
-            </a:r>
-            <a:r>
-              <a:rPr lang="en-US" sz="1400" dirty="0">
-                <a:solidFill>
-                  <a:schemeClr val="accent6">
-                    <a:lumMod val="75000"/>
-                  </a:schemeClr>
-                </a:solidFill>
-              </a:rPr>
-              <a:t>)</a:t>
-            </a:r>
-          </a:p>
-          <a:p>
-            <a:r>
-              <a:rPr lang="en-US" sz="1400" dirty="0"/>
-              <a:t>allows you to print an arbitrary number of objects. It can be called like this:</a:t>
-            </a:r>
-          </a:p>
-          <a:p>
-            <a:r>
-              <a:rPr lang="en-US" sz="1400" dirty="0" err="1" smtClean="0">
-                <a:solidFill>
-                  <a:schemeClr val="accent6">
-                    <a:lumMod val="75000"/>
-                  </a:schemeClr>
-                </a:solidFill>
-              </a:rPr>
-              <a:t>System.out.printf</a:t>
-            </a:r>
-            <a:r>
-              <a:rPr lang="en-US" sz="1400" dirty="0">
-                <a:solidFill>
-                  <a:schemeClr val="accent6">
-                    <a:lumMod val="75000"/>
-                  </a:schemeClr>
-                </a:solidFill>
-              </a:rPr>
-              <a:t>("%s: %d, %</a:t>
-            </a:r>
-            <a:r>
-              <a:rPr lang="en-US" sz="1400" dirty="0" err="1">
-                <a:solidFill>
-                  <a:schemeClr val="accent6">
-                    <a:lumMod val="75000"/>
-                  </a:schemeClr>
-                </a:solidFill>
-              </a:rPr>
-              <a:t>s%n</a:t>
-            </a:r>
-            <a:r>
-              <a:rPr lang="en-US" sz="1400" dirty="0">
-                <a:solidFill>
-                  <a:schemeClr val="accent6">
-                    <a:lumMod val="75000"/>
-                  </a:schemeClr>
-                </a:solidFill>
-              </a:rPr>
-              <a:t>", name, </a:t>
-            </a:r>
-            <a:r>
-              <a:rPr lang="en-US" sz="1400" dirty="0" err="1">
-                <a:solidFill>
-                  <a:schemeClr val="accent6">
-                    <a:lumMod val="75000"/>
-                  </a:schemeClr>
-                </a:solidFill>
-              </a:rPr>
-              <a:t>idnum</a:t>
-            </a:r>
-            <a:r>
-              <a:rPr lang="en-US" sz="1400" dirty="0">
-                <a:solidFill>
-                  <a:schemeClr val="accent6">
-                    <a:lumMod val="75000"/>
-                  </a:schemeClr>
-                </a:solidFill>
-              </a:rPr>
-              <a:t>, address</a:t>
-            </a:r>
-            <a:r>
-              <a:rPr lang="en-US" sz="1400" dirty="0" smtClean="0">
-                <a:solidFill>
-                  <a:schemeClr val="accent6">
-                    <a:lumMod val="75000"/>
-                  </a:schemeClr>
-                </a:solidFill>
-              </a:rPr>
-              <a:t>);</a:t>
-            </a:r>
-            <a:endParaRPr lang="en-US" sz="1400" dirty="0">
-              <a:solidFill>
-                <a:schemeClr val="accent6">
-                  <a:lumMod val="75000"/>
-                </a:schemeClr>
-              </a:solidFill>
-            </a:endParaRPr>
+        </p:txBody>
+      </p:sp>
+      <p:cxnSp>
+        <p:nvCxnSpPr>
+          <p:cNvPr id="6" name="Straight Connector 5"/>
+          <p:cNvCxnSpPr/>
+          <p:nvPr/>
+        </p:nvCxnSpPr>
+        <p:spPr>
+          <a:xfrm flipV="1">
+            <a:off x="307974" y="1103086"/>
+            <a:ext cx="11643619" cy="58057"/>
+          </a:xfrm>
+          <a:prstGeom prst="line">
+            <a:avLst/>
+          </a:prstGeom>
+          <a:ln w="50800">
+            <a:solidFill>
+              <a:srgbClr val="C00000"/>
+            </a:solidFill>
+          </a:ln>
+        </p:spPr>
+        <p:style>
+          <a:lnRef idx="1">
+            <a:schemeClr val="accent1"/>
+          </a:lnRef>
+          <a:fillRef idx="0">
+            <a:schemeClr val="accent1"/>
+          </a:fillRef>
+          <a:effectRef idx="0">
+            <a:schemeClr val="accent1"/>
+          </a:effectRef>
+          <a:fontRef idx="minor">
+            <a:schemeClr val="tx1"/>
+          </a:fontRef>
+        </p:style>
+      </p:cxnSp>
+      <p:sp>
+        <p:nvSpPr>
+          <p:cNvPr id="7" name="TextBox 6"/>
+          <p:cNvSpPr txBox="1"/>
+          <p:nvPr/>
+        </p:nvSpPr>
+        <p:spPr>
+          <a:xfrm>
+            <a:off x="444820" y="390569"/>
+            <a:ext cx="5650139" cy="584775"/>
+          </a:xfrm>
+          <a:prstGeom prst="rect">
+            <a:avLst/>
+          </a:prstGeom>
+          <a:noFill/>
+        </p:spPr>
+        <p:txBody>
+          <a:bodyPr wrap="square" rtlCol="0">
+            <a:spAutoFit/>
+          </a:bodyPr>
+          <a:lstStyle/>
+          <a:p>
+            <a:r>
+              <a:rPr lang="en-US" sz="3200" b="1" dirty="0" smtClean="0">
+                <a:solidFill>
+                  <a:schemeClr val="bg1"/>
+                </a:solidFill>
+              </a:rPr>
+              <a:t>File I/O (Prior to SE7)…….</a:t>
+            </a:r>
+            <a:endParaRPr lang="en-US" sz="3200" b="1" dirty="0">
+              <a:solidFill>
+                <a:schemeClr val="bg1"/>
+              </a:solidFill>
+            </a:endParaRPr>
+          </a:p>
+        </p:txBody>
+      </p:sp>
+      <p:sp>
+        <p:nvSpPr>
+          <p:cNvPr id="10" name="TextBox 9"/>
+          <p:cNvSpPr txBox="1"/>
+          <p:nvPr/>
+        </p:nvSpPr>
+        <p:spPr>
+          <a:xfrm>
+            <a:off x="457952" y="1132114"/>
+            <a:ext cx="10529047" cy="461665"/>
+          </a:xfrm>
+          <a:prstGeom prst="rect">
+            <a:avLst/>
+          </a:prstGeom>
+          <a:noFill/>
+        </p:spPr>
+        <p:txBody>
+          <a:bodyPr wrap="square" rtlCol="0">
+            <a:spAutoFit/>
+          </a:bodyPr>
+          <a:lstStyle/>
+          <a:p>
+            <a:endParaRPr lang="en-US" sz="2400" dirty="0" smtClean="0">
+              <a:solidFill>
+                <a:schemeClr val="bg1"/>
+              </a:solidFill>
+            </a:endParaRPr>
+          </a:p>
+        </p:txBody>
+      </p:sp>
+      <p:sp>
+        <p:nvSpPr>
+          <p:cNvPr id="16" name="TextBox 15"/>
+          <p:cNvSpPr txBox="1"/>
+          <p:nvPr/>
+        </p:nvSpPr>
+        <p:spPr>
+          <a:xfrm>
+            <a:off x="7153835" y="5177118"/>
+            <a:ext cx="4329952" cy="1358153"/>
+          </a:xfrm>
+          <a:prstGeom prst="rect">
+            <a:avLst/>
+          </a:prstGeom>
+          <a:noFill/>
+        </p:spPr>
+        <p:txBody>
+          <a:bodyPr wrap="square" rtlCol="0">
+            <a:spAutoFit/>
+          </a:bodyPr>
+          <a:lstStyle/>
+          <a:p>
+            <a:endParaRPr lang="en-US" dirty="0"/>
           </a:p>
         </p:txBody>
       </p:sp>
@@ -18216,28 +20569,60 @@
         </p:nvSpPr>
         <p:spPr>
           <a:xfrm>
-            <a:off x="1300766" y="3098995"/>
-            <a:ext cx="9440214" cy="3198774"/>
-          </a:xfrm>
-          <a:prstGeom prst="rect">
-            <a:avLst/>
-          </a:prstGeom>
-          <a:noFill/>
-        </p:spPr>
-        <p:txBody>
-          <a:bodyPr wrap="square" rtlCol="0">
-            <a:spAutoFit/>
-          </a:bodyPr>
-          <a:lstStyle/>
-          <a:p>
-            <a:endParaRPr lang="en-US" dirty="0"/>
-          </a:p>
-        </p:txBody>
-      </p:sp>
+            <a:off x="444820" y="1315670"/>
+            <a:ext cx="11187201" cy="400110"/>
+          </a:xfrm>
+          <a:prstGeom prst="rect">
+            <a:avLst/>
+          </a:prstGeom>
+          <a:noFill/>
+        </p:spPr>
+        <p:txBody>
+          <a:bodyPr wrap="square" rtlCol="0">
+            <a:spAutoFit/>
+          </a:bodyPr>
+          <a:lstStyle/>
+          <a:p>
+            <a:pPr marL="285750" indent="-285750">
+              <a:buFont typeface="Arial" panose="020B0604020202020204" pitchFamily="34" charset="0"/>
+              <a:buChar char="•"/>
+            </a:pPr>
+            <a:endParaRPr lang="en-US" sz="2000" dirty="0">
+              <a:solidFill>
+                <a:schemeClr val="bg1"/>
+              </a:solidFill>
+            </a:endParaRPr>
+          </a:p>
+        </p:txBody>
+      </p:sp>
+      <p:pic>
+        <p:nvPicPr>
+          <p:cNvPr id="12" name="Picture 11"/>
+          <p:cNvPicPr>
+            <a:picLocks noChangeAspect="1"/>
+          </p:cNvPicPr>
+          <p:nvPr/>
+        </p:nvPicPr>
+        <p:blipFill>
+          <a:blip r:embed="rId2"/>
+          <a:stretch>
+            <a:fillRect/>
+          </a:stretch>
+        </p:blipFill>
+        <p:spPr>
+          <a:xfrm>
+            <a:off x="444819" y="1372762"/>
+            <a:ext cx="11495038" cy="4449813"/>
+          </a:xfrm>
+          <a:prstGeom prst="rect">
+            <a:avLst/>
+          </a:prstGeom>
+        </p:spPr>
+      </p:pic>
     </p:spTree>
     <p:extLst>
       <p:ext uri="{BB962C8B-B14F-4D97-AF65-F5344CB8AC3E}">
-        <p14:creationId xmlns:p14="http://schemas.microsoft.com/office/powerpoint/2010/main" val="3614015230"/>
+        <p14:creationId xmlns:p14="http://schemas.microsoft.com/office/powerpoint/2010/main" val="764176100"/>
       </p:ext>
     </p:extLst>
   </p:cSld>
@@ -18255,7 +20640,7 @@
 </file>
 
 <file path=ppt/slides/slide38.xml><?xml version="1.0" encoding="utf-8"?>
-<p:sld xmlns:a="http://schemas.openxmlformats.org/drawingml/2006/main" xmlns:r="http://schemas.openxmlformats.org/officeDocument/2006/relationships" xmlns:p="http://schemas.openxmlformats.org/presentationml/2006/main" showMasterSp="0">
+<p:sld xmlns:a="http://schemas.openxmlformats.org/drawingml/2006/main" xmlns:r="http://schemas.openxmlformats.org/officeDocument/2006/relationships" xmlns:p="http://schemas.openxmlformats.org/presentationml/2006/main">
   <p:cSld>
     <p:spTree>
       <p:nvGrpSpPr>
@@ -18288,37 +20673,8 @@
           <a:p>
             <a:r>
               <a:rPr lang="en-US" dirty="0" smtClean="0"/>
-              <a:t>Java - miscellaneous</a:t>
-            </a:r>
-            <a:endParaRPr lang="en-US" dirty="0"/>
-          </a:p>
-        </p:txBody>
-      </p:sp>
-      <p:sp>
-        <p:nvSpPr>
-          <p:cNvPr id="6" name="TextBox 5"/>
-          <p:cNvSpPr txBox="1"/>
-          <p:nvPr/>
-        </p:nvSpPr>
-        <p:spPr>
-          <a:xfrm>
-            <a:off x="746975" y="2099256"/>
-            <a:ext cx="6645498" cy="646331"/>
-          </a:xfrm>
-          <a:prstGeom prst="rect">
-            <a:avLst/>
-          </a:prstGeom>
-          <a:noFill/>
-        </p:spPr>
-        <p:txBody>
-          <a:bodyPr wrap="square" rtlCol="0">
-            <a:spAutoFit/>
-          </a:bodyPr>
-          <a:lstStyle/>
-          <a:p>
-            <a:endParaRPr lang="en-US" b="1" dirty="0" smtClean="0"/>
-          </a:p>
-          <a:p>
+              <a:t>exceptions</a:t>
+            </a:r>
             <a:endParaRPr lang="en-US" dirty="0"/>
           </a:p>
         </p:txBody>
@@ -18370,57 +20726,220 @@
         </p:nvSpPr>
         <p:spPr>
           <a:xfrm>
-            <a:off x="460375" y="1792936"/>
-            <a:ext cx="9994005" cy="1631216"/>
-          </a:xfrm>
-          <a:prstGeom prst="rect">
-            <a:avLst/>
-          </a:prstGeom>
-          <a:noFill/>
-        </p:spPr>
-        <p:txBody>
-          <a:bodyPr wrap="square" rtlCol="0">
-            <a:spAutoFit/>
-          </a:bodyPr>
-          <a:lstStyle/>
-          <a:p>
-            <a:r>
-              <a:rPr lang="en-US" sz="2800" u="sng" dirty="0"/>
-              <a:t>Returning a Class or </a:t>
-            </a:r>
-            <a:r>
-              <a:rPr lang="en-US" sz="2800" u="sng" dirty="0" smtClean="0"/>
-              <a:t>Interface</a:t>
-            </a:r>
-          </a:p>
-          <a:p>
-            <a:pPr marL="457200" indent="-457200">
+            <a:off x="7495504" y="2240924"/>
+            <a:ext cx="4456090" cy="400110"/>
+          </a:xfrm>
+          <a:prstGeom prst="rect">
+            <a:avLst/>
+          </a:prstGeom>
+          <a:noFill/>
+        </p:spPr>
+        <p:txBody>
+          <a:bodyPr wrap="square" rtlCol="0">
+            <a:spAutoFit/>
+          </a:bodyPr>
+          <a:lstStyle/>
+          <a:p>
+            <a:endParaRPr lang="en-US" sz="2000" u="sng" dirty="0"/>
+          </a:p>
+        </p:txBody>
+      </p:sp>
+      <p:sp>
+        <p:nvSpPr>
+          <p:cNvPr id="5" name="TextBox 4"/>
+          <p:cNvSpPr txBox="1"/>
+          <p:nvPr/>
+        </p:nvSpPr>
+        <p:spPr>
+          <a:xfrm>
+            <a:off x="307974" y="262826"/>
+            <a:ext cx="11643619" cy="6442774"/>
+          </a:xfrm>
+          <a:prstGeom prst="rect">
+            <a:avLst/>
+          </a:prstGeom>
+          <a:solidFill>
+            <a:schemeClr val="tx1">
+              <a:lumMod val="95000"/>
+            </a:schemeClr>
+          </a:solidFill>
+        </p:spPr>
+        <p:txBody>
+          <a:bodyPr wrap="square" rtlCol="0">
+            <a:spAutoFit/>
+          </a:bodyPr>
+          <a:lstStyle/>
+          <a:p>
+            <a:endParaRPr lang="en-US" dirty="0"/>
+          </a:p>
+        </p:txBody>
+      </p:sp>
+      <p:cxnSp>
+        <p:nvCxnSpPr>
+          <p:cNvPr id="6" name="Straight Connector 5"/>
+          <p:cNvCxnSpPr/>
+          <p:nvPr/>
+        </p:nvCxnSpPr>
+        <p:spPr>
+          <a:xfrm flipV="1">
+            <a:off x="307974" y="1103086"/>
+            <a:ext cx="11643619" cy="58057"/>
+          </a:xfrm>
+          <a:prstGeom prst="line">
+            <a:avLst/>
+          </a:prstGeom>
+          <a:ln w="50800">
+            <a:solidFill>
+              <a:srgbClr val="C00000"/>
+            </a:solidFill>
+          </a:ln>
+        </p:spPr>
+        <p:style>
+          <a:lnRef idx="1">
+            <a:schemeClr val="accent1"/>
+          </a:lnRef>
+          <a:fillRef idx="0">
+            <a:schemeClr val="accent1"/>
+          </a:fillRef>
+          <a:effectRef idx="0">
+            <a:schemeClr val="accent1"/>
+          </a:effectRef>
+          <a:fontRef idx="minor">
+            <a:schemeClr val="tx1"/>
+          </a:fontRef>
+        </p:style>
+      </p:cxnSp>
+      <p:sp>
+        <p:nvSpPr>
+          <p:cNvPr id="7" name="TextBox 6"/>
+          <p:cNvSpPr txBox="1"/>
+          <p:nvPr/>
+        </p:nvSpPr>
+        <p:spPr>
+          <a:xfrm>
+            <a:off x="444820" y="390569"/>
+            <a:ext cx="5650139" cy="584775"/>
+          </a:xfrm>
+          <a:prstGeom prst="rect">
+            <a:avLst/>
+          </a:prstGeom>
+          <a:noFill/>
+        </p:spPr>
+        <p:txBody>
+          <a:bodyPr wrap="square" rtlCol="0">
+            <a:spAutoFit/>
+          </a:bodyPr>
+          <a:lstStyle/>
+          <a:p>
+            <a:r>
+              <a:rPr lang="en-US" sz="3200" b="1" dirty="0" smtClean="0">
+                <a:solidFill>
+                  <a:schemeClr val="bg1"/>
+                </a:solidFill>
+              </a:rPr>
+              <a:t>File I/O (Prior to SE7)…….</a:t>
+            </a:r>
+            <a:endParaRPr lang="en-US" sz="3200" b="1" dirty="0">
+              <a:solidFill>
+                <a:schemeClr val="bg1"/>
+              </a:solidFill>
+            </a:endParaRPr>
+          </a:p>
+        </p:txBody>
+      </p:sp>
+      <p:sp>
+        <p:nvSpPr>
+          <p:cNvPr id="10" name="TextBox 9"/>
+          <p:cNvSpPr txBox="1"/>
+          <p:nvPr/>
+        </p:nvSpPr>
+        <p:spPr>
+          <a:xfrm>
+            <a:off x="457952" y="1132114"/>
+            <a:ext cx="10529047" cy="461665"/>
+          </a:xfrm>
+          <a:prstGeom prst="rect">
+            <a:avLst/>
+          </a:prstGeom>
+          <a:noFill/>
+        </p:spPr>
+        <p:txBody>
+          <a:bodyPr wrap="square" rtlCol="0">
+            <a:spAutoFit/>
+          </a:bodyPr>
+          <a:lstStyle/>
+          <a:p>
+            <a:endParaRPr lang="en-US" sz="2400" dirty="0" smtClean="0">
+              <a:solidFill>
+                <a:schemeClr val="bg1"/>
+              </a:solidFill>
+            </a:endParaRPr>
+          </a:p>
+        </p:txBody>
+      </p:sp>
+      <p:sp>
+        <p:nvSpPr>
+          <p:cNvPr id="16" name="TextBox 15"/>
+          <p:cNvSpPr txBox="1"/>
+          <p:nvPr/>
+        </p:nvSpPr>
+        <p:spPr>
+          <a:xfrm>
+            <a:off x="7153835" y="5177118"/>
+            <a:ext cx="4329952" cy="1358153"/>
+          </a:xfrm>
+          <a:prstGeom prst="rect">
+            <a:avLst/>
+          </a:prstGeom>
+          <a:noFill/>
+        </p:spPr>
+        <p:txBody>
+          <a:bodyPr wrap="square" rtlCol="0">
+            <a:spAutoFit/>
+          </a:bodyPr>
+          <a:lstStyle/>
+          <a:p>
+            <a:endParaRPr lang="en-US" dirty="0"/>
+          </a:p>
+        </p:txBody>
+      </p:sp>
+      <p:sp>
+        <p:nvSpPr>
+          <p:cNvPr id="9" name="TextBox 8"/>
+          <p:cNvSpPr txBox="1"/>
+          <p:nvPr/>
+        </p:nvSpPr>
+        <p:spPr>
+          <a:xfrm>
+            <a:off x="444820" y="1315670"/>
+            <a:ext cx="11187201" cy="400110"/>
+          </a:xfrm>
+          <a:prstGeom prst="rect">
+            <a:avLst/>
+          </a:prstGeom>
+          <a:noFill/>
+        </p:spPr>
+        <p:txBody>
+          <a:bodyPr wrap="square" rtlCol="0">
+            <a:spAutoFit/>
+          </a:bodyPr>
+          <a:lstStyle/>
+          <a:p>
+            <a:pPr marL="285750" indent="-285750">
               <a:buFont typeface="Arial" panose="020B0604020202020204" pitchFamily="34" charset="0"/>
               <a:buChar char="•"/>
             </a:pPr>
-            <a:r>
-              <a:rPr lang="en-US" sz="2400" i="1" dirty="0"/>
-              <a:t>When a method uses a class name as its return </a:t>
-            </a:r>
-            <a:r>
-              <a:rPr lang="en-US" sz="2400" i="1" dirty="0" smtClean="0"/>
-              <a:t>type </a:t>
-            </a:r>
-            <a:r>
-              <a:rPr lang="en-US" sz="2400" i="1" dirty="0"/>
-              <a:t>the class of the type of the returned object must be either a subclass of, or the exact class of, the return </a:t>
-            </a:r>
-            <a:r>
-              <a:rPr lang="en-US" sz="2400" i="1" dirty="0" smtClean="0"/>
-              <a:t>type.</a:t>
-            </a:r>
-            <a:endParaRPr lang="en-US" sz="2400" i="1" dirty="0"/>
+            <a:endParaRPr lang="en-US" sz="2000" dirty="0">
+              <a:solidFill>
+                <a:schemeClr val="bg1"/>
+              </a:solidFill>
+            </a:endParaRPr>
           </a:p>
         </p:txBody>
       </p:sp>
       <p:pic>
         <p:nvPicPr>
-          <p:cNvPr id="3" name="Picture 2"/>
+          <p:cNvPr id="11" name="Picture 10"/>
           <p:cNvPicPr>
             <a:picLocks noChangeAspect="1"/>
           </p:cNvPicPr>
@@ -18434,137 +20953,18 @@
         </p:blipFill>
         <p:spPr>
           <a:xfrm>
-            <a:off x="746974" y="4512753"/>
-            <a:ext cx="2150771" cy="2253890"/>
+            <a:off x="307972" y="1315670"/>
+            <a:ext cx="11458691" cy="4950659"/>
           </a:xfrm>
           <a:prstGeom prst="rect">
             <a:avLst/>
           </a:prstGeom>
         </p:spPr>
       </p:pic>
-      <p:sp>
-        <p:nvSpPr>
-          <p:cNvPr id="7" name="TextBox 6"/>
-          <p:cNvSpPr txBox="1"/>
-          <p:nvPr/>
-        </p:nvSpPr>
-        <p:spPr>
-          <a:xfrm>
-            <a:off x="3593206" y="3608818"/>
-            <a:ext cx="8598794" cy="2585323"/>
-          </a:xfrm>
-          <a:prstGeom prst="rect">
-            <a:avLst/>
-          </a:prstGeom>
-          <a:noFill/>
-        </p:spPr>
-        <p:txBody>
-          <a:bodyPr wrap="square" rtlCol="0">
-            <a:spAutoFit/>
-          </a:bodyPr>
-          <a:lstStyle/>
-          <a:p>
-            <a:r>
-              <a:rPr lang="en-US" dirty="0" smtClean="0">
-                <a:solidFill>
-                  <a:schemeClr val="accent6">
-                    <a:lumMod val="75000"/>
-                  </a:schemeClr>
-                </a:solidFill>
-              </a:rPr>
-              <a:t>public Number </a:t>
-            </a:r>
-            <a:r>
-              <a:rPr lang="en-US" dirty="0" err="1" smtClean="0">
-                <a:solidFill>
-                  <a:schemeClr val="accent6">
-                    <a:lumMod val="75000"/>
-                  </a:schemeClr>
-                </a:solidFill>
-              </a:rPr>
-              <a:t>returnANumber</a:t>
-            </a:r>
-            <a:r>
-              <a:rPr lang="en-US" dirty="0" smtClean="0">
-                <a:solidFill>
-                  <a:schemeClr val="accent6">
-                    <a:lumMod val="75000"/>
-                  </a:schemeClr>
-                </a:solidFill>
-              </a:rPr>
-              <a:t>() {</a:t>
-            </a:r>
-          </a:p>
-          <a:p>
-            <a:r>
-              <a:rPr lang="en-US" dirty="0" smtClean="0">
-                <a:solidFill>
-                  <a:schemeClr val="accent6">
-                    <a:lumMod val="75000"/>
-                  </a:schemeClr>
-                </a:solidFill>
-              </a:rPr>
-              <a:t>    ...</a:t>
-            </a:r>
-          </a:p>
-          <a:p>
-            <a:r>
-              <a:rPr lang="en-US" dirty="0" smtClean="0">
-                <a:solidFill>
-                  <a:schemeClr val="accent6">
-                    <a:lumMod val="75000"/>
-                  </a:schemeClr>
-                </a:solidFill>
-              </a:rPr>
-              <a:t>}</a:t>
-            </a:r>
-          </a:p>
-          <a:p>
-            <a:endParaRPr lang="en-US" dirty="0"/>
-          </a:p>
-          <a:p>
-            <a:r>
-              <a:rPr lang="en-US" dirty="0"/>
-              <a:t>The </a:t>
-            </a:r>
-            <a:r>
-              <a:rPr lang="en-US" dirty="0" err="1"/>
-              <a:t>returnANumber</a:t>
-            </a:r>
-            <a:r>
-              <a:rPr lang="en-US" dirty="0"/>
-              <a:t> method can return an </a:t>
-            </a:r>
-            <a:r>
-              <a:rPr lang="en-US" dirty="0" err="1"/>
-              <a:t>ImaginaryNumber</a:t>
-            </a:r>
-            <a:r>
-              <a:rPr lang="en-US" dirty="0"/>
-              <a:t> but not an Object. </a:t>
-            </a:r>
-            <a:r>
-              <a:rPr lang="en-US" dirty="0" err="1"/>
-              <a:t>ImaginaryNumber</a:t>
-            </a:r>
-            <a:r>
-              <a:rPr lang="en-US" dirty="0"/>
-              <a:t> is a Number because it's a subclass of Number. However, an Object is not necessarily a Number — it could be a String or another type</a:t>
-            </a:r>
-            <a:endParaRPr lang="en-US" dirty="0" smtClean="0"/>
-          </a:p>
-          <a:p>
-            <a:endParaRPr lang="en-US" dirty="0"/>
-          </a:p>
-          <a:p>
-            <a:endParaRPr lang="en-US" dirty="0"/>
-          </a:p>
-        </p:txBody>
-      </p:sp>
     </p:spTree>
     <p:extLst>
       <p:ext uri="{BB962C8B-B14F-4D97-AF65-F5344CB8AC3E}">
-        <p14:creationId xmlns:p14="http://schemas.microsoft.com/office/powerpoint/2010/main" val="1271906606"/>
+        <p14:creationId xmlns:p14="http://schemas.microsoft.com/office/powerpoint/2010/main" val="1999220992"/>
       </p:ext>
     </p:extLst>
   </p:cSld>
@@ -18582,7 +20982,7 @@
 </file>
 
 <file path=ppt/slides/slide39.xml><?xml version="1.0" encoding="utf-8"?>
-<p:sld xmlns:a="http://schemas.openxmlformats.org/drawingml/2006/main" xmlns:r="http://schemas.openxmlformats.org/officeDocument/2006/relationships" xmlns:p="http://schemas.openxmlformats.org/presentationml/2006/main" showMasterSp="0">
+<p:sld xmlns:a="http://schemas.openxmlformats.org/drawingml/2006/main" xmlns:r="http://schemas.openxmlformats.org/officeDocument/2006/relationships" xmlns:p="http://schemas.openxmlformats.org/presentationml/2006/main">
   <p:cSld>
     <p:spTree>
       <p:nvGrpSpPr>
@@ -18615,37 +21015,8 @@
           <a:p>
             <a:r>
               <a:rPr lang="en-US" dirty="0" smtClean="0"/>
-              <a:t>Advanced java</a:t>
-            </a:r>
-            <a:endParaRPr lang="en-US" dirty="0"/>
-          </a:p>
-        </p:txBody>
-      </p:sp>
-      <p:sp>
-        <p:nvSpPr>
-          <p:cNvPr id="6" name="TextBox 5"/>
-          <p:cNvSpPr txBox="1"/>
-          <p:nvPr/>
-        </p:nvSpPr>
-        <p:spPr>
-          <a:xfrm>
-            <a:off x="746975" y="2099256"/>
-            <a:ext cx="6645498" cy="646331"/>
-          </a:xfrm>
-          <a:prstGeom prst="rect">
-            <a:avLst/>
-          </a:prstGeom>
-          <a:noFill/>
-        </p:spPr>
-        <p:txBody>
-          <a:bodyPr wrap="square" rtlCol="0">
-            <a:spAutoFit/>
-          </a:bodyPr>
-          <a:lstStyle/>
-          <a:p>
-            <a:endParaRPr lang="en-US" b="1" dirty="0" smtClean="0"/>
-          </a:p>
-          <a:p>
+              <a:t>exceptions</a:t>
+            </a:r>
             <a:endParaRPr lang="en-US" dirty="0"/>
           </a:p>
         </p:txBody>
@@ -18697,164 +21068,180 @@
         </p:nvSpPr>
         <p:spPr>
           <a:xfrm>
-            <a:off x="460375" y="437262"/>
-            <a:ext cx="9994005" cy="4401205"/>
-          </a:xfrm>
-          <a:prstGeom prst="rect">
-            <a:avLst/>
-          </a:prstGeom>
-          <a:noFill/>
-        </p:spPr>
-        <p:txBody>
-          <a:bodyPr wrap="square" rtlCol="0">
-            <a:spAutoFit/>
-          </a:bodyPr>
-          <a:lstStyle/>
-          <a:p>
-            <a:r>
-              <a:rPr lang="en-US" sz="2800" dirty="0" smtClean="0">
-                <a:solidFill>
-                  <a:schemeClr val="accent6">
-                    <a:lumMod val="75000"/>
-                  </a:schemeClr>
-                </a:solidFill>
-              </a:rPr>
-              <a:t>Garbage collection</a:t>
-            </a:r>
-          </a:p>
-          <a:p>
-            <a:r>
-              <a:rPr lang="en-US" sz="2800" dirty="0" smtClean="0">
-                <a:solidFill>
-                  <a:schemeClr val="accent6">
-                    <a:lumMod val="75000"/>
-                  </a:schemeClr>
-                </a:solidFill>
-              </a:rPr>
-              <a:t>JDBC</a:t>
-            </a:r>
-          </a:p>
-          <a:p>
-            <a:r>
-              <a:rPr lang="en-US" sz="2800" dirty="0" smtClean="0">
-                <a:solidFill>
-                  <a:schemeClr val="accent6">
-                    <a:lumMod val="75000"/>
-                  </a:schemeClr>
-                </a:solidFill>
-              </a:rPr>
-              <a:t>Lambda expressions</a:t>
-            </a:r>
-          </a:p>
-          <a:p>
-            <a:r>
-              <a:rPr lang="en-US" sz="2800" dirty="0" smtClean="0">
-                <a:solidFill>
-                  <a:schemeClr val="accent6">
-                    <a:lumMod val="75000"/>
-                  </a:schemeClr>
-                </a:solidFill>
-              </a:rPr>
-              <a:t>Annotations</a:t>
-            </a:r>
-          </a:p>
-          <a:p>
-            <a:r>
-              <a:rPr lang="en-US" sz="2800" dirty="0" smtClean="0">
-                <a:solidFill>
-                  <a:schemeClr val="accent6">
-                    <a:lumMod val="75000"/>
-                  </a:schemeClr>
-                </a:solidFill>
-              </a:rPr>
-              <a:t>Aggregate operations on collection using </a:t>
-            </a:r>
-            <a:r>
-              <a:rPr lang="en-US" sz="2800" dirty="0" err="1" smtClean="0">
-                <a:solidFill>
-                  <a:schemeClr val="accent6">
-                    <a:lumMod val="75000"/>
-                  </a:schemeClr>
-                </a:solidFill>
-              </a:rPr>
-              <a:t>Lambarda</a:t>
-            </a:r>
-            <a:r>
-              <a:rPr lang="en-US" sz="2800" dirty="0" smtClean="0">
-                <a:solidFill>
-                  <a:schemeClr val="accent6">
-                    <a:lumMod val="75000"/>
-                  </a:schemeClr>
-                </a:solidFill>
-              </a:rPr>
-              <a:t> expression.</a:t>
-            </a:r>
-          </a:p>
-          <a:p>
-            <a:r>
-              <a:rPr lang="en-US" sz="2800" dirty="0" smtClean="0">
-                <a:solidFill>
-                  <a:schemeClr val="accent6">
-                    <a:lumMod val="75000"/>
-                  </a:schemeClr>
-                </a:solidFill>
-              </a:rPr>
-              <a:t>Java streaming</a:t>
-            </a:r>
-          </a:p>
-          <a:p>
-            <a:r>
-              <a:rPr lang="en-US" sz="2800" dirty="0" smtClean="0">
-                <a:solidFill>
-                  <a:schemeClr val="accent6">
-                    <a:lumMod val="75000"/>
-                  </a:schemeClr>
-                </a:solidFill>
-              </a:rPr>
-              <a:t>Blocking queue</a:t>
-            </a:r>
-          </a:p>
-          <a:p>
-            <a:r>
-              <a:rPr lang="en-US" sz="2800" dirty="0" smtClean="0">
-                <a:solidFill>
-                  <a:schemeClr val="accent6">
-                    <a:lumMod val="75000"/>
-                  </a:schemeClr>
-                </a:solidFill>
-              </a:rPr>
-              <a:t>Aggregate operations</a:t>
-            </a:r>
-          </a:p>
-          <a:p>
-            <a:r>
-              <a:rPr lang="en-US" sz="2800" dirty="0" smtClean="0">
-                <a:solidFill>
-                  <a:schemeClr val="accent6">
-                    <a:lumMod val="75000"/>
-                  </a:schemeClr>
-                </a:solidFill>
-              </a:rPr>
-              <a:t>Autoboxing and unboxing</a:t>
-            </a:r>
-          </a:p>
-          <a:p>
-            <a:endParaRPr lang="en-US" sz="1400" dirty="0" smtClean="0">
-              <a:solidFill>
-                <a:schemeClr val="accent6">
-                  <a:lumMod val="75000"/>
-                </a:schemeClr>
-              </a:solidFill>
-            </a:endParaRPr>
-          </a:p>
-          <a:p>
-            <a:endParaRPr lang="en-US" sz="1400" dirty="0">
-              <a:solidFill>
-                <a:schemeClr val="accent6">
-                  <a:lumMod val="75000"/>
-                </a:schemeClr>
-              </a:solidFill>
-            </a:endParaRPr>
+            <a:off x="7495504" y="2240924"/>
+            <a:ext cx="4456090" cy="400110"/>
+          </a:xfrm>
+          <a:prstGeom prst="rect">
+            <a:avLst/>
+          </a:prstGeom>
+          <a:noFill/>
+        </p:spPr>
+        <p:txBody>
+          <a:bodyPr wrap="square" rtlCol="0">
+            <a:spAutoFit/>
+          </a:bodyPr>
+          <a:lstStyle/>
+          <a:p>
+            <a:endParaRPr lang="en-US" sz="2000" u="sng" dirty="0"/>
+          </a:p>
+        </p:txBody>
+      </p:sp>
+      <p:sp>
+        <p:nvSpPr>
+          <p:cNvPr id="5" name="TextBox 4"/>
+          <p:cNvSpPr txBox="1"/>
+          <p:nvPr/>
+        </p:nvSpPr>
+        <p:spPr>
+          <a:xfrm>
+            <a:off x="307974" y="262826"/>
+            <a:ext cx="11643619" cy="6442774"/>
+          </a:xfrm>
+          <a:prstGeom prst="rect">
+            <a:avLst/>
+          </a:prstGeom>
+          <a:solidFill>
+            <a:schemeClr val="tx1">
+              <a:lumMod val="95000"/>
+            </a:schemeClr>
+          </a:solidFill>
+        </p:spPr>
+        <p:txBody>
+          <a:bodyPr wrap="square" rtlCol="0">
+            <a:spAutoFit/>
+          </a:bodyPr>
+          <a:lstStyle/>
+          <a:p>
+            <a:endParaRPr lang="en-US" dirty="0"/>
+          </a:p>
+        </p:txBody>
+      </p:sp>
+      <p:cxnSp>
+        <p:nvCxnSpPr>
+          <p:cNvPr id="6" name="Straight Connector 5"/>
+          <p:cNvCxnSpPr/>
+          <p:nvPr/>
+        </p:nvCxnSpPr>
+        <p:spPr>
+          <a:xfrm flipV="1">
+            <a:off x="307974" y="1103086"/>
+            <a:ext cx="11643619" cy="58057"/>
+          </a:xfrm>
+          <a:prstGeom prst="line">
+            <a:avLst/>
+          </a:prstGeom>
+          <a:ln w="50800">
+            <a:solidFill>
+              <a:srgbClr val="C00000"/>
+            </a:solidFill>
+          </a:ln>
+        </p:spPr>
+        <p:style>
+          <a:lnRef idx="1">
+            <a:schemeClr val="accent1"/>
+          </a:lnRef>
+          <a:fillRef idx="0">
+            <a:schemeClr val="accent1"/>
+          </a:fillRef>
+          <a:effectRef idx="0">
+            <a:schemeClr val="accent1"/>
+          </a:effectRef>
+          <a:fontRef idx="minor">
+            <a:schemeClr val="tx1"/>
+          </a:fontRef>
+        </p:style>
+      </p:cxnSp>
+      <p:sp>
+        <p:nvSpPr>
+          <p:cNvPr id="7" name="TextBox 6"/>
+          <p:cNvSpPr txBox="1"/>
+          <p:nvPr/>
+        </p:nvSpPr>
+        <p:spPr>
+          <a:xfrm>
+            <a:off x="444820" y="390569"/>
+            <a:ext cx="5650139" cy="584775"/>
+          </a:xfrm>
+          <a:prstGeom prst="rect">
+            <a:avLst/>
+          </a:prstGeom>
+          <a:noFill/>
+        </p:spPr>
+        <p:txBody>
+          <a:bodyPr wrap="square" rtlCol="0">
+            <a:spAutoFit/>
+          </a:bodyPr>
+          <a:lstStyle/>
+          <a:p>
+            <a:r>
+              <a:rPr lang="en-US" sz="3200" b="1" dirty="0" smtClean="0">
+                <a:solidFill>
+                  <a:schemeClr val="bg1"/>
+                </a:solidFill>
+              </a:rPr>
+              <a:t>File I/O (Prior to SE7)…….</a:t>
+            </a:r>
+            <a:endParaRPr lang="en-US" sz="3200" b="1" dirty="0">
+              <a:solidFill>
+                <a:schemeClr val="bg1"/>
+              </a:solidFill>
+            </a:endParaRPr>
+          </a:p>
+        </p:txBody>
+      </p:sp>
+      <p:sp>
+        <p:nvSpPr>
+          <p:cNvPr id="10" name="TextBox 9"/>
+          <p:cNvSpPr txBox="1"/>
+          <p:nvPr/>
+        </p:nvSpPr>
+        <p:spPr>
+          <a:xfrm>
+            <a:off x="457952" y="1132114"/>
+            <a:ext cx="10529047" cy="461665"/>
+          </a:xfrm>
+          <a:prstGeom prst="rect">
+            <a:avLst/>
+          </a:prstGeom>
+          <a:noFill/>
+        </p:spPr>
+        <p:txBody>
+          <a:bodyPr wrap="square" rtlCol="0">
+            <a:spAutoFit/>
+          </a:bodyPr>
+          <a:lstStyle/>
+          <a:p>
+            <a:endParaRPr lang="en-US" sz="2400" dirty="0" smtClean="0">
+              <a:solidFill>
+                <a:schemeClr val="bg1"/>
+              </a:solidFill>
+            </a:endParaRPr>
+          </a:p>
+        </p:txBody>
+      </p:sp>
+      <p:sp>
+        <p:nvSpPr>
+          <p:cNvPr id="16" name="TextBox 15"/>
+          <p:cNvSpPr txBox="1"/>
+          <p:nvPr/>
+        </p:nvSpPr>
+        <p:spPr>
+          <a:xfrm>
+            <a:off x="7153835" y="5177118"/>
+            <a:ext cx="4329952" cy="1358153"/>
+          </a:xfrm>
+          <a:prstGeom prst="rect">
+            <a:avLst/>
+          </a:prstGeom>
+          <a:noFill/>
+        </p:spPr>
+        <p:txBody>
+          <a:bodyPr wrap="square" rtlCol="0">
+            <a:spAutoFit/>
+          </a:bodyPr>
+          <a:lstStyle/>
+          <a:p>
+            <a:endParaRPr lang="en-US" dirty="0"/>
           </a:p>
         </p:txBody>
       </p:sp>
@@ -18866,28 +21253,60 @@
         </p:nvSpPr>
         <p:spPr>
           <a:xfrm>
-            <a:off x="1300766" y="3098995"/>
-            <a:ext cx="9440214" cy="3198774"/>
-          </a:xfrm>
-          <a:prstGeom prst="rect">
-            <a:avLst/>
-          </a:prstGeom>
-          <a:noFill/>
-        </p:spPr>
-        <p:txBody>
-          <a:bodyPr wrap="square" rtlCol="0">
-            <a:spAutoFit/>
-          </a:bodyPr>
-          <a:lstStyle/>
-          <a:p>
-            <a:endParaRPr lang="en-US" dirty="0"/>
-          </a:p>
-        </p:txBody>
-      </p:sp>
+            <a:off x="444820" y="1315670"/>
+            <a:ext cx="11187201" cy="400110"/>
+          </a:xfrm>
+          <a:prstGeom prst="rect">
+            <a:avLst/>
+          </a:prstGeom>
+          <a:noFill/>
+        </p:spPr>
+        <p:txBody>
+          <a:bodyPr wrap="square" rtlCol="0">
+            <a:spAutoFit/>
+          </a:bodyPr>
+          <a:lstStyle/>
+          <a:p>
+            <a:pPr marL="285750" indent="-285750">
+              <a:buFont typeface="Arial" panose="020B0604020202020204" pitchFamily="34" charset="0"/>
+              <a:buChar char="•"/>
+            </a:pPr>
+            <a:endParaRPr lang="en-US" sz="2000" dirty="0">
+              <a:solidFill>
+                <a:schemeClr val="bg1"/>
+              </a:solidFill>
+            </a:endParaRPr>
+          </a:p>
+        </p:txBody>
+      </p:sp>
+      <p:pic>
+        <p:nvPicPr>
+          <p:cNvPr id="12" name="Picture 11"/>
+          <p:cNvPicPr>
+            <a:picLocks noChangeAspect="1"/>
+          </p:cNvPicPr>
+          <p:nvPr/>
+        </p:nvPicPr>
+        <p:blipFill>
+          <a:blip r:embed="rId2"/>
+          <a:stretch>
+            <a:fillRect/>
+          </a:stretch>
+        </p:blipFill>
+        <p:spPr>
+          <a:xfrm>
+            <a:off x="444818" y="1288885"/>
+            <a:ext cx="8752969" cy="5321486"/>
+          </a:xfrm>
+          <a:prstGeom prst="rect">
+            <a:avLst/>
+          </a:prstGeom>
+        </p:spPr>
+      </p:pic>
     </p:spTree>
     <p:extLst>
       <p:ext uri="{BB962C8B-B14F-4D97-AF65-F5344CB8AC3E}">
-        <p14:creationId xmlns:p14="http://schemas.microsoft.com/office/powerpoint/2010/main" val="2545554712"/>
+        <p14:creationId xmlns:p14="http://schemas.microsoft.com/office/powerpoint/2010/main" val="2555819788"/>
       </p:ext>
     </p:extLst>
   </p:cSld>
@@ -19080,6 +21499,1970 @@
 </file>
 
 <file path=ppt/slides/slide40.xml><?xml version="1.0" encoding="utf-8"?>
+<p:sld xmlns:a="http://schemas.openxmlformats.org/drawingml/2006/main" xmlns:r="http://schemas.openxmlformats.org/officeDocument/2006/relationships" xmlns:p="http://schemas.openxmlformats.org/presentationml/2006/main">
+  <p:cSld>
+    <p:spTree>
+      <p:nvGrpSpPr>
+        <p:cNvPr id="1" name=""/>
+        <p:cNvGrpSpPr/>
+        <p:nvPr/>
+      </p:nvGrpSpPr>
+      <p:grpSpPr>
+        <a:xfrm>
+          <a:off x="0" y="0"/>
+          <a:ext cx="0" cy="0"/>
+          <a:chOff x="0" y="0"/>
+          <a:chExt cx="0" cy="0"/>
+        </a:xfrm>
+      </p:grpSpPr>
+      <p:sp>
+        <p:nvSpPr>
+          <p:cNvPr id="2" name="Title 1"/>
+          <p:cNvSpPr>
+            <a:spLocks noGrp="1"/>
+          </p:cNvSpPr>
+          <p:nvPr>
+            <p:ph type="title"/>
+          </p:nvPr>
+        </p:nvSpPr>
+        <p:spPr/>
+        <p:txBody>
+          <a:bodyPr/>
+          <a:lstStyle/>
+          <a:p>
+            <a:r>
+              <a:rPr lang="en-US" dirty="0" smtClean="0"/>
+              <a:t>exceptions</a:t>
+            </a:r>
+            <a:endParaRPr lang="en-US" dirty="0"/>
+          </a:p>
+        </p:txBody>
+      </p:sp>
+      <p:sp>
+        <p:nvSpPr>
+          <p:cNvPr id="4" name="AutoShape 8" descr="http://www.penjee.com/programming/wp-content/uploads/2014/05/parameter-vs-argument-diagram.png"/>
+          <p:cNvSpPr>
+            <a:spLocks noChangeAspect="1" noChangeArrowheads="1"/>
+          </p:cNvSpPr>
+          <p:nvPr/>
+        </p:nvSpPr>
+        <p:spPr bwMode="auto">
+          <a:xfrm>
+            <a:off x="155575" y="-144463"/>
+            <a:ext cx="304800" cy="304801"/>
+          </a:xfrm>
+          <a:prstGeom prst="rect">
+            <a:avLst/>
+          </a:prstGeom>
+          <a:noFill/>
+          <a:extLst>
+            <a:ext uri="{909E8E84-426E-40DD-AFC4-6F175D3DCCD1}">
+              <a14:hiddenFill xmlns:a14="http://schemas.microsoft.com/office/drawing/2010/main">
+                <a:solidFill>
+                  <a:srgbClr val="FFFFFF"/>
+                </a:solidFill>
+              </a14:hiddenFill>
+            </a:ext>
+          </a:extLst>
+        </p:spPr>
+        <p:txBody>
+          <a:bodyPr vert="horz" wrap="square" lIns="91440" tIns="45720" rIns="91440" bIns="45720" numCol="1" anchor="t" anchorCtr="0" compatLnSpc="1">
+            <a:prstTxWarp prst="textNoShape">
+              <a:avLst/>
+            </a:prstTxWarp>
+          </a:bodyPr>
+          <a:lstStyle/>
+          <a:p>
+            <a:endParaRPr lang="en-US"/>
+          </a:p>
+        </p:txBody>
+      </p:sp>
+      <p:sp>
+        <p:nvSpPr>
+          <p:cNvPr id="8" name="TextBox 7"/>
+          <p:cNvSpPr txBox="1"/>
+          <p:nvPr/>
+        </p:nvSpPr>
+        <p:spPr>
+          <a:xfrm>
+            <a:off x="7495504" y="2240924"/>
+            <a:ext cx="4456090" cy="400110"/>
+          </a:xfrm>
+          <a:prstGeom prst="rect">
+            <a:avLst/>
+          </a:prstGeom>
+          <a:noFill/>
+        </p:spPr>
+        <p:txBody>
+          <a:bodyPr wrap="square" rtlCol="0">
+            <a:spAutoFit/>
+          </a:bodyPr>
+          <a:lstStyle/>
+          <a:p>
+            <a:endParaRPr lang="en-US" sz="2000" u="sng" dirty="0"/>
+          </a:p>
+        </p:txBody>
+      </p:sp>
+      <p:sp>
+        <p:nvSpPr>
+          <p:cNvPr id="5" name="TextBox 4"/>
+          <p:cNvSpPr txBox="1"/>
+          <p:nvPr/>
+        </p:nvSpPr>
+        <p:spPr>
+          <a:xfrm>
+            <a:off x="811369" y="2240924"/>
+            <a:ext cx="7959144" cy="4353059"/>
+          </a:xfrm>
+          <a:prstGeom prst="rect">
+            <a:avLst/>
+          </a:prstGeom>
+          <a:noFill/>
+        </p:spPr>
+        <p:txBody>
+          <a:bodyPr wrap="square" rtlCol="0">
+            <a:spAutoFit/>
+          </a:bodyPr>
+          <a:lstStyle/>
+          <a:p>
+            <a:endParaRPr lang="en-US" dirty="0"/>
+          </a:p>
+        </p:txBody>
+      </p:sp>
+      <p:pic>
+        <p:nvPicPr>
+          <p:cNvPr id="6" name="Picture 5"/>
+          <p:cNvPicPr>
+            <a:picLocks noChangeAspect="1"/>
+          </p:cNvPicPr>
+          <p:nvPr/>
+        </p:nvPicPr>
+        <p:blipFill>
+          <a:blip r:embed="rId2"/>
+          <a:stretch>
+            <a:fillRect/>
+          </a:stretch>
+        </p:blipFill>
+        <p:spPr>
+          <a:xfrm>
+            <a:off x="307975" y="348157"/>
+            <a:ext cx="10353537" cy="6245825"/>
+          </a:xfrm>
+          <a:prstGeom prst="rect">
+            <a:avLst/>
+          </a:prstGeom>
+        </p:spPr>
+      </p:pic>
+    </p:spTree>
+    <p:extLst>
+      <p:ext uri="{BB962C8B-B14F-4D97-AF65-F5344CB8AC3E}">
+        <p14:creationId xmlns:p14="http://schemas.microsoft.com/office/powerpoint/2010/main" val="1490834926"/>
+      </p:ext>
+    </p:extLst>
+  </p:cSld>
+  <p:clrMapOvr>
+    <a:masterClrMapping/>
+  </p:clrMapOvr>
+  <p:timing>
+    <p:tnLst>
+      <p:par>
+        <p:cTn id="1" dur="indefinite" restart="never" nodeType="tmRoot"/>
+      </p:par>
+    </p:tnLst>
+  </p:timing>
+</p:sld>
+</file>
+
+<file path=ppt/slides/slide41.xml><?xml version="1.0" encoding="utf-8"?>
+<p:sld xmlns:a="http://schemas.openxmlformats.org/drawingml/2006/main" xmlns:r="http://schemas.openxmlformats.org/officeDocument/2006/relationships" xmlns:p="http://schemas.openxmlformats.org/presentationml/2006/main">
+  <p:cSld>
+    <p:spTree>
+      <p:nvGrpSpPr>
+        <p:cNvPr id="1" name=""/>
+        <p:cNvGrpSpPr/>
+        <p:nvPr/>
+      </p:nvGrpSpPr>
+      <p:grpSpPr>
+        <a:xfrm>
+          <a:off x="0" y="0"/>
+          <a:ext cx="0" cy="0"/>
+          <a:chOff x="0" y="0"/>
+          <a:chExt cx="0" cy="0"/>
+        </a:xfrm>
+      </p:grpSpPr>
+      <p:sp>
+        <p:nvSpPr>
+          <p:cNvPr id="2" name="Title 1"/>
+          <p:cNvSpPr>
+            <a:spLocks noGrp="1"/>
+          </p:cNvSpPr>
+          <p:nvPr>
+            <p:ph type="title"/>
+          </p:nvPr>
+        </p:nvSpPr>
+        <p:spPr/>
+        <p:txBody>
+          <a:bodyPr/>
+          <a:lstStyle/>
+          <a:p>
+            <a:r>
+              <a:rPr lang="en-US" dirty="0" smtClean="0"/>
+              <a:t>exceptions</a:t>
+            </a:r>
+            <a:endParaRPr lang="en-US" dirty="0"/>
+          </a:p>
+        </p:txBody>
+      </p:sp>
+      <p:sp>
+        <p:nvSpPr>
+          <p:cNvPr id="4" name="AutoShape 8" descr="http://www.penjee.com/programming/wp-content/uploads/2014/05/parameter-vs-argument-diagram.png"/>
+          <p:cNvSpPr>
+            <a:spLocks noChangeAspect="1" noChangeArrowheads="1"/>
+          </p:cNvSpPr>
+          <p:nvPr/>
+        </p:nvSpPr>
+        <p:spPr bwMode="auto">
+          <a:xfrm>
+            <a:off x="155575" y="-144463"/>
+            <a:ext cx="304800" cy="304801"/>
+          </a:xfrm>
+          <a:prstGeom prst="rect">
+            <a:avLst/>
+          </a:prstGeom>
+          <a:noFill/>
+          <a:extLst>
+            <a:ext uri="{909E8E84-426E-40DD-AFC4-6F175D3DCCD1}">
+              <a14:hiddenFill xmlns:a14="http://schemas.microsoft.com/office/drawing/2010/main">
+                <a:solidFill>
+                  <a:srgbClr val="FFFFFF"/>
+                </a:solidFill>
+              </a14:hiddenFill>
+            </a:ext>
+          </a:extLst>
+        </p:spPr>
+        <p:txBody>
+          <a:bodyPr vert="horz" wrap="square" lIns="91440" tIns="45720" rIns="91440" bIns="45720" numCol="1" anchor="t" anchorCtr="0" compatLnSpc="1">
+            <a:prstTxWarp prst="textNoShape">
+              <a:avLst/>
+            </a:prstTxWarp>
+          </a:bodyPr>
+          <a:lstStyle/>
+          <a:p>
+            <a:endParaRPr lang="en-US"/>
+          </a:p>
+        </p:txBody>
+      </p:sp>
+      <p:sp>
+        <p:nvSpPr>
+          <p:cNvPr id="8" name="TextBox 7"/>
+          <p:cNvSpPr txBox="1"/>
+          <p:nvPr/>
+        </p:nvSpPr>
+        <p:spPr>
+          <a:xfrm>
+            <a:off x="7495504" y="2240924"/>
+            <a:ext cx="4456090" cy="400110"/>
+          </a:xfrm>
+          <a:prstGeom prst="rect">
+            <a:avLst/>
+          </a:prstGeom>
+          <a:noFill/>
+        </p:spPr>
+        <p:txBody>
+          <a:bodyPr wrap="square" rtlCol="0">
+            <a:spAutoFit/>
+          </a:bodyPr>
+          <a:lstStyle/>
+          <a:p>
+            <a:endParaRPr lang="en-US" sz="2000" u="sng" dirty="0"/>
+          </a:p>
+        </p:txBody>
+      </p:sp>
+      <p:sp>
+        <p:nvSpPr>
+          <p:cNvPr id="5" name="TextBox 4"/>
+          <p:cNvSpPr txBox="1"/>
+          <p:nvPr/>
+        </p:nvSpPr>
+        <p:spPr>
+          <a:xfrm>
+            <a:off x="811369" y="2240924"/>
+            <a:ext cx="7959144" cy="4353059"/>
+          </a:xfrm>
+          <a:prstGeom prst="rect">
+            <a:avLst/>
+          </a:prstGeom>
+          <a:noFill/>
+        </p:spPr>
+        <p:txBody>
+          <a:bodyPr wrap="square" rtlCol="0">
+            <a:spAutoFit/>
+          </a:bodyPr>
+          <a:lstStyle/>
+          <a:p>
+            <a:endParaRPr lang="en-US" dirty="0"/>
+          </a:p>
+        </p:txBody>
+      </p:sp>
+      <p:pic>
+        <p:nvPicPr>
+          <p:cNvPr id="6" name="Picture 5"/>
+          <p:cNvPicPr>
+            <a:picLocks noChangeAspect="1"/>
+          </p:cNvPicPr>
+          <p:nvPr/>
+        </p:nvPicPr>
+        <p:blipFill>
+          <a:blip r:embed="rId2"/>
+          <a:stretch>
+            <a:fillRect/>
+          </a:stretch>
+        </p:blipFill>
+        <p:spPr>
+          <a:xfrm>
+            <a:off x="307974" y="284175"/>
+            <a:ext cx="10999229" cy="6309807"/>
+          </a:xfrm>
+          <a:prstGeom prst="rect">
+            <a:avLst/>
+          </a:prstGeom>
+        </p:spPr>
+      </p:pic>
+    </p:spTree>
+    <p:extLst>
+      <p:ext uri="{BB962C8B-B14F-4D97-AF65-F5344CB8AC3E}">
+        <p14:creationId xmlns:p14="http://schemas.microsoft.com/office/powerpoint/2010/main" val="506832973"/>
+      </p:ext>
+    </p:extLst>
+  </p:cSld>
+  <p:clrMapOvr>
+    <a:masterClrMapping/>
+  </p:clrMapOvr>
+  <p:timing>
+    <p:tnLst>
+      <p:par>
+        <p:cTn id="1" dur="indefinite" restart="never" nodeType="tmRoot"/>
+      </p:par>
+    </p:tnLst>
+  </p:timing>
+</p:sld>
+</file>
+
+<file path=ppt/slides/slide42.xml><?xml version="1.0" encoding="utf-8"?>
+<p:sld xmlns:a="http://schemas.openxmlformats.org/drawingml/2006/main" xmlns:r="http://schemas.openxmlformats.org/officeDocument/2006/relationships" xmlns:p="http://schemas.openxmlformats.org/presentationml/2006/main">
+  <p:cSld>
+    <p:spTree>
+      <p:nvGrpSpPr>
+        <p:cNvPr id="1" name=""/>
+        <p:cNvGrpSpPr/>
+        <p:nvPr/>
+      </p:nvGrpSpPr>
+      <p:grpSpPr>
+        <a:xfrm>
+          <a:off x="0" y="0"/>
+          <a:ext cx="0" cy="0"/>
+          <a:chOff x="0" y="0"/>
+          <a:chExt cx="0" cy="0"/>
+        </a:xfrm>
+      </p:grpSpPr>
+      <p:sp>
+        <p:nvSpPr>
+          <p:cNvPr id="2" name="Title 1"/>
+          <p:cNvSpPr>
+            <a:spLocks noGrp="1"/>
+          </p:cNvSpPr>
+          <p:nvPr>
+            <p:ph type="title"/>
+          </p:nvPr>
+        </p:nvSpPr>
+        <p:spPr/>
+        <p:txBody>
+          <a:bodyPr/>
+          <a:lstStyle/>
+          <a:p>
+            <a:r>
+              <a:rPr lang="en-US" dirty="0" smtClean="0"/>
+              <a:t>exceptions</a:t>
+            </a:r>
+            <a:endParaRPr lang="en-US" dirty="0"/>
+          </a:p>
+        </p:txBody>
+      </p:sp>
+      <p:sp>
+        <p:nvSpPr>
+          <p:cNvPr id="4" name="AutoShape 8" descr="http://www.penjee.com/programming/wp-content/uploads/2014/05/parameter-vs-argument-diagram.png"/>
+          <p:cNvSpPr>
+            <a:spLocks noChangeAspect="1" noChangeArrowheads="1"/>
+          </p:cNvSpPr>
+          <p:nvPr/>
+        </p:nvSpPr>
+        <p:spPr bwMode="auto">
+          <a:xfrm>
+            <a:off x="155575" y="-144463"/>
+            <a:ext cx="304800" cy="304801"/>
+          </a:xfrm>
+          <a:prstGeom prst="rect">
+            <a:avLst/>
+          </a:prstGeom>
+          <a:noFill/>
+          <a:extLst>
+            <a:ext uri="{909E8E84-426E-40DD-AFC4-6F175D3DCCD1}">
+              <a14:hiddenFill xmlns:a14="http://schemas.microsoft.com/office/drawing/2010/main">
+                <a:solidFill>
+                  <a:srgbClr val="FFFFFF"/>
+                </a:solidFill>
+              </a14:hiddenFill>
+            </a:ext>
+          </a:extLst>
+        </p:spPr>
+        <p:txBody>
+          <a:bodyPr vert="horz" wrap="square" lIns="91440" tIns="45720" rIns="91440" bIns="45720" numCol="1" anchor="t" anchorCtr="0" compatLnSpc="1">
+            <a:prstTxWarp prst="textNoShape">
+              <a:avLst/>
+            </a:prstTxWarp>
+          </a:bodyPr>
+          <a:lstStyle/>
+          <a:p>
+            <a:endParaRPr lang="en-US"/>
+          </a:p>
+        </p:txBody>
+      </p:sp>
+      <p:sp>
+        <p:nvSpPr>
+          <p:cNvPr id="8" name="TextBox 7"/>
+          <p:cNvSpPr txBox="1"/>
+          <p:nvPr/>
+        </p:nvSpPr>
+        <p:spPr>
+          <a:xfrm>
+            <a:off x="7495504" y="2240924"/>
+            <a:ext cx="4456090" cy="400110"/>
+          </a:xfrm>
+          <a:prstGeom prst="rect">
+            <a:avLst/>
+          </a:prstGeom>
+          <a:noFill/>
+        </p:spPr>
+        <p:txBody>
+          <a:bodyPr wrap="square" rtlCol="0">
+            <a:spAutoFit/>
+          </a:bodyPr>
+          <a:lstStyle/>
+          <a:p>
+            <a:endParaRPr lang="en-US" sz="2000" u="sng" dirty="0"/>
+          </a:p>
+        </p:txBody>
+      </p:sp>
+      <p:sp>
+        <p:nvSpPr>
+          <p:cNvPr id="5" name="TextBox 4"/>
+          <p:cNvSpPr txBox="1"/>
+          <p:nvPr/>
+        </p:nvSpPr>
+        <p:spPr>
+          <a:xfrm>
+            <a:off x="811369" y="2240924"/>
+            <a:ext cx="7959144" cy="4353059"/>
+          </a:xfrm>
+          <a:prstGeom prst="rect">
+            <a:avLst/>
+          </a:prstGeom>
+          <a:noFill/>
+        </p:spPr>
+        <p:txBody>
+          <a:bodyPr wrap="square" rtlCol="0">
+            <a:spAutoFit/>
+          </a:bodyPr>
+          <a:lstStyle/>
+          <a:p>
+            <a:endParaRPr lang="en-US" dirty="0"/>
+          </a:p>
+        </p:txBody>
+      </p:sp>
+    </p:spTree>
+    <p:extLst>
+      <p:ext uri="{BB962C8B-B14F-4D97-AF65-F5344CB8AC3E}">
+        <p14:creationId xmlns:p14="http://schemas.microsoft.com/office/powerpoint/2010/main" val="3823283436"/>
+      </p:ext>
+    </p:extLst>
+  </p:cSld>
+  <p:clrMapOvr>
+    <a:masterClrMapping/>
+  </p:clrMapOvr>
+  <p:timing>
+    <p:tnLst>
+      <p:par>
+        <p:cTn id="1" dur="indefinite" restart="never" nodeType="tmRoot"/>
+      </p:par>
+    </p:tnLst>
+  </p:timing>
+</p:sld>
+</file>
+
+<file path=ppt/slides/slide43.xml><?xml version="1.0" encoding="utf-8"?>
+<p:sld xmlns:a="http://schemas.openxmlformats.org/drawingml/2006/main" xmlns:r="http://schemas.openxmlformats.org/officeDocument/2006/relationships" xmlns:p="http://schemas.openxmlformats.org/presentationml/2006/main" showMasterSp="0">
+  <p:cSld>
+    <p:spTree>
+      <p:nvGrpSpPr>
+        <p:cNvPr id="1" name=""/>
+        <p:cNvGrpSpPr/>
+        <p:nvPr/>
+      </p:nvGrpSpPr>
+      <p:grpSpPr>
+        <a:xfrm>
+          <a:off x="0" y="0"/>
+          <a:ext cx="0" cy="0"/>
+          <a:chOff x="0" y="0"/>
+          <a:chExt cx="0" cy="0"/>
+        </a:xfrm>
+      </p:grpSpPr>
+      <p:sp>
+        <p:nvSpPr>
+          <p:cNvPr id="2" name="Title 1"/>
+          <p:cNvSpPr>
+            <a:spLocks noGrp="1"/>
+          </p:cNvSpPr>
+          <p:nvPr>
+            <p:ph type="title"/>
+          </p:nvPr>
+        </p:nvSpPr>
+        <p:spPr/>
+        <p:txBody>
+          <a:bodyPr/>
+          <a:lstStyle/>
+          <a:p>
+            <a:r>
+              <a:rPr lang="en-US" dirty="0" smtClean="0"/>
+              <a:t>Java - miscellaneous</a:t>
+            </a:r>
+            <a:endParaRPr lang="en-US" dirty="0"/>
+          </a:p>
+        </p:txBody>
+      </p:sp>
+      <p:sp>
+        <p:nvSpPr>
+          <p:cNvPr id="6" name="TextBox 5"/>
+          <p:cNvSpPr txBox="1"/>
+          <p:nvPr/>
+        </p:nvSpPr>
+        <p:spPr>
+          <a:xfrm>
+            <a:off x="746975" y="2099256"/>
+            <a:ext cx="6645498" cy="646331"/>
+          </a:xfrm>
+          <a:prstGeom prst="rect">
+            <a:avLst/>
+          </a:prstGeom>
+          <a:noFill/>
+        </p:spPr>
+        <p:txBody>
+          <a:bodyPr wrap="square" rtlCol="0">
+            <a:spAutoFit/>
+          </a:bodyPr>
+          <a:lstStyle/>
+          <a:p>
+            <a:endParaRPr lang="en-US" b="1" dirty="0" smtClean="0"/>
+          </a:p>
+          <a:p>
+            <a:endParaRPr lang="en-US" dirty="0"/>
+          </a:p>
+        </p:txBody>
+      </p:sp>
+      <p:sp>
+        <p:nvSpPr>
+          <p:cNvPr id="4" name="AutoShape 8" descr="http://www.penjee.com/programming/wp-content/uploads/2014/05/parameter-vs-argument-diagram.png"/>
+          <p:cNvSpPr>
+            <a:spLocks noChangeAspect="1" noChangeArrowheads="1"/>
+          </p:cNvSpPr>
+          <p:nvPr/>
+        </p:nvSpPr>
+        <p:spPr bwMode="auto">
+          <a:xfrm>
+            <a:off x="155575" y="-144463"/>
+            <a:ext cx="304800" cy="304801"/>
+          </a:xfrm>
+          <a:prstGeom prst="rect">
+            <a:avLst/>
+          </a:prstGeom>
+          <a:noFill/>
+          <a:extLst>
+            <a:ext uri="{909E8E84-426E-40DD-AFC4-6F175D3DCCD1}">
+              <a14:hiddenFill xmlns:a14="http://schemas.microsoft.com/office/drawing/2010/main">
+                <a:solidFill>
+                  <a:srgbClr val="FFFFFF"/>
+                </a:solidFill>
+              </a14:hiddenFill>
+            </a:ext>
+          </a:extLst>
+        </p:spPr>
+        <p:txBody>
+          <a:bodyPr vert="horz" wrap="square" lIns="91440" tIns="45720" rIns="91440" bIns="45720" numCol="1" anchor="t" anchorCtr="0" compatLnSpc="1">
+            <a:prstTxWarp prst="textNoShape">
+              <a:avLst/>
+            </a:prstTxWarp>
+          </a:bodyPr>
+          <a:lstStyle/>
+          <a:p>
+            <a:endParaRPr lang="en-US"/>
+          </a:p>
+        </p:txBody>
+      </p:sp>
+      <p:sp>
+        <p:nvSpPr>
+          <p:cNvPr id="8" name="TextBox 7"/>
+          <p:cNvSpPr txBox="1"/>
+          <p:nvPr/>
+        </p:nvSpPr>
+        <p:spPr>
+          <a:xfrm>
+            <a:off x="1202919" y="2575775"/>
+            <a:ext cx="8224416" cy="523220"/>
+          </a:xfrm>
+          <a:prstGeom prst="rect">
+            <a:avLst/>
+          </a:prstGeom>
+          <a:noFill/>
+        </p:spPr>
+        <p:txBody>
+          <a:bodyPr wrap="square" rtlCol="0">
+            <a:spAutoFit/>
+          </a:bodyPr>
+          <a:lstStyle/>
+          <a:p>
+            <a:r>
+              <a:rPr lang="en-US" sz="2800" b="1" dirty="0"/>
+              <a:t>Type Comparison Operator </a:t>
+            </a:r>
+            <a:r>
+              <a:rPr lang="en-US" sz="2800" b="1" dirty="0" err="1"/>
+              <a:t>instanceof</a:t>
+            </a:r>
+            <a:endParaRPr lang="en-US" sz="2800" b="1" dirty="0"/>
+          </a:p>
+        </p:txBody>
+      </p:sp>
+      <p:sp>
+        <p:nvSpPr>
+          <p:cNvPr id="9" name="TextBox 8"/>
+          <p:cNvSpPr txBox="1"/>
+          <p:nvPr/>
+        </p:nvSpPr>
+        <p:spPr>
+          <a:xfrm>
+            <a:off x="1300766" y="3098995"/>
+            <a:ext cx="9440214" cy="3198774"/>
+          </a:xfrm>
+          <a:prstGeom prst="rect">
+            <a:avLst/>
+          </a:prstGeom>
+          <a:noFill/>
+        </p:spPr>
+        <p:txBody>
+          <a:bodyPr wrap="square" rtlCol="0">
+            <a:spAutoFit/>
+          </a:bodyPr>
+          <a:lstStyle/>
+          <a:p>
+            <a:endParaRPr lang="en-US" dirty="0"/>
+          </a:p>
+        </p:txBody>
+      </p:sp>
+      <p:sp>
+        <p:nvSpPr>
+          <p:cNvPr id="12" name="Rectangle 11"/>
+          <p:cNvSpPr/>
+          <p:nvPr/>
+        </p:nvSpPr>
+        <p:spPr>
+          <a:xfrm>
+            <a:off x="1202919" y="3222106"/>
+            <a:ext cx="8224416" cy="3354765"/>
+          </a:xfrm>
+          <a:prstGeom prst="rect">
+            <a:avLst/>
+          </a:prstGeom>
+        </p:spPr>
+        <p:txBody>
+          <a:bodyPr wrap="square">
+            <a:spAutoFit/>
+          </a:bodyPr>
+          <a:lstStyle/>
+          <a:p>
+            <a:pPr marL="285750" indent="-285750">
+              <a:buFont typeface="Arial" panose="020B0604020202020204" pitchFamily="34" charset="0"/>
+              <a:buChar char="•"/>
+            </a:pPr>
+            <a:r>
+              <a:rPr lang="en-US" sz="2000" dirty="0"/>
+              <a:t>The </a:t>
+            </a:r>
+            <a:r>
+              <a:rPr lang="en-US" sz="2000" dirty="0" err="1"/>
+              <a:t>instanceof</a:t>
+            </a:r>
+            <a:r>
+              <a:rPr lang="en-US" sz="2000" dirty="0"/>
+              <a:t> operator compares an object to a specified type. </a:t>
+            </a:r>
+            <a:endParaRPr lang="en-US" sz="2000" dirty="0" smtClean="0"/>
+          </a:p>
+          <a:p>
+            <a:pPr marL="285750" indent="-285750">
+              <a:buFont typeface="Arial" panose="020B0604020202020204" pitchFamily="34" charset="0"/>
+              <a:buChar char="•"/>
+            </a:pPr>
+            <a:endParaRPr lang="en-US" sz="2000" dirty="0"/>
+          </a:p>
+          <a:p>
+            <a:pPr marL="285750" indent="-285750">
+              <a:buFont typeface="Arial" panose="020B0604020202020204" pitchFamily="34" charset="0"/>
+              <a:buChar char="•"/>
+            </a:pPr>
+            <a:r>
+              <a:rPr lang="en-US" sz="2000" dirty="0" smtClean="0"/>
+              <a:t>You </a:t>
+            </a:r>
+            <a:r>
+              <a:rPr lang="en-US" sz="2000" dirty="0"/>
+              <a:t>can use it to test if an object is an instance of a class, an instance of a subclass, or an instance of a class that implements a particular </a:t>
+            </a:r>
+            <a:r>
+              <a:rPr lang="en-US" sz="2000" dirty="0" smtClean="0"/>
+              <a:t>interface</a:t>
+            </a:r>
+          </a:p>
+          <a:p>
+            <a:pPr marL="285750" indent="-285750">
+              <a:buFont typeface="Arial" panose="020B0604020202020204" pitchFamily="34" charset="0"/>
+              <a:buChar char="•"/>
+            </a:pPr>
+            <a:endParaRPr lang="en-US" sz="2000" dirty="0"/>
+          </a:p>
+          <a:p>
+            <a:pPr marL="285750" indent="-285750">
+              <a:buFont typeface="Arial" panose="020B0604020202020204" pitchFamily="34" charset="0"/>
+              <a:buChar char="•"/>
+            </a:pPr>
+            <a:r>
+              <a:rPr lang="en-US" sz="3200" dirty="0" smtClean="0"/>
+              <a:t>Classes implementing interfaces</a:t>
+            </a:r>
+          </a:p>
+          <a:p>
+            <a:pPr marL="285750" indent="-285750">
+              <a:buFont typeface="Arial" panose="020B0604020202020204" pitchFamily="34" charset="0"/>
+              <a:buChar char="•"/>
+            </a:pPr>
+            <a:r>
+              <a:rPr lang="en-US" sz="2000" dirty="0"/>
+              <a:t>class </a:t>
+            </a:r>
+            <a:r>
+              <a:rPr lang="en-US" sz="2000" dirty="0" err="1"/>
+              <a:t>MyClass</a:t>
+            </a:r>
+            <a:r>
+              <a:rPr lang="en-US" sz="2000" dirty="0"/>
+              <a:t> extends </a:t>
+            </a:r>
+            <a:r>
+              <a:rPr lang="en-US" sz="2000" dirty="0" err="1"/>
+              <a:t>MySuperClass</a:t>
+            </a:r>
+            <a:r>
+              <a:rPr lang="en-US" sz="2000" dirty="0"/>
+              <a:t> implements </a:t>
+            </a:r>
+            <a:r>
+              <a:rPr lang="en-US" sz="2000" dirty="0" err="1"/>
+              <a:t>YourInterface</a:t>
+            </a:r>
+            <a:r>
+              <a:rPr lang="en-US" sz="2000" dirty="0"/>
+              <a:t> {</a:t>
+            </a:r>
+          </a:p>
+          <a:p>
+            <a:pPr marL="285750" indent="-285750">
+              <a:buFont typeface="Arial" panose="020B0604020202020204" pitchFamily="34" charset="0"/>
+              <a:buChar char="•"/>
+            </a:pPr>
+            <a:r>
+              <a:rPr lang="en-US" sz="2000" dirty="0"/>
+              <a:t>    // field, constructor, and</a:t>
+            </a:r>
+          </a:p>
+          <a:p>
+            <a:pPr marL="285750" indent="-285750">
+              <a:buFont typeface="Arial" panose="020B0604020202020204" pitchFamily="34" charset="0"/>
+              <a:buChar char="•"/>
+            </a:pPr>
+            <a:r>
+              <a:rPr lang="en-US" sz="2000" dirty="0"/>
+              <a:t>    // method declarations</a:t>
+            </a:r>
+          </a:p>
+          <a:p>
+            <a:pPr marL="285750" indent="-285750">
+              <a:buFont typeface="Arial" panose="020B0604020202020204" pitchFamily="34" charset="0"/>
+              <a:buChar char="•"/>
+            </a:pPr>
+            <a:r>
+              <a:rPr lang="en-US" sz="2000" dirty="0"/>
+              <a:t>}</a:t>
+            </a:r>
+          </a:p>
+        </p:txBody>
+      </p:sp>
+    </p:spTree>
+    <p:extLst>
+      <p:ext uri="{BB962C8B-B14F-4D97-AF65-F5344CB8AC3E}">
+        <p14:creationId xmlns:p14="http://schemas.microsoft.com/office/powerpoint/2010/main" val="86288042"/>
+      </p:ext>
+    </p:extLst>
+  </p:cSld>
+  <p:clrMapOvr>
+    <a:masterClrMapping/>
+  </p:clrMapOvr>
+  <p:timing>
+    <p:tnLst>
+      <p:par>
+        <p:cTn id="1" dur="indefinite" restart="never" nodeType="tmRoot"/>
+      </p:par>
+    </p:tnLst>
+  </p:timing>
+</p:sld>
+</file>
+
+<file path=ppt/slides/slide44.xml><?xml version="1.0" encoding="utf-8"?>
+<p:sld xmlns:a="http://schemas.openxmlformats.org/drawingml/2006/main" xmlns:r="http://schemas.openxmlformats.org/officeDocument/2006/relationships" xmlns:p="http://schemas.openxmlformats.org/presentationml/2006/main" showMasterSp="0">
+  <p:cSld>
+    <p:spTree>
+      <p:nvGrpSpPr>
+        <p:cNvPr id="1" name=""/>
+        <p:cNvGrpSpPr/>
+        <p:nvPr/>
+      </p:nvGrpSpPr>
+      <p:grpSpPr>
+        <a:xfrm>
+          <a:off x="0" y="0"/>
+          <a:ext cx="0" cy="0"/>
+          <a:chOff x="0" y="0"/>
+          <a:chExt cx="0" cy="0"/>
+        </a:xfrm>
+      </p:grpSpPr>
+      <p:sp>
+        <p:nvSpPr>
+          <p:cNvPr id="2" name="Title 1"/>
+          <p:cNvSpPr>
+            <a:spLocks noGrp="1"/>
+          </p:cNvSpPr>
+          <p:nvPr>
+            <p:ph type="title"/>
+          </p:nvPr>
+        </p:nvSpPr>
+        <p:spPr/>
+        <p:txBody>
+          <a:bodyPr/>
+          <a:lstStyle/>
+          <a:p>
+            <a:r>
+              <a:rPr lang="en-US" dirty="0" smtClean="0"/>
+              <a:t>Java - miscellaneous</a:t>
+            </a:r>
+            <a:endParaRPr lang="en-US" dirty="0"/>
+          </a:p>
+        </p:txBody>
+      </p:sp>
+      <p:sp>
+        <p:nvSpPr>
+          <p:cNvPr id="6" name="TextBox 5"/>
+          <p:cNvSpPr txBox="1"/>
+          <p:nvPr/>
+        </p:nvSpPr>
+        <p:spPr>
+          <a:xfrm>
+            <a:off x="746975" y="2099256"/>
+            <a:ext cx="6645498" cy="646331"/>
+          </a:xfrm>
+          <a:prstGeom prst="rect">
+            <a:avLst/>
+          </a:prstGeom>
+          <a:noFill/>
+        </p:spPr>
+        <p:txBody>
+          <a:bodyPr wrap="square" rtlCol="0">
+            <a:spAutoFit/>
+          </a:bodyPr>
+          <a:lstStyle/>
+          <a:p>
+            <a:endParaRPr lang="en-US" b="1" dirty="0" smtClean="0"/>
+          </a:p>
+          <a:p>
+            <a:endParaRPr lang="en-US" dirty="0"/>
+          </a:p>
+        </p:txBody>
+      </p:sp>
+      <p:sp>
+        <p:nvSpPr>
+          <p:cNvPr id="4" name="AutoShape 8" descr="http://www.penjee.com/programming/wp-content/uploads/2014/05/parameter-vs-argument-diagram.png"/>
+          <p:cNvSpPr>
+            <a:spLocks noChangeAspect="1" noChangeArrowheads="1"/>
+          </p:cNvSpPr>
+          <p:nvPr/>
+        </p:nvSpPr>
+        <p:spPr bwMode="auto">
+          <a:xfrm>
+            <a:off x="155575" y="-144463"/>
+            <a:ext cx="304800" cy="304801"/>
+          </a:xfrm>
+          <a:prstGeom prst="rect">
+            <a:avLst/>
+          </a:prstGeom>
+          <a:noFill/>
+          <a:extLst>
+            <a:ext uri="{909E8E84-426E-40DD-AFC4-6F175D3DCCD1}">
+              <a14:hiddenFill xmlns:a14="http://schemas.microsoft.com/office/drawing/2010/main">
+                <a:solidFill>
+                  <a:srgbClr val="FFFFFF"/>
+                </a:solidFill>
+              </a14:hiddenFill>
+            </a:ext>
+          </a:extLst>
+        </p:spPr>
+        <p:txBody>
+          <a:bodyPr vert="horz" wrap="square" lIns="91440" tIns="45720" rIns="91440" bIns="45720" numCol="1" anchor="t" anchorCtr="0" compatLnSpc="1">
+            <a:prstTxWarp prst="textNoShape">
+              <a:avLst/>
+            </a:prstTxWarp>
+          </a:bodyPr>
+          <a:lstStyle/>
+          <a:p>
+            <a:endParaRPr lang="en-US"/>
+          </a:p>
+        </p:txBody>
+      </p:sp>
+      <p:sp>
+        <p:nvSpPr>
+          <p:cNvPr id="8" name="TextBox 7"/>
+          <p:cNvSpPr txBox="1"/>
+          <p:nvPr/>
+        </p:nvSpPr>
+        <p:spPr>
+          <a:xfrm>
+            <a:off x="460375" y="1792936"/>
+            <a:ext cx="9994005" cy="4985980"/>
+          </a:xfrm>
+          <a:prstGeom prst="rect">
+            <a:avLst/>
+          </a:prstGeom>
+          <a:noFill/>
+        </p:spPr>
+        <p:txBody>
+          <a:bodyPr wrap="square" rtlCol="0">
+            <a:spAutoFit/>
+          </a:bodyPr>
+          <a:lstStyle/>
+          <a:p>
+            <a:r>
+              <a:rPr lang="en-US" sz="3200" b="1" u="sng" dirty="0" err="1" smtClean="0"/>
+              <a:t>Varargs</a:t>
+            </a:r>
+            <a:r>
+              <a:rPr lang="en-US" sz="3200" b="1" u="sng" dirty="0" smtClean="0"/>
+              <a:t> – Specifying Arbitrary number of arguments</a:t>
+            </a:r>
+          </a:p>
+          <a:p>
+            <a:r>
+              <a:rPr lang="en-US" dirty="0"/>
+              <a:t>public Polygon </a:t>
+            </a:r>
+            <a:r>
+              <a:rPr lang="en-US" dirty="0" err="1"/>
+              <a:t>polygonFrom</a:t>
+            </a:r>
+            <a:r>
+              <a:rPr lang="en-US" dirty="0"/>
+              <a:t>(Point... corners) {</a:t>
+            </a:r>
+          </a:p>
+          <a:p>
+            <a:r>
+              <a:rPr lang="en-US" dirty="0"/>
+              <a:t>    </a:t>
+            </a:r>
+            <a:r>
+              <a:rPr lang="en-US" dirty="0" err="1"/>
+              <a:t>int</a:t>
+            </a:r>
+            <a:r>
+              <a:rPr lang="en-US" dirty="0"/>
+              <a:t> </a:t>
+            </a:r>
+            <a:r>
+              <a:rPr lang="en-US" dirty="0" err="1"/>
+              <a:t>numberOfSides</a:t>
+            </a:r>
+            <a:r>
+              <a:rPr lang="en-US" dirty="0"/>
+              <a:t> = </a:t>
+            </a:r>
+            <a:r>
+              <a:rPr lang="en-US" dirty="0" err="1"/>
+              <a:t>corners.length</a:t>
+            </a:r>
+            <a:r>
+              <a:rPr lang="en-US" dirty="0"/>
+              <a:t>;</a:t>
+            </a:r>
+          </a:p>
+          <a:p>
+            <a:r>
+              <a:rPr lang="en-US" dirty="0"/>
+              <a:t>    double squareOfSide1, lengthOfSide1;</a:t>
+            </a:r>
+          </a:p>
+          <a:p>
+            <a:r>
+              <a:rPr lang="en-US" dirty="0"/>
+              <a:t>    squareOfSide1 = (corners[1].x - corners[0].x)</a:t>
+            </a:r>
+          </a:p>
+          <a:p>
+            <a:r>
+              <a:rPr lang="en-US" dirty="0"/>
+              <a:t>                     * (corners[1].x - corners[0].x) </a:t>
+            </a:r>
+          </a:p>
+          <a:p>
+            <a:r>
+              <a:rPr lang="en-US" dirty="0"/>
+              <a:t>                     + (corners[1].y - corners[0].y)</a:t>
+            </a:r>
+          </a:p>
+          <a:p>
+            <a:r>
+              <a:rPr lang="en-US" dirty="0"/>
+              <a:t>                     * (corners[1].y - corners[0].y);</a:t>
+            </a:r>
+          </a:p>
+          <a:p>
+            <a:r>
+              <a:rPr lang="en-US" dirty="0"/>
+              <a:t>    lengthOfSide1 = </a:t>
+            </a:r>
+            <a:r>
+              <a:rPr lang="en-US" dirty="0" err="1"/>
+              <a:t>Math.sqrt</a:t>
+            </a:r>
+            <a:r>
+              <a:rPr lang="en-US" dirty="0"/>
+              <a:t>(squareOfSide1);</a:t>
+            </a:r>
+          </a:p>
+          <a:p>
+            <a:endParaRPr lang="en-US" dirty="0"/>
+          </a:p>
+          <a:p>
+            <a:r>
+              <a:rPr lang="en-US" dirty="0"/>
+              <a:t>    // more method body code follows that creates and returns a </a:t>
+            </a:r>
+          </a:p>
+          <a:p>
+            <a:r>
+              <a:rPr lang="en-US" dirty="0"/>
+              <a:t>    // polygon connecting the Points</a:t>
+            </a:r>
+          </a:p>
+          <a:p>
+            <a:r>
+              <a:rPr lang="en-US" dirty="0" smtClean="0"/>
+              <a:t>}</a:t>
+            </a:r>
+          </a:p>
+          <a:p>
+            <a:r>
+              <a:rPr lang="en-US" sz="1400" dirty="0"/>
+              <a:t>You will most commonly see </a:t>
+            </a:r>
+            <a:r>
+              <a:rPr lang="en-US" sz="1400" dirty="0" err="1"/>
+              <a:t>varargs</a:t>
+            </a:r>
+            <a:r>
+              <a:rPr lang="en-US" sz="1400" dirty="0"/>
+              <a:t> with the printing methods; for example, this </a:t>
+            </a:r>
+            <a:r>
+              <a:rPr lang="en-US" sz="1400" dirty="0" err="1"/>
+              <a:t>printf</a:t>
+            </a:r>
+            <a:r>
+              <a:rPr lang="en-US" sz="1400" dirty="0"/>
+              <a:t> method:</a:t>
+            </a:r>
+          </a:p>
+          <a:p>
+            <a:endParaRPr lang="en-US" sz="1400" dirty="0"/>
+          </a:p>
+          <a:p>
+            <a:r>
+              <a:rPr lang="en-US" sz="1400" dirty="0">
+                <a:solidFill>
+                  <a:schemeClr val="accent6">
+                    <a:lumMod val="75000"/>
+                  </a:schemeClr>
+                </a:solidFill>
+              </a:rPr>
+              <a:t>public </a:t>
+            </a:r>
+            <a:r>
+              <a:rPr lang="en-US" sz="1400" dirty="0" err="1">
+                <a:solidFill>
+                  <a:schemeClr val="accent6">
+                    <a:lumMod val="75000"/>
+                  </a:schemeClr>
+                </a:solidFill>
+              </a:rPr>
+              <a:t>PrintStream</a:t>
+            </a:r>
+            <a:r>
+              <a:rPr lang="en-US" sz="1400" dirty="0">
+                <a:solidFill>
+                  <a:schemeClr val="accent6">
+                    <a:lumMod val="75000"/>
+                  </a:schemeClr>
+                </a:solidFill>
+              </a:rPr>
+              <a:t> </a:t>
+            </a:r>
+            <a:r>
+              <a:rPr lang="en-US" sz="1400" dirty="0" err="1">
+                <a:solidFill>
+                  <a:schemeClr val="accent6">
+                    <a:lumMod val="75000"/>
+                  </a:schemeClr>
+                </a:solidFill>
+              </a:rPr>
+              <a:t>printf</a:t>
+            </a:r>
+            <a:r>
+              <a:rPr lang="en-US" sz="1400" dirty="0">
+                <a:solidFill>
+                  <a:schemeClr val="accent6">
+                    <a:lumMod val="75000"/>
+                  </a:schemeClr>
+                </a:solidFill>
+              </a:rPr>
+              <a:t>(String format, Object... </a:t>
+            </a:r>
+            <a:r>
+              <a:rPr lang="en-US" sz="1400" dirty="0" err="1">
+                <a:solidFill>
+                  <a:schemeClr val="accent6">
+                    <a:lumMod val="75000"/>
+                  </a:schemeClr>
+                </a:solidFill>
+              </a:rPr>
+              <a:t>args</a:t>
+            </a:r>
+            <a:r>
+              <a:rPr lang="en-US" sz="1400" dirty="0">
+                <a:solidFill>
+                  <a:schemeClr val="accent6">
+                    <a:lumMod val="75000"/>
+                  </a:schemeClr>
+                </a:solidFill>
+              </a:rPr>
+              <a:t>)</a:t>
+            </a:r>
+          </a:p>
+          <a:p>
+            <a:r>
+              <a:rPr lang="en-US" sz="1400" dirty="0"/>
+              <a:t>allows you to print an arbitrary number of objects. It can be called like this:</a:t>
+            </a:r>
+          </a:p>
+          <a:p>
+            <a:r>
+              <a:rPr lang="en-US" sz="1400" dirty="0" err="1" smtClean="0">
+                <a:solidFill>
+                  <a:schemeClr val="accent6">
+                    <a:lumMod val="75000"/>
+                  </a:schemeClr>
+                </a:solidFill>
+              </a:rPr>
+              <a:t>System.out.printf</a:t>
+            </a:r>
+            <a:r>
+              <a:rPr lang="en-US" sz="1400" dirty="0">
+                <a:solidFill>
+                  <a:schemeClr val="accent6">
+                    <a:lumMod val="75000"/>
+                  </a:schemeClr>
+                </a:solidFill>
+              </a:rPr>
+              <a:t>("%s: %d, %</a:t>
+            </a:r>
+            <a:r>
+              <a:rPr lang="en-US" sz="1400" dirty="0" err="1">
+                <a:solidFill>
+                  <a:schemeClr val="accent6">
+                    <a:lumMod val="75000"/>
+                  </a:schemeClr>
+                </a:solidFill>
+              </a:rPr>
+              <a:t>s%n</a:t>
+            </a:r>
+            <a:r>
+              <a:rPr lang="en-US" sz="1400" dirty="0">
+                <a:solidFill>
+                  <a:schemeClr val="accent6">
+                    <a:lumMod val="75000"/>
+                  </a:schemeClr>
+                </a:solidFill>
+              </a:rPr>
+              <a:t>", name, </a:t>
+            </a:r>
+            <a:r>
+              <a:rPr lang="en-US" sz="1400" dirty="0" err="1">
+                <a:solidFill>
+                  <a:schemeClr val="accent6">
+                    <a:lumMod val="75000"/>
+                  </a:schemeClr>
+                </a:solidFill>
+              </a:rPr>
+              <a:t>idnum</a:t>
+            </a:r>
+            <a:r>
+              <a:rPr lang="en-US" sz="1400" dirty="0">
+                <a:solidFill>
+                  <a:schemeClr val="accent6">
+                    <a:lumMod val="75000"/>
+                  </a:schemeClr>
+                </a:solidFill>
+              </a:rPr>
+              <a:t>, address</a:t>
+            </a:r>
+            <a:r>
+              <a:rPr lang="en-US" sz="1400" dirty="0" smtClean="0">
+                <a:solidFill>
+                  <a:schemeClr val="accent6">
+                    <a:lumMod val="75000"/>
+                  </a:schemeClr>
+                </a:solidFill>
+              </a:rPr>
+              <a:t>);</a:t>
+            </a:r>
+            <a:endParaRPr lang="en-US" sz="1400" dirty="0">
+              <a:solidFill>
+                <a:schemeClr val="accent6">
+                  <a:lumMod val="75000"/>
+                </a:schemeClr>
+              </a:solidFill>
+            </a:endParaRPr>
+          </a:p>
+        </p:txBody>
+      </p:sp>
+      <p:sp>
+        <p:nvSpPr>
+          <p:cNvPr id="9" name="TextBox 8"/>
+          <p:cNvSpPr txBox="1"/>
+          <p:nvPr/>
+        </p:nvSpPr>
+        <p:spPr>
+          <a:xfrm>
+            <a:off x="1300766" y="3098995"/>
+            <a:ext cx="9440214" cy="3198774"/>
+          </a:xfrm>
+          <a:prstGeom prst="rect">
+            <a:avLst/>
+          </a:prstGeom>
+          <a:noFill/>
+        </p:spPr>
+        <p:txBody>
+          <a:bodyPr wrap="square" rtlCol="0">
+            <a:spAutoFit/>
+          </a:bodyPr>
+          <a:lstStyle/>
+          <a:p>
+            <a:endParaRPr lang="en-US" dirty="0"/>
+          </a:p>
+        </p:txBody>
+      </p:sp>
+    </p:spTree>
+    <p:extLst>
+      <p:ext uri="{BB962C8B-B14F-4D97-AF65-F5344CB8AC3E}">
+        <p14:creationId xmlns:p14="http://schemas.microsoft.com/office/powerpoint/2010/main" val="3614015230"/>
+      </p:ext>
+    </p:extLst>
+  </p:cSld>
+  <p:clrMapOvr>
+    <a:masterClrMapping/>
+  </p:clrMapOvr>
+  <p:timing>
+    <p:tnLst>
+      <p:par>
+        <p:cTn id="1" dur="indefinite" restart="never" nodeType="tmRoot"/>
+      </p:par>
+    </p:tnLst>
+  </p:timing>
+</p:sld>
+</file>
+
+<file path=ppt/slides/slide45.xml><?xml version="1.0" encoding="utf-8"?>
+<p:sld xmlns:a="http://schemas.openxmlformats.org/drawingml/2006/main" xmlns:r="http://schemas.openxmlformats.org/officeDocument/2006/relationships" xmlns:p="http://schemas.openxmlformats.org/presentationml/2006/main" showMasterSp="0">
+  <p:cSld>
+    <p:spTree>
+      <p:nvGrpSpPr>
+        <p:cNvPr id="1" name=""/>
+        <p:cNvGrpSpPr/>
+        <p:nvPr/>
+      </p:nvGrpSpPr>
+      <p:grpSpPr>
+        <a:xfrm>
+          <a:off x="0" y="0"/>
+          <a:ext cx="0" cy="0"/>
+          <a:chOff x="0" y="0"/>
+          <a:chExt cx="0" cy="0"/>
+        </a:xfrm>
+      </p:grpSpPr>
+      <p:sp>
+        <p:nvSpPr>
+          <p:cNvPr id="2" name="Title 1"/>
+          <p:cNvSpPr>
+            <a:spLocks noGrp="1"/>
+          </p:cNvSpPr>
+          <p:nvPr>
+            <p:ph type="title"/>
+          </p:nvPr>
+        </p:nvSpPr>
+        <p:spPr/>
+        <p:txBody>
+          <a:bodyPr/>
+          <a:lstStyle/>
+          <a:p>
+            <a:r>
+              <a:rPr lang="en-US" dirty="0" smtClean="0"/>
+              <a:t>Java - miscellaneous</a:t>
+            </a:r>
+            <a:endParaRPr lang="en-US" dirty="0"/>
+          </a:p>
+        </p:txBody>
+      </p:sp>
+      <p:sp>
+        <p:nvSpPr>
+          <p:cNvPr id="6" name="TextBox 5"/>
+          <p:cNvSpPr txBox="1"/>
+          <p:nvPr/>
+        </p:nvSpPr>
+        <p:spPr>
+          <a:xfrm>
+            <a:off x="746975" y="2099256"/>
+            <a:ext cx="6645498" cy="646331"/>
+          </a:xfrm>
+          <a:prstGeom prst="rect">
+            <a:avLst/>
+          </a:prstGeom>
+          <a:noFill/>
+        </p:spPr>
+        <p:txBody>
+          <a:bodyPr wrap="square" rtlCol="0">
+            <a:spAutoFit/>
+          </a:bodyPr>
+          <a:lstStyle/>
+          <a:p>
+            <a:endParaRPr lang="en-US" b="1" dirty="0" smtClean="0"/>
+          </a:p>
+          <a:p>
+            <a:endParaRPr lang="en-US" dirty="0"/>
+          </a:p>
+        </p:txBody>
+      </p:sp>
+      <p:sp>
+        <p:nvSpPr>
+          <p:cNvPr id="4" name="AutoShape 8" descr="http://www.penjee.com/programming/wp-content/uploads/2014/05/parameter-vs-argument-diagram.png"/>
+          <p:cNvSpPr>
+            <a:spLocks noChangeAspect="1" noChangeArrowheads="1"/>
+          </p:cNvSpPr>
+          <p:nvPr/>
+        </p:nvSpPr>
+        <p:spPr bwMode="auto">
+          <a:xfrm>
+            <a:off x="155575" y="-144463"/>
+            <a:ext cx="304800" cy="304801"/>
+          </a:xfrm>
+          <a:prstGeom prst="rect">
+            <a:avLst/>
+          </a:prstGeom>
+          <a:noFill/>
+          <a:extLst>
+            <a:ext uri="{909E8E84-426E-40DD-AFC4-6F175D3DCCD1}">
+              <a14:hiddenFill xmlns:a14="http://schemas.microsoft.com/office/drawing/2010/main">
+                <a:solidFill>
+                  <a:srgbClr val="FFFFFF"/>
+                </a:solidFill>
+              </a14:hiddenFill>
+            </a:ext>
+          </a:extLst>
+        </p:spPr>
+        <p:txBody>
+          <a:bodyPr vert="horz" wrap="square" lIns="91440" tIns="45720" rIns="91440" bIns="45720" numCol="1" anchor="t" anchorCtr="0" compatLnSpc="1">
+            <a:prstTxWarp prst="textNoShape">
+              <a:avLst/>
+            </a:prstTxWarp>
+          </a:bodyPr>
+          <a:lstStyle/>
+          <a:p>
+            <a:endParaRPr lang="en-US"/>
+          </a:p>
+        </p:txBody>
+      </p:sp>
+      <p:sp>
+        <p:nvSpPr>
+          <p:cNvPr id="8" name="TextBox 7"/>
+          <p:cNvSpPr txBox="1"/>
+          <p:nvPr/>
+        </p:nvSpPr>
+        <p:spPr>
+          <a:xfrm>
+            <a:off x="460375" y="1792936"/>
+            <a:ext cx="9994005" cy="1631216"/>
+          </a:xfrm>
+          <a:prstGeom prst="rect">
+            <a:avLst/>
+          </a:prstGeom>
+          <a:noFill/>
+        </p:spPr>
+        <p:txBody>
+          <a:bodyPr wrap="square" rtlCol="0">
+            <a:spAutoFit/>
+          </a:bodyPr>
+          <a:lstStyle/>
+          <a:p>
+            <a:r>
+              <a:rPr lang="en-US" sz="2800" u="sng" dirty="0"/>
+              <a:t>Returning a Class or </a:t>
+            </a:r>
+            <a:r>
+              <a:rPr lang="en-US" sz="2800" u="sng" dirty="0" smtClean="0"/>
+              <a:t>Interface</a:t>
+            </a:r>
+          </a:p>
+          <a:p>
+            <a:pPr marL="457200" indent="-457200">
+              <a:buFont typeface="Arial" panose="020B0604020202020204" pitchFamily="34" charset="0"/>
+              <a:buChar char="•"/>
+            </a:pPr>
+            <a:r>
+              <a:rPr lang="en-US" sz="2400" i="1" dirty="0"/>
+              <a:t>When a method uses a class name as its return </a:t>
+            </a:r>
+            <a:r>
+              <a:rPr lang="en-US" sz="2400" i="1" dirty="0" smtClean="0"/>
+              <a:t>type </a:t>
+            </a:r>
+            <a:r>
+              <a:rPr lang="en-US" sz="2400" i="1" dirty="0"/>
+              <a:t>the class of the type of the returned object must be either a subclass of, or the exact class of, the return </a:t>
+            </a:r>
+            <a:r>
+              <a:rPr lang="en-US" sz="2400" i="1" dirty="0" smtClean="0"/>
+              <a:t>type.</a:t>
+            </a:r>
+            <a:endParaRPr lang="en-US" sz="2400" i="1" dirty="0"/>
+          </a:p>
+        </p:txBody>
+      </p:sp>
+      <p:pic>
+        <p:nvPicPr>
+          <p:cNvPr id="3" name="Picture 2"/>
+          <p:cNvPicPr>
+            <a:picLocks noChangeAspect="1"/>
+          </p:cNvPicPr>
+          <p:nvPr/>
+        </p:nvPicPr>
+        <p:blipFill>
+          <a:blip r:embed="rId2"/>
+          <a:stretch>
+            <a:fillRect/>
+          </a:stretch>
+        </p:blipFill>
+        <p:spPr>
+          <a:xfrm>
+            <a:off x="746974" y="4512753"/>
+            <a:ext cx="2150771" cy="2253890"/>
+          </a:xfrm>
+          <a:prstGeom prst="rect">
+            <a:avLst/>
+          </a:prstGeom>
+        </p:spPr>
+      </p:pic>
+      <p:sp>
+        <p:nvSpPr>
+          <p:cNvPr id="7" name="TextBox 6"/>
+          <p:cNvSpPr txBox="1"/>
+          <p:nvPr/>
+        </p:nvSpPr>
+        <p:spPr>
+          <a:xfrm>
+            <a:off x="3593206" y="3608818"/>
+            <a:ext cx="8598794" cy="2585323"/>
+          </a:xfrm>
+          <a:prstGeom prst="rect">
+            <a:avLst/>
+          </a:prstGeom>
+          <a:noFill/>
+        </p:spPr>
+        <p:txBody>
+          <a:bodyPr wrap="square" rtlCol="0">
+            <a:spAutoFit/>
+          </a:bodyPr>
+          <a:lstStyle/>
+          <a:p>
+            <a:r>
+              <a:rPr lang="en-US" dirty="0" smtClean="0">
+                <a:solidFill>
+                  <a:schemeClr val="accent6">
+                    <a:lumMod val="75000"/>
+                  </a:schemeClr>
+                </a:solidFill>
+              </a:rPr>
+              <a:t>public Number </a:t>
+            </a:r>
+            <a:r>
+              <a:rPr lang="en-US" dirty="0" err="1" smtClean="0">
+                <a:solidFill>
+                  <a:schemeClr val="accent6">
+                    <a:lumMod val="75000"/>
+                  </a:schemeClr>
+                </a:solidFill>
+              </a:rPr>
+              <a:t>returnANumber</a:t>
+            </a:r>
+            <a:r>
+              <a:rPr lang="en-US" dirty="0" smtClean="0">
+                <a:solidFill>
+                  <a:schemeClr val="accent6">
+                    <a:lumMod val="75000"/>
+                  </a:schemeClr>
+                </a:solidFill>
+              </a:rPr>
+              <a:t>() {</a:t>
+            </a:r>
+          </a:p>
+          <a:p>
+            <a:r>
+              <a:rPr lang="en-US" dirty="0" smtClean="0">
+                <a:solidFill>
+                  <a:schemeClr val="accent6">
+                    <a:lumMod val="75000"/>
+                  </a:schemeClr>
+                </a:solidFill>
+              </a:rPr>
+              <a:t>    ...</a:t>
+            </a:r>
+          </a:p>
+          <a:p>
+            <a:r>
+              <a:rPr lang="en-US" dirty="0" smtClean="0">
+                <a:solidFill>
+                  <a:schemeClr val="accent6">
+                    <a:lumMod val="75000"/>
+                  </a:schemeClr>
+                </a:solidFill>
+              </a:rPr>
+              <a:t>}</a:t>
+            </a:r>
+          </a:p>
+          <a:p>
+            <a:endParaRPr lang="en-US" dirty="0"/>
+          </a:p>
+          <a:p>
+            <a:r>
+              <a:rPr lang="en-US" dirty="0"/>
+              <a:t>The </a:t>
+            </a:r>
+            <a:r>
+              <a:rPr lang="en-US" dirty="0" err="1"/>
+              <a:t>returnANumber</a:t>
+            </a:r>
+            <a:r>
+              <a:rPr lang="en-US" dirty="0"/>
+              <a:t> method can return an </a:t>
+            </a:r>
+            <a:r>
+              <a:rPr lang="en-US" dirty="0" err="1"/>
+              <a:t>ImaginaryNumber</a:t>
+            </a:r>
+            <a:r>
+              <a:rPr lang="en-US" dirty="0"/>
+              <a:t> but not an Object. </a:t>
+            </a:r>
+            <a:r>
+              <a:rPr lang="en-US" dirty="0" err="1"/>
+              <a:t>ImaginaryNumber</a:t>
+            </a:r>
+            <a:r>
+              <a:rPr lang="en-US" dirty="0"/>
+              <a:t> is a Number because it's a subclass of Number. However, an Object is not necessarily a Number — it could be a String or another type</a:t>
+            </a:r>
+            <a:endParaRPr lang="en-US" dirty="0" smtClean="0"/>
+          </a:p>
+          <a:p>
+            <a:endParaRPr lang="en-US" dirty="0"/>
+          </a:p>
+          <a:p>
+            <a:endParaRPr lang="en-US" dirty="0"/>
+          </a:p>
+        </p:txBody>
+      </p:sp>
+    </p:spTree>
+    <p:extLst>
+      <p:ext uri="{BB962C8B-B14F-4D97-AF65-F5344CB8AC3E}">
+        <p14:creationId xmlns:p14="http://schemas.microsoft.com/office/powerpoint/2010/main" val="1271906606"/>
+      </p:ext>
+    </p:extLst>
+  </p:cSld>
+  <p:clrMapOvr>
+    <a:masterClrMapping/>
+  </p:clrMapOvr>
+  <p:timing>
+    <p:tnLst>
+      <p:par>
+        <p:cTn id="1" dur="indefinite" restart="never" nodeType="tmRoot"/>
+      </p:par>
+    </p:tnLst>
+  </p:timing>
+</p:sld>
+</file>
+
+<file path=ppt/slides/slide46.xml><?xml version="1.0" encoding="utf-8"?>
+<p:sld xmlns:a="http://schemas.openxmlformats.org/drawingml/2006/main" xmlns:r="http://schemas.openxmlformats.org/officeDocument/2006/relationships" xmlns:p="http://schemas.openxmlformats.org/presentationml/2006/main" showMasterSp="0">
+  <p:cSld>
+    <p:spTree>
+      <p:nvGrpSpPr>
+        <p:cNvPr id="1" name=""/>
+        <p:cNvGrpSpPr/>
+        <p:nvPr/>
+      </p:nvGrpSpPr>
+      <p:grpSpPr>
+        <a:xfrm>
+          <a:off x="0" y="0"/>
+          <a:ext cx="0" cy="0"/>
+          <a:chOff x="0" y="0"/>
+          <a:chExt cx="0" cy="0"/>
+        </a:xfrm>
+      </p:grpSpPr>
+      <p:sp>
+        <p:nvSpPr>
+          <p:cNvPr id="2" name="Title 1"/>
+          <p:cNvSpPr>
+            <a:spLocks noGrp="1"/>
+          </p:cNvSpPr>
+          <p:nvPr>
+            <p:ph type="title"/>
+          </p:nvPr>
+        </p:nvSpPr>
+        <p:spPr/>
+        <p:txBody>
+          <a:bodyPr/>
+          <a:lstStyle/>
+          <a:p>
+            <a:r>
+              <a:rPr lang="en-US" dirty="0" smtClean="0"/>
+              <a:t>Advanced java</a:t>
+            </a:r>
+            <a:endParaRPr lang="en-US" dirty="0"/>
+          </a:p>
+        </p:txBody>
+      </p:sp>
+      <p:sp>
+        <p:nvSpPr>
+          <p:cNvPr id="6" name="TextBox 5"/>
+          <p:cNvSpPr txBox="1"/>
+          <p:nvPr/>
+        </p:nvSpPr>
+        <p:spPr>
+          <a:xfrm>
+            <a:off x="746975" y="2099256"/>
+            <a:ext cx="6645498" cy="646331"/>
+          </a:xfrm>
+          <a:prstGeom prst="rect">
+            <a:avLst/>
+          </a:prstGeom>
+          <a:noFill/>
+        </p:spPr>
+        <p:txBody>
+          <a:bodyPr wrap="square" rtlCol="0">
+            <a:spAutoFit/>
+          </a:bodyPr>
+          <a:lstStyle/>
+          <a:p>
+            <a:endParaRPr lang="en-US" b="1" dirty="0" smtClean="0"/>
+          </a:p>
+          <a:p>
+            <a:endParaRPr lang="en-US" dirty="0"/>
+          </a:p>
+        </p:txBody>
+      </p:sp>
+      <p:sp>
+        <p:nvSpPr>
+          <p:cNvPr id="4" name="AutoShape 8" descr="http://www.penjee.com/programming/wp-content/uploads/2014/05/parameter-vs-argument-diagram.png"/>
+          <p:cNvSpPr>
+            <a:spLocks noChangeAspect="1" noChangeArrowheads="1"/>
+          </p:cNvSpPr>
+          <p:nvPr/>
+        </p:nvSpPr>
+        <p:spPr bwMode="auto">
+          <a:xfrm>
+            <a:off x="155575" y="-144463"/>
+            <a:ext cx="304800" cy="304801"/>
+          </a:xfrm>
+          <a:prstGeom prst="rect">
+            <a:avLst/>
+          </a:prstGeom>
+          <a:noFill/>
+          <a:extLst>
+            <a:ext uri="{909E8E84-426E-40DD-AFC4-6F175D3DCCD1}">
+              <a14:hiddenFill xmlns:a14="http://schemas.microsoft.com/office/drawing/2010/main">
+                <a:solidFill>
+                  <a:srgbClr val="FFFFFF"/>
+                </a:solidFill>
+              </a14:hiddenFill>
+            </a:ext>
+          </a:extLst>
+        </p:spPr>
+        <p:txBody>
+          <a:bodyPr vert="horz" wrap="square" lIns="91440" tIns="45720" rIns="91440" bIns="45720" numCol="1" anchor="t" anchorCtr="0" compatLnSpc="1">
+            <a:prstTxWarp prst="textNoShape">
+              <a:avLst/>
+            </a:prstTxWarp>
+          </a:bodyPr>
+          <a:lstStyle/>
+          <a:p>
+            <a:endParaRPr lang="en-US"/>
+          </a:p>
+        </p:txBody>
+      </p:sp>
+      <p:sp>
+        <p:nvSpPr>
+          <p:cNvPr id="8" name="TextBox 7"/>
+          <p:cNvSpPr txBox="1"/>
+          <p:nvPr/>
+        </p:nvSpPr>
+        <p:spPr>
+          <a:xfrm>
+            <a:off x="460375" y="437262"/>
+            <a:ext cx="9994005" cy="4401205"/>
+          </a:xfrm>
+          <a:prstGeom prst="rect">
+            <a:avLst/>
+          </a:prstGeom>
+          <a:noFill/>
+        </p:spPr>
+        <p:txBody>
+          <a:bodyPr wrap="square" rtlCol="0">
+            <a:spAutoFit/>
+          </a:bodyPr>
+          <a:lstStyle/>
+          <a:p>
+            <a:r>
+              <a:rPr lang="en-US" sz="2800" dirty="0" smtClean="0">
+                <a:solidFill>
+                  <a:schemeClr val="accent6">
+                    <a:lumMod val="75000"/>
+                  </a:schemeClr>
+                </a:solidFill>
+              </a:rPr>
+              <a:t>Garbage collection</a:t>
+            </a:r>
+          </a:p>
+          <a:p>
+            <a:r>
+              <a:rPr lang="en-US" sz="2800" dirty="0" smtClean="0">
+                <a:solidFill>
+                  <a:schemeClr val="accent6">
+                    <a:lumMod val="75000"/>
+                  </a:schemeClr>
+                </a:solidFill>
+              </a:rPr>
+              <a:t>JDBC</a:t>
+            </a:r>
+          </a:p>
+          <a:p>
+            <a:r>
+              <a:rPr lang="en-US" sz="2800" dirty="0" smtClean="0">
+                <a:solidFill>
+                  <a:schemeClr val="accent6">
+                    <a:lumMod val="75000"/>
+                  </a:schemeClr>
+                </a:solidFill>
+              </a:rPr>
+              <a:t>Lambda expressions</a:t>
+            </a:r>
+          </a:p>
+          <a:p>
+            <a:r>
+              <a:rPr lang="en-US" sz="2800" dirty="0" smtClean="0">
+                <a:solidFill>
+                  <a:schemeClr val="accent6">
+                    <a:lumMod val="75000"/>
+                  </a:schemeClr>
+                </a:solidFill>
+              </a:rPr>
+              <a:t>Annotations</a:t>
+            </a:r>
+          </a:p>
+          <a:p>
+            <a:r>
+              <a:rPr lang="en-US" sz="2800" dirty="0" smtClean="0">
+                <a:solidFill>
+                  <a:schemeClr val="accent6">
+                    <a:lumMod val="75000"/>
+                  </a:schemeClr>
+                </a:solidFill>
+              </a:rPr>
+              <a:t>Aggregate operations on collection using </a:t>
+            </a:r>
+            <a:r>
+              <a:rPr lang="en-US" sz="2800" dirty="0" err="1" smtClean="0">
+                <a:solidFill>
+                  <a:schemeClr val="accent6">
+                    <a:lumMod val="75000"/>
+                  </a:schemeClr>
+                </a:solidFill>
+              </a:rPr>
+              <a:t>Lambarda</a:t>
+            </a:r>
+            <a:r>
+              <a:rPr lang="en-US" sz="2800" dirty="0" smtClean="0">
+                <a:solidFill>
+                  <a:schemeClr val="accent6">
+                    <a:lumMod val="75000"/>
+                  </a:schemeClr>
+                </a:solidFill>
+              </a:rPr>
+              <a:t> expression.</a:t>
+            </a:r>
+          </a:p>
+          <a:p>
+            <a:r>
+              <a:rPr lang="en-US" sz="2800" dirty="0" smtClean="0">
+                <a:solidFill>
+                  <a:schemeClr val="accent6">
+                    <a:lumMod val="75000"/>
+                  </a:schemeClr>
+                </a:solidFill>
+              </a:rPr>
+              <a:t>Java streaming</a:t>
+            </a:r>
+          </a:p>
+          <a:p>
+            <a:r>
+              <a:rPr lang="en-US" sz="2800" dirty="0" smtClean="0">
+                <a:solidFill>
+                  <a:schemeClr val="accent6">
+                    <a:lumMod val="75000"/>
+                  </a:schemeClr>
+                </a:solidFill>
+              </a:rPr>
+              <a:t>Blocking queue</a:t>
+            </a:r>
+          </a:p>
+          <a:p>
+            <a:r>
+              <a:rPr lang="en-US" sz="2800" dirty="0" smtClean="0">
+                <a:solidFill>
+                  <a:schemeClr val="accent6">
+                    <a:lumMod val="75000"/>
+                  </a:schemeClr>
+                </a:solidFill>
+              </a:rPr>
+              <a:t>Aggregate operations</a:t>
+            </a:r>
+          </a:p>
+          <a:p>
+            <a:r>
+              <a:rPr lang="en-US" sz="2800" dirty="0" smtClean="0">
+                <a:solidFill>
+                  <a:schemeClr val="accent6">
+                    <a:lumMod val="75000"/>
+                  </a:schemeClr>
+                </a:solidFill>
+              </a:rPr>
+              <a:t>Autoboxing and unboxing</a:t>
+            </a:r>
+          </a:p>
+          <a:p>
+            <a:endParaRPr lang="en-US" sz="1400" dirty="0" smtClean="0">
+              <a:solidFill>
+                <a:schemeClr val="accent6">
+                  <a:lumMod val="75000"/>
+                </a:schemeClr>
+              </a:solidFill>
+            </a:endParaRPr>
+          </a:p>
+          <a:p>
+            <a:endParaRPr lang="en-US" sz="1400" dirty="0">
+              <a:solidFill>
+                <a:schemeClr val="accent6">
+                  <a:lumMod val="75000"/>
+                </a:schemeClr>
+              </a:solidFill>
+            </a:endParaRPr>
+          </a:p>
+        </p:txBody>
+      </p:sp>
+      <p:sp>
+        <p:nvSpPr>
+          <p:cNvPr id="9" name="TextBox 8"/>
+          <p:cNvSpPr txBox="1"/>
+          <p:nvPr/>
+        </p:nvSpPr>
+        <p:spPr>
+          <a:xfrm>
+            <a:off x="1300766" y="3098995"/>
+            <a:ext cx="9440214" cy="3198774"/>
+          </a:xfrm>
+          <a:prstGeom prst="rect">
+            <a:avLst/>
+          </a:prstGeom>
+          <a:noFill/>
+        </p:spPr>
+        <p:txBody>
+          <a:bodyPr wrap="square" rtlCol="0">
+            <a:spAutoFit/>
+          </a:bodyPr>
+          <a:lstStyle/>
+          <a:p>
+            <a:endParaRPr lang="en-US" dirty="0"/>
+          </a:p>
+        </p:txBody>
+      </p:sp>
+    </p:spTree>
+    <p:extLst>
+      <p:ext uri="{BB962C8B-B14F-4D97-AF65-F5344CB8AC3E}">
+        <p14:creationId xmlns:p14="http://schemas.microsoft.com/office/powerpoint/2010/main" val="2545554712"/>
+      </p:ext>
+    </p:extLst>
+  </p:cSld>
+  <p:clrMapOvr>
+    <a:masterClrMapping/>
+  </p:clrMapOvr>
+  <p:timing>
+    <p:tnLst>
+      <p:par>
+        <p:cTn id="1" dur="indefinite" restart="never" nodeType="tmRoot"/>
+      </p:par>
+    </p:tnLst>
+  </p:timing>
+</p:sld>
+</file>
+
+<file path=ppt/slides/slide47.xml><?xml version="1.0" encoding="utf-8"?>
 <p:sld xmlns:a="http://schemas.openxmlformats.org/drawingml/2006/main" xmlns:r="http://schemas.openxmlformats.org/officeDocument/2006/relationships" xmlns:p="http://schemas.openxmlformats.org/presentationml/2006/main" showMasterSp="0">
   <p:cSld>
     <p:spTree>
@@ -19667,7 +24050,7 @@
 </p:sld>
 </file>
 
-<file path=ppt/slides/slide41.xml><?xml version="1.0" encoding="utf-8"?>
+<file path=ppt/slides/slide48.xml><?xml version="1.0" encoding="utf-8"?>
 <p:sld xmlns:a="http://schemas.openxmlformats.org/drawingml/2006/main" xmlns:r="http://schemas.openxmlformats.org/officeDocument/2006/relationships" xmlns:p="http://schemas.openxmlformats.org/presentationml/2006/main">
   <p:cSld>
     <p:spTree>

--- a/training/core_java/10_Basic IO.pptx
+++ b/training/core_java/10_Basic IO.pptx
@@ -48,20 +48,24 @@
     <p:sldId id="559" r:id="rId42"/>
     <p:sldId id="570" r:id="rId43"/>
     <p:sldId id="569" r:id="rId44"/>
-    <p:sldId id="551" r:id="rId45"/>
-    <p:sldId id="542" r:id="rId46"/>
-    <p:sldId id="543" r:id="rId47"/>
-    <p:sldId id="544" r:id="rId48"/>
-    <p:sldId id="545" r:id="rId49"/>
-    <p:sldId id="522" r:id="rId50"/>
-    <p:sldId id="521" r:id="rId51"/>
-    <p:sldId id="488" r:id="rId52"/>
-    <p:sldId id="293" r:id="rId53"/>
-    <p:sldId id="313" r:id="rId54"/>
-    <p:sldId id="320" r:id="rId55"/>
-    <p:sldId id="316" r:id="rId56"/>
-    <p:sldId id="261" r:id="rId57"/>
-    <p:sldId id="502" r:id="rId58"/>
+    <p:sldId id="571" r:id="rId45"/>
+    <p:sldId id="572" r:id="rId46"/>
+    <p:sldId id="573" r:id="rId47"/>
+    <p:sldId id="574" r:id="rId48"/>
+    <p:sldId id="551" r:id="rId49"/>
+    <p:sldId id="542" r:id="rId50"/>
+    <p:sldId id="543" r:id="rId51"/>
+    <p:sldId id="544" r:id="rId52"/>
+    <p:sldId id="545" r:id="rId53"/>
+    <p:sldId id="522" r:id="rId54"/>
+    <p:sldId id="521" r:id="rId55"/>
+    <p:sldId id="488" r:id="rId56"/>
+    <p:sldId id="293" r:id="rId57"/>
+    <p:sldId id="313" r:id="rId58"/>
+    <p:sldId id="320" r:id="rId59"/>
+    <p:sldId id="316" r:id="rId60"/>
+    <p:sldId id="261" r:id="rId61"/>
+    <p:sldId id="502" r:id="rId62"/>
   </p:sldIdLst>
   <p:sldSz cx="12192000" cy="6858000"/>
   <p:notesSz cx="6858000" cy="9144000"/>
@@ -344,7 +348,7 @@
           <a:p>
             <a:fld id="{96DFF08F-DC6B-4601-B491-B0F83F6DD2DA}" type="datetimeFigureOut">
               <a:rPr lang="en-US" dirty="0"/>
-              <a:t>10/14/2015</a:t>
+              <a:t>10/15/2015</a:t>
             </a:fld>
             <a:endParaRPr lang="en-US" dirty="0"/>
           </a:p>
@@ -509,7 +513,7 @@
           <a:p>
             <a:fld id="{96DFF08F-DC6B-4601-B491-B0F83F6DD2DA}" type="datetimeFigureOut">
               <a:rPr lang="en-US" dirty="0"/>
-              <a:t>10/14/2015</a:t>
+              <a:t>10/15/2015</a:t>
             </a:fld>
             <a:endParaRPr lang="en-US" dirty="0"/>
           </a:p>
@@ -727,7 +731,7 @@
           <a:p>
             <a:fld id="{96DFF08F-DC6B-4601-B491-B0F83F6DD2DA}" type="datetimeFigureOut">
               <a:rPr lang="en-US" dirty="0"/>
-              <a:t>10/14/2015</a:t>
+              <a:t>10/15/2015</a:t>
             </a:fld>
             <a:endParaRPr lang="en-US" dirty="0"/>
           </a:p>
@@ -902,7 +906,7 @@
           <a:p>
             <a:fld id="{96DFF08F-DC6B-4601-B491-B0F83F6DD2DA}" type="datetimeFigureOut">
               <a:rPr lang="en-US" dirty="0"/>
-              <a:t>10/14/2015</a:t>
+              <a:t>10/15/2015</a:t>
             </a:fld>
             <a:endParaRPr lang="en-US" dirty="0"/>
           </a:p>
@@ -1199,7 +1203,7 @@
             <a:fld id="{96DFF08F-DC6B-4601-B491-B0F83F6DD2DA}" type="datetimeFigureOut">
               <a:rPr lang="en-US" dirty="0"/>
               <a:pPr/>
-              <a:t>10/14/2015</a:t>
+              <a:t>10/15/2015</a:t>
             </a:fld>
             <a:endParaRPr lang="en-US" dirty="0"/>
           </a:p>
@@ -1499,7 +1503,7 @@
           <a:p>
             <a:fld id="{96DFF08F-DC6B-4601-B491-B0F83F6DD2DA}" type="datetimeFigureOut">
               <a:rPr lang="en-US" dirty="0"/>
-              <a:t>10/14/2015</a:t>
+              <a:t>10/15/2015</a:t>
             </a:fld>
             <a:endParaRPr lang="en-US" dirty="0"/>
           </a:p>
@@ -1916,7 +1920,7 @@
           <a:p>
             <a:fld id="{96DFF08F-DC6B-4601-B491-B0F83F6DD2DA}" type="datetimeFigureOut">
               <a:rPr lang="en-US" dirty="0"/>
-              <a:t>10/14/2015</a:t>
+              <a:t>10/15/2015</a:t>
             </a:fld>
             <a:endParaRPr lang="en-US" dirty="0"/>
           </a:p>
@@ -2029,7 +2033,7 @@
           <a:p>
             <a:fld id="{96DFF08F-DC6B-4601-B491-B0F83F6DD2DA}" type="datetimeFigureOut">
               <a:rPr lang="en-US" dirty="0"/>
-              <a:t>10/14/2015</a:t>
+              <a:t>10/15/2015</a:t>
             </a:fld>
             <a:endParaRPr lang="en-US" dirty="0"/>
           </a:p>
@@ -2119,7 +2123,7 @@
           <a:p>
             <a:fld id="{96DFF08F-DC6B-4601-B491-B0F83F6DD2DA}" type="datetimeFigureOut">
               <a:rPr lang="en-US" dirty="0"/>
-              <a:t>10/14/2015</a:t>
+              <a:t>10/15/2015</a:t>
             </a:fld>
             <a:endParaRPr lang="en-US" dirty="0"/>
           </a:p>
@@ -2387,7 +2391,7 @@
           <a:p>
             <a:fld id="{96DFF08F-DC6B-4601-B491-B0F83F6DD2DA}" type="datetimeFigureOut">
               <a:rPr lang="en-US" dirty="0"/>
-              <a:t>10/14/2015</a:t>
+              <a:t>10/15/2015</a:t>
             </a:fld>
             <a:endParaRPr lang="en-US" dirty="0"/>
           </a:p>
@@ -2647,7 +2651,7 @@
           <a:p>
             <a:fld id="{96DFF08F-DC6B-4601-B491-B0F83F6DD2DA}" type="datetimeFigureOut">
               <a:rPr lang="en-US" dirty="0"/>
-              <a:t>10/14/2015</a:t>
+              <a:t>10/15/2015</a:t>
             </a:fld>
             <a:endParaRPr lang="en-US" dirty="0"/>
           </a:p>
@@ -2895,7 +2899,7 @@
             <a:fld id="{96DFF08F-DC6B-4601-B491-B0F83F6DD2DA}" type="datetimeFigureOut">
               <a:rPr lang="en-US" dirty="0"/>
               <a:pPr/>
-              <a:t>10/14/2015</a:t>
+              <a:t>10/15/2015</a:t>
             </a:fld>
             <a:endParaRPr lang="en-US" dirty="0"/>
           </a:p>
@@ -25222,15 +25226,7 @@
                   <a:schemeClr val="bg1"/>
                 </a:solidFill>
               </a:rPr>
-              <a:t>&gt;, </a:t>
-            </a:r>
-            <a:r>
-              <a:rPr lang="en-US" sz="2000" b="1" i="1" dirty="0" err="1">
-                <a:solidFill>
-                  <a:schemeClr val="bg1"/>
-                </a:solidFill>
-              </a:rPr>
-              <a:t>FileAttribute</a:t>
+              <a:t>&gt;, FileAttribute</a:t>
             </a:r>
             <a:r>
               <a:rPr lang="en-US" sz="2000" b="1" i="1" dirty="0" smtClean="0">
@@ -26191,23 +26187,7 @@
                   <a:schemeClr val="bg1"/>
                 </a:solidFill>
               </a:rPr>
-              <a:t>(Path, </a:t>
-            </a:r>
-            <a:r>
-              <a:rPr lang="en-US" sz="2400" b="1" i="1" dirty="0" err="1">
-                <a:solidFill>
-                  <a:schemeClr val="bg1"/>
-                </a:solidFill>
-              </a:rPr>
-              <a:t>FileAttribute</a:t>
-            </a:r>
-            <a:r>
-              <a:rPr lang="en-US" sz="2400" b="1" i="1" dirty="0">
-                <a:solidFill>
-                  <a:schemeClr val="bg1"/>
-                </a:solidFill>
-              </a:rPr>
-              <a:t>&lt;?&gt;) </a:t>
+              <a:t>(Path, FileAttribute&lt;?&gt;) </a:t>
             </a:r>
             <a:r>
               <a:rPr lang="en-US" sz="2400" dirty="0" smtClean="0">
@@ -26925,21 +26905,21 @@
         <p:spPr>
           <a:xfrm>
             <a:off x="557897" y="1425388"/>
-            <a:ext cx="11074124" cy="5262979"/>
-          </a:xfrm>
-          <a:prstGeom prst="rect">
-            <a:avLst/>
-          </a:prstGeom>
-          <a:noFill/>
-        </p:spPr>
-        <p:txBody>
-          <a:bodyPr wrap="square" rtlCol="0">
-            <a:spAutoFit/>
-          </a:bodyPr>
-          <a:lstStyle/>
-          <a:p>
-            <a:r>
-              <a:rPr lang="en-US" sz="2400" b="1" dirty="0" smtClean="0">
+            <a:ext cx="8169244" cy="5693866"/>
+          </a:xfrm>
+          <a:prstGeom prst="rect">
+            <a:avLst/>
+          </a:prstGeom>
+          <a:noFill/>
+        </p:spPr>
+        <p:txBody>
+          <a:bodyPr wrap="square" rtlCol="0">
+            <a:spAutoFit/>
+          </a:bodyPr>
+          <a:lstStyle/>
+          <a:p>
+            <a:r>
+              <a:rPr lang="en-US" sz="2800" b="1" dirty="0" smtClean="0">
                 <a:solidFill>
                   <a:schemeClr val="bg1"/>
                 </a:solidFill>
@@ -27004,23 +26984,7 @@
                   <a:schemeClr val="bg1"/>
                 </a:solidFill>
               </a:rPr>
-              <a:t>, String, String, </a:t>
-            </a:r>
-            <a:r>
-              <a:rPr lang="en-US" sz="2400" b="1" i="1" dirty="0" err="1">
-                <a:solidFill>
-                  <a:schemeClr val="bg1"/>
-                </a:solidFill>
-              </a:rPr>
-              <a:t>FileAttribute</a:t>
-            </a:r>
-            <a:r>
-              <a:rPr lang="en-US" sz="2400" b="1" i="1" dirty="0">
-                <a:solidFill>
-                  <a:schemeClr val="bg1"/>
-                </a:solidFill>
-              </a:rPr>
-              <a:t>&lt;?&gt;)</a:t>
+              <a:t>, String, String, FileAttribute&lt;?&gt;)</a:t>
             </a:r>
           </a:p>
           <a:p>
@@ -27042,15 +27006,7 @@
                   <a:schemeClr val="bg1"/>
                 </a:solidFill>
               </a:rPr>
-              <a:t>(String, String, </a:t>
-            </a:r>
-            <a:r>
-              <a:rPr lang="en-US" sz="2400" i="1" dirty="0" err="1">
-                <a:solidFill>
-                  <a:schemeClr val="bg1"/>
-                </a:solidFill>
-              </a:rPr>
-              <a:t>FileAttribute</a:t>
+              <a:t>(String, String, FileAttribute</a:t>
             </a:r>
             <a:r>
               <a:rPr lang="en-US" sz="2400" i="1" dirty="0" smtClean="0">
@@ -27354,6 +27310,39 @@
                 <a:schemeClr val="bg1"/>
               </a:solidFill>
             </a:endParaRPr>
+          </a:p>
+        </p:txBody>
+      </p:sp>
+      <p:sp>
+        <p:nvSpPr>
+          <p:cNvPr id="12" name="TextBox 11"/>
+          <p:cNvSpPr txBox="1"/>
+          <p:nvPr/>
+        </p:nvSpPr>
+        <p:spPr>
+          <a:xfrm>
+            <a:off x="8727141" y="1425388"/>
+            <a:ext cx="3224452" cy="1200329"/>
+          </a:xfrm>
+          <a:prstGeom prst="rect">
+            <a:avLst/>
+          </a:prstGeom>
+          <a:noFill/>
+        </p:spPr>
+        <p:txBody>
+          <a:bodyPr wrap="square" rtlCol="0">
+            <a:spAutoFit/>
+          </a:bodyPr>
+          <a:lstStyle/>
+          <a:p>
+            <a:r>
+              <a:rPr lang="en-US" sz="2400" dirty="0">
+                <a:solidFill>
+                  <a:schemeClr val="bg1"/>
+                </a:solidFill>
+              </a:rPr>
+              <a:t>Lab19.16: Demonstration of File reading and writing</a:t>
+            </a:r>
           </a:p>
         </p:txBody>
       </p:sp>
@@ -27556,26 +27545,34 @@
         <p:spPr>
           <a:xfrm>
             <a:off x="444820" y="390569"/>
-            <a:ext cx="5650139" cy="584775"/>
-          </a:xfrm>
-          <a:prstGeom prst="rect">
-            <a:avLst/>
-          </a:prstGeom>
-          <a:noFill/>
-        </p:spPr>
-        <p:txBody>
-          <a:bodyPr wrap="square" rtlCol="0">
-            <a:spAutoFit/>
-          </a:bodyPr>
-          <a:lstStyle/>
-          <a:p>
+            <a:ext cx="11038967" cy="584775"/>
+          </a:xfrm>
+          <a:prstGeom prst="rect">
+            <a:avLst/>
+          </a:prstGeom>
+          <a:noFill/>
+        </p:spPr>
+        <p:txBody>
+          <a:bodyPr wrap="square" rtlCol="0">
+            <a:spAutoFit/>
+          </a:bodyPr>
+          <a:lstStyle/>
+          <a:p>
+            <a:r>
+              <a:rPr lang="en-US" sz="3200" b="1" dirty="0">
+                <a:solidFill>
+                  <a:schemeClr val="bg1"/>
+                </a:solidFill>
+              </a:rPr>
+              <a:t>File Operations – </a:t>
+            </a:r>
             <a:r>
               <a:rPr lang="en-US" sz="3200" b="1" dirty="0" smtClean="0">
                 <a:solidFill>
                   <a:schemeClr val="bg1"/>
                 </a:solidFill>
               </a:rPr>
-              <a:t>File I/O</a:t>
+              <a:t>Random Access File</a:t>
             </a:r>
             <a:endParaRPr lang="en-US" sz="3200" b="1" dirty="0">
               <a:solidFill>
@@ -27675,10 +27672,383 @@
           </a:p>
         </p:txBody>
       </p:sp>
+      <p:sp>
+        <p:nvSpPr>
+          <p:cNvPr id="3" name="TextBox 2"/>
+          <p:cNvSpPr txBox="1"/>
+          <p:nvPr/>
+        </p:nvSpPr>
+        <p:spPr>
+          <a:xfrm>
+            <a:off x="557897" y="1194911"/>
+            <a:ext cx="9668436" cy="707886"/>
+          </a:xfrm>
+          <a:prstGeom prst="rect">
+            <a:avLst/>
+          </a:prstGeom>
+          <a:noFill/>
+        </p:spPr>
+        <p:txBody>
+          <a:bodyPr wrap="square" rtlCol="0">
+            <a:spAutoFit/>
+          </a:bodyPr>
+          <a:lstStyle/>
+          <a:p>
+            <a:pPr marL="914400" lvl="3"/>
+            <a:endParaRPr lang="en-US" sz="2000" dirty="0">
+              <a:solidFill>
+                <a:srgbClr val="C00000"/>
+              </a:solidFill>
+            </a:endParaRPr>
+          </a:p>
+          <a:p>
+            <a:pPr marL="914400" lvl="3"/>
+            <a:endParaRPr lang="en-US" sz="2000" dirty="0">
+              <a:solidFill>
+                <a:srgbClr val="C00000"/>
+              </a:solidFill>
+            </a:endParaRPr>
+          </a:p>
+        </p:txBody>
+      </p:sp>
+      <p:sp>
+        <p:nvSpPr>
+          <p:cNvPr id="11" name="TextBox 10"/>
+          <p:cNvSpPr txBox="1"/>
+          <p:nvPr/>
+        </p:nvSpPr>
+        <p:spPr>
+          <a:xfrm>
+            <a:off x="557897" y="1315670"/>
+            <a:ext cx="10429102" cy="400110"/>
+          </a:xfrm>
+          <a:prstGeom prst="rect">
+            <a:avLst/>
+          </a:prstGeom>
+          <a:noFill/>
+        </p:spPr>
+        <p:txBody>
+          <a:bodyPr wrap="square" rtlCol="0">
+            <a:spAutoFit/>
+          </a:bodyPr>
+          <a:lstStyle/>
+          <a:p>
+            <a:pPr marL="285750" indent="-285750">
+              <a:buFont typeface="Arial" panose="020B0604020202020204" pitchFamily="34" charset="0"/>
+              <a:buChar char="•"/>
+            </a:pPr>
+            <a:endParaRPr lang="en-US" sz="2000" dirty="0">
+              <a:solidFill>
+                <a:schemeClr val="bg1"/>
+              </a:solidFill>
+            </a:endParaRPr>
+          </a:p>
+        </p:txBody>
+      </p:sp>
+      <p:sp>
+        <p:nvSpPr>
+          <p:cNvPr id="13" name="TextBox 12"/>
+          <p:cNvSpPr txBox="1"/>
+          <p:nvPr/>
+        </p:nvSpPr>
+        <p:spPr>
+          <a:xfrm>
+            <a:off x="2689412" y="4504765"/>
+            <a:ext cx="184731" cy="369332"/>
+          </a:xfrm>
+          <a:prstGeom prst="rect">
+            <a:avLst/>
+          </a:prstGeom>
+          <a:noFill/>
+        </p:spPr>
+        <p:txBody>
+          <a:bodyPr wrap="none" rtlCol="0">
+            <a:spAutoFit/>
+          </a:bodyPr>
+          <a:lstStyle/>
+          <a:p>
+            <a:endParaRPr lang="en-US" dirty="0"/>
+          </a:p>
+        </p:txBody>
+      </p:sp>
+      <p:sp>
+        <p:nvSpPr>
+          <p:cNvPr id="14" name="TextBox 13"/>
+          <p:cNvSpPr txBox="1"/>
+          <p:nvPr/>
+        </p:nvSpPr>
+        <p:spPr>
+          <a:xfrm>
+            <a:off x="557897" y="1425388"/>
+            <a:ext cx="11074124" cy="3477875"/>
+          </a:xfrm>
+          <a:prstGeom prst="rect">
+            <a:avLst/>
+          </a:prstGeom>
+          <a:noFill/>
+        </p:spPr>
+        <p:txBody>
+          <a:bodyPr wrap="square" rtlCol="0">
+            <a:spAutoFit/>
+          </a:bodyPr>
+          <a:lstStyle/>
+          <a:p>
+            <a:pPr marL="800100" lvl="1" indent="-342900">
+              <a:buFont typeface="Arial" panose="020B0604020202020204" pitchFamily="34" charset="0"/>
+              <a:buChar char="•"/>
+            </a:pPr>
+            <a:r>
+              <a:rPr lang="en-US" sz="2400" dirty="0">
+                <a:solidFill>
+                  <a:schemeClr val="bg1"/>
+                </a:solidFill>
+              </a:rPr>
+              <a:t>Random access files permit </a:t>
+            </a:r>
+            <a:r>
+              <a:rPr lang="en-US" sz="2400" dirty="0" smtClean="0">
+                <a:solidFill>
+                  <a:schemeClr val="bg1"/>
+                </a:solidFill>
+              </a:rPr>
+              <a:t>non-sequential</a:t>
+            </a:r>
+            <a:r>
+              <a:rPr lang="en-US" sz="2400" dirty="0">
+                <a:solidFill>
+                  <a:schemeClr val="bg1"/>
+                </a:solidFill>
+              </a:rPr>
+              <a:t>, or random, access to a file's </a:t>
+            </a:r>
+            <a:r>
+              <a:rPr lang="en-US" sz="2400" dirty="0" smtClean="0">
+                <a:solidFill>
+                  <a:schemeClr val="bg1"/>
+                </a:solidFill>
+              </a:rPr>
+              <a:t>contents.</a:t>
+            </a:r>
+          </a:p>
+          <a:p>
+            <a:pPr marL="800100" lvl="1" indent="-342900">
+              <a:buFont typeface="Arial" panose="020B0604020202020204" pitchFamily="34" charset="0"/>
+              <a:buChar char="•"/>
+            </a:pPr>
+            <a:r>
+              <a:rPr lang="en-US" sz="2400" dirty="0">
+                <a:solidFill>
+                  <a:schemeClr val="bg1"/>
+                </a:solidFill>
+              </a:rPr>
+              <a:t>This functionality is possible with the </a:t>
+            </a:r>
+            <a:r>
+              <a:rPr lang="en-US" sz="2400" dirty="0" err="1">
+                <a:solidFill>
+                  <a:schemeClr val="bg1"/>
+                </a:solidFill>
+              </a:rPr>
+              <a:t>SeekableByteChannel</a:t>
+            </a:r>
+            <a:r>
+              <a:rPr lang="en-US" sz="2400" dirty="0">
+                <a:solidFill>
+                  <a:schemeClr val="bg1"/>
+                </a:solidFill>
+              </a:rPr>
+              <a:t> </a:t>
+            </a:r>
+            <a:r>
+              <a:rPr lang="en-US" sz="2400" dirty="0" smtClean="0">
+                <a:solidFill>
+                  <a:schemeClr val="bg1"/>
+                </a:solidFill>
+              </a:rPr>
+              <a:t>interface.</a:t>
+            </a:r>
+          </a:p>
+          <a:p>
+            <a:pPr marL="800100" lvl="1" indent="-342900">
+              <a:buFont typeface="Arial" panose="020B0604020202020204" pitchFamily="34" charset="0"/>
+              <a:buChar char="•"/>
+            </a:pPr>
+            <a:r>
+              <a:rPr lang="en-US" sz="2400" b="1" i="1" dirty="0" err="1">
+                <a:solidFill>
+                  <a:schemeClr val="bg1"/>
+                </a:solidFill>
+              </a:rPr>
+              <a:t>Path.newByteChannel</a:t>
+            </a:r>
+            <a:r>
+              <a:rPr lang="en-US" sz="2400" dirty="0">
+                <a:solidFill>
+                  <a:schemeClr val="bg1"/>
+                </a:solidFill>
+              </a:rPr>
+              <a:t> methods return an instance of a </a:t>
+            </a:r>
+            <a:r>
+              <a:rPr lang="en-US" sz="2400" dirty="0" err="1" smtClean="0">
+                <a:solidFill>
+                  <a:schemeClr val="bg1"/>
+                </a:solidFill>
+              </a:rPr>
+              <a:t>SeekableByteChannel</a:t>
+            </a:r>
+            <a:r>
+              <a:rPr lang="en-US" sz="2400" dirty="0" smtClean="0">
+                <a:solidFill>
+                  <a:schemeClr val="bg1"/>
+                </a:solidFill>
+              </a:rPr>
+              <a:t>.</a:t>
+            </a:r>
+          </a:p>
+          <a:p>
+            <a:pPr marL="800100" lvl="1" indent="-342900">
+              <a:buFont typeface="Arial" panose="020B0604020202020204" pitchFamily="34" charset="0"/>
+              <a:buChar char="•"/>
+            </a:pPr>
+            <a:r>
+              <a:rPr lang="en-US" sz="2400" dirty="0" err="1" smtClean="0">
+                <a:solidFill>
+                  <a:schemeClr val="bg1"/>
+                </a:solidFill>
+              </a:rPr>
+              <a:t>SeekableByteChannel</a:t>
+            </a:r>
+            <a:r>
+              <a:rPr lang="en-US" sz="2400" dirty="0" smtClean="0">
+                <a:solidFill>
+                  <a:schemeClr val="bg1"/>
+                </a:solidFill>
+              </a:rPr>
+              <a:t> API </a:t>
+            </a:r>
+            <a:r>
+              <a:rPr lang="en-US" sz="2400" dirty="0">
+                <a:solidFill>
+                  <a:schemeClr val="bg1"/>
+                </a:solidFill>
+              </a:rPr>
+              <a:t>consists of a few, easy to use, methods</a:t>
+            </a:r>
+            <a:endParaRPr lang="en-US" sz="2400" dirty="0" smtClean="0">
+              <a:solidFill>
+                <a:schemeClr val="bg1"/>
+              </a:solidFill>
+            </a:endParaRPr>
+          </a:p>
+          <a:p>
+            <a:pPr marL="1257300" lvl="2" indent="-342900">
+              <a:buFont typeface="Arial" panose="020B0604020202020204" pitchFamily="34" charset="0"/>
+              <a:buChar char="•"/>
+            </a:pPr>
+            <a:r>
+              <a:rPr lang="en-US" sz="2000" dirty="0">
+                <a:solidFill>
+                  <a:schemeClr val="bg1"/>
+                </a:solidFill>
+              </a:rPr>
+              <a:t>position – Returns the channel's current position</a:t>
+            </a:r>
+          </a:p>
+          <a:p>
+            <a:pPr marL="1257300" lvl="2" indent="-342900">
+              <a:buFont typeface="Arial" panose="020B0604020202020204" pitchFamily="34" charset="0"/>
+              <a:buChar char="•"/>
+            </a:pPr>
+            <a:r>
+              <a:rPr lang="en-US" sz="2000" dirty="0">
+                <a:solidFill>
+                  <a:schemeClr val="bg1"/>
+                </a:solidFill>
+              </a:rPr>
+              <a:t>position(long) – Sets the channel's position</a:t>
+            </a:r>
+          </a:p>
+          <a:p>
+            <a:pPr marL="1257300" lvl="2" indent="-342900">
+              <a:buFont typeface="Arial" panose="020B0604020202020204" pitchFamily="34" charset="0"/>
+              <a:buChar char="•"/>
+            </a:pPr>
+            <a:r>
+              <a:rPr lang="en-US" sz="2000" dirty="0">
+                <a:solidFill>
+                  <a:schemeClr val="bg1"/>
+                </a:solidFill>
+              </a:rPr>
+              <a:t>read(</a:t>
+            </a:r>
+            <a:r>
+              <a:rPr lang="en-US" sz="2000" dirty="0" err="1">
+                <a:solidFill>
+                  <a:schemeClr val="bg1"/>
+                </a:solidFill>
+              </a:rPr>
+              <a:t>ByteBuffer</a:t>
+            </a:r>
+            <a:r>
+              <a:rPr lang="en-US" sz="2000" dirty="0">
+                <a:solidFill>
+                  <a:schemeClr val="bg1"/>
+                </a:solidFill>
+              </a:rPr>
+              <a:t>) – Reads bytes into the buffer from the channel</a:t>
+            </a:r>
+          </a:p>
+          <a:p>
+            <a:pPr marL="1257300" lvl="2" indent="-342900">
+              <a:buFont typeface="Arial" panose="020B0604020202020204" pitchFamily="34" charset="0"/>
+              <a:buChar char="•"/>
+            </a:pPr>
+            <a:r>
+              <a:rPr lang="en-US" sz="2000" dirty="0">
+                <a:solidFill>
+                  <a:schemeClr val="bg1"/>
+                </a:solidFill>
+              </a:rPr>
+              <a:t>write(</a:t>
+            </a:r>
+            <a:r>
+              <a:rPr lang="en-US" sz="2000" dirty="0" err="1">
+                <a:solidFill>
+                  <a:schemeClr val="bg1"/>
+                </a:solidFill>
+              </a:rPr>
+              <a:t>ByteBuffer</a:t>
+            </a:r>
+            <a:r>
+              <a:rPr lang="en-US" sz="2000" dirty="0">
+                <a:solidFill>
+                  <a:schemeClr val="bg1"/>
+                </a:solidFill>
+              </a:rPr>
+              <a:t>) – Writes bytes from the buffer to the channel</a:t>
+            </a:r>
+          </a:p>
+          <a:p>
+            <a:pPr marL="1257300" lvl="2" indent="-342900">
+              <a:buFont typeface="Arial" panose="020B0604020202020204" pitchFamily="34" charset="0"/>
+              <a:buChar char="•"/>
+            </a:pPr>
+            <a:r>
+              <a:rPr lang="en-US" sz="2000" dirty="0">
+                <a:solidFill>
+                  <a:schemeClr val="bg1"/>
+                </a:solidFill>
+              </a:rPr>
+              <a:t>truncate(long) – Truncates the file (or other entity) connected to the channel</a:t>
+            </a:r>
+          </a:p>
+        </p:txBody>
+      </p:sp>
     </p:spTree>
     <p:extLst>
       <p:ext uri="{BB962C8B-B14F-4D97-AF65-F5344CB8AC3E}">
-        <p14:creationId xmlns:p14="http://schemas.microsoft.com/office/powerpoint/2010/main" val="1321772074"/>
+        <p14:creationId xmlns:p14="http://schemas.microsoft.com/office/powerpoint/2010/main" val="1314432610"/>
       </p:ext>
     </p:extLst>
   </p:cSld>
@@ -27874,26 +28244,34 @@
         <p:spPr>
           <a:xfrm>
             <a:off x="444820" y="390569"/>
-            <a:ext cx="5650139" cy="584775"/>
-          </a:xfrm>
-          <a:prstGeom prst="rect">
-            <a:avLst/>
-          </a:prstGeom>
-          <a:noFill/>
-        </p:spPr>
-        <p:txBody>
-          <a:bodyPr wrap="square" rtlCol="0">
-            <a:spAutoFit/>
-          </a:bodyPr>
-          <a:lstStyle/>
-          <a:p>
+            <a:ext cx="11038967" cy="584775"/>
+          </a:xfrm>
+          <a:prstGeom prst="rect">
+            <a:avLst/>
+          </a:prstGeom>
+          <a:noFill/>
+        </p:spPr>
+        <p:txBody>
+          <a:bodyPr wrap="square" rtlCol="0">
+            <a:spAutoFit/>
+          </a:bodyPr>
+          <a:lstStyle/>
+          <a:p>
+            <a:r>
+              <a:rPr lang="en-US" sz="3200" b="1" dirty="0">
+                <a:solidFill>
+                  <a:schemeClr val="bg1"/>
+                </a:solidFill>
+              </a:rPr>
+              <a:t>File Operations – </a:t>
+            </a:r>
             <a:r>
               <a:rPr lang="en-US" sz="3200" b="1" dirty="0" smtClean="0">
                 <a:solidFill>
                   <a:schemeClr val="bg1"/>
                 </a:solidFill>
               </a:rPr>
-              <a:t>File I/O (Prior to SE7)</a:t>
+              <a:t>Working with directories</a:t>
             </a:r>
             <a:endParaRPr lang="en-US" sz="3200" b="1" dirty="0">
               <a:solidFill>
@@ -28001,53 +28379,64 @@
         </p:nvSpPr>
         <p:spPr>
           <a:xfrm>
-            <a:off x="591671" y="1315670"/>
-            <a:ext cx="9197788" cy="523220"/>
-          </a:xfrm>
-          <a:prstGeom prst="rect">
-            <a:avLst/>
-          </a:prstGeom>
-          <a:noFill/>
-        </p:spPr>
-        <p:txBody>
-          <a:bodyPr wrap="square" rtlCol="0">
-            <a:spAutoFit/>
-          </a:bodyPr>
-          <a:lstStyle/>
-          <a:p>
-            <a:r>
-              <a:rPr lang="en-US" sz="2800" i="1" dirty="0">
-                <a:solidFill>
-                  <a:schemeClr val="bg1"/>
-                </a:solidFill>
-              </a:rPr>
-              <a:t>Mapping </a:t>
-            </a:r>
-            <a:r>
-              <a:rPr lang="en-US" sz="2800" i="1" dirty="0" err="1">
-                <a:solidFill>
-                  <a:schemeClr val="bg1"/>
-                </a:solidFill>
-              </a:rPr>
-              <a:t>java.io.File</a:t>
-            </a:r>
-            <a:r>
-              <a:rPr lang="en-US" sz="2800" i="1" dirty="0">
-                <a:solidFill>
-                  <a:schemeClr val="bg1"/>
-                </a:solidFill>
-              </a:rPr>
-              <a:t> Functionality to </a:t>
-            </a:r>
-            <a:r>
-              <a:rPr lang="en-US" sz="2800" i="1" dirty="0" err="1">
-                <a:solidFill>
-                  <a:schemeClr val="bg1"/>
-                </a:solidFill>
-              </a:rPr>
-              <a:t>java.nio.file</a:t>
-            </a:r>
-            <a:endParaRPr lang="en-US" sz="2800" i="1" dirty="0">
+            <a:off x="557897" y="1194911"/>
+            <a:ext cx="9668436" cy="707886"/>
+          </a:xfrm>
+          <a:prstGeom prst="rect">
+            <a:avLst/>
+          </a:prstGeom>
+          <a:noFill/>
+        </p:spPr>
+        <p:txBody>
+          <a:bodyPr wrap="square" rtlCol="0">
+            <a:spAutoFit/>
+          </a:bodyPr>
+          <a:lstStyle/>
+          <a:p>
+            <a:pPr marL="914400" lvl="3"/>
+            <a:endParaRPr lang="en-US" sz="2000" dirty="0">
+              <a:solidFill>
+                <a:srgbClr val="C00000"/>
+              </a:solidFill>
+            </a:endParaRPr>
+          </a:p>
+          <a:p>
+            <a:pPr marL="914400" lvl="3"/>
+            <a:endParaRPr lang="en-US" sz="2000" dirty="0">
+              <a:solidFill>
+                <a:srgbClr val="C00000"/>
+              </a:solidFill>
+            </a:endParaRPr>
+          </a:p>
+        </p:txBody>
+      </p:sp>
+      <p:sp>
+        <p:nvSpPr>
+          <p:cNvPr id="11" name="TextBox 10"/>
+          <p:cNvSpPr txBox="1"/>
+          <p:nvPr/>
+        </p:nvSpPr>
+        <p:spPr>
+          <a:xfrm>
+            <a:off x="557897" y="1315670"/>
+            <a:ext cx="10429102" cy="400110"/>
+          </a:xfrm>
+          <a:prstGeom prst="rect">
+            <a:avLst/>
+          </a:prstGeom>
+          <a:noFill/>
+        </p:spPr>
+        <p:txBody>
+          <a:bodyPr wrap="square" rtlCol="0">
+            <a:spAutoFit/>
+          </a:bodyPr>
+          <a:lstStyle/>
+          <a:p>
+            <a:pPr marL="285750" indent="-285750">
+              <a:buFont typeface="Arial" panose="020B0604020202020204" pitchFamily="34" charset="0"/>
+              <a:buChar char="•"/>
+            </a:pPr>
+            <a:endParaRPr lang="en-US" sz="2000" dirty="0">
               <a:solidFill>
                 <a:schemeClr val="bg1"/>
               </a:solidFill>
@@ -28055,34 +28444,344 @@
           </a:p>
         </p:txBody>
       </p:sp>
-      <p:pic>
-        <p:nvPicPr>
-          <p:cNvPr id="11" name="Picture 10"/>
-          <p:cNvPicPr>
-            <a:picLocks noChangeAspect="1"/>
-          </p:cNvPicPr>
-          <p:nvPr/>
-        </p:nvPicPr>
-        <p:blipFill>
-          <a:blip r:embed="rId2"/>
-          <a:stretch>
-            <a:fillRect/>
-          </a:stretch>
-        </p:blipFill>
-        <p:spPr>
-          <a:xfrm>
-            <a:off x="591671" y="1814286"/>
-            <a:ext cx="9704927" cy="4852594"/>
-          </a:xfrm>
-          <a:prstGeom prst="rect">
-            <a:avLst/>
-          </a:prstGeom>
-        </p:spPr>
-      </p:pic>
+      <p:sp>
+        <p:nvSpPr>
+          <p:cNvPr id="13" name="TextBox 12"/>
+          <p:cNvSpPr txBox="1"/>
+          <p:nvPr/>
+        </p:nvSpPr>
+        <p:spPr>
+          <a:xfrm>
+            <a:off x="2689412" y="4504765"/>
+            <a:ext cx="184731" cy="369332"/>
+          </a:xfrm>
+          <a:prstGeom prst="rect">
+            <a:avLst/>
+          </a:prstGeom>
+          <a:noFill/>
+        </p:spPr>
+        <p:txBody>
+          <a:bodyPr wrap="none" rtlCol="0">
+            <a:spAutoFit/>
+          </a:bodyPr>
+          <a:lstStyle/>
+          <a:p>
+            <a:endParaRPr lang="en-US" dirty="0"/>
+          </a:p>
+        </p:txBody>
+      </p:sp>
+      <p:sp>
+        <p:nvSpPr>
+          <p:cNvPr id="14" name="TextBox 13"/>
+          <p:cNvSpPr txBox="1"/>
+          <p:nvPr/>
+        </p:nvSpPr>
+        <p:spPr>
+          <a:xfrm>
+            <a:off x="557897" y="1425388"/>
+            <a:ext cx="11074124" cy="5262979"/>
+          </a:xfrm>
+          <a:prstGeom prst="rect">
+            <a:avLst/>
+          </a:prstGeom>
+          <a:noFill/>
+        </p:spPr>
+        <p:txBody>
+          <a:bodyPr wrap="square" rtlCol="0">
+            <a:spAutoFit/>
+          </a:bodyPr>
+          <a:lstStyle/>
+          <a:p>
+            <a:pPr marL="800100" lvl="1" indent="-342900">
+              <a:buFont typeface="Arial" panose="020B0604020202020204" pitchFamily="34" charset="0"/>
+              <a:buChar char="•"/>
+            </a:pPr>
+            <a:r>
+              <a:rPr lang="en-US" sz="2400" u="sng" dirty="0">
+                <a:solidFill>
+                  <a:schemeClr val="bg1"/>
+                </a:solidFill>
+              </a:rPr>
+              <a:t>Listing a File System's Root </a:t>
+            </a:r>
+            <a:r>
+              <a:rPr lang="en-US" sz="2400" u="sng" dirty="0" smtClean="0">
+                <a:solidFill>
+                  <a:schemeClr val="bg1"/>
+                </a:solidFill>
+              </a:rPr>
+              <a:t>Directories</a:t>
+            </a:r>
+          </a:p>
+          <a:p>
+            <a:pPr lvl="1"/>
+            <a:r>
+              <a:rPr lang="en-US" sz="2400" dirty="0" smtClean="0">
+                <a:solidFill>
+                  <a:schemeClr val="bg1"/>
+                </a:solidFill>
+              </a:rPr>
+              <a:t>	Ex:</a:t>
+            </a:r>
+          </a:p>
+          <a:p>
+            <a:pPr lvl="3"/>
+            <a:r>
+              <a:rPr lang="en-US" sz="2400" dirty="0" err="1">
+                <a:solidFill>
+                  <a:srgbClr val="C00000"/>
+                </a:solidFill>
+              </a:rPr>
+              <a:t>Iterable</a:t>
+            </a:r>
+            <a:r>
+              <a:rPr lang="en-US" sz="2400" dirty="0">
+                <a:solidFill>
+                  <a:srgbClr val="C00000"/>
+                </a:solidFill>
+              </a:rPr>
+              <a:t>&lt;Path&gt; </a:t>
+            </a:r>
+            <a:r>
+              <a:rPr lang="en-US" sz="2400" dirty="0" err="1">
+                <a:solidFill>
+                  <a:srgbClr val="C00000"/>
+                </a:solidFill>
+              </a:rPr>
+              <a:t>dirs</a:t>
+            </a:r>
+            <a:r>
+              <a:rPr lang="en-US" sz="2400" dirty="0">
+                <a:solidFill>
+                  <a:srgbClr val="C00000"/>
+                </a:solidFill>
+              </a:rPr>
+              <a:t> = </a:t>
+            </a:r>
+            <a:r>
+              <a:rPr lang="en-US" sz="2400" dirty="0" err="1">
+                <a:solidFill>
+                  <a:srgbClr val="C00000"/>
+                </a:solidFill>
+              </a:rPr>
+              <a:t>FileSystems.getDefault</a:t>
+            </a:r>
+            <a:r>
+              <a:rPr lang="en-US" sz="2400" dirty="0">
+                <a:solidFill>
+                  <a:srgbClr val="C00000"/>
+                </a:solidFill>
+              </a:rPr>
+              <a:t>().</a:t>
+            </a:r>
+            <a:r>
+              <a:rPr lang="en-US" sz="2400" dirty="0" err="1">
+                <a:solidFill>
+                  <a:srgbClr val="C00000"/>
+                </a:solidFill>
+              </a:rPr>
+              <a:t>getRootDirectories</a:t>
+            </a:r>
+            <a:r>
+              <a:rPr lang="en-US" sz="2400" dirty="0">
+                <a:solidFill>
+                  <a:srgbClr val="C00000"/>
+                </a:solidFill>
+              </a:rPr>
+              <a:t>();</a:t>
+            </a:r>
+          </a:p>
+          <a:p>
+            <a:pPr lvl="3"/>
+            <a:r>
+              <a:rPr lang="en-US" sz="2400" dirty="0">
+                <a:solidFill>
+                  <a:srgbClr val="C00000"/>
+                </a:solidFill>
+              </a:rPr>
+              <a:t>for (Path name: </a:t>
+            </a:r>
+            <a:r>
+              <a:rPr lang="en-US" sz="2400" dirty="0" err="1">
+                <a:solidFill>
+                  <a:srgbClr val="C00000"/>
+                </a:solidFill>
+              </a:rPr>
+              <a:t>dirs</a:t>
+            </a:r>
+            <a:r>
+              <a:rPr lang="en-US" sz="2400" dirty="0">
+                <a:solidFill>
+                  <a:srgbClr val="C00000"/>
+                </a:solidFill>
+              </a:rPr>
+              <a:t>) {</a:t>
+            </a:r>
+          </a:p>
+          <a:p>
+            <a:pPr lvl="3"/>
+            <a:r>
+              <a:rPr lang="en-US" sz="2400" dirty="0">
+                <a:solidFill>
+                  <a:srgbClr val="C00000"/>
+                </a:solidFill>
+              </a:rPr>
+              <a:t>    </a:t>
+            </a:r>
+            <a:r>
+              <a:rPr lang="en-US" sz="2400" dirty="0" err="1">
+                <a:solidFill>
+                  <a:srgbClr val="C00000"/>
+                </a:solidFill>
+              </a:rPr>
+              <a:t>System.err.println</a:t>
+            </a:r>
+            <a:r>
+              <a:rPr lang="en-US" sz="2400" dirty="0">
+                <a:solidFill>
+                  <a:srgbClr val="C00000"/>
+                </a:solidFill>
+              </a:rPr>
+              <a:t>(name);</a:t>
+            </a:r>
+          </a:p>
+          <a:p>
+            <a:pPr lvl="3"/>
+            <a:r>
+              <a:rPr lang="en-US" sz="2400" dirty="0" smtClean="0">
+                <a:solidFill>
+                  <a:srgbClr val="C00000"/>
+                </a:solidFill>
+              </a:rPr>
+              <a:t>}</a:t>
+            </a:r>
+          </a:p>
+          <a:p>
+            <a:pPr lvl="3"/>
+            <a:endParaRPr lang="en-US" sz="2400" dirty="0">
+              <a:solidFill>
+                <a:srgbClr val="C00000"/>
+              </a:solidFill>
+            </a:endParaRPr>
+          </a:p>
+          <a:p>
+            <a:pPr marL="806450" lvl="3" indent="-349250">
+              <a:buFont typeface="Arial" panose="020B0604020202020204" pitchFamily="34" charset="0"/>
+              <a:buChar char="•"/>
+            </a:pPr>
+            <a:r>
+              <a:rPr lang="en-US" sz="2400" u="sng" dirty="0">
+                <a:solidFill>
+                  <a:schemeClr val="bg1"/>
+                </a:solidFill>
+              </a:rPr>
+              <a:t>Creating a </a:t>
+            </a:r>
+            <a:r>
+              <a:rPr lang="en-US" sz="2400" u="sng" dirty="0" smtClean="0">
+                <a:solidFill>
+                  <a:schemeClr val="bg1"/>
+                </a:solidFill>
+              </a:rPr>
+              <a:t>Directory</a:t>
+            </a:r>
+          </a:p>
+          <a:p>
+            <a:pPr marL="914400" lvl="4"/>
+            <a:r>
+              <a:rPr lang="en-US" sz="2400" dirty="0" smtClean="0">
+                <a:solidFill>
+                  <a:schemeClr val="bg1"/>
+                </a:solidFill>
+              </a:rPr>
+              <a:t>Ex:</a:t>
+            </a:r>
+          </a:p>
+          <a:p>
+            <a:pPr marL="1371600" lvl="5"/>
+            <a:r>
+              <a:rPr lang="en-US" sz="2400" dirty="0">
+                <a:solidFill>
+                  <a:srgbClr val="C00000"/>
+                </a:solidFill>
+              </a:rPr>
+              <a:t>Path </a:t>
+            </a:r>
+            <a:r>
+              <a:rPr lang="en-US" sz="2400" dirty="0" err="1">
+                <a:solidFill>
+                  <a:srgbClr val="C00000"/>
+                </a:solidFill>
+              </a:rPr>
+              <a:t>dir</a:t>
+            </a:r>
+            <a:r>
+              <a:rPr lang="en-US" sz="2400" dirty="0">
+                <a:solidFill>
+                  <a:srgbClr val="C00000"/>
+                </a:solidFill>
+              </a:rPr>
+              <a:t> = ...;</a:t>
+            </a:r>
+          </a:p>
+          <a:p>
+            <a:pPr marL="1371600" lvl="5"/>
+            <a:r>
+              <a:rPr lang="en-US" sz="2400" dirty="0" err="1">
+                <a:solidFill>
+                  <a:srgbClr val="C00000"/>
+                </a:solidFill>
+              </a:rPr>
+              <a:t>Files.createDirectory</a:t>
+            </a:r>
+            <a:r>
+              <a:rPr lang="en-US" sz="2400" dirty="0">
+                <a:solidFill>
+                  <a:srgbClr val="C00000"/>
+                </a:solidFill>
+              </a:rPr>
+              <a:t>(path);</a:t>
+            </a:r>
+          </a:p>
+          <a:p>
+            <a:pPr marL="806450" lvl="3" indent="-349250">
+              <a:buFont typeface="Arial" panose="020B0604020202020204" pitchFamily="34" charset="0"/>
+              <a:buChar char="•"/>
+            </a:pPr>
+            <a:endParaRPr lang="en-US" sz="2400" dirty="0" smtClean="0">
+              <a:solidFill>
+                <a:srgbClr val="C00000"/>
+              </a:solidFill>
+            </a:endParaRPr>
+          </a:p>
+          <a:p>
+            <a:pPr marL="806450" lvl="3" indent="-349250">
+              <a:buFont typeface="Arial" panose="020B0604020202020204" pitchFamily="34" charset="0"/>
+              <a:buChar char="•"/>
+            </a:pPr>
+            <a:endParaRPr lang="en-US" sz="2400" dirty="0">
+              <a:solidFill>
+                <a:srgbClr val="C00000"/>
+              </a:solidFill>
+            </a:endParaRPr>
+          </a:p>
+          <a:p>
+            <a:pPr marL="806450" lvl="3" indent="-349250">
+              <a:buFont typeface="Arial" panose="020B0604020202020204" pitchFamily="34" charset="0"/>
+              <a:buChar char="•"/>
+            </a:pPr>
+            <a:endParaRPr lang="en-US" sz="2400" dirty="0">
+              <a:solidFill>
+                <a:srgbClr val="C00000"/>
+              </a:solidFill>
+            </a:endParaRPr>
+          </a:p>
+        </p:txBody>
+      </p:sp>
     </p:spTree>
     <p:extLst>
       <p:ext uri="{BB962C8B-B14F-4D97-AF65-F5344CB8AC3E}">
-        <p14:creationId xmlns:p14="http://schemas.microsoft.com/office/powerpoint/2010/main" val="656930572"/>
+        <p14:creationId xmlns:p14="http://schemas.microsoft.com/office/powerpoint/2010/main" val="2492462390"/>
       </p:ext>
     </p:extLst>
   </p:cSld>
@@ -28278,26 +28977,34 @@
         <p:spPr>
           <a:xfrm>
             <a:off x="444820" y="390569"/>
-            <a:ext cx="5650139" cy="584775"/>
-          </a:xfrm>
-          <a:prstGeom prst="rect">
-            <a:avLst/>
-          </a:prstGeom>
-          <a:noFill/>
-        </p:spPr>
-        <p:txBody>
-          <a:bodyPr wrap="square" rtlCol="0">
-            <a:spAutoFit/>
-          </a:bodyPr>
-          <a:lstStyle/>
-          <a:p>
+            <a:ext cx="11038967" cy="584775"/>
+          </a:xfrm>
+          <a:prstGeom prst="rect">
+            <a:avLst/>
+          </a:prstGeom>
+          <a:noFill/>
+        </p:spPr>
+        <p:txBody>
+          <a:bodyPr wrap="square" rtlCol="0">
+            <a:spAutoFit/>
+          </a:bodyPr>
+          <a:lstStyle/>
+          <a:p>
+            <a:r>
+              <a:rPr lang="en-US" sz="3200" b="1" dirty="0">
+                <a:solidFill>
+                  <a:schemeClr val="bg1"/>
+                </a:solidFill>
+              </a:rPr>
+              <a:t>File Operations – </a:t>
+            </a:r>
             <a:r>
               <a:rPr lang="en-US" sz="3200" b="1" dirty="0" smtClean="0">
                 <a:solidFill>
                   <a:schemeClr val="bg1"/>
                 </a:solidFill>
               </a:rPr>
-              <a:t>File I/O (Prior to SE7)…….</a:t>
+              <a:t>Working with directories</a:t>
             </a:r>
             <a:endParaRPr lang="en-US" sz="3200" b="1" dirty="0">
               <a:solidFill>
@@ -28397,34 +29104,614 @@
           </a:p>
         </p:txBody>
       </p:sp>
-      <p:pic>
-        <p:nvPicPr>
-          <p:cNvPr id="12" name="Picture 11"/>
-          <p:cNvPicPr>
-            <a:picLocks noChangeAspect="1"/>
-          </p:cNvPicPr>
-          <p:nvPr/>
-        </p:nvPicPr>
-        <p:blipFill>
-          <a:blip r:embed="rId2"/>
-          <a:stretch>
-            <a:fillRect/>
-          </a:stretch>
-        </p:blipFill>
-        <p:spPr>
-          <a:xfrm>
-            <a:off x="444819" y="1372762"/>
-            <a:ext cx="11495038" cy="4449813"/>
-          </a:xfrm>
-          <a:prstGeom prst="rect">
-            <a:avLst/>
-          </a:prstGeom>
-        </p:spPr>
-      </p:pic>
+      <p:sp>
+        <p:nvSpPr>
+          <p:cNvPr id="3" name="TextBox 2"/>
+          <p:cNvSpPr txBox="1"/>
+          <p:nvPr/>
+        </p:nvSpPr>
+        <p:spPr>
+          <a:xfrm>
+            <a:off x="557897" y="1194911"/>
+            <a:ext cx="9668436" cy="707886"/>
+          </a:xfrm>
+          <a:prstGeom prst="rect">
+            <a:avLst/>
+          </a:prstGeom>
+          <a:noFill/>
+        </p:spPr>
+        <p:txBody>
+          <a:bodyPr wrap="square" rtlCol="0">
+            <a:spAutoFit/>
+          </a:bodyPr>
+          <a:lstStyle/>
+          <a:p>
+            <a:pPr marL="914400" lvl="3"/>
+            <a:endParaRPr lang="en-US" sz="2000" dirty="0">
+              <a:solidFill>
+                <a:srgbClr val="C00000"/>
+              </a:solidFill>
+            </a:endParaRPr>
+          </a:p>
+          <a:p>
+            <a:pPr marL="914400" lvl="3"/>
+            <a:endParaRPr lang="en-US" sz="2000" dirty="0">
+              <a:solidFill>
+                <a:srgbClr val="C00000"/>
+              </a:solidFill>
+            </a:endParaRPr>
+          </a:p>
+        </p:txBody>
+      </p:sp>
+      <p:sp>
+        <p:nvSpPr>
+          <p:cNvPr id="11" name="TextBox 10"/>
+          <p:cNvSpPr txBox="1"/>
+          <p:nvPr/>
+        </p:nvSpPr>
+        <p:spPr>
+          <a:xfrm>
+            <a:off x="557897" y="1315670"/>
+            <a:ext cx="10429102" cy="400110"/>
+          </a:xfrm>
+          <a:prstGeom prst="rect">
+            <a:avLst/>
+          </a:prstGeom>
+          <a:noFill/>
+        </p:spPr>
+        <p:txBody>
+          <a:bodyPr wrap="square" rtlCol="0">
+            <a:spAutoFit/>
+          </a:bodyPr>
+          <a:lstStyle/>
+          <a:p>
+            <a:pPr marL="285750" indent="-285750">
+              <a:buFont typeface="Arial" panose="020B0604020202020204" pitchFamily="34" charset="0"/>
+              <a:buChar char="•"/>
+            </a:pPr>
+            <a:endParaRPr lang="en-US" sz="2000" dirty="0">
+              <a:solidFill>
+                <a:schemeClr val="bg1"/>
+              </a:solidFill>
+            </a:endParaRPr>
+          </a:p>
+        </p:txBody>
+      </p:sp>
+      <p:sp>
+        <p:nvSpPr>
+          <p:cNvPr id="13" name="TextBox 12"/>
+          <p:cNvSpPr txBox="1"/>
+          <p:nvPr/>
+        </p:nvSpPr>
+        <p:spPr>
+          <a:xfrm>
+            <a:off x="2689412" y="4504765"/>
+            <a:ext cx="184731" cy="369332"/>
+          </a:xfrm>
+          <a:prstGeom prst="rect">
+            <a:avLst/>
+          </a:prstGeom>
+          <a:noFill/>
+        </p:spPr>
+        <p:txBody>
+          <a:bodyPr wrap="none" rtlCol="0">
+            <a:spAutoFit/>
+          </a:bodyPr>
+          <a:lstStyle/>
+          <a:p>
+            <a:endParaRPr lang="en-US" dirty="0"/>
+          </a:p>
+        </p:txBody>
+      </p:sp>
+      <p:sp>
+        <p:nvSpPr>
+          <p:cNvPr id="14" name="TextBox 13"/>
+          <p:cNvSpPr txBox="1"/>
+          <p:nvPr/>
+        </p:nvSpPr>
+        <p:spPr>
+          <a:xfrm>
+            <a:off x="155575" y="1132114"/>
+            <a:ext cx="11664390" cy="6186309"/>
+          </a:xfrm>
+          <a:prstGeom prst="rect">
+            <a:avLst/>
+          </a:prstGeom>
+          <a:noFill/>
+        </p:spPr>
+        <p:txBody>
+          <a:bodyPr wrap="square" rtlCol="0">
+            <a:spAutoFit/>
+          </a:bodyPr>
+          <a:lstStyle/>
+          <a:p>
+            <a:pPr marL="806450" lvl="3" indent="-349250">
+              <a:buFont typeface="Arial" panose="020B0604020202020204" pitchFamily="34" charset="0"/>
+              <a:buChar char="•"/>
+            </a:pPr>
+            <a:r>
+              <a:rPr lang="en-US" sz="2800" u="sng" dirty="0" smtClean="0">
+                <a:solidFill>
+                  <a:schemeClr val="bg1"/>
+                </a:solidFill>
+              </a:rPr>
+              <a:t>Creating a Temporary Directory</a:t>
+            </a:r>
+          </a:p>
+          <a:p>
+            <a:pPr marL="1263650" lvl="4" indent="-349250">
+              <a:buFont typeface="Arial" panose="020B0604020202020204" pitchFamily="34" charset="0"/>
+              <a:buChar char="•"/>
+            </a:pPr>
+            <a:r>
+              <a:rPr lang="en-US" sz="2400" i="1" dirty="0" smtClean="0">
+                <a:solidFill>
+                  <a:schemeClr val="bg1"/>
+                </a:solidFill>
+              </a:rPr>
+              <a:t>createTempDirectory(Path, String, FileAttribute&lt;?&gt;...)</a:t>
+            </a:r>
+          </a:p>
+          <a:p>
+            <a:pPr marL="1263650" lvl="4" indent="-349250">
+              <a:buFont typeface="Arial" panose="020B0604020202020204" pitchFamily="34" charset="0"/>
+              <a:buChar char="•"/>
+            </a:pPr>
+            <a:r>
+              <a:rPr lang="en-US" sz="2400" i="1" dirty="0" smtClean="0">
+                <a:solidFill>
+                  <a:schemeClr val="bg1"/>
+                </a:solidFill>
+              </a:rPr>
+              <a:t>createTempDirectory(String, FileAttribute&lt;?&gt;...)</a:t>
+            </a:r>
+          </a:p>
+          <a:p>
+            <a:pPr marL="1263650" lvl="4" indent="-349250">
+              <a:buFont typeface="Arial" panose="020B0604020202020204" pitchFamily="34" charset="0"/>
+              <a:buChar char="•"/>
+            </a:pPr>
+            <a:endParaRPr lang="en-US" sz="2400" i="1" dirty="0">
+              <a:solidFill>
+                <a:schemeClr val="bg1"/>
+              </a:solidFill>
+            </a:endParaRPr>
+          </a:p>
+          <a:p>
+            <a:pPr marL="806450" lvl="4" indent="-349250">
+              <a:buFont typeface="Arial" panose="020B0604020202020204" pitchFamily="34" charset="0"/>
+              <a:buChar char="•"/>
+            </a:pPr>
+            <a:r>
+              <a:rPr lang="en-US" sz="2800" i="1" u="sng" dirty="0" smtClean="0">
+                <a:solidFill>
+                  <a:schemeClr val="bg1"/>
+                </a:solidFill>
+              </a:rPr>
+              <a:t>Listing </a:t>
+            </a:r>
+            <a:r>
+              <a:rPr lang="en-US" sz="2800" i="1" u="sng" dirty="0">
+                <a:solidFill>
+                  <a:schemeClr val="bg1"/>
+                </a:solidFill>
+              </a:rPr>
+              <a:t>a Directory's </a:t>
+            </a:r>
+            <a:r>
+              <a:rPr lang="en-US" sz="2800" i="1" u="sng" dirty="0" smtClean="0">
+                <a:solidFill>
+                  <a:schemeClr val="bg1"/>
+                </a:solidFill>
+              </a:rPr>
+              <a:t>Contents</a:t>
+            </a:r>
+          </a:p>
+          <a:p>
+            <a:pPr marL="1257300" lvl="5" indent="-342900">
+              <a:buFont typeface="Arial" panose="020B0604020202020204" pitchFamily="34" charset="0"/>
+              <a:buChar char="•"/>
+            </a:pPr>
+            <a:r>
+              <a:rPr lang="en-US" sz="2400" dirty="0" smtClean="0">
+                <a:solidFill>
+                  <a:schemeClr val="bg1"/>
+                </a:solidFill>
+              </a:rPr>
+              <a:t>Use </a:t>
+            </a:r>
+            <a:r>
+              <a:rPr lang="en-US" sz="2400" i="1" dirty="0" err="1" smtClean="0">
+                <a:solidFill>
+                  <a:schemeClr val="bg1"/>
+                </a:solidFill>
+              </a:rPr>
+              <a:t>Files.newDirectoryStream</a:t>
+            </a:r>
+            <a:r>
+              <a:rPr lang="en-US" sz="2400" i="1" dirty="0" smtClean="0">
+                <a:solidFill>
+                  <a:schemeClr val="bg1"/>
+                </a:solidFill>
+              </a:rPr>
+              <a:t>(Path</a:t>
+            </a:r>
+            <a:r>
+              <a:rPr lang="en-US" sz="2400" i="1" dirty="0">
+                <a:solidFill>
+                  <a:schemeClr val="bg1"/>
+                </a:solidFill>
+              </a:rPr>
+              <a:t>)</a:t>
+            </a:r>
+            <a:r>
+              <a:rPr lang="en-US" sz="2400" dirty="0">
+                <a:solidFill>
+                  <a:schemeClr val="bg1"/>
+                </a:solidFill>
+              </a:rPr>
+              <a:t> </a:t>
+            </a:r>
+            <a:r>
+              <a:rPr lang="en-US" sz="2400" dirty="0" smtClean="0">
+                <a:solidFill>
+                  <a:schemeClr val="bg1"/>
+                </a:solidFill>
+              </a:rPr>
+              <a:t>method.</a:t>
+            </a:r>
+            <a:endParaRPr lang="en-US" sz="2400" dirty="0">
+              <a:solidFill>
+                <a:schemeClr val="bg1"/>
+              </a:solidFill>
+            </a:endParaRPr>
+          </a:p>
+          <a:p>
+            <a:pPr marL="1263650" lvl="5" indent="-349250">
+              <a:buFont typeface="Arial" panose="020B0604020202020204" pitchFamily="34" charset="0"/>
+              <a:buChar char="•"/>
+            </a:pPr>
+            <a:r>
+              <a:rPr lang="en-US" sz="2400" dirty="0">
+                <a:solidFill>
+                  <a:schemeClr val="bg1"/>
+                </a:solidFill>
+              </a:rPr>
+              <a:t>This method returns an object that implements the </a:t>
+            </a:r>
+            <a:r>
+              <a:rPr lang="en-US" sz="2400" dirty="0" err="1">
+                <a:solidFill>
+                  <a:schemeClr val="bg1"/>
+                </a:solidFill>
+              </a:rPr>
+              <a:t>DirectoryStream</a:t>
+            </a:r>
+            <a:r>
+              <a:rPr lang="en-US" sz="2400" dirty="0">
+                <a:solidFill>
+                  <a:schemeClr val="bg1"/>
+                </a:solidFill>
+              </a:rPr>
+              <a:t> </a:t>
+            </a:r>
+            <a:r>
+              <a:rPr lang="en-US" sz="2400" dirty="0" smtClean="0">
+                <a:solidFill>
+                  <a:schemeClr val="bg1"/>
+                </a:solidFill>
+              </a:rPr>
+              <a:t>interface.</a:t>
+            </a:r>
+          </a:p>
+          <a:p>
+            <a:pPr marL="1263650" lvl="5" indent="-349250">
+              <a:buFont typeface="Arial" panose="020B0604020202020204" pitchFamily="34" charset="0"/>
+              <a:buChar char="•"/>
+            </a:pPr>
+            <a:r>
+              <a:rPr lang="en-US" sz="2400" dirty="0">
+                <a:solidFill>
+                  <a:schemeClr val="bg1"/>
+                </a:solidFill>
+              </a:rPr>
+              <a:t>The returned </a:t>
+            </a:r>
+            <a:r>
+              <a:rPr lang="en-US" sz="2400" dirty="0" err="1">
+                <a:solidFill>
+                  <a:schemeClr val="bg1"/>
+                </a:solidFill>
+              </a:rPr>
+              <a:t>DirectoryStream</a:t>
+            </a:r>
+            <a:r>
+              <a:rPr lang="en-US" sz="2400" dirty="0">
+                <a:solidFill>
+                  <a:schemeClr val="bg1"/>
+                </a:solidFill>
+              </a:rPr>
+              <a:t> is a stream. If you are not using a try-with-resources statement, don't forget to close the stream in the finally </a:t>
+            </a:r>
+            <a:r>
+              <a:rPr lang="en-US" sz="2400" dirty="0" smtClean="0">
+                <a:solidFill>
+                  <a:schemeClr val="bg1"/>
+                </a:solidFill>
+              </a:rPr>
+              <a:t>block</a:t>
+            </a:r>
+          </a:p>
+          <a:p>
+            <a:pPr marL="1371600" lvl="6"/>
+            <a:r>
+              <a:rPr lang="en-US" dirty="0" smtClean="0">
+                <a:solidFill>
+                  <a:srgbClr val="C00000"/>
+                </a:solidFill>
+              </a:rPr>
+              <a:t>Path </a:t>
+            </a:r>
+            <a:r>
+              <a:rPr lang="en-US" dirty="0" err="1">
+                <a:solidFill>
+                  <a:srgbClr val="C00000"/>
+                </a:solidFill>
+              </a:rPr>
+              <a:t>dir</a:t>
+            </a:r>
+            <a:r>
+              <a:rPr lang="en-US" dirty="0">
+                <a:solidFill>
+                  <a:srgbClr val="C00000"/>
+                </a:solidFill>
+              </a:rPr>
+              <a:t> = ...;</a:t>
+            </a:r>
+          </a:p>
+          <a:p>
+            <a:pPr marL="1371600" lvl="6"/>
+            <a:r>
+              <a:rPr lang="en-US" dirty="0">
+                <a:solidFill>
+                  <a:srgbClr val="C00000"/>
+                </a:solidFill>
+              </a:rPr>
+              <a:t>try (</a:t>
+            </a:r>
+            <a:r>
+              <a:rPr lang="en-US" dirty="0" err="1">
+                <a:solidFill>
+                  <a:srgbClr val="C00000"/>
+                </a:solidFill>
+              </a:rPr>
+              <a:t>DirectoryStream</a:t>
+            </a:r>
+            <a:r>
+              <a:rPr lang="en-US" dirty="0">
+                <a:solidFill>
+                  <a:srgbClr val="C00000"/>
+                </a:solidFill>
+              </a:rPr>
+              <a:t>&lt;Path&gt; stream = </a:t>
+            </a:r>
+            <a:r>
+              <a:rPr lang="en-US" b="1" i="1" dirty="0" err="1">
+                <a:solidFill>
+                  <a:srgbClr val="C00000"/>
+                </a:solidFill>
+              </a:rPr>
+              <a:t>Files.newDirectoryStream</a:t>
+            </a:r>
+            <a:r>
+              <a:rPr lang="en-US" b="1" i="1" dirty="0">
+                <a:solidFill>
+                  <a:srgbClr val="C00000"/>
+                </a:solidFill>
+              </a:rPr>
+              <a:t>(</a:t>
+            </a:r>
+            <a:r>
+              <a:rPr lang="en-US" b="1" i="1" dirty="0" err="1">
+                <a:solidFill>
+                  <a:srgbClr val="C00000"/>
+                </a:solidFill>
+              </a:rPr>
+              <a:t>dir</a:t>
+            </a:r>
+            <a:r>
+              <a:rPr lang="en-US" b="1" i="1" dirty="0">
+                <a:solidFill>
+                  <a:srgbClr val="C00000"/>
+                </a:solidFill>
+              </a:rPr>
+              <a:t>)</a:t>
+            </a:r>
+            <a:r>
+              <a:rPr lang="en-US" dirty="0">
+                <a:solidFill>
+                  <a:srgbClr val="C00000"/>
+                </a:solidFill>
+              </a:rPr>
+              <a:t>) {</a:t>
+            </a:r>
+          </a:p>
+          <a:p>
+            <a:pPr marL="1371600" lvl="6"/>
+            <a:r>
+              <a:rPr lang="en-US" dirty="0">
+                <a:solidFill>
+                  <a:srgbClr val="C00000"/>
+                </a:solidFill>
+              </a:rPr>
+              <a:t>    for (Path file: stream) {</a:t>
+            </a:r>
+          </a:p>
+          <a:p>
+            <a:pPr marL="1371600" lvl="6"/>
+            <a:r>
+              <a:rPr lang="en-US" dirty="0">
+                <a:solidFill>
+                  <a:srgbClr val="C00000"/>
+                </a:solidFill>
+              </a:rPr>
+              <a:t>        </a:t>
+            </a:r>
+            <a:r>
+              <a:rPr lang="en-US" dirty="0" err="1">
+                <a:solidFill>
+                  <a:srgbClr val="C00000"/>
+                </a:solidFill>
+              </a:rPr>
+              <a:t>System.out.println</a:t>
+            </a:r>
+            <a:r>
+              <a:rPr lang="en-US" dirty="0">
+                <a:solidFill>
+                  <a:srgbClr val="C00000"/>
+                </a:solidFill>
+              </a:rPr>
+              <a:t>(</a:t>
+            </a:r>
+            <a:r>
+              <a:rPr lang="en-US" dirty="0" err="1">
+                <a:solidFill>
+                  <a:srgbClr val="C00000"/>
+                </a:solidFill>
+              </a:rPr>
+              <a:t>file.getFileName</a:t>
+            </a:r>
+            <a:r>
+              <a:rPr lang="en-US" dirty="0">
+                <a:solidFill>
+                  <a:srgbClr val="C00000"/>
+                </a:solidFill>
+              </a:rPr>
+              <a:t>());</a:t>
+            </a:r>
+          </a:p>
+          <a:p>
+            <a:pPr marL="1371600" lvl="6"/>
+            <a:r>
+              <a:rPr lang="en-US" dirty="0">
+                <a:solidFill>
+                  <a:srgbClr val="C00000"/>
+                </a:solidFill>
+              </a:rPr>
+              <a:t>    }</a:t>
+            </a:r>
+          </a:p>
+          <a:p>
+            <a:pPr marL="1371600" lvl="6"/>
+            <a:r>
+              <a:rPr lang="en-US" dirty="0">
+                <a:solidFill>
+                  <a:srgbClr val="C00000"/>
+                </a:solidFill>
+              </a:rPr>
+              <a:t>} catch (</a:t>
+            </a:r>
+            <a:r>
+              <a:rPr lang="en-US" dirty="0" err="1">
+                <a:solidFill>
+                  <a:srgbClr val="C00000"/>
+                </a:solidFill>
+              </a:rPr>
+              <a:t>IOException</a:t>
+            </a:r>
+            <a:r>
+              <a:rPr lang="en-US" dirty="0">
+                <a:solidFill>
+                  <a:srgbClr val="C00000"/>
+                </a:solidFill>
+              </a:rPr>
+              <a:t> | </a:t>
+            </a:r>
+            <a:r>
+              <a:rPr lang="en-US" dirty="0" err="1">
+                <a:solidFill>
+                  <a:srgbClr val="C00000"/>
+                </a:solidFill>
+              </a:rPr>
+              <a:t>DirectoryIteratorException</a:t>
+            </a:r>
+            <a:r>
+              <a:rPr lang="en-US" dirty="0">
+                <a:solidFill>
+                  <a:srgbClr val="C00000"/>
+                </a:solidFill>
+              </a:rPr>
+              <a:t> x) {</a:t>
+            </a:r>
+          </a:p>
+          <a:p>
+            <a:pPr marL="1371600" lvl="6"/>
+            <a:r>
+              <a:rPr lang="en-US" dirty="0" smtClean="0">
+                <a:solidFill>
+                  <a:srgbClr val="C00000"/>
+                </a:solidFill>
+              </a:rPr>
+              <a:t>	</a:t>
+            </a:r>
+            <a:r>
+              <a:rPr lang="en-US" dirty="0" err="1" smtClean="0">
+                <a:solidFill>
+                  <a:srgbClr val="C00000"/>
+                </a:solidFill>
+              </a:rPr>
+              <a:t>System.err.println</a:t>
+            </a:r>
+            <a:r>
+              <a:rPr lang="en-US" dirty="0" smtClean="0">
+                <a:solidFill>
+                  <a:srgbClr val="C00000"/>
+                </a:solidFill>
+              </a:rPr>
+              <a:t>(x</a:t>
+            </a:r>
+            <a:r>
+              <a:rPr lang="en-US" dirty="0">
+                <a:solidFill>
+                  <a:srgbClr val="C00000"/>
+                </a:solidFill>
+              </a:rPr>
+              <a:t>);</a:t>
+            </a:r>
+          </a:p>
+          <a:p>
+            <a:pPr marL="1371600" lvl="6"/>
+            <a:r>
+              <a:rPr lang="en-US" dirty="0">
+                <a:solidFill>
+                  <a:srgbClr val="C00000"/>
+                </a:solidFill>
+              </a:rPr>
+              <a:t>}</a:t>
+            </a:r>
+            <a:endParaRPr lang="en-US" dirty="0" smtClean="0">
+              <a:solidFill>
+                <a:srgbClr val="C00000"/>
+              </a:solidFill>
+            </a:endParaRPr>
+          </a:p>
+          <a:p>
+            <a:pPr marL="806450" lvl="4" indent="-349250">
+              <a:buFont typeface="Arial" panose="020B0604020202020204" pitchFamily="34" charset="0"/>
+              <a:buChar char="•"/>
+            </a:pPr>
+            <a:endParaRPr lang="en-US" sz="2800" i="1" u="sng" dirty="0">
+              <a:solidFill>
+                <a:schemeClr val="bg1"/>
+              </a:solidFill>
+            </a:endParaRPr>
+          </a:p>
+        </p:txBody>
+      </p:sp>
     </p:spTree>
     <p:extLst>
       <p:ext uri="{BB962C8B-B14F-4D97-AF65-F5344CB8AC3E}">
-        <p14:creationId xmlns:p14="http://schemas.microsoft.com/office/powerpoint/2010/main" val="764176100"/>
+        <p14:creationId xmlns:p14="http://schemas.microsoft.com/office/powerpoint/2010/main" val="4174392666"/>
       </p:ext>
     </p:extLst>
   </p:cSld>
@@ -28620,26 +29907,34 @@
         <p:spPr>
           <a:xfrm>
             <a:off x="444820" y="390569"/>
-            <a:ext cx="5650139" cy="584775"/>
-          </a:xfrm>
-          <a:prstGeom prst="rect">
-            <a:avLst/>
-          </a:prstGeom>
-          <a:noFill/>
-        </p:spPr>
-        <p:txBody>
-          <a:bodyPr wrap="square" rtlCol="0">
-            <a:spAutoFit/>
-          </a:bodyPr>
-          <a:lstStyle/>
-          <a:p>
+            <a:ext cx="11038967" cy="584775"/>
+          </a:xfrm>
+          <a:prstGeom prst="rect">
+            <a:avLst/>
+          </a:prstGeom>
+          <a:noFill/>
+        </p:spPr>
+        <p:txBody>
+          <a:bodyPr wrap="square" rtlCol="0">
+            <a:spAutoFit/>
+          </a:bodyPr>
+          <a:lstStyle/>
+          <a:p>
+            <a:r>
+              <a:rPr lang="en-US" sz="3200" b="1" dirty="0">
+                <a:solidFill>
+                  <a:schemeClr val="bg1"/>
+                </a:solidFill>
+              </a:rPr>
+              <a:t>File Operations – </a:t>
+            </a:r>
             <a:r>
               <a:rPr lang="en-US" sz="3200" b="1" dirty="0" smtClean="0">
                 <a:solidFill>
                   <a:schemeClr val="bg1"/>
                 </a:solidFill>
               </a:rPr>
-              <a:t>File I/O (Prior to SE7)…….</a:t>
+              <a:t>Working with directories</a:t>
             </a:r>
             <a:endParaRPr lang="en-US" sz="3200" b="1" dirty="0">
               <a:solidFill>
@@ -28739,34 +30034,491 @@
           </a:p>
         </p:txBody>
       </p:sp>
-      <p:pic>
-        <p:nvPicPr>
-          <p:cNvPr id="11" name="Picture 10"/>
-          <p:cNvPicPr>
-            <a:picLocks noChangeAspect="1"/>
-          </p:cNvPicPr>
-          <p:nvPr/>
-        </p:nvPicPr>
-        <p:blipFill>
-          <a:blip r:embed="rId2"/>
-          <a:stretch>
-            <a:fillRect/>
-          </a:stretch>
-        </p:blipFill>
-        <p:spPr>
-          <a:xfrm>
-            <a:off x="307972" y="1315670"/>
-            <a:ext cx="11458691" cy="4950659"/>
-          </a:xfrm>
-          <a:prstGeom prst="rect">
-            <a:avLst/>
-          </a:prstGeom>
-        </p:spPr>
-      </p:pic>
+      <p:sp>
+        <p:nvSpPr>
+          <p:cNvPr id="3" name="TextBox 2"/>
+          <p:cNvSpPr txBox="1"/>
+          <p:nvPr/>
+        </p:nvSpPr>
+        <p:spPr>
+          <a:xfrm>
+            <a:off x="557897" y="1194911"/>
+            <a:ext cx="9668436" cy="707886"/>
+          </a:xfrm>
+          <a:prstGeom prst="rect">
+            <a:avLst/>
+          </a:prstGeom>
+          <a:noFill/>
+        </p:spPr>
+        <p:txBody>
+          <a:bodyPr wrap="square" rtlCol="0">
+            <a:spAutoFit/>
+          </a:bodyPr>
+          <a:lstStyle/>
+          <a:p>
+            <a:pPr marL="914400" lvl="3"/>
+            <a:endParaRPr lang="en-US" sz="2000" dirty="0">
+              <a:solidFill>
+                <a:srgbClr val="C00000"/>
+              </a:solidFill>
+            </a:endParaRPr>
+          </a:p>
+          <a:p>
+            <a:pPr marL="914400" lvl="3"/>
+            <a:endParaRPr lang="en-US" sz="2000" dirty="0">
+              <a:solidFill>
+                <a:srgbClr val="C00000"/>
+              </a:solidFill>
+            </a:endParaRPr>
+          </a:p>
+        </p:txBody>
+      </p:sp>
+      <p:sp>
+        <p:nvSpPr>
+          <p:cNvPr id="11" name="TextBox 10"/>
+          <p:cNvSpPr txBox="1"/>
+          <p:nvPr/>
+        </p:nvSpPr>
+        <p:spPr>
+          <a:xfrm>
+            <a:off x="557897" y="1315670"/>
+            <a:ext cx="10429102" cy="400110"/>
+          </a:xfrm>
+          <a:prstGeom prst="rect">
+            <a:avLst/>
+          </a:prstGeom>
+          <a:noFill/>
+        </p:spPr>
+        <p:txBody>
+          <a:bodyPr wrap="square" rtlCol="0">
+            <a:spAutoFit/>
+          </a:bodyPr>
+          <a:lstStyle/>
+          <a:p>
+            <a:pPr marL="285750" indent="-285750">
+              <a:buFont typeface="Arial" panose="020B0604020202020204" pitchFamily="34" charset="0"/>
+              <a:buChar char="•"/>
+            </a:pPr>
+            <a:endParaRPr lang="en-US" sz="2000" dirty="0">
+              <a:solidFill>
+                <a:schemeClr val="bg1"/>
+              </a:solidFill>
+            </a:endParaRPr>
+          </a:p>
+        </p:txBody>
+      </p:sp>
+      <p:sp>
+        <p:nvSpPr>
+          <p:cNvPr id="13" name="TextBox 12"/>
+          <p:cNvSpPr txBox="1"/>
+          <p:nvPr/>
+        </p:nvSpPr>
+        <p:spPr>
+          <a:xfrm>
+            <a:off x="2689412" y="4504765"/>
+            <a:ext cx="184731" cy="369332"/>
+          </a:xfrm>
+          <a:prstGeom prst="rect">
+            <a:avLst/>
+          </a:prstGeom>
+          <a:noFill/>
+        </p:spPr>
+        <p:txBody>
+          <a:bodyPr wrap="none" rtlCol="0">
+            <a:spAutoFit/>
+          </a:bodyPr>
+          <a:lstStyle/>
+          <a:p>
+            <a:endParaRPr lang="en-US" dirty="0"/>
+          </a:p>
+        </p:txBody>
+      </p:sp>
+      <p:sp>
+        <p:nvSpPr>
+          <p:cNvPr id="14" name="TextBox 13"/>
+          <p:cNvSpPr txBox="1"/>
+          <p:nvPr/>
+        </p:nvSpPr>
+        <p:spPr>
+          <a:xfrm>
+            <a:off x="155575" y="1132114"/>
+            <a:ext cx="11664390" cy="5447645"/>
+          </a:xfrm>
+          <a:prstGeom prst="rect">
+            <a:avLst/>
+          </a:prstGeom>
+          <a:noFill/>
+        </p:spPr>
+        <p:txBody>
+          <a:bodyPr wrap="square" rtlCol="0">
+            <a:spAutoFit/>
+          </a:bodyPr>
+          <a:lstStyle/>
+          <a:p>
+            <a:pPr marL="806450" lvl="4" indent="-349250">
+              <a:buFont typeface="Arial" panose="020B0604020202020204" pitchFamily="34" charset="0"/>
+              <a:buChar char="•"/>
+            </a:pPr>
+            <a:r>
+              <a:rPr lang="en-US" sz="2800" i="1" u="sng" dirty="0">
+                <a:solidFill>
+                  <a:schemeClr val="bg1"/>
+                </a:solidFill>
+              </a:rPr>
+              <a:t>Filtering a Directory Listing By Using </a:t>
+            </a:r>
+            <a:r>
+              <a:rPr lang="en-US" sz="2800" i="1" u="sng" dirty="0" err="1" smtClean="0">
+                <a:solidFill>
+                  <a:schemeClr val="bg1"/>
+                </a:solidFill>
+              </a:rPr>
+              <a:t>Globbing</a:t>
+            </a:r>
+            <a:endParaRPr lang="en-US" sz="2800" i="1" u="sng" dirty="0" smtClean="0">
+              <a:solidFill>
+                <a:schemeClr val="bg1"/>
+              </a:solidFill>
+            </a:endParaRPr>
+          </a:p>
+          <a:p>
+            <a:pPr marL="457200" lvl="4"/>
+            <a:r>
+              <a:rPr lang="en-US" sz="2800" dirty="0" smtClean="0">
+                <a:solidFill>
+                  <a:schemeClr val="bg1"/>
+                </a:solidFill>
+              </a:rPr>
+              <a:t>	Ex:</a:t>
+            </a:r>
+          </a:p>
+          <a:p>
+            <a:pPr marL="1371600" lvl="6"/>
+            <a:r>
+              <a:rPr lang="en-US" sz="2400" dirty="0">
+                <a:solidFill>
+                  <a:srgbClr val="C00000"/>
+                </a:solidFill>
+              </a:rPr>
+              <a:t>Path </a:t>
+            </a:r>
+            <a:r>
+              <a:rPr lang="en-US" sz="2400" dirty="0" err="1">
+                <a:solidFill>
+                  <a:srgbClr val="C00000"/>
+                </a:solidFill>
+              </a:rPr>
+              <a:t>dir</a:t>
+            </a:r>
+            <a:r>
+              <a:rPr lang="en-US" sz="2400" dirty="0">
+                <a:solidFill>
+                  <a:srgbClr val="C00000"/>
+                </a:solidFill>
+              </a:rPr>
+              <a:t> = ...;</a:t>
+            </a:r>
+          </a:p>
+          <a:p>
+            <a:pPr marL="1371600" lvl="6"/>
+            <a:r>
+              <a:rPr lang="en-US" sz="2400" dirty="0">
+                <a:solidFill>
+                  <a:srgbClr val="C00000"/>
+                </a:solidFill>
+              </a:rPr>
+              <a:t>try (</a:t>
+            </a:r>
+            <a:r>
+              <a:rPr lang="en-US" sz="2400" dirty="0" err="1">
+                <a:solidFill>
+                  <a:srgbClr val="C00000"/>
+                </a:solidFill>
+              </a:rPr>
+              <a:t>DirectoryStream</a:t>
+            </a:r>
+            <a:r>
+              <a:rPr lang="en-US" sz="2400" dirty="0">
+                <a:solidFill>
+                  <a:srgbClr val="C00000"/>
+                </a:solidFill>
+              </a:rPr>
+              <a:t>&lt;Path&gt; stream =</a:t>
+            </a:r>
+          </a:p>
+          <a:p>
+            <a:pPr marL="1371600" lvl="6"/>
+            <a:r>
+              <a:rPr lang="en-US" sz="2400" dirty="0">
+                <a:solidFill>
+                  <a:srgbClr val="C00000"/>
+                </a:solidFill>
+              </a:rPr>
+              <a:t>     </a:t>
+            </a:r>
+            <a:r>
+              <a:rPr lang="en-US" sz="2400" b="1" i="1" dirty="0" err="1">
+                <a:solidFill>
+                  <a:srgbClr val="C00000"/>
+                </a:solidFill>
+              </a:rPr>
+              <a:t>Files.newDirectoryStream</a:t>
+            </a:r>
+            <a:r>
+              <a:rPr lang="en-US" sz="2400" b="1" i="1" dirty="0">
+                <a:solidFill>
+                  <a:srgbClr val="C00000"/>
+                </a:solidFill>
+              </a:rPr>
+              <a:t>(</a:t>
+            </a:r>
+            <a:r>
+              <a:rPr lang="en-US" sz="2400" b="1" i="1" dirty="0" err="1">
+                <a:solidFill>
+                  <a:srgbClr val="C00000"/>
+                </a:solidFill>
+              </a:rPr>
+              <a:t>dir</a:t>
+            </a:r>
+            <a:r>
+              <a:rPr lang="en-US" sz="2400" b="1" i="1" dirty="0">
+                <a:solidFill>
+                  <a:srgbClr val="C00000"/>
+                </a:solidFill>
+              </a:rPr>
+              <a:t>, "*.{</a:t>
+            </a:r>
+            <a:r>
+              <a:rPr lang="en-US" sz="2400" b="1" i="1" dirty="0" err="1">
+                <a:solidFill>
+                  <a:srgbClr val="C00000"/>
+                </a:solidFill>
+              </a:rPr>
+              <a:t>java,class,jar</a:t>
+            </a:r>
+            <a:r>
+              <a:rPr lang="en-US" sz="2400" b="1" i="1" dirty="0">
+                <a:solidFill>
+                  <a:srgbClr val="C00000"/>
+                </a:solidFill>
+              </a:rPr>
+              <a:t>}"))</a:t>
+            </a:r>
+            <a:r>
+              <a:rPr lang="en-US" sz="2400" dirty="0">
+                <a:solidFill>
+                  <a:srgbClr val="C00000"/>
+                </a:solidFill>
+              </a:rPr>
+              <a:t> {</a:t>
+            </a:r>
+          </a:p>
+          <a:p>
+            <a:pPr marL="1371600" lvl="6"/>
+            <a:r>
+              <a:rPr lang="en-US" sz="2400" dirty="0">
+                <a:solidFill>
+                  <a:srgbClr val="C00000"/>
+                </a:solidFill>
+              </a:rPr>
+              <a:t>    for (Path entry: stream) {</a:t>
+            </a:r>
+          </a:p>
+          <a:p>
+            <a:pPr marL="1371600" lvl="6"/>
+            <a:r>
+              <a:rPr lang="en-US" sz="2400" dirty="0">
+                <a:solidFill>
+                  <a:srgbClr val="C00000"/>
+                </a:solidFill>
+              </a:rPr>
+              <a:t>        </a:t>
+            </a:r>
+            <a:r>
+              <a:rPr lang="en-US" sz="2400" dirty="0" err="1">
+                <a:solidFill>
+                  <a:srgbClr val="C00000"/>
+                </a:solidFill>
+              </a:rPr>
+              <a:t>System.out.println</a:t>
+            </a:r>
+            <a:r>
+              <a:rPr lang="en-US" sz="2400" dirty="0">
+                <a:solidFill>
+                  <a:srgbClr val="C00000"/>
+                </a:solidFill>
+              </a:rPr>
+              <a:t>(</a:t>
+            </a:r>
+            <a:r>
+              <a:rPr lang="en-US" sz="2400" dirty="0" err="1">
+                <a:solidFill>
+                  <a:srgbClr val="C00000"/>
+                </a:solidFill>
+              </a:rPr>
+              <a:t>entry.getFileName</a:t>
+            </a:r>
+            <a:r>
+              <a:rPr lang="en-US" sz="2400" dirty="0">
+                <a:solidFill>
+                  <a:srgbClr val="C00000"/>
+                </a:solidFill>
+              </a:rPr>
+              <a:t>());</a:t>
+            </a:r>
+          </a:p>
+          <a:p>
+            <a:pPr marL="1371600" lvl="6"/>
+            <a:r>
+              <a:rPr lang="en-US" sz="2400" dirty="0">
+                <a:solidFill>
+                  <a:srgbClr val="C00000"/>
+                </a:solidFill>
+              </a:rPr>
+              <a:t>    }</a:t>
+            </a:r>
+          </a:p>
+          <a:p>
+            <a:pPr marL="1371600" lvl="6"/>
+            <a:r>
+              <a:rPr lang="en-US" sz="2400" dirty="0">
+                <a:solidFill>
+                  <a:srgbClr val="C00000"/>
+                </a:solidFill>
+              </a:rPr>
+              <a:t>} catch (</a:t>
+            </a:r>
+            <a:r>
+              <a:rPr lang="en-US" sz="2400" dirty="0" err="1">
+                <a:solidFill>
+                  <a:srgbClr val="C00000"/>
+                </a:solidFill>
+              </a:rPr>
+              <a:t>IOException</a:t>
+            </a:r>
+            <a:r>
+              <a:rPr lang="en-US" sz="2400" dirty="0">
+                <a:solidFill>
+                  <a:srgbClr val="C00000"/>
+                </a:solidFill>
+              </a:rPr>
+              <a:t> x) {</a:t>
+            </a:r>
+          </a:p>
+          <a:p>
+            <a:pPr marL="1371600" lvl="6"/>
+            <a:r>
+              <a:rPr lang="en-US" sz="2400" dirty="0">
+                <a:solidFill>
+                  <a:srgbClr val="C00000"/>
+                </a:solidFill>
+              </a:rPr>
+              <a:t>    // </a:t>
+            </a:r>
+            <a:r>
+              <a:rPr lang="en-US" sz="2400" dirty="0" err="1">
+                <a:solidFill>
+                  <a:srgbClr val="C00000"/>
+                </a:solidFill>
+              </a:rPr>
+              <a:t>IOException</a:t>
+            </a:r>
+            <a:r>
+              <a:rPr lang="en-US" sz="2400" dirty="0">
+                <a:solidFill>
+                  <a:srgbClr val="C00000"/>
+                </a:solidFill>
+              </a:rPr>
+              <a:t> can never be thrown by the iteration.</a:t>
+            </a:r>
+          </a:p>
+          <a:p>
+            <a:pPr marL="1371600" lvl="6"/>
+            <a:r>
+              <a:rPr lang="en-US" sz="2400" dirty="0">
+                <a:solidFill>
+                  <a:srgbClr val="C00000"/>
+                </a:solidFill>
+              </a:rPr>
+              <a:t>    // In this snippet, it can // only be thrown by </a:t>
+            </a:r>
+            <a:r>
+              <a:rPr lang="en-US" sz="2400" dirty="0" err="1">
+                <a:solidFill>
+                  <a:srgbClr val="C00000"/>
+                </a:solidFill>
+              </a:rPr>
+              <a:t>newDirectoryStream</a:t>
+            </a:r>
+            <a:r>
+              <a:rPr lang="en-US" sz="2400" dirty="0">
+                <a:solidFill>
+                  <a:srgbClr val="C00000"/>
+                </a:solidFill>
+              </a:rPr>
+              <a:t>.</a:t>
+            </a:r>
+          </a:p>
+          <a:p>
+            <a:pPr marL="1371600" lvl="6"/>
+            <a:r>
+              <a:rPr lang="en-US" sz="2400" dirty="0">
+                <a:solidFill>
+                  <a:srgbClr val="C00000"/>
+                </a:solidFill>
+              </a:rPr>
+              <a:t>    </a:t>
+            </a:r>
+            <a:r>
+              <a:rPr lang="en-US" sz="2400" dirty="0" err="1">
+                <a:solidFill>
+                  <a:srgbClr val="C00000"/>
+                </a:solidFill>
+              </a:rPr>
+              <a:t>System.err.println</a:t>
+            </a:r>
+            <a:r>
+              <a:rPr lang="en-US" sz="2400" dirty="0">
+                <a:solidFill>
+                  <a:srgbClr val="C00000"/>
+                </a:solidFill>
+              </a:rPr>
+              <a:t>(x);</a:t>
+            </a:r>
+          </a:p>
+          <a:p>
+            <a:pPr marL="1371600" lvl="6"/>
+            <a:r>
+              <a:rPr lang="en-US" sz="2400" dirty="0">
+                <a:solidFill>
+                  <a:srgbClr val="C00000"/>
+                </a:solidFill>
+              </a:rPr>
+              <a:t>}</a:t>
+            </a:r>
+            <a:endParaRPr lang="en-US" sz="2400" dirty="0">
+              <a:solidFill>
+                <a:srgbClr val="C00000"/>
+              </a:solidFill>
+            </a:endParaRPr>
+          </a:p>
+          <a:p>
+            <a:pPr marL="806450" lvl="4" indent="-349250">
+              <a:buFont typeface="Arial" panose="020B0604020202020204" pitchFamily="34" charset="0"/>
+              <a:buChar char="•"/>
+            </a:pPr>
+            <a:endParaRPr lang="en-US" sz="2800" i="1" u="sng" dirty="0">
+              <a:solidFill>
+                <a:schemeClr val="bg1"/>
+              </a:solidFill>
+            </a:endParaRPr>
+          </a:p>
+        </p:txBody>
+      </p:sp>
     </p:spTree>
     <p:extLst>
       <p:ext uri="{BB962C8B-B14F-4D97-AF65-F5344CB8AC3E}">
-        <p14:creationId xmlns:p14="http://schemas.microsoft.com/office/powerpoint/2010/main" val="1999220992"/>
+        <p14:creationId xmlns:p14="http://schemas.microsoft.com/office/powerpoint/2010/main" val="2085110573"/>
       </p:ext>
     </p:extLst>
   </p:cSld>
@@ -28981,7 +30733,7 @@
                   <a:schemeClr val="bg1"/>
                 </a:solidFill>
               </a:rPr>
-              <a:t>File I/O (Prior to SE7)…….</a:t>
+              <a:t>File I/O</a:t>
             </a:r>
             <a:endParaRPr lang="en-US" sz="3200" b="1" dirty="0">
               <a:solidFill>
@@ -29081,34 +30833,10 @@
           </a:p>
         </p:txBody>
       </p:sp>
-      <p:pic>
-        <p:nvPicPr>
-          <p:cNvPr id="12" name="Picture 11"/>
-          <p:cNvPicPr>
-            <a:picLocks noChangeAspect="1"/>
-          </p:cNvPicPr>
-          <p:nvPr/>
-        </p:nvPicPr>
-        <p:blipFill>
-          <a:blip r:embed="rId2"/>
-          <a:stretch>
-            <a:fillRect/>
-          </a:stretch>
-        </p:blipFill>
-        <p:spPr>
-          <a:xfrm>
-            <a:off x="444818" y="1288885"/>
-            <a:ext cx="8752969" cy="5321486"/>
-          </a:xfrm>
-          <a:prstGeom prst="rect">
-            <a:avLst/>
-          </a:prstGeom>
-        </p:spPr>
-      </p:pic>
     </p:spTree>
     <p:extLst>
       <p:ext uri="{BB962C8B-B14F-4D97-AF65-F5344CB8AC3E}">
-        <p14:creationId xmlns:p14="http://schemas.microsoft.com/office/powerpoint/2010/main" val="2555819788"/>
+        <p14:creationId xmlns:p14="http://schemas.microsoft.com/office/powerpoint/2010/main" val="1321772074"/>
       </p:ext>
     </p:extLst>
   </p:cSld>
@@ -29238,13 +30966,17 @@
         </p:nvSpPr>
         <p:spPr>
           <a:xfrm>
-            <a:off x="811369" y="2240924"/>
-            <a:ext cx="7959144" cy="4353059"/>
-          </a:xfrm>
-          <a:prstGeom prst="rect">
-            <a:avLst/>
-          </a:prstGeom>
-          <a:noFill/>
+            <a:off x="307974" y="262826"/>
+            <a:ext cx="11643619" cy="6442774"/>
+          </a:xfrm>
+          <a:prstGeom prst="rect">
+            <a:avLst/>
+          </a:prstGeom>
+          <a:solidFill>
+            <a:schemeClr val="tx1">
+              <a:lumMod val="95000"/>
+            </a:schemeClr>
+          </a:solidFill>
         </p:spPr>
         <p:txBody>
           <a:bodyPr wrap="square" rtlCol="0">
@@ -29253,12 +30985,237 @@
           <a:lstStyle/>
           <a:p>
             <a:endParaRPr lang="en-US" dirty="0"/>
+          </a:p>
+        </p:txBody>
+      </p:sp>
+      <p:cxnSp>
+        <p:nvCxnSpPr>
+          <p:cNvPr id="6" name="Straight Connector 5"/>
+          <p:cNvCxnSpPr/>
+          <p:nvPr/>
+        </p:nvCxnSpPr>
+        <p:spPr>
+          <a:xfrm flipV="1">
+            <a:off x="307974" y="1103086"/>
+            <a:ext cx="11643619" cy="58057"/>
+          </a:xfrm>
+          <a:prstGeom prst="line">
+            <a:avLst/>
+          </a:prstGeom>
+          <a:ln w="50800">
+            <a:solidFill>
+              <a:srgbClr val="C00000"/>
+            </a:solidFill>
+          </a:ln>
+        </p:spPr>
+        <p:style>
+          <a:lnRef idx="1">
+            <a:schemeClr val="accent1"/>
+          </a:lnRef>
+          <a:fillRef idx="0">
+            <a:schemeClr val="accent1"/>
+          </a:fillRef>
+          <a:effectRef idx="0">
+            <a:schemeClr val="accent1"/>
+          </a:effectRef>
+          <a:fontRef idx="minor">
+            <a:schemeClr val="tx1"/>
+          </a:fontRef>
+        </p:style>
+      </p:cxnSp>
+      <p:sp>
+        <p:nvSpPr>
+          <p:cNvPr id="7" name="TextBox 6"/>
+          <p:cNvSpPr txBox="1"/>
+          <p:nvPr/>
+        </p:nvSpPr>
+        <p:spPr>
+          <a:xfrm>
+            <a:off x="444820" y="390569"/>
+            <a:ext cx="5650139" cy="584775"/>
+          </a:xfrm>
+          <a:prstGeom prst="rect">
+            <a:avLst/>
+          </a:prstGeom>
+          <a:noFill/>
+        </p:spPr>
+        <p:txBody>
+          <a:bodyPr wrap="square" rtlCol="0">
+            <a:spAutoFit/>
+          </a:bodyPr>
+          <a:lstStyle/>
+          <a:p>
+            <a:r>
+              <a:rPr lang="en-US" sz="3200" b="1" dirty="0" smtClean="0">
+                <a:solidFill>
+                  <a:schemeClr val="bg1"/>
+                </a:solidFill>
+              </a:rPr>
+              <a:t>File I/O (Prior to SE7)</a:t>
+            </a:r>
+            <a:endParaRPr lang="en-US" sz="3200" b="1" dirty="0">
+              <a:solidFill>
+                <a:schemeClr val="bg1"/>
+              </a:solidFill>
+            </a:endParaRPr>
+          </a:p>
+        </p:txBody>
+      </p:sp>
+      <p:sp>
+        <p:nvSpPr>
+          <p:cNvPr id="10" name="TextBox 9"/>
+          <p:cNvSpPr txBox="1"/>
+          <p:nvPr/>
+        </p:nvSpPr>
+        <p:spPr>
+          <a:xfrm>
+            <a:off x="457952" y="1132114"/>
+            <a:ext cx="10529047" cy="461665"/>
+          </a:xfrm>
+          <a:prstGeom prst="rect">
+            <a:avLst/>
+          </a:prstGeom>
+          <a:noFill/>
+        </p:spPr>
+        <p:txBody>
+          <a:bodyPr wrap="square" rtlCol="0">
+            <a:spAutoFit/>
+          </a:bodyPr>
+          <a:lstStyle/>
+          <a:p>
+            <a:endParaRPr lang="en-US" sz="2400" dirty="0" smtClean="0">
+              <a:solidFill>
+                <a:schemeClr val="bg1"/>
+              </a:solidFill>
+            </a:endParaRPr>
+          </a:p>
+        </p:txBody>
+      </p:sp>
+      <p:sp>
+        <p:nvSpPr>
+          <p:cNvPr id="16" name="TextBox 15"/>
+          <p:cNvSpPr txBox="1"/>
+          <p:nvPr/>
+        </p:nvSpPr>
+        <p:spPr>
+          <a:xfrm>
+            <a:off x="7153835" y="5177118"/>
+            <a:ext cx="4329952" cy="1358153"/>
+          </a:xfrm>
+          <a:prstGeom prst="rect">
+            <a:avLst/>
+          </a:prstGeom>
+          <a:noFill/>
+        </p:spPr>
+        <p:txBody>
+          <a:bodyPr wrap="square" rtlCol="0">
+            <a:spAutoFit/>
+          </a:bodyPr>
+          <a:lstStyle/>
+          <a:p>
+            <a:endParaRPr lang="en-US" dirty="0"/>
+          </a:p>
+        </p:txBody>
+      </p:sp>
+      <p:sp>
+        <p:nvSpPr>
+          <p:cNvPr id="9" name="TextBox 8"/>
+          <p:cNvSpPr txBox="1"/>
+          <p:nvPr/>
+        </p:nvSpPr>
+        <p:spPr>
+          <a:xfrm>
+            <a:off x="444820" y="1315670"/>
+            <a:ext cx="11187201" cy="400110"/>
+          </a:xfrm>
+          <a:prstGeom prst="rect">
+            <a:avLst/>
+          </a:prstGeom>
+          <a:noFill/>
+        </p:spPr>
+        <p:txBody>
+          <a:bodyPr wrap="square" rtlCol="0">
+            <a:spAutoFit/>
+          </a:bodyPr>
+          <a:lstStyle/>
+          <a:p>
+            <a:pPr marL="285750" indent="-285750">
+              <a:buFont typeface="Arial" panose="020B0604020202020204" pitchFamily="34" charset="0"/>
+              <a:buChar char="•"/>
+            </a:pPr>
+            <a:endParaRPr lang="en-US" sz="2000" dirty="0">
+              <a:solidFill>
+                <a:schemeClr val="bg1"/>
+              </a:solidFill>
+            </a:endParaRPr>
+          </a:p>
+        </p:txBody>
+      </p:sp>
+      <p:sp>
+        <p:nvSpPr>
+          <p:cNvPr id="3" name="TextBox 2"/>
+          <p:cNvSpPr txBox="1"/>
+          <p:nvPr/>
+        </p:nvSpPr>
+        <p:spPr>
+          <a:xfrm>
+            <a:off x="591671" y="1315670"/>
+            <a:ext cx="9197788" cy="523220"/>
+          </a:xfrm>
+          <a:prstGeom prst="rect">
+            <a:avLst/>
+          </a:prstGeom>
+          <a:noFill/>
+        </p:spPr>
+        <p:txBody>
+          <a:bodyPr wrap="square" rtlCol="0">
+            <a:spAutoFit/>
+          </a:bodyPr>
+          <a:lstStyle/>
+          <a:p>
+            <a:r>
+              <a:rPr lang="en-US" sz="2800" i="1" dirty="0">
+                <a:solidFill>
+                  <a:schemeClr val="bg1"/>
+                </a:solidFill>
+              </a:rPr>
+              <a:t>Mapping </a:t>
+            </a:r>
+            <a:r>
+              <a:rPr lang="en-US" sz="2800" i="1" dirty="0" err="1">
+                <a:solidFill>
+                  <a:schemeClr val="bg1"/>
+                </a:solidFill>
+              </a:rPr>
+              <a:t>java.io.File</a:t>
+            </a:r>
+            <a:r>
+              <a:rPr lang="en-US" sz="2800" i="1" dirty="0">
+                <a:solidFill>
+                  <a:schemeClr val="bg1"/>
+                </a:solidFill>
+              </a:rPr>
+              <a:t> Functionality to </a:t>
+            </a:r>
+            <a:r>
+              <a:rPr lang="en-US" sz="2800" i="1" dirty="0" err="1">
+                <a:solidFill>
+                  <a:schemeClr val="bg1"/>
+                </a:solidFill>
+              </a:rPr>
+              <a:t>java.nio.file</a:t>
+            </a:r>
+            <a:endParaRPr lang="en-US" sz="2800" i="1" dirty="0">
+              <a:solidFill>
+                <a:schemeClr val="bg1"/>
+              </a:solidFill>
+            </a:endParaRPr>
           </a:p>
         </p:txBody>
       </p:sp>
       <p:pic>
         <p:nvPicPr>
-          <p:cNvPr id="6" name="Picture 5"/>
+          <p:cNvPr id="11" name="Picture 10"/>
           <p:cNvPicPr>
             <a:picLocks noChangeAspect="1"/>
           </p:cNvPicPr>
@@ -29272,8 +31229,8 @@
         </p:blipFill>
         <p:spPr>
           <a:xfrm>
-            <a:off x="307975" y="348157"/>
-            <a:ext cx="10353537" cy="6245825"/>
+            <a:off x="591671" y="1814286"/>
+            <a:ext cx="9704927" cy="4852594"/>
           </a:xfrm>
           <a:prstGeom prst="rect">
             <a:avLst/>
@@ -29283,7 +31240,7 @@
     </p:spTree>
     <p:extLst>
       <p:ext uri="{BB962C8B-B14F-4D97-AF65-F5344CB8AC3E}">
-        <p14:creationId xmlns:p14="http://schemas.microsoft.com/office/powerpoint/2010/main" val="1490834926"/>
+        <p14:creationId xmlns:p14="http://schemas.microsoft.com/office/powerpoint/2010/main" val="656930572"/>
       </p:ext>
     </p:extLst>
   </p:cSld>
@@ -30013,13 +31970,17 @@
         </p:nvSpPr>
         <p:spPr>
           <a:xfrm>
-            <a:off x="811369" y="2240924"/>
-            <a:ext cx="7959144" cy="4353059"/>
-          </a:xfrm>
-          <a:prstGeom prst="rect">
-            <a:avLst/>
-          </a:prstGeom>
-          <a:noFill/>
+            <a:off x="307974" y="262826"/>
+            <a:ext cx="11643619" cy="6442774"/>
+          </a:xfrm>
+          <a:prstGeom prst="rect">
+            <a:avLst/>
+          </a:prstGeom>
+          <a:solidFill>
+            <a:schemeClr val="tx1">
+              <a:lumMod val="95000"/>
+            </a:schemeClr>
+          </a:solidFill>
         </p:spPr>
         <p:txBody>
           <a:bodyPr wrap="square" rtlCol="0">
@@ -30028,12 +31989,175 @@
           <a:lstStyle/>
           <a:p>
             <a:endParaRPr lang="en-US" dirty="0"/>
+          </a:p>
+        </p:txBody>
+      </p:sp>
+      <p:cxnSp>
+        <p:nvCxnSpPr>
+          <p:cNvPr id="6" name="Straight Connector 5"/>
+          <p:cNvCxnSpPr/>
+          <p:nvPr/>
+        </p:nvCxnSpPr>
+        <p:spPr>
+          <a:xfrm flipV="1">
+            <a:off x="307974" y="1103086"/>
+            <a:ext cx="11643619" cy="58057"/>
+          </a:xfrm>
+          <a:prstGeom prst="line">
+            <a:avLst/>
+          </a:prstGeom>
+          <a:ln w="50800">
+            <a:solidFill>
+              <a:srgbClr val="C00000"/>
+            </a:solidFill>
+          </a:ln>
+        </p:spPr>
+        <p:style>
+          <a:lnRef idx="1">
+            <a:schemeClr val="accent1"/>
+          </a:lnRef>
+          <a:fillRef idx="0">
+            <a:schemeClr val="accent1"/>
+          </a:fillRef>
+          <a:effectRef idx="0">
+            <a:schemeClr val="accent1"/>
+          </a:effectRef>
+          <a:fontRef idx="minor">
+            <a:schemeClr val="tx1"/>
+          </a:fontRef>
+        </p:style>
+      </p:cxnSp>
+      <p:sp>
+        <p:nvSpPr>
+          <p:cNvPr id="7" name="TextBox 6"/>
+          <p:cNvSpPr txBox="1"/>
+          <p:nvPr/>
+        </p:nvSpPr>
+        <p:spPr>
+          <a:xfrm>
+            <a:off x="444820" y="390569"/>
+            <a:ext cx="5650139" cy="584775"/>
+          </a:xfrm>
+          <a:prstGeom prst="rect">
+            <a:avLst/>
+          </a:prstGeom>
+          <a:noFill/>
+        </p:spPr>
+        <p:txBody>
+          <a:bodyPr wrap="square" rtlCol="0">
+            <a:spAutoFit/>
+          </a:bodyPr>
+          <a:lstStyle/>
+          <a:p>
+            <a:r>
+              <a:rPr lang="en-US" sz="3200" b="1" dirty="0" smtClean="0">
+                <a:solidFill>
+                  <a:schemeClr val="bg1"/>
+                </a:solidFill>
+              </a:rPr>
+              <a:t>File I/O (Prior to SE7)…….</a:t>
+            </a:r>
+            <a:endParaRPr lang="en-US" sz="3200" b="1" dirty="0">
+              <a:solidFill>
+                <a:schemeClr val="bg1"/>
+              </a:solidFill>
+            </a:endParaRPr>
+          </a:p>
+        </p:txBody>
+      </p:sp>
+      <p:sp>
+        <p:nvSpPr>
+          <p:cNvPr id="10" name="TextBox 9"/>
+          <p:cNvSpPr txBox="1"/>
+          <p:nvPr/>
+        </p:nvSpPr>
+        <p:spPr>
+          <a:xfrm>
+            <a:off x="457952" y="1132114"/>
+            <a:ext cx="10529047" cy="461665"/>
+          </a:xfrm>
+          <a:prstGeom prst="rect">
+            <a:avLst/>
+          </a:prstGeom>
+          <a:noFill/>
+        </p:spPr>
+        <p:txBody>
+          <a:bodyPr wrap="square" rtlCol="0">
+            <a:spAutoFit/>
+          </a:bodyPr>
+          <a:lstStyle/>
+          <a:p>
+            <a:endParaRPr lang="en-US" sz="2400" dirty="0" smtClean="0">
+              <a:solidFill>
+                <a:schemeClr val="bg1"/>
+              </a:solidFill>
+            </a:endParaRPr>
+          </a:p>
+        </p:txBody>
+      </p:sp>
+      <p:sp>
+        <p:nvSpPr>
+          <p:cNvPr id="16" name="TextBox 15"/>
+          <p:cNvSpPr txBox="1"/>
+          <p:nvPr/>
+        </p:nvSpPr>
+        <p:spPr>
+          <a:xfrm>
+            <a:off x="7153835" y="5177118"/>
+            <a:ext cx="4329952" cy="1358153"/>
+          </a:xfrm>
+          <a:prstGeom prst="rect">
+            <a:avLst/>
+          </a:prstGeom>
+          <a:noFill/>
+        </p:spPr>
+        <p:txBody>
+          <a:bodyPr wrap="square" rtlCol="0">
+            <a:spAutoFit/>
+          </a:bodyPr>
+          <a:lstStyle/>
+          <a:p>
+            <a:endParaRPr lang="en-US" dirty="0"/>
+          </a:p>
+        </p:txBody>
+      </p:sp>
+      <p:sp>
+        <p:nvSpPr>
+          <p:cNvPr id="9" name="TextBox 8"/>
+          <p:cNvSpPr txBox="1"/>
+          <p:nvPr/>
+        </p:nvSpPr>
+        <p:spPr>
+          <a:xfrm>
+            <a:off x="444820" y="1315670"/>
+            <a:ext cx="11187201" cy="400110"/>
+          </a:xfrm>
+          <a:prstGeom prst="rect">
+            <a:avLst/>
+          </a:prstGeom>
+          <a:noFill/>
+        </p:spPr>
+        <p:txBody>
+          <a:bodyPr wrap="square" rtlCol="0">
+            <a:spAutoFit/>
+          </a:bodyPr>
+          <a:lstStyle/>
+          <a:p>
+            <a:pPr marL="285750" indent="-285750">
+              <a:buFont typeface="Arial" panose="020B0604020202020204" pitchFamily="34" charset="0"/>
+              <a:buChar char="•"/>
+            </a:pPr>
+            <a:endParaRPr lang="en-US" sz="2000" dirty="0">
+              <a:solidFill>
+                <a:schemeClr val="bg1"/>
+              </a:solidFill>
+            </a:endParaRPr>
           </a:p>
         </p:txBody>
       </p:sp>
       <p:pic>
         <p:nvPicPr>
-          <p:cNvPr id="6" name="Picture 5"/>
+          <p:cNvPr id="12" name="Picture 11"/>
           <p:cNvPicPr>
             <a:picLocks noChangeAspect="1"/>
           </p:cNvPicPr>
@@ -30047,8 +32171,8 @@
         </p:blipFill>
         <p:spPr>
           <a:xfrm>
-            <a:off x="307974" y="284175"/>
-            <a:ext cx="10999229" cy="6309807"/>
+            <a:off x="444819" y="1372762"/>
+            <a:ext cx="11495038" cy="4449813"/>
           </a:xfrm>
           <a:prstGeom prst="rect">
             <a:avLst/>
@@ -30058,7 +32182,7 @@
     </p:spTree>
     <p:extLst>
       <p:ext uri="{BB962C8B-B14F-4D97-AF65-F5344CB8AC3E}">
-        <p14:creationId xmlns:p14="http://schemas.microsoft.com/office/powerpoint/2010/main" val="506832973"/>
+        <p14:creationId xmlns:p14="http://schemas.microsoft.com/office/powerpoint/2010/main" val="764176100"/>
       </p:ext>
     </p:extLst>
   </p:cSld>
@@ -30188,13 +32312,17 @@
         </p:nvSpPr>
         <p:spPr>
           <a:xfrm>
-            <a:off x="811369" y="2240924"/>
-            <a:ext cx="7959144" cy="4353059"/>
-          </a:xfrm>
-          <a:prstGeom prst="rect">
-            <a:avLst/>
-          </a:prstGeom>
-          <a:noFill/>
+            <a:off x="307974" y="262826"/>
+            <a:ext cx="11643619" cy="6442774"/>
+          </a:xfrm>
+          <a:prstGeom prst="rect">
+            <a:avLst/>
+          </a:prstGeom>
+          <a:solidFill>
+            <a:schemeClr val="tx1">
+              <a:lumMod val="95000"/>
+            </a:schemeClr>
+          </a:solidFill>
         </p:spPr>
         <p:txBody>
           <a:bodyPr wrap="square" rtlCol="0">
@@ -30206,10 +32334,197 @@
           </a:p>
         </p:txBody>
       </p:sp>
+      <p:cxnSp>
+        <p:nvCxnSpPr>
+          <p:cNvPr id="6" name="Straight Connector 5"/>
+          <p:cNvCxnSpPr/>
+          <p:nvPr/>
+        </p:nvCxnSpPr>
+        <p:spPr>
+          <a:xfrm flipV="1">
+            <a:off x="307974" y="1103086"/>
+            <a:ext cx="11643619" cy="58057"/>
+          </a:xfrm>
+          <a:prstGeom prst="line">
+            <a:avLst/>
+          </a:prstGeom>
+          <a:ln w="50800">
+            <a:solidFill>
+              <a:srgbClr val="C00000"/>
+            </a:solidFill>
+          </a:ln>
+        </p:spPr>
+        <p:style>
+          <a:lnRef idx="1">
+            <a:schemeClr val="accent1"/>
+          </a:lnRef>
+          <a:fillRef idx="0">
+            <a:schemeClr val="accent1"/>
+          </a:fillRef>
+          <a:effectRef idx="0">
+            <a:schemeClr val="accent1"/>
+          </a:effectRef>
+          <a:fontRef idx="minor">
+            <a:schemeClr val="tx1"/>
+          </a:fontRef>
+        </p:style>
+      </p:cxnSp>
+      <p:sp>
+        <p:nvSpPr>
+          <p:cNvPr id="7" name="TextBox 6"/>
+          <p:cNvSpPr txBox="1"/>
+          <p:nvPr/>
+        </p:nvSpPr>
+        <p:spPr>
+          <a:xfrm>
+            <a:off x="444820" y="390569"/>
+            <a:ext cx="5650139" cy="584775"/>
+          </a:xfrm>
+          <a:prstGeom prst="rect">
+            <a:avLst/>
+          </a:prstGeom>
+          <a:noFill/>
+        </p:spPr>
+        <p:txBody>
+          <a:bodyPr wrap="square" rtlCol="0">
+            <a:spAutoFit/>
+          </a:bodyPr>
+          <a:lstStyle/>
+          <a:p>
+            <a:r>
+              <a:rPr lang="en-US" sz="3200" b="1" dirty="0" smtClean="0">
+                <a:solidFill>
+                  <a:schemeClr val="bg1"/>
+                </a:solidFill>
+              </a:rPr>
+              <a:t>File I/O (Prior to SE7)…….</a:t>
+            </a:r>
+            <a:endParaRPr lang="en-US" sz="3200" b="1" dirty="0">
+              <a:solidFill>
+                <a:schemeClr val="bg1"/>
+              </a:solidFill>
+            </a:endParaRPr>
+          </a:p>
+        </p:txBody>
+      </p:sp>
+      <p:sp>
+        <p:nvSpPr>
+          <p:cNvPr id="10" name="TextBox 9"/>
+          <p:cNvSpPr txBox="1"/>
+          <p:nvPr/>
+        </p:nvSpPr>
+        <p:spPr>
+          <a:xfrm>
+            <a:off x="457952" y="1132114"/>
+            <a:ext cx="10529047" cy="461665"/>
+          </a:xfrm>
+          <a:prstGeom prst="rect">
+            <a:avLst/>
+          </a:prstGeom>
+          <a:noFill/>
+        </p:spPr>
+        <p:txBody>
+          <a:bodyPr wrap="square" rtlCol="0">
+            <a:spAutoFit/>
+          </a:bodyPr>
+          <a:lstStyle/>
+          <a:p>
+            <a:endParaRPr lang="en-US" sz="2400" dirty="0" smtClean="0">
+              <a:solidFill>
+                <a:schemeClr val="bg1"/>
+              </a:solidFill>
+            </a:endParaRPr>
+          </a:p>
+        </p:txBody>
+      </p:sp>
+      <p:sp>
+        <p:nvSpPr>
+          <p:cNvPr id="16" name="TextBox 15"/>
+          <p:cNvSpPr txBox="1"/>
+          <p:nvPr/>
+        </p:nvSpPr>
+        <p:spPr>
+          <a:xfrm>
+            <a:off x="7153835" y="5177118"/>
+            <a:ext cx="4329952" cy="1358153"/>
+          </a:xfrm>
+          <a:prstGeom prst="rect">
+            <a:avLst/>
+          </a:prstGeom>
+          <a:noFill/>
+        </p:spPr>
+        <p:txBody>
+          <a:bodyPr wrap="square" rtlCol="0">
+            <a:spAutoFit/>
+          </a:bodyPr>
+          <a:lstStyle/>
+          <a:p>
+            <a:endParaRPr lang="en-US" dirty="0"/>
+          </a:p>
+        </p:txBody>
+      </p:sp>
+      <p:sp>
+        <p:nvSpPr>
+          <p:cNvPr id="9" name="TextBox 8"/>
+          <p:cNvSpPr txBox="1"/>
+          <p:nvPr/>
+        </p:nvSpPr>
+        <p:spPr>
+          <a:xfrm>
+            <a:off x="444820" y="1315670"/>
+            <a:ext cx="11187201" cy="400110"/>
+          </a:xfrm>
+          <a:prstGeom prst="rect">
+            <a:avLst/>
+          </a:prstGeom>
+          <a:noFill/>
+        </p:spPr>
+        <p:txBody>
+          <a:bodyPr wrap="square" rtlCol="0">
+            <a:spAutoFit/>
+          </a:bodyPr>
+          <a:lstStyle/>
+          <a:p>
+            <a:pPr marL="285750" indent="-285750">
+              <a:buFont typeface="Arial" panose="020B0604020202020204" pitchFamily="34" charset="0"/>
+              <a:buChar char="•"/>
+            </a:pPr>
+            <a:endParaRPr lang="en-US" sz="2000" dirty="0">
+              <a:solidFill>
+                <a:schemeClr val="bg1"/>
+              </a:solidFill>
+            </a:endParaRPr>
+          </a:p>
+        </p:txBody>
+      </p:sp>
+      <p:pic>
+        <p:nvPicPr>
+          <p:cNvPr id="11" name="Picture 10"/>
+          <p:cNvPicPr>
+            <a:picLocks noChangeAspect="1"/>
+          </p:cNvPicPr>
+          <p:nvPr/>
+        </p:nvPicPr>
+        <p:blipFill>
+          <a:blip r:embed="rId2"/>
+          <a:stretch>
+            <a:fillRect/>
+          </a:stretch>
+        </p:blipFill>
+        <p:spPr>
+          <a:xfrm>
+            <a:off x="307972" y="1315670"/>
+            <a:ext cx="11458691" cy="4950659"/>
+          </a:xfrm>
+          <a:prstGeom prst="rect">
+            <a:avLst/>
+          </a:prstGeom>
+        </p:spPr>
+      </p:pic>
     </p:spTree>
     <p:extLst>
       <p:ext uri="{BB962C8B-B14F-4D97-AF65-F5344CB8AC3E}">
-        <p14:creationId xmlns:p14="http://schemas.microsoft.com/office/powerpoint/2010/main" val="3823283436"/>
+        <p14:creationId xmlns:p14="http://schemas.microsoft.com/office/powerpoint/2010/main" val="1999220992"/>
       </p:ext>
     </p:extLst>
   </p:cSld>
@@ -30227,7 +32542,7 @@
 </file>
 
 <file path=ppt/slides/slide52.xml><?xml version="1.0" encoding="utf-8"?>
-<p:sld xmlns:a="http://schemas.openxmlformats.org/drawingml/2006/main" xmlns:r="http://schemas.openxmlformats.org/officeDocument/2006/relationships" xmlns:p="http://schemas.openxmlformats.org/presentationml/2006/main" showMasterSp="0">
+<p:sld xmlns:a="http://schemas.openxmlformats.org/drawingml/2006/main" xmlns:r="http://schemas.openxmlformats.org/officeDocument/2006/relationships" xmlns:p="http://schemas.openxmlformats.org/presentationml/2006/main">
   <p:cSld>
     <p:spTree>
       <p:nvGrpSpPr>
@@ -30260,37 +32575,8 @@
           <a:p>
             <a:r>
               <a:rPr lang="en-US" dirty="0" smtClean="0"/>
-              <a:t>Java - miscellaneous</a:t>
-            </a:r>
-            <a:endParaRPr lang="en-US" dirty="0"/>
-          </a:p>
-        </p:txBody>
-      </p:sp>
-      <p:sp>
-        <p:nvSpPr>
-          <p:cNvPr id="6" name="TextBox 5"/>
-          <p:cNvSpPr txBox="1"/>
-          <p:nvPr/>
-        </p:nvSpPr>
-        <p:spPr>
-          <a:xfrm>
-            <a:off x="746975" y="2099256"/>
-            <a:ext cx="6645498" cy="646331"/>
-          </a:xfrm>
-          <a:prstGeom prst="rect">
-            <a:avLst/>
-          </a:prstGeom>
-          <a:noFill/>
-        </p:spPr>
-        <p:txBody>
-          <a:bodyPr wrap="square" rtlCol="0">
-            <a:spAutoFit/>
-          </a:bodyPr>
-          <a:lstStyle/>
-          <a:p>
-            <a:endParaRPr lang="en-US" b="1" dirty="0" smtClean="0"/>
-          </a:p>
-          <a:p>
+              <a:t>exceptions</a:t>
+            </a:r>
             <a:endParaRPr lang="en-US" dirty="0"/>
           </a:p>
         </p:txBody>
@@ -30342,29 +32628,180 @@
         </p:nvSpPr>
         <p:spPr>
           <a:xfrm>
-            <a:off x="1202919" y="2575775"/>
-            <a:ext cx="8224416" cy="523220"/>
-          </a:xfrm>
-          <a:prstGeom prst="rect">
-            <a:avLst/>
-          </a:prstGeom>
-          <a:noFill/>
-        </p:spPr>
-        <p:txBody>
-          <a:bodyPr wrap="square" rtlCol="0">
-            <a:spAutoFit/>
-          </a:bodyPr>
-          <a:lstStyle/>
-          <a:p>
-            <a:r>
-              <a:rPr lang="en-US" sz="2800" b="1" dirty="0"/>
-              <a:t>Type Comparison Operator </a:t>
-            </a:r>
-            <a:r>
-              <a:rPr lang="en-US" sz="2800" b="1" dirty="0" err="1"/>
-              <a:t>instanceof</a:t>
-            </a:r>
-            <a:endParaRPr lang="en-US" sz="2800" b="1" dirty="0"/>
+            <a:off x="7495504" y="2240924"/>
+            <a:ext cx="4456090" cy="400110"/>
+          </a:xfrm>
+          <a:prstGeom prst="rect">
+            <a:avLst/>
+          </a:prstGeom>
+          <a:noFill/>
+        </p:spPr>
+        <p:txBody>
+          <a:bodyPr wrap="square" rtlCol="0">
+            <a:spAutoFit/>
+          </a:bodyPr>
+          <a:lstStyle/>
+          <a:p>
+            <a:endParaRPr lang="en-US" sz="2000" u="sng" dirty="0"/>
+          </a:p>
+        </p:txBody>
+      </p:sp>
+      <p:sp>
+        <p:nvSpPr>
+          <p:cNvPr id="5" name="TextBox 4"/>
+          <p:cNvSpPr txBox="1"/>
+          <p:nvPr/>
+        </p:nvSpPr>
+        <p:spPr>
+          <a:xfrm>
+            <a:off x="307974" y="262826"/>
+            <a:ext cx="11643619" cy="6442774"/>
+          </a:xfrm>
+          <a:prstGeom prst="rect">
+            <a:avLst/>
+          </a:prstGeom>
+          <a:solidFill>
+            <a:schemeClr val="tx1">
+              <a:lumMod val="95000"/>
+            </a:schemeClr>
+          </a:solidFill>
+        </p:spPr>
+        <p:txBody>
+          <a:bodyPr wrap="square" rtlCol="0">
+            <a:spAutoFit/>
+          </a:bodyPr>
+          <a:lstStyle/>
+          <a:p>
+            <a:endParaRPr lang="en-US" dirty="0"/>
+          </a:p>
+        </p:txBody>
+      </p:sp>
+      <p:cxnSp>
+        <p:nvCxnSpPr>
+          <p:cNvPr id="6" name="Straight Connector 5"/>
+          <p:cNvCxnSpPr/>
+          <p:nvPr/>
+        </p:nvCxnSpPr>
+        <p:spPr>
+          <a:xfrm flipV="1">
+            <a:off x="307974" y="1103086"/>
+            <a:ext cx="11643619" cy="58057"/>
+          </a:xfrm>
+          <a:prstGeom prst="line">
+            <a:avLst/>
+          </a:prstGeom>
+          <a:ln w="50800">
+            <a:solidFill>
+              <a:srgbClr val="C00000"/>
+            </a:solidFill>
+          </a:ln>
+        </p:spPr>
+        <p:style>
+          <a:lnRef idx="1">
+            <a:schemeClr val="accent1"/>
+          </a:lnRef>
+          <a:fillRef idx="0">
+            <a:schemeClr val="accent1"/>
+          </a:fillRef>
+          <a:effectRef idx="0">
+            <a:schemeClr val="accent1"/>
+          </a:effectRef>
+          <a:fontRef idx="minor">
+            <a:schemeClr val="tx1"/>
+          </a:fontRef>
+        </p:style>
+      </p:cxnSp>
+      <p:sp>
+        <p:nvSpPr>
+          <p:cNvPr id="7" name="TextBox 6"/>
+          <p:cNvSpPr txBox="1"/>
+          <p:nvPr/>
+        </p:nvSpPr>
+        <p:spPr>
+          <a:xfrm>
+            <a:off x="444820" y="390569"/>
+            <a:ext cx="5650139" cy="584775"/>
+          </a:xfrm>
+          <a:prstGeom prst="rect">
+            <a:avLst/>
+          </a:prstGeom>
+          <a:noFill/>
+        </p:spPr>
+        <p:txBody>
+          <a:bodyPr wrap="square" rtlCol="0">
+            <a:spAutoFit/>
+          </a:bodyPr>
+          <a:lstStyle/>
+          <a:p>
+            <a:r>
+              <a:rPr lang="en-US" sz="3200" b="1" dirty="0" smtClean="0">
+                <a:solidFill>
+                  <a:schemeClr val="bg1"/>
+                </a:solidFill>
+              </a:rPr>
+              <a:t>File I/O (Prior to SE7)…….</a:t>
+            </a:r>
+            <a:endParaRPr lang="en-US" sz="3200" b="1" dirty="0">
+              <a:solidFill>
+                <a:schemeClr val="bg1"/>
+              </a:solidFill>
+            </a:endParaRPr>
+          </a:p>
+        </p:txBody>
+      </p:sp>
+      <p:sp>
+        <p:nvSpPr>
+          <p:cNvPr id="10" name="TextBox 9"/>
+          <p:cNvSpPr txBox="1"/>
+          <p:nvPr/>
+        </p:nvSpPr>
+        <p:spPr>
+          <a:xfrm>
+            <a:off x="457952" y="1132114"/>
+            <a:ext cx="10529047" cy="461665"/>
+          </a:xfrm>
+          <a:prstGeom prst="rect">
+            <a:avLst/>
+          </a:prstGeom>
+          <a:noFill/>
+        </p:spPr>
+        <p:txBody>
+          <a:bodyPr wrap="square" rtlCol="0">
+            <a:spAutoFit/>
+          </a:bodyPr>
+          <a:lstStyle/>
+          <a:p>
+            <a:endParaRPr lang="en-US" sz="2400" dirty="0" smtClean="0">
+              <a:solidFill>
+                <a:schemeClr val="bg1"/>
+              </a:solidFill>
+            </a:endParaRPr>
+          </a:p>
+        </p:txBody>
+      </p:sp>
+      <p:sp>
+        <p:nvSpPr>
+          <p:cNvPr id="16" name="TextBox 15"/>
+          <p:cNvSpPr txBox="1"/>
+          <p:nvPr/>
+        </p:nvSpPr>
+        <p:spPr>
+          <a:xfrm>
+            <a:off x="7153835" y="5177118"/>
+            <a:ext cx="4329952" cy="1358153"/>
+          </a:xfrm>
+          <a:prstGeom prst="rect">
+            <a:avLst/>
+          </a:prstGeom>
+          <a:noFill/>
+        </p:spPr>
+        <p:txBody>
+          <a:bodyPr wrap="square" rtlCol="0">
+            <a:spAutoFit/>
+          </a:bodyPr>
+          <a:lstStyle/>
+          <a:p>
+            <a:endParaRPr lang="en-US" dirty="0"/>
           </a:p>
         </p:txBody>
       </p:sp>
@@ -30376,41 +32813,16 @@
         </p:nvSpPr>
         <p:spPr>
           <a:xfrm>
-            <a:off x="1300766" y="3098995"/>
-            <a:ext cx="9440214" cy="3198774"/>
-          </a:xfrm>
-          <a:prstGeom prst="rect">
-            <a:avLst/>
-          </a:prstGeom>
-          <a:noFill/>
-        </p:spPr>
-        <p:txBody>
-          <a:bodyPr wrap="square" rtlCol="0">
-            <a:spAutoFit/>
-          </a:bodyPr>
-          <a:lstStyle/>
-          <a:p>
-            <a:endParaRPr lang="en-US" dirty="0"/>
-          </a:p>
-        </p:txBody>
-      </p:sp>
-      <p:sp>
-        <p:nvSpPr>
-          <p:cNvPr id="12" name="Rectangle 11"/>
-          <p:cNvSpPr/>
-          <p:nvPr/>
-        </p:nvSpPr>
-        <p:spPr>
-          <a:xfrm>
-            <a:off x="1202919" y="3222106"/>
-            <a:ext cx="8224416" cy="3354765"/>
-          </a:xfrm>
-          <a:prstGeom prst="rect">
-            <a:avLst/>
-          </a:prstGeom>
-        </p:spPr>
-        <p:txBody>
-          <a:bodyPr wrap="square">
+            <a:off x="444820" y="1315670"/>
+            <a:ext cx="11187201" cy="400110"/>
+          </a:xfrm>
+          <a:prstGeom prst="rect">
+            <a:avLst/>
+          </a:prstGeom>
+          <a:noFill/>
+        </p:spPr>
+        <p:txBody>
+          <a:bodyPr wrap="square" rtlCol="0">
             <a:spAutoFit/>
           </a:bodyPr>
           <a:lstStyle/>
@@ -30419,132 +32831,42 @@
               <a:buFont typeface="Arial" panose="020B0604020202020204" pitchFamily="34" charset="0"/>
               <a:buChar char="•"/>
             </a:pPr>
-            <a:r>
-              <a:rPr lang="en-US" sz="2000" dirty="0"/>
-              <a:t>The </a:t>
-            </a:r>
-            <a:r>
-              <a:rPr lang="en-US" sz="2000" dirty="0" err="1"/>
-              <a:t>instanceof</a:t>
-            </a:r>
-            <a:r>
-              <a:rPr lang="en-US" sz="2000" dirty="0"/>
-              <a:t> operator compares an object to a specified type. </a:t>
-            </a:r>
-            <a:endParaRPr lang="en-US" sz="2000" dirty="0" smtClean="0"/>
-          </a:p>
-          <a:p>
-            <a:pPr marL="285750" indent="-285750">
-              <a:buFont typeface="Arial" panose="020B0604020202020204" pitchFamily="34" charset="0"/>
-              <a:buChar char="•"/>
-            </a:pPr>
-            <a:endParaRPr lang="en-US" sz="2000" dirty="0"/>
-          </a:p>
-          <a:p>
-            <a:pPr marL="285750" indent="-285750">
-              <a:buFont typeface="Arial" panose="020B0604020202020204" pitchFamily="34" charset="0"/>
-              <a:buChar char="•"/>
-            </a:pPr>
-            <a:r>
-              <a:rPr lang="en-US" sz="2000" dirty="0" smtClean="0"/>
-              <a:t>You </a:t>
-            </a:r>
-            <a:r>
-              <a:rPr lang="en-US" sz="2000" dirty="0"/>
-              <a:t>can use it to test if an object is an instance of a class, an instance of a subclass, or an instance of a class that implements a particular </a:t>
-            </a:r>
-            <a:r>
-              <a:rPr lang="en-US" sz="2000" dirty="0" smtClean="0"/>
-              <a:t>interface</a:t>
-            </a:r>
-          </a:p>
-          <a:p>
-            <a:pPr marL="285750" indent="-285750">
-              <a:buFont typeface="Arial" panose="020B0604020202020204" pitchFamily="34" charset="0"/>
-              <a:buChar char="•"/>
-            </a:pPr>
-            <a:endParaRPr lang="en-US" sz="2000" dirty="0"/>
-          </a:p>
-          <a:p>
-            <a:pPr marL="285750" indent="-285750">
-              <a:buFont typeface="Arial" panose="020B0604020202020204" pitchFamily="34" charset="0"/>
-              <a:buChar char="•"/>
-            </a:pPr>
-            <a:r>
-              <a:rPr lang="en-US" sz="3200" dirty="0" smtClean="0"/>
-              <a:t>Classes implementing interfaces</a:t>
-            </a:r>
-          </a:p>
-          <a:p>
-            <a:pPr marL="285750" indent="-285750">
-              <a:buFont typeface="Arial" panose="020B0604020202020204" pitchFamily="34" charset="0"/>
-              <a:buChar char="•"/>
-            </a:pPr>
-            <a:r>
-              <a:rPr lang="en-US" sz="2000" dirty="0"/>
-              <a:t>class </a:t>
-            </a:r>
-            <a:r>
-              <a:rPr lang="en-US" sz="2000" dirty="0" err="1"/>
-              <a:t>MyClass</a:t>
-            </a:r>
-            <a:r>
-              <a:rPr lang="en-US" sz="2000" dirty="0"/>
-              <a:t> extends </a:t>
-            </a:r>
-            <a:r>
-              <a:rPr lang="en-US" sz="2000" dirty="0" err="1"/>
-              <a:t>MySuperClass</a:t>
-            </a:r>
-            <a:r>
-              <a:rPr lang="en-US" sz="2000" dirty="0"/>
-              <a:t> implements </a:t>
-            </a:r>
-            <a:r>
-              <a:rPr lang="en-US" sz="2000" dirty="0" err="1"/>
-              <a:t>YourInterface</a:t>
-            </a:r>
-            <a:r>
-              <a:rPr lang="en-US" sz="2000" dirty="0"/>
-              <a:t> {</a:t>
-            </a:r>
-          </a:p>
-          <a:p>
-            <a:pPr marL="285750" indent="-285750">
-              <a:buFont typeface="Arial" panose="020B0604020202020204" pitchFamily="34" charset="0"/>
-              <a:buChar char="•"/>
-            </a:pPr>
-            <a:r>
-              <a:rPr lang="en-US" sz="2000" dirty="0"/>
-              <a:t>    // field, constructor, and</a:t>
-            </a:r>
-          </a:p>
-          <a:p>
-            <a:pPr marL="285750" indent="-285750">
-              <a:buFont typeface="Arial" panose="020B0604020202020204" pitchFamily="34" charset="0"/>
-              <a:buChar char="•"/>
-            </a:pPr>
-            <a:r>
-              <a:rPr lang="en-US" sz="2000" dirty="0"/>
-              <a:t>    // method declarations</a:t>
-            </a:r>
-          </a:p>
-          <a:p>
-            <a:pPr marL="285750" indent="-285750">
-              <a:buFont typeface="Arial" panose="020B0604020202020204" pitchFamily="34" charset="0"/>
-              <a:buChar char="•"/>
-            </a:pPr>
-            <a:r>
-              <a:rPr lang="en-US" sz="2000" dirty="0"/>
-              <a:t>}</a:t>
-            </a:r>
-          </a:p>
-        </p:txBody>
-      </p:sp>
+            <a:endParaRPr lang="en-US" sz="2000" dirty="0">
+              <a:solidFill>
+                <a:schemeClr val="bg1"/>
+              </a:solidFill>
+            </a:endParaRPr>
+          </a:p>
+        </p:txBody>
+      </p:sp>
+      <p:pic>
+        <p:nvPicPr>
+          <p:cNvPr id="12" name="Picture 11"/>
+          <p:cNvPicPr>
+            <a:picLocks noChangeAspect="1"/>
+          </p:cNvPicPr>
+          <p:nvPr/>
+        </p:nvPicPr>
+        <p:blipFill>
+          <a:blip r:embed="rId2"/>
+          <a:stretch>
+            <a:fillRect/>
+          </a:stretch>
+        </p:blipFill>
+        <p:spPr>
+          <a:xfrm>
+            <a:off x="444818" y="1288885"/>
+            <a:ext cx="8752969" cy="5321486"/>
+          </a:xfrm>
+          <a:prstGeom prst="rect">
+            <a:avLst/>
+          </a:prstGeom>
+        </p:spPr>
+      </p:pic>
     </p:spTree>
     <p:extLst>
       <p:ext uri="{BB962C8B-B14F-4D97-AF65-F5344CB8AC3E}">
-        <p14:creationId xmlns:p14="http://schemas.microsoft.com/office/powerpoint/2010/main" val="86288042"/>
+        <p14:creationId xmlns:p14="http://schemas.microsoft.com/office/powerpoint/2010/main" val="2555819788"/>
       </p:ext>
     </p:extLst>
   </p:cSld>
@@ -30562,7 +32884,7 @@
 </file>
 
 <file path=ppt/slides/slide53.xml><?xml version="1.0" encoding="utf-8"?>
-<p:sld xmlns:a="http://schemas.openxmlformats.org/drawingml/2006/main" xmlns:r="http://schemas.openxmlformats.org/officeDocument/2006/relationships" xmlns:p="http://schemas.openxmlformats.org/presentationml/2006/main" showMasterSp="0">
+<p:sld xmlns:a="http://schemas.openxmlformats.org/drawingml/2006/main" xmlns:r="http://schemas.openxmlformats.org/officeDocument/2006/relationships" xmlns:p="http://schemas.openxmlformats.org/presentationml/2006/main">
   <p:cSld>
     <p:spTree>
       <p:nvGrpSpPr>
@@ -30595,37 +32917,8 @@
           <a:p>
             <a:r>
               <a:rPr lang="en-US" dirty="0" smtClean="0"/>
-              <a:t>Java - miscellaneous</a:t>
-            </a:r>
-            <a:endParaRPr lang="en-US" dirty="0"/>
-          </a:p>
-        </p:txBody>
-      </p:sp>
-      <p:sp>
-        <p:nvSpPr>
-          <p:cNvPr id="6" name="TextBox 5"/>
-          <p:cNvSpPr txBox="1"/>
-          <p:nvPr/>
-        </p:nvSpPr>
-        <p:spPr>
-          <a:xfrm>
-            <a:off x="746975" y="2099256"/>
-            <a:ext cx="6645498" cy="646331"/>
-          </a:xfrm>
-          <a:prstGeom prst="rect">
-            <a:avLst/>
-          </a:prstGeom>
-          <a:noFill/>
-        </p:spPr>
-        <p:txBody>
-          <a:bodyPr wrap="square" rtlCol="0">
-            <a:spAutoFit/>
-          </a:bodyPr>
-          <a:lstStyle/>
-          <a:p>
-            <a:endParaRPr lang="en-US" b="1" dirty="0" smtClean="0"/>
-          </a:p>
-          <a:p>
+              <a:t>exceptions</a:t>
+            </a:r>
             <a:endParaRPr lang="en-US" dirty="0"/>
           </a:p>
         </p:txBody>
@@ -30677,352 +32970,78 @@
         </p:nvSpPr>
         <p:spPr>
           <a:xfrm>
-            <a:off x="460375" y="1792936"/>
-            <a:ext cx="9994005" cy="4985980"/>
-          </a:xfrm>
-          <a:prstGeom prst="rect">
-            <a:avLst/>
-          </a:prstGeom>
-          <a:noFill/>
-        </p:spPr>
-        <p:txBody>
-          <a:bodyPr wrap="square" rtlCol="0">
-            <a:spAutoFit/>
-          </a:bodyPr>
-          <a:lstStyle/>
-          <a:p>
-            <a:r>
-              <a:rPr lang="en-US" sz="3200" b="1" u="sng" dirty="0" err="1" smtClean="0"/>
-              <a:t>Varargs</a:t>
-            </a:r>
-            <a:r>
-              <a:rPr lang="en-US" sz="3200" b="1" u="sng" dirty="0" smtClean="0"/>
-              <a:t> – Specifying Arbitrary number of arguments</a:t>
-            </a:r>
-          </a:p>
-          <a:p>
-            <a:r>
-              <a:rPr lang="en-US" dirty="0"/>
-              <a:t>public Polygon </a:t>
-            </a:r>
-            <a:r>
-              <a:rPr lang="en-US" dirty="0" err="1"/>
-              <a:t>polygonFrom</a:t>
-            </a:r>
-            <a:r>
-              <a:rPr lang="en-US" dirty="0"/>
-              <a:t>(Point... corners) {</a:t>
-            </a:r>
-          </a:p>
-          <a:p>
-            <a:r>
-              <a:rPr lang="en-US" dirty="0"/>
-              <a:t>    </a:t>
-            </a:r>
-            <a:r>
-              <a:rPr lang="en-US" dirty="0" err="1"/>
-              <a:t>int</a:t>
-            </a:r>
-            <a:r>
-              <a:rPr lang="en-US" dirty="0"/>
-              <a:t> </a:t>
-            </a:r>
-            <a:r>
-              <a:rPr lang="en-US" dirty="0" err="1"/>
-              <a:t>numberOfSides</a:t>
-            </a:r>
-            <a:r>
-              <a:rPr lang="en-US" dirty="0"/>
-              <a:t> = </a:t>
-            </a:r>
-            <a:r>
-              <a:rPr lang="en-US" dirty="0" err="1"/>
-              <a:t>corners.length</a:t>
-            </a:r>
-            <a:r>
-              <a:rPr lang="en-US" dirty="0"/>
-              <a:t>;</a:t>
-            </a:r>
-          </a:p>
-          <a:p>
-            <a:r>
-              <a:rPr lang="en-US" dirty="0"/>
-              <a:t>    double squareOfSide1, lengthOfSide1;</a:t>
-            </a:r>
-          </a:p>
-          <a:p>
-            <a:r>
-              <a:rPr lang="en-US" dirty="0"/>
-              <a:t>    squareOfSide1 = (corners[1].x - corners[0].x)</a:t>
-            </a:r>
-          </a:p>
-          <a:p>
-            <a:r>
-              <a:rPr lang="en-US" dirty="0"/>
-              <a:t>                     * (corners[1].x - corners[0].x) </a:t>
-            </a:r>
-          </a:p>
-          <a:p>
-            <a:r>
-              <a:rPr lang="en-US" dirty="0"/>
-              <a:t>                     + (corners[1].y - corners[0].y)</a:t>
-            </a:r>
-          </a:p>
-          <a:p>
-            <a:r>
-              <a:rPr lang="en-US" dirty="0"/>
-              <a:t>                     * (corners[1].y - corners[0].y);</a:t>
-            </a:r>
-          </a:p>
-          <a:p>
-            <a:r>
-              <a:rPr lang="en-US" dirty="0"/>
-              <a:t>    lengthOfSide1 = </a:t>
-            </a:r>
-            <a:r>
-              <a:rPr lang="en-US" dirty="0" err="1"/>
-              <a:t>Math.sqrt</a:t>
-            </a:r>
-            <a:r>
-              <a:rPr lang="en-US" dirty="0"/>
-              <a:t>(squareOfSide1);</a:t>
-            </a:r>
-          </a:p>
+            <a:off x="7495504" y="2240924"/>
+            <a:ext cx="4456090" cy="400110"/>
+          </a:xfrm>
+          <a:prstGeom prst="rect">
+            <a:avLst/>
+          </a:prstGeom>
+          <a:noFill/>
+        </p:spPr>
+        <p:txBody>
+          <a:bodyPr wrap="square" rtlCol="0">
+            <a:spAutoFit/>
+          </a:bodyPr>
+          <a:lstStyle/>
+          <a:p>
+            <a:endParaRPr lang="en-US" sz="2000" u="sng" dirty="0"/>
+          </a:p>
+        </p:txBody>
+      </p:sp>
+      <p:sp>
+        <p:nvSpPr>
+          <p:cNvPr id="5" name="TextBox 4"/>
+          <p:cNvSpPr txBox="1"/>
+          <p:nvPr/>
+        </p:nvSpPr>
+        <p:spPr>
+          <a:xfrm>
+            <a:off x="811369" y="2240924"/>
+            <a:ext cx="7959144" cy="4353059"/>
+          </a:xfrm>
+          <a:prstGeom prst="rect">
+            <a:avLst/>
+          </a:prstGeom>
+          <a:noFill/>
+        </p:spPr>
+        <p:txBody>
+          <a:bodyPr wrap="square" rtlCol="0">
+            <a:spAutoFit/>
+          </a:bodyPr>
+          <a:lstStyle/>
           <a:p>
             <a:endParaRPr lang="en-US" dirty="0"/>
           </a:p>
-          <a:p>
-            <a:r>
-              <a:rPr lang="en-US" dirty="0"/>
-              <a:t>    // more method body code follows that creates and returns a </a:t>
-            </a:r>
-          </a:p>
-          <a:p>
-            <a:r>
-              <a:rPr lang="en-US" dirty="0"/>
-              <a:t>    // polygon connecting the Points</a:t>
-            </a:r>
-          </a:p>
-          <a:p>
-            <a:r>
-              <a:rPr lang="en-US" dirty="0" smtClean="0"/>
-              <a:t>}</a:t>
-            </a:r>
-          </a:p>
-          <a:p>
-            <a:r>
-              <a:rPr lang="en-US" sz="1400" dirty="0"/>
-              <a:t>You will most commonly see </a:t>
-            </a:r>
-            <a:r>
-              <a:rPr lang="en-US" sz="1400" dirty="0" err="1"/>
-              <a:t>varargs</a:t>
-            </a:r>
-            <a:r>
-              <a:rPr lang="en-US" sz="1400" dirty="0"/>
-              <a:t> with the printing methods; for example, this </a:t>
-            </a:r>
-            <a:r>
-              <a:rPr lang="en-US" sz="1400" dirty="0" err="1"/>
-              <a:t>printf</a:t>
-            </a:r>
-            <a:r>
-              <a:rPr lang="en-US" sz="1400" dirty="0"/>
-              <a:t> method:</a:t>
-            </a:r>
-          </a:p>
-          <a:p>
-            <a:endParaRPr lang="en-US" sz="1400" dirty="0"/>
-          </a:p>
-          <a:p>
-            <a:r>
-              <a:rPr lang="en-US" sz="1400" dirty="0">
-                <a:solidFill>
-                  <a:schemeClr val="accent6">
-                    <a:lumMod val="75000"/>
-                  </a:schemeClr>
-                </a:solidFill>
-              </a:rPr>
-              <a:t>public </a:t>
-            </a:r>
-            <a:r>
-              <a:rPr lang="en-US" sz="1400" dirty="0" err="1">
-                <a:solidFill>
-                  <a:schemeClr val="accent6">
-                    <a:lumMod val="75000"/>
-                  </a:schemeClr>
-                </a:solidFill>
-              </a:rPr>
-              <a:t>PrintStream</a:t>
-            </a:r>
-            <a:r>
-              <a:rPr lang="en-US" sz="1400" dirty="0">
-                <a:solidFill>
-                  <a:schemeClr val="accent6">
-                    <a:lumMod val="75000"/>
-                  </a:schemeClr>
-                </a:solidFill>
-              </a:rPr>
-              <a:t> </a:t>
-            </a:r>
-            <a:r>
-              <a:rPr lang="en-US" sz="1400" dirty="0" err="1">
-                <a:solidFill>
-                  <a:schemeClr val="accent6">
-                    <a:lumMod val="75000"/>
-                  </a:schemeClr>
-                </a:solidFill>
-              </a:rPr>
-              <a:t>printf</a:t>
-            </a:r>
-            <a:r>
-              <a:rPr lang="en-US" sz="1400" dirty="0">
-                <a:solidFill>
-                  <a:schemeClr val="accent6">
-                    <a:lumMod val="75000"/>
-                  </a:schemeClr>
-                </a:solidFill>
-              </a:rPr>
-              <a:t>(String format, Object... </a:t>
-            </a:r>
-            <a:r>
-              <a:rPr lang="en-US" sz="1400" dirty="0" err="1">
-                <a:solidFill>
-                  <a:schemeClr val="accent6">
-                    <a:lumMod val="75000"/>
-                  </a:schemeClr>
-                </a:solidFill>
-              </a:rPr>
-              <a:t>args</a:t>
-            </a:r>
-            <a:r>
-              <a:rPr lang="en-US" sz="1400" dirty="0">
-                <a:solidFill>
-                  <a:schemeClr val="accent6">
-                    <a:lumMod val="75000"/>
-                  </a:schemeClr>
-                </a:solidFill>
-              </a:rPr>
-              <a:t>)</a:t>
-            </a:r>
-          </a:p>
-          <a:p>
-            <a:r>
-              <a:rPr lang="en-US" sz="1400" dirty="0"/>
-              <a:t>allows you to print an arbitrary number of objects. It can be called like this:</a:t>
-            </a:r>
-          </a:p>
-          <a:p>
-            <a:r>
-              <a:rPr lang="en-US" sz="1400" dirty="0" err="1" smtClean="0">
-                <a:solidFill>
-                  <a:schemeClr val="accent6">
-                    <a:lumMod val="75000"/>
-                  </a:schemeClr>
-                </a:solidFill>
-              </a:rPr>
-              <a:t>System.out.printf</a:t>
-            </a:r>
-            <a:r>
-              <a:rPr lang="en-US" sz="1400" dirty="0">
-                <a:solidFill>
-                  <a:schemeClr val="accent6">
-                    <a:lumMod val="75000"/>
-                  </a:schemeClr>
-                </a:solidFill>
-              </a:rPr>
-              <a:t>("%s: %d, %</a:t>
-            </a:r>
-            <a:r>
-              <a:rPr lang="en-US" sz="1400" dirty="0" err="1">
-                <a:solidFill>
-                  <a:schemeClr val="accent6">
-                    <a:lumMod val="75000"/>
-                  </a:schemeClr>
-                </a:solidFill>
-              </a:rPr>
-              <a:t>s%n</a:t>
-            </a:r>
-            <a:r>
-              <a:rPr lang="en-US" sz="1400" dirty="0">
-                <a:solidFill>
-                  <a:schemeClr val="accent6">
-                    <a:lumMod val="75000"/>
-                  </a:schemeClr>
-                </a:solidFill>
-              </a:rPr>
-              <a:t>", name, </a:t>
-            </a:r>
-            <a:r>
-              <a:rPr lang="en-US" sz="1400" dirty="0" err="1">
-                <a:solidFill>
-                  <a:schemeClr val="accent6">
-                    <a:lumMod val="75000"/>
-                  </a:schemeClr>
-                </a:solidFill>
-              </a:rPr>
-              <a:t>idnum</a:t>
-            </a:r>
-            <a:r>
-              <a:rPr lang="en-US" sz="1400" dirty="0">
-                <a:solidFill>
-                  <a:schemeClr val="accent6">
-                    <a:lumMod val="75000"/>
-                  </a:schemeClr>
-                </a:solidFill>
-              </a:rPr>
-              <a:t>, address</a:t>
-            </a:r>
-            <a:r>
-              <a:rPr lang="en-US" sz="1400" dirty="0" smtClean="0">
-                <a:solidFill>
-                  <a:schemeClr val="accent6">
-                    <a:lumMod val="75000"/>
-                  </a:schemeClr>
-                </a:solidFill>
-              </a:rPr>
-              <a:t>);</a:t>
-            </a:r>
-            <a:endParaRPr lang="en-US" sz="1400" dirty="0">
-              <a:solidFill>
-                <a:schemeClr val="accent6">
-                  <a:lumMod val="75000"/>
-                </a:schemeClr>
-              </a:solidFill>
-            </a:endParaRPr>
-          </a:p>
-        </p:txBody>
-      </p:sp>
-      <p:sp>
-        <p:nvSpPr>
-          <p:cNvPr id="9" name="TextBox 8"/>
-          <p:cNvSpPr txBox="1"/>
-          <p:nvPr/>
-        </p:nvSpPr>
-        <p:spPr>
-          <a:xfrm>
-            <a:off x="1300766" y="3098995"/>
-            <a:ext cx="9440214" cy="3198774"/>
-          </a:xfrm>
-          <a:prstGeom prst="rect">
-            <a:avLst/>
-          </a:prstGeom>
-          <a:noFill/>
-        </p:spPr>
-        <p:txBody>
-          <a:bodyPr wrap="square" rtlCol="0">
-            <a:spAutoFit/>
-          </a:bodyPr>
-          <a:lstStyle/>
-          <a:p>
-            <a:endParaRPr lang="en-US" dirty="0"/>
-          </a:p>
-        </p:txBody>
-      </p:sp>
+        </p:txBody>
+      </p:sp>
+      <p:pic>
+        <p:nvPicPr>
+          <p:cNvPr id="6" name="Picture 5"/>
+          <p:cNvPicPr>
+            <a:picLocks noChangeAspect="1"/>
+          </p:cNvPicPr>
+          <p:nvPr/>
+        </p:nvPicPr>
+        <p:blipFill>
+          <a:blip r:embed="rId2"/>
+          <a:stretch>
+            <a:fillRect/>
+          </a:stretch>
+        </p:blipFill>
+        <p:spPr>
+          <a:xfrm>
+            <a:off x="307975" y="348157"/>
+            <a:ext cx="10353537" cy="6245825"/>
+          </a:xfrm>
+          <a:prstGeom prst="rect">
+            <a:avLst/>
+          </a:prstGeom>
+        </p:spPr>
+      </p:pic>
     </p:spTree>
     <p:extLst>
       <p:ext uri="{BB962C8B-B14F-4D97-AF65-F5344CB8AC3E}">
-        <p14:creationId xmlns:p14="http://schemas.microsoft.com/office/powerpoint/2010/main" val="3614015230"/>
+        <p14:creationId xmlns:p14="http://schemas.microsoft.com/office/powerpoint/2010/main" val="1490834926"/>
       </p:ext>
     </p:extLst>
   </p:cSld>
@@ -31040,7 +33059,7 @@
 </file>
 
 <file path=ppt/slides/slide54.xml><?xml version="1.0" encoding="utf-8"?>
-<p:sld xmlns:a="http://schemas.openxmlformats.org/drawingml/2006/main" xmlns:r="http://schemas.openxmlformats.org/officeDocument/2006/relationships" xmlns:p="http://schemas.openxmlformats.org/presentationml/2006/main" showMasterSp="0">
+<p:sld xmlns:a="http://schemas.openxmlformats.org/drawingml/2006/main" xmlns:r="http://schemas.openxmlformats.org/officeDocument/2006/relationships" xmlns:p="http://schemas.openxmlformats.org/presentationml/2006/main">
   <p:cSld>
     <p:spTree>
       <p:nvGrpSpPr>
@@ -31073,37 +33092,8 @@
           <a:p>
             <a:r>
               <a:rPr lang="en-US" dirty="0" smtClean="0"/>
-              <a:t>Java - miscellaneous</a:t>
-            </a:r>
-            <a:endParaRPr lang="en-US" dirty="0"/>
-          </a:p>
-        </p:txBody>
-      </p:sp>
-      <p:sp>
-        <p:nvSpPr>
-          <p:cNvPr id="6" name="TextBox 5"/>
-          <p:cNvSpPr txBox="1"/>
-          <p:nvPr/>
-        </p:nvSpPr>
-        <p:spPr>
-          <a:xfrm>
-            <a:off x="746975" y="2099256"/>
-            <a:ext cx="6645498" cy="646331"/>
-          </a:xfrm>
-          <a:prstGeom prst="rect">
-            <a:avLst/>
-          </a:prstGeom>
-          <a:noFill/>
-        </p:spPr>
-        <p:txBody>
-          <a:bodyPr wrap="square" rtlCol="0">
-            <a:spAutoFit/>
-          </a:bodyPr>
-          <a:lstStyle/>
-          <a:p>
-            <a:endParaRPr lang="en-US" b="1" dirty="0" smtClean="0"/>
-          </a:p>
-          <a:p>
+              <a:t>exceptions</a:t>
+            </a:r>
             <a:endParaRPr lang="en-US" dirty="0"/>
           </a:p>
         </p:txBody>
@@ -31155,57 +33145,53 @@
         </p:nvSpPr>
         <p:spPr>
           <a:xfrm>
-            <a:off x="460375" y="1792936"/>
-            <a:ext cx="9994005" cy="1631216"/>
-          </a:xfrm>
-          <a:prstGeom prst="rect">
-            <a:avLst/>
-          </a:prstGeom>
-          <a:noFill/>
-        </p:spPr>
-        <p:txBody>
-          <a:bodyPr wrap="square" rtlCol="0">
-            <a:spAutoFit/>
-          </a:bodyPr>
-          <a:lstStyle/>
-          <a:p>
-            <a:r>
-              <a:rPr lang="en-US" sz="2800" u="sng" dirty="0"/>
-              <a:t>Returning a Class or </a:t>
-            </a:r>
-            <a:r>
-              <a:rPr lang="en-US" sz="2800" u="sng" dirty="0" smtClean="0"/>
-              <a:t>Interface</a:t>
-            </a:r>
-          </a:p>
-          <a:p>
-            <a:pPr marL="457200" indent="-457200">
-              <a:buFont typeface="Arial" panose="020B0604020202020204" pitchFamily="34" charset="0"/>
-              <a:buChar char="•"/>
-            </a:pPr>
-            <a:r>
-              <a:rPr lang="en-US" sz="2400" i="1" dirty="0"/>
-              <a:t>When a method uses a class name as its return </a:t>
-            </a:r>
-            <a:r>
-              <a:rPr lang="en-US" sz="2400" i="1" dirty="0" smtClean="0"/>
-              <a:t>type </a:t>
-            </a:r>
-            <a:r>
-              <a:rPr lang="en-US" sz="2400" i="1" dirty="0"/>
-              <a:t>the class of the type of the returned object must be either a subclass of, or the exact class of, the return </a:t>
-            </a:r>
-            <a:r>
-              <a:rPr lang="en-US" sz="2400" i="1" dirty="0" smtClean="0"/>
-              <a:t>type.</a:t>
-            </a:r>
-            <a:endParaRPr lang="en-US" sz="2400" i="1" dirty="0"/>
+            <a:off x="7495504" y="2240924"/>
+            <a:ext cx="4456090" cy="400110"/>
+          </a:xfrm>
+          <a:prstGeom prst="rect">
+            <a:avLst/>
+          </a:prstGeom>
+          <a:noFill/>
+        </p:spPr>
+        <p:txBody>
+          <a:bodyPr wrap="square" rtlCol="0">
+            <a:spAutoFit/>
+          </a:bodyPr>
+          <a:lstStyle/>
+          <a:p>
+            <a:endParaRPr lang="en-US" sz="2000" u="sng" dirty="0"/>
+          </a:p>
+        </p:txBody>
+      </p:sp>
+      <p:sp>
+        <p:nvSpPr>
+          <p:cNvPr id="5" name="TextBox 4"/>
+          <p:cNvSpPr txBox="1"/>
+          <p:nvPr/>
+        </p:nvSpPr>
+        <p:spPr>
+          <a:xfrm>
+            <a:off x="811369" y="2240924"/>
+            <a:ext cx="7959144" cy="4353059"/>
+          </a:xfrm>
+          <a:prstGeom prst="rect">
+            <a:avLst/>
+          </a:prstGeom>
+          <a:noFill/>
+        </p:spPr>
+        <p:txBody>
+          <a:bodyPr wrap="square" rtlCol="0">
+            <a:spAutoFit/>
+          </a:bodyPr>
+          <a:lstStyle/>
+          <a:p>
+            <a:endParaRPr lang="en-US" dirty="0"/>
           </a:p>
         </p:txBody>
       </p:sp>
       <p:pic>
         <p:nvPicPr>
-          <p:cNvPr id="3" name="Picture 2"/>
+          <p:cNvPr id="6" name="Picture 5"/>
           <p:cNvPicPr>
             <a:picLocks noChangeAspect="1"/>
           </p:cNvPicPr>
@@ -31219,137 +33205,18 @@
         </p:blipFill>
         <p:spPr>
           <a:xfrm>
-            <a:off x="746974" y="4512753"/>
-            <a:ext cx="2150771" cy="2253890"/>
+            <a:off x="307974" y="284175"/>
+            <a:ext cx="10999229" cy="6309807"/>
           </a:xfrm>
           <a:prstGeom prst="rect">
             <a:avLst/>
           </a:prstGeom>
         </p:spPr>
       </p:pic>
-      <p:sp>
-        <p:nvSpPr>
-          <p:cNvPr id="7" name="TextBox 6"/>
-          <p:cNvSpPr txBox="1"/>
-          <p:nvPr/>
-        </p:nvSpPr>
-        <p:spPr>
-          <a:xfrm>
-            <a:off x="3593206" y="3608818"/>
-            <a:ext cx="8598794" cy="2585323"/>
-          </a:xfrm>
-          <a:prstGeom prst="rect">
-            <a:avLst/>
-          </a:prstGeom>
-          <a:noFill/>
-        </p:spPr>
-        <p:txBody>
-          <a:bodyPr wrap="square" rtlCol="0">
-            <a:spAutoFit/>
-          </a:bodyPr>
-          <a:lstStyle/>
-          <a:p>
-            <a:r>
-              <a:rPr lang="en-US" dirty="0" smtClean="0">
-                <a:solidFill>
-                  <a:schemeClr val="accent6">
-                    <a:lumMod val="75000"/>
-                  </a:schemeClr>
-                </a:solidFill>
-              </a:rPr>
-              <a:t>public Number </a:t>
-            </a:r>
-            <a:r>
-              <a:rPr lang="en-US" dirty="0" err="1" smtClean="0">
-                <a:solidFill>
-                  <a:schemeClr val="accent6">
-                    <a:lumMod val="75000"/>
-                  </a:schemeClr>
-                </a:solidFill>
-              </a:rPr>
-              <a:t>returnANumber</a:t>
-            </a:r>
-            <a:r>
-              <a:rPr lang="en-US" dirty="0" smtClean="0">
-                <a:solidFill>
-                  <a:schemeClr val="accent6">
-                    <a:lumMod val="75000"/>
-                  </a:schemeClr>
-                </a:solidFill>
-              </a:rPr>
-              <a:t>() {</a:t>
-            </a:r>
-          </a:p>
-          <a:p>
-            <a:r>
-              <a:rPr lang="en-US" dirty="0" smtClean="0">
-                <a:solidFill>
-                  <a:schemeClr val="accent6">
-                    <a:lumMod val="75000"/>
-                  </a:schemeClr>
-                </a:solidFill>
-              </a:rPr>
-              <a:t>    ...</a:t>
-            </a:r>
-          </a:p>
-          <a:p>
-            <a:r>
-              <a:rPr lang="en-US" dirty="0" smtClean="0">
-                <a:solidFill>
-                  <a:schemeClr val="accent6">
-                    <a:lumMod val="75000"/>
-                  </a:schemeClr>
-                </a:solidFill>
-              </a:rPr>
-              <a:t>}</a:t>
-            </a:r>
-          </a:p>
-          <a:p>
-            <a:endParaRPr lang="en-US" dirty="0"/>
-          </a:p>
-          <a:p>
-            <a:r>
-              <a:rPr lang="en-US" dirty="0"/>
-              <a:t>The </a:t>
-            </a:r>
-            <a:r>
-              <a:rPr lang="en-US" dirty="0" err="1"/>
-              <a:t>returnANumber</a:t>
-            </a:r>
-            <a:r>
-              <a:rPr lang="en-US" dirty="0"/>
-              <a:t> method can return an </a:t>
-            </a:r>
-            <a:r>
-              <a:rPr lang="en-US" dirty="0" err="1"/>
-              <a:t>ImaginaryNumber</a:t>
-            </a:r>
-            <a:r>
-              <a:rPr lang="en-US" dirty="0"/>
-              <a:t> but not an Object. </a:t>
-            </a:r>
-            <a:r>
-              <a:rPr lang="en-US" dirty="0" err="1"/>
-              <a:t>ImaginaryNumber</a:t>
-            </a:r>
-            <a:r>
-              <a:rPr lang="en-US" dirty="0"/>
-              <a:t> is a Number because it's a subclass of Number. However, an Object is not necessarily a Number — it could be a String or another type</a:t>
-            </a:r>
-            <a:endParaRPr lang="en-US" dirty="0" smtClean="0"/>
-          </a:p>
-          <a:p>
-            <a:endParaRPr lang="en-US" dirty="0"/>
-          </a:p>
-          <a:p>
-            <a:endParaRPr lang="en-US" dirty="0"/>
-          </a:p>
-        </p:txBody>
-      </p:sp>
     </p:spTree>
     <p:extLst>
       <p:ext uri="{BB962C8B-B14F-4D97-AF65-F5344CB8AC3E}">
-        <p14:creationId xmlns:p14="http://schemas.microsoft.com/office/powerpoint/2010/main" val="1271906606"/>
+        <p14:creationId xmlns:p14="http://schemas.microsoft.com/office/powerpoint/2010/main" val="506832973"/>
       </p:ext>
     </p:extLst>
   </p:cSld>
@@ -31367,7 +33234,7 @@
 </file>
 
 <file path=ppt/slides/slide55.xml><?xml version="1.0" encoding="utf-8"?>
-<p:sld xmlns:a="http://schemas.openxmlformats.org/drawingml/2006/main" xmlns:r="http://schemas.openxmlformats.org/officeDocument/2006/relationships" xmlns:p="http://schemas.openxmlformats.org/presentationml/2006/main" showMasterSp="0">
+<p:sld xmlns:a="http://schemas.openxmlformats.org/drawingml/2006/main" xmlns:r="http://schemas.openxmlformats.org/officeDocument/2006/relationships" xmlns:p="http://schemas.openxmlformats.org/presentationml/2006/main">
   <p:cSld>
     <p:spTree>
       <p:nvGrpSpPr>
@@ -31400,37 +33267,8 @@
           <a:p>
             <a:r>
               <a:rPr lang="en-US" dirty="0" smtClean="0"/>
-              <a:t>Advanced java</a:t>
-            </a:r>
-            <a:endParaRPr lang="en-US" dirty="0"/>
-          </a:p>
-        </p:txBody>
-      </p:sp>
-      <p:sp>
-        <p:nvSpPr>
-          <p:cNvPr id="6" name="TextBox 5"/>
-          <p:cNvSpPr txBox="1"/>
-          <p:nvPr/>
-        </p:nvSpPr>
-        <p:spPr>
-          <a:xfrm>
-            <a:off x="746975" y="2099256"/>
-            <a:ext cx="6645498" cy="646331"/>
-          </a:xfrm>
-          <a:prstGeom prst="rect">
-            <a:avLst/>
-          </a:prstGeom>
-          <a:noFill/>
-        </p:spPr>
-        <p:txBody>
-          <a:bodyPr wrap="square" rtlCol="0">
-            <a:spAutoFit/>
-          </a:bodyPr>
-          <a:lstStyle/>
-          <a:p>
-            <a:endParaRPr lang="en-US" b="1" dirty="0" smtClean="0"/>
-          </a:p>
-          <a:p>
+              <a:t>exceptions</a:t>
+            </a:r>
             <a:endParaRPr lang="en-US" dirty="0"/>
           </a:p>
         </p:txBody>
@@ -31482,177 +33320,34 @@
         </p:nvSpPr>
         <p:spPr>
           <a:xfrm>
-            <a:off x="460375" y="437262"/>
-            <a:ext cx="9994005" cy="4401205"/>
-          </a:xfrm>
-          <a:prstGeom prst="rect">
-            <a:avLst/>
-          </a:prstGeom>
-          <a:noFill/>
-        </p:spPr>
-        <p:txBody>
-          <a:bodyPr wrap="square" rtlCol="0">
-            <a:spAutoFit/>
-          </a:bodyPr>
-          <a:lstStyle/>
-          <a:p>
-            <a:r>
-              <a:rPr lang="en-US" sz="2800" dirty="0" smtClean="0">
-                <a:solidFill>
-                  <a:schemeClr val="accent6">
-                    <a:lumMod val="75000"/>
-                  </a:schemeClr>
-                </a:solidFill>
-              </a:rPr>
-              <a:t>Garbage collection</a:t>
-            </a:r>
-          </a:p>
-          <a:p>
-            <a:r>
-              <a:rPr lang="en-US" sz="2800" dirty="0" smtClean="0">
-                <a:solidFill>
-                  <a:schemeClr val="accent6">
-                    <a:lumMod val="75000"/>
-                  </a:schemeClr>
-                </a:solidFill>
-              </a:rPr>
-              <a:t>JDBC</a:t>
-            </a:r>
-          </a:p>
-          <a:p>
-            <a:r>
-              <a:rPr lang="en-US" sz="2800" dirty="0" smtClean="0">
-                <a:solidFill>
-                  <a:schemeClr val="accent6">
-                    <a:lumMod val="75000"/>
-                  </a:schemeClr>
-                </a:solidFill>
-              </a:rPr>
-              <a:t>Lambda expressions</a:t>
-            </a:r>
-          </a:p>
-          <a:p>
-            <a:r>
-              <a:rPr lang="en-US" sz="2800" dirty="0" smtClean="0">
-                <a:solidFill>
-                  <a:schemeClr val="accent6">
-                    <a:lumMod val="75000"/>
-                  </a:schemeClr>
-                </a:solidFill>
-              </a:rPr>
-              <a:t>Annotations</a:t>
-            </a:r>
-          </a:p>
-          <a:p>
-            <a:r>
-              <a:rPr lang="en-US" sz="2800" dirty="0" smtClean="0">
-                <a:solidFill>
-                  <a:schemeClr val="accent6">
-                    <a:lumMod val="75000"/>
-                  </a:schemeClr>
-                </a:solidFill>
-              </a:rPr>
-              <a:t>Aggregate operations on collection using </a:t>
-            </a:r>
-            <a:r>
-              <a:rPr lang="en-US" sz="2800" dirty="0" err="1" smtClean="0">
-                <a:solidFill>
-                  <a:schemeClr val="accent6">
-                    <a:lumMod val="75000"/>
-                  </a:schemeClr>
-                </a:solidFill>
-              </a:rPr>
-              <a:t>Lambarda</a:t>
-            </a:r>
-            <a:r>
-              <a:rPr lang="en-US" sz="2800" dirty="0" smtClean="0">
-                <a:solidFill>
-                  <a:schemeClr val="accent6">
-                    <a:lumMod val="75000"/>
-                  </a:schemeClr>
-                </a:solidFill>
-              </a:rPr>
-              <a:t> expression.</a:t>
-            </a:r>
-          </a:p>
-          <a:p>
-            <a:r>
-              <a:rPr lang="en-US" sz="2800" dirty="0" smtClean="0">
-                <a:solidFill>
-                  <a:schemeClr val="accent6">
-                    <a:lumMod val="75000"/>
-                  </a:schemeClr>
-                </a:solidFill>
-              </a:rPr>
-              <a:t>Java streaming</a:t>
-            </a:r>
-          </a:p>
-          <a:p>
-            <a:r>
-              <a:rPr lang="en-US" sz="2800" dirty="0" smtClean="0">
-                <a:solidFill>
-                  <a:schemeClr val="accent6">
-                    <a:lumMod val="75000"/>
-                  </a:schemeClr>
-                </a:solidFill>
-              </a:rPr>
-              <a:t>Blocking queue</a:t>
-            </a:r>
-          </a:p>
-          <a:p>
-            <a:r>
-              <a:rPr lang="en-US" sz="2800" dirty="0" smtClean="0">
-                <a:solidFill>
-                  <a:schemeClr val="accent6">
-                    <a:lumMod val="75000"/>
-                  </a:schemeClr>
-                </a:solidFill>
-              </a:rPr>
-              <a:t>Aggregate operations</a:t>
-            </a:r>
-          </a:p>
-          <a:p>
-            <a:r>
-              <a:rPr lang="en-US" sz="2800" dirty="0" smtClean="0">
-                <a:solidFill>
-                  <a:schemeClr val="accent6">
-                    <a:lumMod val="75000"/>
-                  </a:schemeClr>
-                </a:solidFill>
-              </a:rPr>
-              <a:t>Autoboxing and unboxing</a:t>
-            </a:r>
-          </a:p>
-          <a:p>
-            <a:endParaRPr lang="en-US" sz="1400" dirty="0" smtClean="0">
-              <a:solidFill>
-                <a:schemeClr val="accent6">
-                  <a:lumMod val="75000"/>
-                </a:schemeClr>
-              </a:solidFill>
-            </a:endParaRPr>
-          </a:p>
-          <a:p>
-            <a:endParaRPr lang="en-US" sz="1400" dirty="0">
-              <a:solidFill>
-                <a:schemeClr val="accent6">
-                  <a:lumMod val="75000"/>
-                </a:schemeClr>
-              </a:solidFill>
-            </a:endParaRPr>
-          </a:p>
-        </p:txBody>
-      </p:sp>
-      <p:sp>
-        <p:nvSpPr>
-          <p:cNvPr id="9" name="TextBox 8"/>
-          <p:cNvSpPr txBox="1"/>
-          <p:nvPr/>
-        </p:nvSpPr>
-        <p:spPr>
-          <a:xfrm>
-            <a:off x="1300766" y="3098995"/>
-            <a:ext cx="9440214" cy="3198774"/>
+            <a:off x="7495504" y="2240924"/>
+            <a:ext cx="4456090" cy="400110"/>
+          </a:xfrm>
+          <a:prstGeom prst="rect">
+            <a:avLst/>
+          </a:prstGeom>
+          <a:noFill/>
+        </p:spPr>
+        <p:txBody>
+          <a:bodyPr wrap="square" rtlCol="0">
+            <a:spAutoFit/>
+          </a:bodyPr>
+          <a:lstStyle/>
+          <a:p>
+            <a:endParaRPr lang="en-US" sz="2000" u="sng" dirty="0"/>
+          </a:p>
+        </p:txBody>
+      </p:sp>
+      <p:sp>
+        <p:nvSpPr>
+          <p:cNvPr id="5" name="TextBox 4"/>
+          <p:cNvSpPr txBox="1"/>
+          <p:nvPr/>
+        </p:nvSpPr>
+        <p:spPr>
+          <a:xfrm>
+            <a:off x="811369" y="2240924"/>
+            <a:ext cx="7959144" cy="4353059"/>
           </a:xfrm>
           <a:prstGeom prst="rect">
             <a:avLst/>
@@ -31672,7 +33367,7 @@
     </p:spTree>
     <p:extLst>
       <p:ext uri="{BB962C8B-B14F-4D97-AF65-F5344CB8AC3E}">
-        <p14:creationId xmlns:p14="http://schemas.microsoft.com/office/powerpoint/2010/main" val="2545554712"/>
+        <p14:creationId xmlns:p14="http://schemas.microsoft.com/office/powerpoint/2010/main" val="3823283436"/>
       </p:ext>
     </p:extLst>
   </p:cSld>
@@ -31708,559 +33403,306 @@
       </p:grpSpPr>
       <p:sp>
         <p:nvSpPr>
-          <p:cNvPr id="3" name="Content Placeholder 2"/>
+          <p:cNvPr id="2" name="Title 1"/>
           <p:cNvSpPr>
             <a:spLocks noGrp="1"/>
           </p:cNvSpPr>
           <p:nvPr>
-            <p:ph idx="1"/>
+            <p:ph type="title"/>
           </p:nvPr>
         </p:nvSpPr>
-        <p:spPr>
-          <a:xfrm>
-            <a:off x="1155262" y="284176"/>
-            <a:ext cx="9784080" cy="4206240"/>
-          </a:xfrm>
-        </p:spPr>
-        <p:txBody>
-          <a:bodyPr>
-            <a:normAutofit fontScale="25000" lnSpcReduction="20000"/>
-          </a:bodyPr>
-          <a:lstStyle/>
-          <a:p>
-            <a:r>
-              <a:rPr lang="en-US" sz="7200" dirty="0">
-                <a:solidFill>
-                  <a:schemeClr val="bg1"/>
-                </a:solidFill>
-                <a:hlinkClick r:id="rId2"/>
-              </a:rPr>
-              <a:t>https://</a:t>
-            </a:r>
-            <a:r>
-              <a:rPr lang="en-US" sz="7200" dirty="0" smtClean="0">
-                <a:solidFill>
-                  <a:schemeClr val="bg1"/>
-                </a:solidFill>
-                <a:hlinkClick r:id="rId2"/>
-              </a:rPr>
-              <a:t>docs.oracle.com/javase/tutorial/reallybigindex.html</a:t>
-            </a:r>
-            <a:endParaRPr lang="en-US" sz="7200" dirty="0" smtClean="0">
-              <a:solidFill>
-                <a:schemeClr val="bg1"/>
-              </a:solidFill>
-            </a:endParaRPr>
-          </a:p>
-          <a:p>
-            <a:r>
-              <a:rPr lang="en-US" sz="7200" dirty="0">
-                <a:solidFill>
-                  <a:schemeClr val="bg1"/>
-                </a:solidFill>
-                <a:hlinkClick r:id="rId3"/>
-              </a:rPr>
-              <a:t>http://</a:t>
-            </a:r>
-            <a:r>
-              <a:rPr lang="en-US" sz="7200" dirty="0" smtClean="0">
-                <a:solidFill>
-                  <a:schemeClr val="bg1"/>
-                </a:solidFill>
-                <a:hlinkClick r:id="rId3"/>
-              </a:rPr>
-              <a:t>www.slideshare.net/EdurekaIN/java-class-3</a:t>
-            </a:r>
-            <a:endParaRPr lang="en-US" sz="7200" dirty="0" smtClean="0">
-              <a:solidFill>
-                <a:schemeClr val="bg1"/>
-              </a:solidFill>
-            </a:endParaRPr>
-          </a:p>
-          <a:p>
-            <a:r>
-              <a:rPr lang="en-US" sz="7200" dirty="0">
-                <a:solidFill>
-                  <a:schemeClr val="bg1"/>
-                </a:solidFill>
-                <a:hlinkClick r:id="rId4"/>
-              </a:rPr>
-              <a:t>http://</a:t>
-            </a:r>
-            <a:r>
-              <a:rPr lang="en-US" sz="7200" dirty="0" smtClean="0">
-                <a:solidFill>
-                  <a:schemeClr val="bg1"/>
-                </a:solidFill>
-                <a:hlinkClick r:id="rId4"/>
-              </a:rPr>
-              <a:t>www.slideshare.net/abdurrehmanabdurrehman391/variables-and-data-types-by-sir-khalid</a:t>
-            </a:r>
-            <a:endParaRPr lang="en-US" sz="7200" dirty="0" smtClean="0">
-              <a:solidFill>
-                <a:schemeClr val="bg1"/>
-              </a:solidFill>
-            </a:endParaRPr>
-          </a:p>
-          <a:p>
-            <a:r>
-              <a:rPr lang="en-US" sz="7200" dirty="0">
-                <a:solidFill>
-                  <a:schemeClr val="bg1"/>
-                </a:solidFill>
-                <a:hlinkClick r:id="rId5"/>
-              </a:rPr>
-              <a:t>http://</a:t>
-            </a:r>
-            <a:r>
-              <a:rPr lang="en-US" sz="7200" dirty="0" smtClean="0">
-                <a:solidFill>
-                  <a:schemeClr val="bg1"/>
-                </a:solidFill>
-                <a:hlinkClick r:id="rId5"/>
-              </a:rPr>
-              <a:t>www.slideshare.net/abdurrehmanabdurrehman391/java-advancedoop</a:t>
-            </a:r>
-            <a:endParaRPr lang="en-US" sz="7200" dirty="0" smtClean="0">
-              <a:solidFill>
-                <a:schemeClr val="bg1"/>
-              </a:solidFill>
-            </a:endParaRPr>
-          </a:p>
-          <a:p>
-            <a:r>
-              <a:rPr lang="en-US" sz="7200" dirty="0">
-                <a:solidFill>
-                  <a:schemeClr val="bg1"/>
-                </a:solidFill>
-                <a:hlinkClick r:id="rId6"/>
-              </a:rPr>
-              <a:t>http://</a:t>
-            </a:r>
-            <a:r>
-              <a:rPr lang="en-US" sz="7200" dirty="0" smtClean="0">
-                <a:solidFill>
-                  <a:schemeClr val="bg1"/>
-                </a:solidFill>
-                <a:hlinkClick r:id="rId6"/>
-              </a:rPr>
-              <a:t>www.slideshare.net/MindfireSolutions/java-garbage-collection-how-it-works?next_slideshow=1</a:t>
-            </a:r>
-            <a:endParaRPr lang="en-US" sz="7200" dirty="0" smtClean="0">
-              <a:solidFill>
-                <a:schemeClr val="bg1"/>
-              </a:solidFill>
-            </a:endParaRPr>
-          </a:p>
-          <a:p>
-            <a:r>
-              <a:rPr lang="en-US" sz="7200" dirty="0">
-                <a:solidFill>
-                  <a:schemeClr val="bg1"/>
-                </a:solidFill>
-                <a:hlinkClick r:id="rId7"/>
-              </a:rPr>
-              <a:t>http://</a:t>
-            </a:r>
-            <a:r>
-              <a:rPr lang="en-US" sz="7200" dirty="0" smtClean="0">
-                <a:solidFill>
-                  <a:schemeClr val="bg1"/>
-                </a:solidFill>
-                <a:hlinkClick r:id="rId7"/>
-              </a:rPr>
-              <a:t>www.slideshare.net/arnold7490/unit-4-java</a:t>
-            </a:r>
-            <a:endParaRPr lang="en-US" sz="7200" dirty="0" smtClean="0">
-              <a:solidFill>
-                <a:schemeClr val="bg1"/>
-              </a:solidFill>
-            </a:endParaRPr>
-          </a:p>
-          <a:p>
-            <a:r>
-              <a:rPr lang="en-US" sz="7200" dirty="0">
-                <a:solidFill>
-                  <a:schemeClr val="bg1"/>
-                </a:solidFill>
-                <a:hlinkClick r:id="rId8"/>
-              </a:rPr>
-              <a:t>http://</a:t>
-            </a:r>
-            <a:r>
-              <a:rPr lang="en-US" sz="7200" dirty="0" smtClean="0">
-                <a:solidFill>
-                  <a:schemeClr val="bg1"/>
-                </a:solidFill>
-                <a:hlinkClick r:id="rId8"/>
-              </a:rPr>
-              <a:t>www.slideshare.net/arnold7490/unit-3-java?next_slideshow=1</a:t>
-            </a:r>
-            <a:endParaRPr lang="en-US" sz="7200" dirty="0" smtClean="0">
-              <a:solidFill>
-                <a:schemeClr val="bg1"/>
-              </a:solidFill>
-            </a:endParaRPr>
-          </a:p>
-          <a:p>
-            <a:r>
-              <a:rPr lang="en-US" sz="7200" dirty="0">
-                <a:solidFill>
-                  <a:schemeClr val="bg1"/>
-                </a:solidFill>
-                <a:hlinkClick r:id="rId9"/>
-              </a:rPr>
-              <a:t>http://</a:t>
-            </a:r>
-            <a:r>
-              <a:rPr lang="en-US" sz="7200" dirty="0" smtClean="0">
-                <a:solidFill>
-                  <a:schemeClr val="bg1"/>
-                </a:solidFill>
-                <a:hlinkClick r:id="rId9"/>
-              </a:rPr>
-              <a:t>www.slideshare.net/tushardesarda/java-tutorial-3</a:t>
-            </a:r>
-            <a:endParaRPr lang="en-US" sz="7200" dirty="0" smtClean="0">
-              <a:solidFill>
-                <a:schemeClr val="bg1"/>
-              </a:solidFill>
-            </a:endParaRPr>
-          </a:p>
-          <a:p>
-            <a:r>
-              <a:rPr lang="en-US" sz="7200" dirty="0">
-                <a:solidFill>
-                  <a:schemeClr val="bg1"/>
-                </a:solidFill>
-                <a:hlinkClick r:id="rId10"/>
-              </a:rPr>
-              <a:t>http://</a:t>
-            </a:r>
-            <a:r>
-              <a:rPr lang="en-US" sz="7200" dirty="0" smtClean="0">
-                <a:solidFill>
-                  <a:schemeClr val="bg1"/>
-                </a:solidFill>
-                <a:hlinkClick r:id="rId10"/>
-              </a:rPr>
-              <a:t>www.slideshare.net/muralidhar9e/java-exception-handling-ppt</a:t>
-            </a:r>
-            <a:endParaRPr lang="en-US" sz="7200" dirty="0" smtClean="0">
-              <a:solidFill>
-                <a:schemeClr val="bg1"/>
-              </a:solidFill>
-            </a:endParaRPr>
-          </a:p>
-          <a:p>
-            <a:r>
-              <a:rPr lang="en-US" sz="7200" dirty="0">
-                <a:solidFill>
-                  <a:schemeClr val="bg1"/>
-                </a:solidFill>
-                <a:hlinkClick r:id="rId11"/>
-              </a:rPr>
-              <a:t>http://</a:t>
-            </a:r>
-            <a:r>
-              <a:rPr lang="en-US" sz="7200" dirty="0" smtClean="0">
-                <a:solidFill>
-                  <a:schemeClr val="bg1"/>
-                </a:solidFill>
-                <a:hlinkClick r:id="rId11"/>
-              </a:rPr>
-              <a:t>www.slideshare.net/emprovise/2-javabasics</a:t>
-            </a:r>
-            <a:endParaRPr lang="en-US" sz="7200" dirty="0" smtClean="0">
-              <a:solidFill>
-                <a:schemeClr val="bg1"/>
-              </a:solidFill>
-            </a:endParaRPr>
-          </a:p>
-          <a:p>
-            <a:r>
-              <a:rPr lang="en-US" sz="7200" dirty="0">
-                <a:solidFill>
-                  <a:schemeClr val="bg1"/>
-                </a:solidFill>
-                <a:hlinkClick r:id="rId12"/>
-              </a:rPr>
-              <a:t>http://</a:t>
-            </a:r>
-            <a:r>
-              <a:rPr lang="en-US" sz="7200" dirty="0" smtClean="0">
-                <a:solidFill>
-                  <a:schemeClr val="bg1"/>
-                </a:solidFill>
-                <a:hlinkClick r:id="rId12"/>
-              </a:rPr>
-              <a:t>www.slideshare.net/AllanHuang/java-new-evolution</a:t>
-            </a:r>
-            <a:endParaRPr lang="en-US" sz="7200" dirty="0" smtClean="0">
-              <a:solidFill>
-                <a:schemeClr val="bg1"/>
-              </a:solidFill>
-            </a:endParaRPr>
-          </a:p>
-          <a:p>
-            <a:r>
-              <a:rPr lang="en-US" sz="7200" dirty="0">
-                <a:solidFill>
-                  <a:schemeClr val="bg1"/>
-                </a:solidFill>
-                <a:hlinkClick r:id="rId13"/>
-              </a:rPr>
-              <a:t>http://</a:t>
-            </a:r>
-            <a:r>
-              <a:rPr lang="en-US" sz="7200" dirty="0" smtClean="0">
-                <a:solidFill>
-                  <a:schemeClr val="bg1"/>
-                </a:solidFill>
-                <a:hlinkClick r:id="rId13"/>
-              </a:rPr>
-              <a:t>www.slideshare.net/antonkeks/4-collections</a:t>
-            </a:r>
-            <a:endParaRPr lang="en-US" sz="7200" dirty="0" smtClean="0">
-              <a:solidFill>
-                <a:schemeClr val="bg1"/>
-              </a:solidFill>
-            </a:endParaRPr>
-          </a:p>
-          <a:p>
-            <a:r>
-              <a:rPr lang="en-US" sz="7200" dirty="0">
-                <a:solidFill>
-                  <a:schemeClr val="bg1"/>
-                </a:solidFill>
-                <a:hlinkClick r:id="rId14"/>
-              </a:rPr>
-              <a:t>http://</a:t>
-            </a:r>
-            <a:r>
-              <a:rPr lang="en-US" sz="7200" dirty="0" smtClean="0">
-                <a:solidFill>
-                  <a:schemeClr val="bg1"/>
-                </a:solidFill>
-                <a:hlinkClick r:id="rId14"/>
-              </a:rPr>
-              <a:t>www.slideshare.net/andreaiacono/java8-39841939 - Java8</a:t>
-            </a:r>
-            <a:r>
-              <a:rPr lang="en-US" sz="7200" dirty="0" smtClean="0">
-                <a:solidFill>
-                  <a:schemeClr val="bg1"/>
-                </a:solidFill>
-              </a:rPr>
-              <a:t> features</a:t>
-            </a:r>
-          </a:p>
-          <a:p>
-            <a:r>
-              <a:rPr lang="en-US" sz="7200" dirty="0">
-                <a:solidFill>
-                  <a:schemeClr val="bg1"/>
-                </a:solidFill>
-                <a:hlinkClick r:id="rId15"/>
-              </a:rPr>
-              <a:t>http://</a:t>
-            </a:r>
-            <a:r>
-              <a:rPr lang="en-US" sz="7200" dirty="0" smtClean="0">
-                <a:solidFill>
-                  <a:schemeClr val="bg1"/>
-                </a:solidFill>
-                <a:hlinkClick r:id="rId15"/>
-              </a:rPr>
-              <a:t>www.slideshare.net/AbhishekKhune/07-java-collection</a:t>
-            </a:r>
-            <a:endParaRPr lang="en-US" sz="7200" dirty="0" smtClean="0">
-              <a:solidFill>
-                <a:schemeClr val="bg1"/>
-              </a:solidFill>
-            </a:endParaRPr>
-          </a:p>
-          <a:p>
-            <a:r>
-              <a:rPr lang="en-US" sz="7200" dirty="0">
-                <a:solidFill>
-                  <a:schemeClr val="bg1"/>
-                </a:solidFill>
-                <a:hlinkClick r:id="rId16"/>
-              </a:rPr>
-              <a:t>http://www.slideshare.net/shahjahan786/generics-27960064</a:t>
-            </a:r>
-            <a:r>
-              <a:rPr lang="en-US" sz="7200" dirty="0">
-                <a:solidFill>
-                  <a:schemeClr val="bg1"/>
-                </a:solidFill>
-              </a:rPr>
-              <a:t> - </a:t>
-            </a:r>
-            <a:r>
-              <a:rPr lang="en-US" sz="7200" dirty="0" smtClean="0">
-                <a:solidFill>
-                  <a:schemeClr val="bg1"/>
-                </a:solidFill>
-              </a:rPr>
-              <a:t>Generics</a:t>
-            </a:r>
-          </a:p>
-          <a:p>
-            <a:r>
-              <a:rPr lang="en-US" sz="7200" dirty="0">
-                <a:solidFill>
-                  <a:schemeClr val="bg1"/>
-                </a:solidFill>
-                <a:hlinkClick r:id="rId17"/>
-              </a:rPr>
-              <a:t>http://</a:t>
-            </a:r>
-            <a:r>
-              <a:rPr lang="en-US" sz="7200" dirty="0" smtClean="0">
-                <a:solidFill>
-                  <a:schemeClr val="bg1"/>
-                </a:solidFill>
-                <a:hlinkClick r:id="rId17"/>
-              </a:rPr>
-              <a:t>www.slideshare.net/caroljmcdonald/java-generics-2485138?next_slideshow=1</a:t>
-            </a:r>
-            <a:endParaRPr lang="en-US" sz="7200" dirty="0" smtClean="0">
-              <a:solidFill>
-                <a:schemeClr val="bg1"/>
-              </a:solidFill>
-            </a:endParaRPr>
-          </a:p>
-          <a:p>
-            <a:endParaRPr lang="en-US" sz="7200" dirty="0">
-              <a:solidFill>
-                <a:schemeClr val="bg1"/>
-              </a:solidFill>
-            </a:endParaRPr>
-          </a:p>
-          <a:p>
-            <a:endParaRPr lang="en-US" sz="7200" dirty="0" smtClean="0">
-              <a:solidFill>
-                <a:schemeClr val="bg1"/>
-              </a:solidFill>
-            </a:endParaRPr>
-          </a:p>
-          <a:p>
-            <a:endParaRPr lang="en-US" sz="7200" dirty="0" smtClean="0">
-              <a:solidFill>
-                <a:schemeClr val="bg1"/>
-              </a:solidFill>
-            </a:endParaRPr>
-          </a:p>
-          <a:p>
-            <a:endParaRPr lang="en-US" sz="4000" dirty="0">
-              <a:solidFill>
-                <a:schemeClr val="bg1"/>
-              </a:solidFill>
-            </a:endParaRPr>
-          </a:p>
-          <a:p>
-            <a:endParaRPr lang="en-US" sz="4000" dirty="0" smtClean="0">
-              <a:solidFill>
-                <a:schemeClr val="bg1"/>
-              </a:solidFill>
-            </a:endParaRPr>
-          </a:p>
-          <a:p>
-            <a:endParaRPr lang="en-US" sz="4000" dirty="0">
-              <a:solidFill>
-                <a:schemeClr val="bg1"/>
-              </a:solidFill>
-            </a:endParaRPr>
-          </a:p>
-          <a:p>
-            <a:endParaRPr lang="en-US" sz="4000" dirty="0" smtClean="0">
-              <a:solidFill>
-                <a:schemeClr val="bg1"/>
-              </a:solidFill>
-            </a:endParaRPr>
-          </a:p>
-          <a:p>
-            <a:endParaRPr lang="en-US" sz="4000" dirty="0">
-              <a:solidFill>
-                <a:schemeClr val="bg1"/>
-              </a:solidFill>
-            </a:endParaRPr>
-          </a:p>
-          <a:p>
-            <a:endParaRPr lang="en-US" sz="4000" dirty="0" smtClean="0">
-              <a:solidFill>
-                <a:schemeClr val="bg1"/>
-              </a:solidFill>
-            </a:endParaRPr>
-          </a:p>
-          <a:p>
-            <a:endParaRPr lang="en-US" sz="4000" dirty="0">
-              <a:solidFill>
-                <a:schemeClr val="bg1"/>
-              </a:solidFill>
-            </a:endParaRPr>
-          </a:p>
-          <a:p>
-            <a:endParaRPr lang="en-US" sz="4000" dirty="0" smtClean="0">
-              <a:solidFill>
-                <a:schemeClr val="bg1"/>
-              </a:solidFill>
-            </a:endParaRPr>
-          </a:p>
-          <a:p>
-            <a:endParaRPr lang="en-US" sz="4000" dirty="0" smtClean="0">
-              <a:solidFill>
-                <a:schemeClr val="bg1"/>
-              </a:solidFill>
-            </a:endParaRPr>
-          </a:p>
-          <a:p>
-            <a:endParaRPr lang="en-US" dirty="0" smtClean="0"/>
-          </a:p>
-          <a:p>
-            <a:endParaRPr lang="en-US" dirty="0" smtClean="0"/>
-          </a:p>
-          <a:p>
-            <a:endParaRPr lang="en-US" dirty="0" smtClean="0"/>
-          </a:p>
-          <a:p>
-            <a:endParaRPr lang="en-US" dirty="0" smtClean="0"/>
-          </a:p>
-          <a:p>
-            <a:endParaRPr lang="en-US" dirty="0" smtClean="0"/>
-          </a:p>
-          <a:p>
-            <a:endParaRPr lang="en-US" dirty="0" smtClean="0"/>
-          </a:p>
-          <a:p>
-            <a:endParaRPr lang="en-US" dirty="0" smtClean="0"/>
-          </a:p>
-          <a:p>
-            <a:endParaRPr lang="en-US" dirty="0" smtClean="0"/>
-          </a:p>
-          <a:p>
-            <a:endParaRPr lang="en-US" dirty="0" smtClean="0"/>
-          </a:p>
-          <a:p>
-            <a:endParaRPr lang="en-US" dirty="0" smtClean="0"/>
-          </a:p>
-          <a:p>
-            <a:endParaRPr lang="en-US" dirty="0" smtClean="0"/>
-          </a:p>
-          <a:p>
-            <a:endParaRPr lang="en-US" dirty="0" smtClean="0"/>
-          </a:p>
-          <a:p>
+        <p:spPr/>
+        <p:txBody>
+          <a:bodyPr/>
+          <a:lstStyle/>
+          <a:p>
+            <a:r>
+              <a:rPr lang="en-US" dirty="0" smtClean="0"/>
+              <a:t>Java - miscellaneous</a:t>
+            </a:r>
             <a:endParaRPr lang="en-US" dirty="0"/>
+          </a:p>
+        </p:txBody>
+      </p:sp>
+      <p:sp>
+        <p:nvSpPr>
+          <p:cNvPr id="6" name="TextBox 5"/>
+          <p:cNvSpPr txBox="1"/>
+          <p:nvPr/>
+        </p:nvSpPr>
+        <p:spPr>
+          <a:xfrm>
+            <a:off x="746975" y="2099256"/>
+            <a:ext cx="6645498" cy="646331"/>
+          </a:xfrm>
+          <a:prstGeom prst="rect">
+            <a:avLst/>
+          </a:prstGeom>
+          <a:noFill/>
+        </p:spPr>
+        <p:txBody>
+          <a:bodyPr wrap="square" rtlCol="0">
+            <a:spAutoFit/>
+          </a:bodyPr>
+          <a:lstStyle/>
+          <a:p>
+            <a:endParaRPr lang="en-US" b="1" dirty="0" smtClean="0"/>
+          </a:p>
+          <a:p>
+            <a:endParaRPr lang="en-US" dirty="0"/>
+          </a:p>
+        </p:txBody>
+      </p:sp>
+      <p:sp>
+        <p:nvSpPr>
+          <p:cNvPr id="4" name="AutoShape 8" descr="http://www.penjee.com/programming/wp-content/uploads/2014/05/parameter-vs-argument-diagram.png"/>
+          <p:cNvSpPr>
+            <a:spLocks noChangeAspect="1" noChangeArrowheads="1"/>
+          </p:cNvSpPr>
+          <p:nvPr/>
+        </p:nvSpPr>
+        <p:spPr bwMode="auto">
+          <a:xfrm>
+            <a:off x="155575" y="-144463"/>
+            <a:ext cx="304800" cy="304801"/>
+          </a:xfrm>
+          <a:prstGeom prst="rect">
+            <a:avLst/>
+          </a:prstGeom>
+          <a:noFill/>
+          <a:extLst>
+            <a:ext uri="{909E8E84-426E-40DD-AFC4-6F175D3DCCD1}">
+              <a14:hiddenFill xmlns:a14="http://schemas.microsoft.com/office/drawing/2010/main">
+                <a:solidFill>
+                  <a:srgbClr val="FFFFFF"/>
+                </a:solidFill>
+              </a14:hiddenFill>
+            </a:ext>
+          </a:extLst>
+        </p:spPr>
+        <p:txBody>
+          <a:bodyPr vert="horz" wrap="square" lIns="91440" tIns="45720" rIns="91440" bIns="45720" numCol="1" anchor="t" anchorCtr="0" compatLnSpc="1">
+            <a:prstTxWarp prst="textNoShape">
+              <a:avLst/>
+            </a:prstTxWarp>
+          </a:bodyPr>
+          <a:lstStyle/>
+          <a:p>
+            <a:endParaRPr lang="en-US"/>
+          </a:p>
+        </p:txBody>
+      </p:sp>
+      <p:sp>
+        <p:nvSpPr>
+          <p:cNvPr id="8" name="TextBox 7"/>
+          <p:cNvSpPr txBox="1"/>
+          <p:nvPr/>
+        </p:nvSpPr>
+        <p:spPr>
+          <a:xfrm>
+            <a:off x="1202919" y="2575775"/>
+            <a:ext cx="8224416" cy="523220"/>
+          </a:xfrm>
+          <a:prstGeom prst="rect">
+            <a:avLst/>
+          </a:prstGeom>
+          <a:noFill/>
+        </p:spPr>
+        <p:txBody>
+          <a:bodyPr wrap="square" rtlCol="0">
+            <a:spAutoFit/>
+          </a:bodyPr>
+          <a:lstStyle/>
+          <a:p>
+            <a:r>
+              <a:rPr lang="en-US" sz="2800" b="1" dirty="0"/>
+              <a:t>Type Comparison Operator </a:t>
+            </a:r>
+            <a:r>
+              <a:rPr lang="en-US" sz="2800" b="1" dirty="0" err="1"/>
+              <a:t>instanceof</a:t>
+            </a:r>
+            <a:endParaRPr lang="en-US" sz="2800" b="1" dirty="0"/>
+          </a:p>
+        </p:txBody>
+      </p:sp>
+      <p:sp>
+        <p:nvSpPr>
+          <p:cNvPr id="9" name="TextBox 8"/>
+          <p:cNvSpPr txBox="1"/>
+          <p:nvPr/>
+        </p:nvSpPr>
+        <p:spPr>
+          <a:xfrm>
+            <a:off x="1300766" y="3098995"/>
+            <a:ext cx="9440214" cy="3198774"/>
+          </a:xfrm>
+          <a:prstGeom prst="rect">
+            <a:avLst/>
+          </a:prstGeom>
+          <a:noFill/>
+        </p:spPr>
+        <p:txBody>
+          <a:bodyPr wrap="square" rtlCol="0">
+            <a:spAutoFit/>
+          </a:bodyPr>
+          <a:lstStyle/>
+          <a:p>
+            <a:endParaRPr lang="en-US" dirty="0"/>
+          </a:p>
+        </p:txBody>
+      </p:sp>
+      <p:sp>
+        <p:nvSpPr>
+          <p:cNvPr id="12" name="Rectangle 11"/>
+          <p:cNvSpPr/>
+          <p:nvPr/>
+        </p:nvSpPr>
+        <p:spPr>
+          <a:xfrm>
+            <a:off x="1202919" y="3222106"/>
+            <a:ext cx="8224416" cy="3354765"/>
+          </a:xfrm>
+          <a:prstGeom prst="rect">
+            <a:avLst/>
+          </a:prstGeom>
+        </p:spPr>
+        <p:txBody>
+          <a:bodyPr wrap="square">
+            <a:spAutoFit/>
+          </a:bodyPr>
+          <a:lstStyle/>
+          <a:p>
+            <a:pPr marL="285750" indent="-285750">
+              <a:buFont typeface="Arial" panose="020B0604020202020204" pitchFamily="34" charset="0"/>
+              <a:buChar char="•"/>
+            </a:pPr>
+            <a:r>
+              <a:rPr lang="en-US" sz="2000" dirty="0"/>
+              <a:t>The </a:t>
+            </a:r>
+            <a:r>
+              <a:rPr lang="en-US" sz="2000" dirty="0" err="1"/>
+              <a:t>instanceof</a:t>
+            </a:r>
+            <a:r>
+              <a:rPr lang="en-US" sz="2000" dirty="0"/>
+              <a:t> operator compares an object to a specified type. </a:t>
+            </a:r>
+            <a:endParaRPr lang="en-US" sz="2000" dirty="0" smtClean="0"/>
+          </a:p>
+          <a:p>
+            <a:pPr marL="285750" indent="-285750">
+              <a:buFont typeface="Arial" panose="020B0604020202020204" pitchFamily="34" charset="0"/>
+              <a:buChar char="•"/>
+            </a:pPr>
+            <a:endParaRPr lang="en-US" sz="2000" dirty="0"/>
+          </a:p>
+          <a:p>
+            <a:pPr marL="285750" indent="-285750">
+              <a:buFont typeface="Arial" panose="020B0604020202020204" pitchFamily="34" charset="0"/>
+              <a:buChar char="•"/>
+            </a:pPr>
+            <a:r>
+              <a:rPr lang="en-US" sz="2000" dirty="0" smtClean="0"/>
+              <a:t>You </a:t>
+            </a:r>
+            <a:r>
+              <a:rPr lang="en-US" sz="2000" dirty="0"/>
+              <a:t>can use it to test if an object is an instance of a class, an instance of a subclass, or an instance of a class that implements a particular </a:t>
+            </a:r>
+            <a:r>
+              <a:rPr lang="en-US" sz="2000" dirty="0" smtClean="0"/>
+              <a:t>interface</a:t>
+            </a:r>
+          </a:p>
+          <a:p>
+            <a:pPr marL="285750" indent="-285750">
+              <a:buFont typeface="Arial" panose="020B0604020202020204" pitchFamily="34" charset="0"/>
+              <a:buChar char="•"/>
+            </a:pPr>
+            <a:endParaRPr lang="en-US" sz="2000" dirty="0"/>
+          </a:p>
+          <a:p>
+            <a:pPr marL="285750" indent="-285750">
+              <a:buFont typeface="Arial" panose="020B0604020202020204" pitchFamily="34" charset="0"/>
+              <a:buChar char="•"/>
+            </a:pPr>
+            <a:r>
+              <a:rPr lang="en-US" sz="3200" dirty="0" smtClean="0"/>
+              <a:t>Classes implementing interfaces</a:t>
+            </a:r>
+          </a:p>
+          <a:p>
+            <a:pPr marL="285750" indent="-285750">
+              <a:buFont typeface="Arial" panose="020B0604020202020204" pitchFamily="34" charset="0"/>
+              <a:buChar char="•"/>
+            </a:pPr>
+            <a:r>
+              <a:rPr lang="en-US" sz="2000" dirty="0"/>
+              <a:t>class </a:t>
+            </a:r>
+            <a:r>
+              <a:rPr lang="en-US" sz="2000" dirty="0" err="1"/>
+              <a:t>MyClass</a:t>
+            </a:r>
+            <a:r>
+              <a:rPr lang="en-US" sz="2000" dirty="0"/>
+              <a:t> extends </a:t>
+            </a:r>
+            <a:r>
+              <a:rPr lang="en-US" sz="2000" dirty="0" err="1"/>
+              <a:t>MySuperClass</a:t>
+            </a:r>
+            <a:r>
+              <a:rPr lang="en-US" sz="2000" dirty="0"/>
+              <a:t> implements </a:t>
+            </a:r>
+            <a:r>
+              <a:rPr lang="en-US" sz="2000" dirty="0" err="1"/>
+              <a:t>YourInterface</a:t>
+            </a:r>
+            <a:r>
+              <a:rPr lang="en-US" sz="2000" dirty="0"/>
+              <a:t> {</a:t>
+            </a:r>
+          </a:p>
+          <a:p>
+            <a:pPr marL="285750" indent="-285750">
+              <a:buFont typeface="Arial" panose="020B0604020202020204" pitchFamily="34" charset="0"/>
+              <a:buChar char="•"/>
+            </a:pPr>
+            <a:r>
+              <a:rPr lang="en-US" sz="2000" dirty="0"/>
+              <a:t>    // field, constructor, and</a:t>
+            </a:r>
+          </a:p>
+          <a:p>
+            <a:pPr marL="285750" indent="-285750">
+              <a:buFont typeface="Arial" panose="020B0604020202020204" pitchFamily="34" charset="0"/>
+              <a:buChar char="•"/>
+            </a:pPr>
+            <a:r>
+              <a:rPr lang="en-US" sz="2000" dirty="0"/>
+              <a:t>    // method declarations</a:t>
+            </a:r>
+          </a:p>
+          <a:p>
+            <a:pPr marL="285750" indent="-285750">
+              <a:buFont typeface="Arial" panose="020B0604020202020204" pitchFamily="34" charset="0"/>
+              <a:buChar char="•"/>
+            </a:pPr>
+            <a:r>
+              <a:rPr lang="en-US" sz="2000" dirty="0"/>
+              <a:t>}</a:t>
+            </a:r>
           </a:p>
         </p:txBody>
       </p:sp>
     </p:spTree>
     <p:extLst>
       <p:ext uri="{BB962C8B-B14F-4D97-AF65-F5344CB8AC3E}">
-        <p14:creationId xmlns:p14="http://schemas.microsoft.com/office/powerpoint/2010/main" val="3290681883"/>
+        <p14:creationId xmlns:p14="http://schemas.microsoft.com/office/powerpoint/2010/main" val="86288042"/>
       </p:ext>
     </p:extLst>
   </p:cSld>
@@ -32278,7 +33720,7 @@
 </file>
 
 <file path=ppt/slides/slide57.xml><?xml version="1.0" encoding="utf-8"?>
-<p:sld xmlns:a="http://schemas.openxmlformats.org/drawingml/2006/main" xmlns:r="http://schemas.openxmlformats.org/officeDocument/2006/relationships" xmlns:p="http://schemas.openxmlformats.org/presentationml/2006/main">
+<p:sld xmlns:a="http://schemas.openxmlformats.org/drawingml/2006/main" xmlns:r="http://schemas.openxmlformats.org/officeDocument/2006/relationships" xmlns:p="http://schemas.openxmlformats.org/presentationml/2006/main" showMasterSp="0">
   <p:cSld>
     <p:spTree>
       <p:nvGrpSpPr>
@@ -32296,399 +33738,440 @@
       </p:grpSpPr>
       <p:sp>
         <p:nvSpPr>
-          <p:cNvPr id="3" name="Content Placeholder 2"/>
+          <p:cNvPr id="2" name="Title 1"/>
           <p:cNvSpPr>
             <a:spLocks noGrp="1"/>
           </p:cNvSpPr>
           <p:nvPr>
-            <p:ph idx="1"/>
+            <p:ph type="title"/>
           </p:nvPr>
         </p:nvSpPr>
-        <p:spPr>
-          <a:xfrm>
-            <a:off x="482909" y="512776"/>
-            <a:ext cx="11081562" cy="4207142"/>
-          </a:xfrm>
-        </p:spPr>
-        <p:txBody>
-          <a:bodyPr>
-            <a:normAutofit/>
-          </a:bodyPr>
-          <a:lstStyle/>
-          <a:p>
-            <a:r>
-              <a:rPr lang="en-US" sz="2000" dirty="0">
-                <a:solidFill>
-                  <a:schemeClr val="bg1"/>
-                </a:solidFill>
-                <a:hlinkClick r:id="rId2"/>
-              </a:rPr>
-              <a:t>http://</a:t>
-            </a:r>
-            <a:r>
-              <a:rPr lang="en-US" sz="2000" dirty="0" smtClean="0">
-                <a:solidFill>
-                  <a:schemeClr val="bg1"/>
-                </a:solidFill>
-                <a:hlinkClick r:id="rId2"/>
-              </a:rPr>
-              <a:t>www.slideshare.net/KavitaGanesan/is-66154415-kavitaganesanv2</a:t>
-            </a:r>
-            <a:r>
-              <a:rPr lang="en-US" sz="2000" dirty="0" smtClean="0">
-                <a:solidFill>
-                  <a:schemeClr val="bg1"/>
-                </a:solidFill>
-              </a:rPr>
-              <a:t> - Strings</a:t>
-            </a:r>
-          </a:p>
-          <a:p>
-            <a:r>
-              <a:rPr lang="en-US" sz="2000" dirty="0">
-                <a:solidFill>
-                  <a:schemeClr val="bg1"/>
-                </a:solidFill>
-                <a:hlinkClick r:id="rId3"/>
-              </a:rPr>
-              <a:t>http://</a:t>
-            </a:r>
-            <a:r>
-              <a:rPr lang="en-US" sz="2000" dirty="0" smtClean="0">
-                <a:solidFill>
-                  <a:schemeClr val="bg1"/>
-                </a:solidFill>
-                <a:hlinkClick r:id="rId3"/>
-              </a:rPr>
-              <a:t>www.slideshare.net/antonkeks/10-threads</a:t>
-            </a:r>
-            <a:r>
-              <a:rPr lang="en-US" sz="2000" dirty="0" smtClean="0">
-                <a:solidFill>
-                  <a:schemeClr val="bg1"/>
-                </a:solidFill>
-              </a:rPr>
-              <a:t> - Threads</a:t>
-            </a:r>
-          </a:p>
-          <a:p>
-            <a:r>
-              <a:rPr lang="en-US" sz="2000" dirty="0">
-                <a:solidFill>
-                  <a:schemeClr val="bg1"/>
-                </a:solidFill>
-                <a:hlinkClick r:id="rId4"/>
-              </a:rPr>
-              <a:t>http://</a:t>
-            </a:r>
-            <a:r>
-              <a:rPr lang="en-US" sz="2000" dirty="0" smtClean="0">
-                <a:solidFill>
-                  <a:schemeClr val="bg1"/>
-                </a:solidFill>
-                <a:hlinkClick r:id="rId4"/>
-              </a:rPr>
-              <a:t>www.slideshare.net/BenjDelMundo/java-thread-synchronization</a:t>
-            </a:r>
-            <a:r>
-              <a:rPr lang="en-US" sz="2000" dirty="0" smtClean="0">
-                <a:solidFill>
-                  <a:schemeClr val="bg1"/>
-                </a:solidFill>
-              </a:rPr>
-              <a:t> - Synchronization</a:t>
-            </a:r>
-          </a:p>
-          <a:p>
-            <a:r>
-              <a:rPr lang="en-US" sz="2000" dirty="0">
-                <a:solidFill>
-                  <a:schemeClr val="bg1"/>
-                </a:solidFill>
-                <a:hlinkClick r:id="rId5"/>
-              </a:rPr>
-              <a:t>http://</a:t>
-            </a:r>
-            <a:r>
-              <a:rPr lang="en-US" sz="2000" dirty="0" smtClean="0">
-                <a:solidFill>
-                  <a:schemeClr val="bg1"/>
-                </a:solidFill>
-                <a:hlinkClick r:id="rId5"/>
-              </a:rPr>
-              <a:t>www.slideshare.net/javaonkar/thread-concurrancy</a:t>
-            </a:r>
-            <a:r>
-              <a:rPr lang="en-US" sz="2000" dirty="0" smtClean="0">
-                <a:solidFill>
-                  <a:schemeClr val="bg1"/>
-                </a:solidFill>
-              </a:rPr>
-              <a:t> - Synchronization</a:t>
-            </a:r>
-          </a:p>
-          <a:p>
-            <a:r>
-              <a:rPr lang="en-US" sz="2000" dirty="0">
-                <a:solidFill>
-                  <a:schemeClr val="bg1"/>
-                </a:solidFill>
-                <a:hlinkClick r:id="rId6"/>
-              </a:rPr>
-              <a:t>http://</a:t>
-            </a:r>
-            <a:r>
-              <a:rPr lang="en-US" sz="2000" dirty="0" smtClean="0">
-                <a:solidFill>
-                  <a:schemeClr val="bg1"/>
-                </a:solidFill>
-                <a:hlinkClick r:id="rId6"/>
-              </a:rPr>
-              <a:t>www.slideshare.net/lineking/io-package</a:t>
-            </a:r>
-            <a:r>
-              <a:rPr lang="en-US" sz="2000" dirty="0" smtClean="0">
-                <a:solidFill>
-                  <a:schemeClr val="bg1"/>
-                </a:solidFill>
-              </a:rPr>
-              <a:t> - Basic IO</a:t>
-            </a:r>
-          </a:p>
-          <a:p>
-            <a:r>
-              <a:rPr lang="en-US" sz="2000" dirty="0" smtClean="0">
-                <a:solidFill>
-                  <a:schemeClr val="bg1"/>
-                </a:solidFill>
-                <a:hlinkClick r:id="rId7"/>
-              </a:rPr>
-              <a:t>http</a:t>
-            </a:r>
-            <a:r>
-              <a:rPr lang="en-US" sz="2000" dirty="0">
-                <a:solidFill>
-                  <a:schemeClr val="bg1"/>
-                </a:solidFill>
-                <a:hlinkClick r:id="rId7"/>
-              </a:rPr>
-              <a:t>://</a:t>
-            </a:r>
-            <a:r>
-              <a:rPr lang="en-US" sz="2000" dirty="0" smtClean="0">
-                <a:solidFill>
-                  <a:schemeClr val="bg1"/>
-                </a:solidFill>
-                <a:hlinkClick r:id="rId7"/>
-              </a:rPr>
-              <a:t>new.51cto.com</a:t>
-            </a:r>
-            <a:r>
-              <a:rPr lang="en-US" sz="2000" dirty="0" smtClean="0">
-                <a:solidFill>
-                  <a:schemeClr val="bg1"/>
-                </a:solidFill>
-              </a:rPr>
-              <a:t> – Buffered streams.</a:t>
-            </a:r>
-          </a:p>
-          <a:p>
-            <a:r>
-              <a:rPr lang="en-US" sz="2000" dirty="0">
-                <a:solidFill>
-                  <a:schemeClr val="bg1"/>
-                </a:solidFill>
-                <a:hlinkClick r:id="rId8"/>
-              </a:rPr>
-              <a:t>http://</a:t>
-            </a:r>
-            <a:r>
-              <a:rPr lang="en-US" sz="2000" dirty="0" smtClean="0">
-                <a:solidFill>
-                  <a:schemeClr val="bg1"/>
-                </a:solidFill>
-                <a:hlinkClick r:id="rId8"/>
-              </a:rPr>
-              <a:t>www.slideshare.net/EmertxeSlides/010-core-javaiofundamentals</a:t>
-            </a:r>
-            <a:r>
-              <a:rPr lang="en-US" sz="2000" dirty="0" smtClean="0">
-                <a:solidFill>
-                  <a:schemeClr val="bg1"/>
-                </a:solidFill>
-              </a:rPr>
-              <a:t> - IO</a:t>
-            </a:r>
-          </a:p>
-          <a:p>
-            <a:r>
-              <a:rPr lang="en-US" sz="2000" dirty="0">
-                <a:solidFill>
-                  <a:schemeClr val="bg1"/>
-                </a:solidFill>
-                <a:hlinkClick r:id="rId9"/>
-              </a:rPr>
-              <a:t>http://</a:t>
-            </a:r>
-            <a:r>
-              <a:rPr lang="en-US" sz="2000" dirty="0" smtClean="0">
-                <a:solidFill>
-                  <a:schemeClr val="bg1"/>
-                </a:solidFill>
-                <a:hlinkClick r:id="rId9"/>
-              </a:rPr>
-              <a:t>www.slideshare.net/martyhall/file-io-in-java-8-applying-the-power-of-streams</a:t>
-            </a:r>
-            <a:r>
-              <a:rPr lang="en-US" sz="2000" dirty="0" smtClean="0">
-                <a:solidFill>
-                  <a:schemeClr val="bg1"/>
-                </a:solidFill>
-              </a:rPr>
-              <a:t> - File IO</a:t>
-            </a:r>
-          </a:p>
-          <a:p>
-            <a:endParaRPr lang="en-US" sz="2000" dirty="0">
-              <a:solidFill>
-                <a:schemeClr val="bg1"/>
-              </a:solidFill>
-            </a:endParaRPr>
-          </a:p>
-          <a:p>
-            <a:endParaRPr lang="en-US" sz="2000" dirty="0" smtClean="0">
-              <a:solidFill>
-                <a:schemeClr val="bg1"/>
-              </a:solidFill>
-            </a:endParaRPr>
-          </a:p>
-          <a:p>
-            <a:endParaRPr lang="en-US" sz="2000" dirty="0">
-              <a:solidFill>
-                <a:schemeClr val="bg1"/>
-              </a:solidFill>
-            </a:endParaRPr>
-          </a:p>
-          <a:p>
-            <a:endParaRPr lang="en-US" sz="2000" dirty="0">
-              <a:solidFill>
-                <a:schemeClr val="bg1"/>
-              </a:solidFill>
-            </a:endParaRPr>
-          </a:p>
-          <a:p>
-            <a:endParaRPr lang="en-US" sz="7200" dirty="0" smtClean="0">
-              <a:solidFill>
-                <a:schemeClr val="bg1"/>
-              </a:solidFill>
-            </a:endParaRPr>
-          </a:p>
-          <a:p>
-            <a:endParaRPr lang="en-US" sz="7200" dirty="0" smtClean="0">
-              <a:solidFill>
-                <a:schemeClr val="bg1"/>
-              </a:solidFill>
-            </a:endParaRPr>
-          </a:p>
-          <a:p>
-            <a:endParaRPr lang="en-US" sz="4000" dirty="0">
-              <a:solidFill>
-                <a:schemeClr val="bg1"/>
-              </a:solidFill>
-            </a:endParaRPr>
-          </a:p>
-          <a:p>
-            <a:endParaRPr lang="en-US" sz="4000" dirty="0" smtClean="0">
-              <a:solidFill>
-                <a:schemeClr val="bg1"/>
-              </a:solidFill>
-            </a:endParaRPr>
-          </a:p>
-          <a:p>
-            <a:endParaRPr lang="en-US" sz="4000" dirty="0">
-              <a:solidFill>
-                <a:schemeClr val="bg1"/>
-              </a:solidFill>
-            </a:endParaRPr>
-          </a:p>
-          <a:p>
-            <a:endParaRPr lang="en-US" sz="4000" dirty="0" smtClean="0">
-              <a:solidFill>
-                <a:schemeClr val="bg1"/>
-              </a:solidFill>
-            </a:endParaRPr>
-          </a:p>
-          <a:p>
-            <a:endParaRPr lang="en-US" sz="4000" dirty="0">
-              <a:solidFill>
-                <a:schemeClr val="bg1"/>
-              </a:solidFill>
-            </a:endParaRPr>
-          </a:p>
-          <a:p>
-            <a:endParaRPr lang="en-US" sz="4000" dirty="0" smtClean="0">
-              <a:solidFill>
-                <a:schemeClr val="bg1"/>
-              </a:solidFill>
-            </a:endParaRPr>
-          </a:p>
-          <a:p>
-            <a:endParaRPr lang="en-US" sz="4000" dirty="0">
-              <a:solidFill>
-                <a:schemeClr val="bg1"/>
-              </a:solidFill>
-            </a:endParaRPr>
-          </a:p>
-          <a:p>
-            <a:endParaRPr lang="en-US" sz="4000" dirty="0" smtClean="0">
-              <a:solidFill>
-                <a:schemeClr val="bg1"/>
-              </a:solidFill>
-            </a:endParaRPr>
-          </a:p>
-          <a:p>
-            <a:endParaRPr lang="en-US" sz="4000" dirty="0" smtClean="0">
-              <a:solidFill>
-                <a:schemeClr val="bg1"/>
-              </a:solidFill>
-            </a:endParaRPr>
-          </a:p>
-          <a:p>
-            <a:endParaRPr lang="en-US" dirty="0" smtClean="0"/>
-          </a:p>
-          <a:p>
-            <a:endParaRPr lang="en-US" dirty="0" smtClean="0"/>
-          </a:p>
-          <a:p>
-            <a:endParaRPr lang="en-US" dirty="0" smtClean="0"/>
-          </a:p>
-          <a:p>
-            <a:endParaRPr lang="en-US" dirty="0" smtClean="0"/>
-          </a:p>
-          <a:p>
-            <a:endParaRPr lang="en-US" dirty="0" smtClean="0"/>
-          </a:p>
-          <a:p>
-            <a:endParaRPr lang="en-US" dirty="0" smtClean="0"/>
-          </a:p>
-          <a:p>
-            <a:endParaRPr lang="en-US" dirty="0" smtClean="0"/>
-          </a:p>
-          <a:p>
-            <a:endParaRPr lang="en-US" dirty="0" smtClean="0"/>
-          </a:p>
-          <a:p>
-            <a:endParaRPr lang="en-US" dirty="0" smtClean="0"/>
-          </a:p>
-          <a:p>
-            <a:endParaRPr lang="en-US" dirty="0" smtClean="0"/>
-          </a:p>
-          <a:p>
-            <a:endParaRPr lang="en-US" dirty="0" smtClean="0"/>
-          </a:p>
-          <a:p>
-            <a:endParaRPr lang="en-US" dirty="0" smtClean="0"/>
-          </a:p>
+        <p:spPr/>
+        <p:txBody>
+          <a:bodyPr/>
+          <a:lstStyle/>
+          <a:p>
+            <a:r>
+              <a:rPr lang="en-US" dirty="0" smtClean="0"/>
+              <a:t>Java - miscellaneous</a:t>
+            </a:r>
+            <a:endParaRPr lang="en-US" dirty="0"/>
+          </a:p>
+        </p:txBody>
+      </p:sp>
+      <p:sp>
+        <p:nvSpPr>
+          <p:cNvPr id="6" name="TextBox 5"/>
+          <p:cNvSpPr txBox="1"/>
+          <p:nvPr/>
+        </p:nvSpPr>
+        <p:spPr>
+          <a:xfrm>
+            <a:off x="746975" y="2099256"/>
+            <a:ext cx="6645498" cy="646331"/>
+          </a:xfrm>
+          <a:prstGeom prst="rect">
+            <a:avLst/>
+          </a:prstGeom>
+          <a:noFill/>
+        </p:spPr>
+        <p:txBody>
+          <a:bodyPr wrap="square" rtlCol="0">
+            <a:spAutoFit/>
+          </a:bodyPr>
+          <a:lstStyle/>
+          <a:p>
+            <a:endParaRPr lang="en-US" b="1" dirty="0" smtClean="0"/>
+          </a:p>
+          <a:p>
+            <a:endParaRPr lang="en-US" dirty="0"/>
+          </a:p>
+        </p:txBody>
+      </p:sp>
+      <p:sp>
+        <p:nvSpPr>
+          <p:cNvPr id="4" name="AutoShape 8" descr="http://www.penjee.com/programming/wp-content/uploads/2014/05/parameter-vs-argument-diagram.png"/>
+          <p:cNvSpPr>
+            <a:spLocks noChangeAspect="1" noChangeArrowheads="1"/>
+          </p:cNvSpPr>
+          <p:nvPr/>
+        </p:nvSpPr>
+        <p:spPr bwMode="auto">
+          <a:xfrm>
+            <a:off x="155575" y="-144463"/>
+            <a:ext cx="304800" cy="304801"/>
+          </a:xfrm>
+          <a:prstGeom prst="rect">
+            <a:avLst/>
+          </a:prstGeom>
+          <a:noFill/>
+          <a:extLst>
+            <a:ext uri="{909E8E84-426E-40DD-AFC4-6F175D3DCCD1}">
+              <a14:hiddenFill xmlns:a14="http://schemas.microsoft.com/office/drawing/2010/main">
+                <a:solidFill>
+                  <a:srgbClr val="FFFFFF"/>
+                </a:solidFill>
+              </a14:hiddenFill>
+            </a:ext>
+          </a:extLst>
+        </p:spPr>
+        <p:txBody>
+          <a:bodyPr vert="horz" wrap="square" lIns="91440" tIns="45720" rIns="91440" bIns="45720" numCol="1" anchor="t" anchorCtr="0" compatLnSpc="1">
+            <a:prstTxWarp prst="textNoShape">
+              <a:avLst/>
+            </a:prstTxWarp>
+          </a:bodyPr>
+          <a:lstStyle/>
+          <a:p>
+            <a:endParaRPr lang="en-US"/>
+          </a:p>
+        </p:txBody>
+      </p:sp>
+      <p:sp>
+        <p:nvSpPr>
+          <p:cNvPr id="8" name="TextBox 7"/>
+          <p:cNvSpPr txBox="1"/>
+          <p:nvPr/>
+        </p:nvSpPr>
+        <p:spPr>
+          <a:xfrm>
+            <a:off x="460375" y="1792936"/>
+            <a:ext cx="9994005" cy="4985980"/>
+          </a:xfrm>
+          <a:prstGeom prst="rect">
+            <a:avLst/>
+          </a:prstGeom>
+          <a:noFill/>
+        </p:spPr>
+        <p:txBody>
+          <a:bodyPr wrap="square" rtlCol="0">
+            <a:spAutoFit/>
+          </a:bodyPr>
+          <a:lstStyle/>
+          <a:p>
+            <a:r>
+              <a:rPr lang="en-US" sz="3200" b="1" u="sng" dirty="0" err="1" smtClean="0"/>
+              <a:t>Varargs</a:t>
+            </a:r>
+            <a:r>
+              <a:rPr lang="en-US" sz="3200" b="1" u="sng" dirty="0" smtClean="0"/>
+              <a:t> – Specifying Arbitrary number of arguments</a:t>
+            </a:r>
+          </a:p>
+          <a:p>
+            <a:r>
+              <a:rPr lang="en-US" dirty="0"/>
+              <a:t>public Polygon </a:t>
+            </a:r>
+            <a:r>
+              <a:rPr lang="en-US" dirty="0" err="1"/>
+              <a:t>polygonFrom</a:t>
+            </a:r>
+            <a:r>
+              <a:rPr lang="en-US" dirty="0"/>
+              <a:t>(Point... corners) {</a:t>
+            </a:r>
+          </a:p>
+          <a:p>
+            <a:r>
+              <a:rPr lang="en-US" dirty="0"/>
+              <a:t>    </a:t>
+            </a:r>
+            <a:r>
+              <a:rPr lang="en-US" dirty="0" err="1"/>
+              <a:t>int</a:t>
+            </a:r>
+            <a:r>
+              <a:rPr lang="en-US" dirty="0"/>
+              <a:t> </a:t>
+            </a:r>
+            <a:r>
+              <a:rPr lang="en-US" dirty="0" err="1"/>
+              <a:t>numberOfSides</a:t>
+            </a:r>
+            <a:r>
+              <a:rPr lang="en-US" dirty="0"/>
+              <a:t> = </a:t>
+            </a:r>
+            <a:r>
+              <a:rPr lang="en-US" dirty="0" err="1"/>
+              <a:t>corners.length</a:t>
+            </a:r>
+            <a:r>
+              <a:rPr lang="en-US" dirty="0"/>
+              <a:t>;</a:t>
+            </a:r>
+          </a:p>
+          <a:p>
+            <a:r>
+              <a:rPr lang="en-US" dirty="0"/>
+              <a:t>    double squareOfSide1, lengthOfSide1;</a:t>
+            </a:r>
+          </a:p>
+          <a:p>
+            <a:r>
+              <a:rPr lang="en-US" dirty="0"/>
+              <a:t>    squareOfSide1 = (corners[1].x - corners[0].x)</a:t>
+            </a:r>
+          </a:p>
+          <a:p>
+            <a:r>
+              <a:rPr lang="en-US" dirty="0"/>
+              <a:t>                     * (corners[1].x - corners[0].x) </a:t>
+            </a:r>
+          </a:p>
+          <a:p>
+            <a:r>
+              <a:rPr lang="en-US" dirty="0"/>
+              <a:t>                     + (corners[1].y - corners[0].y)</a:t>
+            </a:r>
+          </a:p>
+          <a:p>
+            <a:r>
+              <a:rPr lang="en-US" dirty="0"/>
+              <a:t>                     * (corners[1].y - corners[0].y);</a:t>
+            </a:r>
+          </a:p>
+          <a:p>
+            <a:r>
+              <a:rPr lang="en-US" dirty="0"/>
+              <a:t>    lengthOfSide1 = </a:t>
+            </a:r>
+            <a:r>
+              <a:rPr lang="en-US" dirty="0" err="1"/>
+              <a:t>Math.sqrt</a:t>
+            </a:r>
+            <a:r>
+              <a:rPr lang="en-US" dirty="0"/>
+              <a:t>(squareOfSide1);</a:t>
+            </a:r>
+          </a:p>
+          <a:p>
+            <a:endParaRPr lang="en-US" dirty="0"/>
+          </a:p>
+          <a:p>
+            <a:r>
+              <a:rPr lang="en-US" dirty="0"/>
+              <a:t>    // more method body code follows that creates and returns a </a:t>
+            </a:r>
+          </a:p>
+          <a:p>
+            <a:r>
+              <a:rPr lang="en-US" dirty="0"/>
+              <a:t>    // polygon connecting the Points</a:t>
+            </a:r>
+          </a:p>
+          <a:p>
+            <a:r>
+              <a:rPr lang="en-US" dirty="0" smtClean="0"/>
+              <a:t>}</a:t>
+            </a:r>
+          </a:p>
+          <a:p>
+            <a:r>
+              <a:rPr lang="en-US" sz="1400" dirty="0"/>
+              <a:t>You will most commonly see </a:t>
+            </a:r>
+            <a:r>
+              <a:rPr lang="en-US" sz="1400" dirty="0" err="1"/>
+              <a:t>varargs</a:t>
+            </a:r>
+            <a:r>
+              <a:rPr lang="en-US" sz="1400" dirty="0"/>
+              <a:t> with the printing methods; for example, this </a:t>
+            </a:r>
+            <a:r>
+              <a:rPr lang="en-US" sz="1400" dirty="0" err="1"/>
+              <a:t>printf</a:t>
+            </a:r>
+            <a:r>
+              <a:rPr lang="en-US" sz="1400" dirty="0"/>
+              <a:t> method:</a:t>
+            </a:r>
+          </a:p>
+          <a:p>
+            <a:endParaRPr lang="en-US" sz="1400" dirty="0"/>
+          </a:p>
+          <a:p>
+            <a:r>
+              <a:rPr lang="en-US" sz="1400" dirty="0">
+                <a:solidFill>
+                  <a:schemeClr val="accent6">
+                    <a:lumMod val="75000"/>
+                  </a:schemeClr>
+                </a:solidFill>
+              </a:rPr>
+              <a:t>public </a:t>
+            </a:r>
+            <a:r>
+              <a:rPr lang="en-US" sz="1400" dirty="0" err="1">
+                <a:solidFill>
+                  <a:schemeClr val="accent6">
+                    <a:lumMod val="75000"/>
+                  </a:schemeClr>
+                </a:solidFill>
+              </a:rPr>
+              <a:t>PrintStream</a:t>
+            </a:r>
+            <a:r>
+              <a:rPr lang="en-US" sz="1400" dirty="0">
+                <a:solidFill>
+                  <a:schemeClr val="accent6">
+                    <a:lumMod val="75000"/>
+                  </a:schemeClr>
+                </a:solidFill>
+              </a:rPr>
+              <a:t> </a:t>
+            </a:r>
+            <a:r>
+              <a:rPr lang="en-US" sz="1400" dirty="0" err="1">
+                <a:solidFill>
+                  <a:schemeClr val="accent6">
+                    <a:lumMod val="75000"/>
+                  </a:schemeClr>
+                </a:solidFill>
+              </a:rPr>
+              <a:t>printf</a:t>
+            </a:r>
+            <a:r>
+              <a:rPr lang="en-US" sz="1400" dirty="0">
+                <a:solidFill>
+                  <a:schemeClr val="accent6">
+                    <a:lumMod val="75000"/>
+                  </a:schemeClr>
+                </a:solidFill>
+              </a:rPr>
+              <a:t>(String format, Object... </a:t>
+            </a:r>
+            <a:r>
+              <a:rPr lang="en-US" sz="1400" dirty="0" err="1">
+                <a:solidFill>
+                  <a:schemeClr val="accent6">
+                    <a:lumMod val="75000"/>
+                  </a:schemeClr>
+                </a:solidFill>
+              </a:rPr>
+              <a:t>args</a:t>
+            </a:r>
+            <a:r>
+              <a:rPr lang="en-US" sz="1400" dirty="0">
+                <a:solidFill>
+                  <a:schemeClr val="accent6">
+                    <a:lumMod val="75000"/>
+                  </a:schemeClr>
+                </a:solidFill>
+              </a:rPr>
+              <a:t>)</a:t>
+            </a:r>
+          </a:p>
+          <a:p>
+            <a:r>
+              <a:rPr lang="en-US" sz="1400" dirty="0"/>
+              <a:t>allows you to print an arbitrary number of objects. It can be called like this:</a:t>
+            </a:r>
+          </a:p>
+          <a:p>
+            <a:r>
+              <a:rPr lang="en-US" sz="1400" dirty="0" err="1" smtClean="0">
+                <a:solidFill>
+                  <a:schemeClr val="accent6">
+                    <a:lumMod val="75000"/>
+                  </a:schemeClr>
+                </a:solidFill>
+              </a:rPr>
+              <a:t>System.out.printf</a:t>
+            </a:r>
+            <a:r>
+              <a:rPr lang="en-US" sz="1400" dirty="0">
+                <a:solidFill>
+                  <a:schemeClr val="accent6">
+                    <a:lumMod val="75000"/>
+                  </a:schemeClr>
+                </a:solidFill>
+              </a:rPr>
+              <a:t>("%s: %d, %</a:t>
+            </a:r>
+            <a:r>
+              <a:rPr lang="en-US" sz="1400" dirty="0" err="1">
+                <a:solidFill>
+                  <a:schemeClr val="accent6">
+                    <a:lumMod val="75000"/>
+                  </a:schemeClr>
+                </a:solidFill>
+              </a:rPr>
+              <a:t>s%n</a:t>
+            </a:r>
+            <a:r>
+              <a:rPr lang="en-US" sz="1400" dirty="0">
+                <a:solidFill>
+                  <a:schemeClr val="accent6">
+                    <a:lumMod val="75000"/>
+                  </a:schemeClr>
+                </a:solidFill>
+              </a:rPr>
+              <a:t>", name, </a:t>
+            </a:r>
+            <a:r>
+              <a:rPr lang="en-US" sz="1400" dirty="0" err="1">
+                <a:solidFill>
+                  <a:schemeClr val="accent6">
+                    <a:lumMod val="75000"/>
+                  </a:schemeClr>
+                </a:solidFill>
+              </a:rPr>
+              <a:t>idnum</a:t>
+            </a:r>
+            <a:r>
+              <a:rPr lang="en-US" sz="1400" dirty="0">
+                <a:solidFill>
+                  <a:schemeClr val="accent6">
+                    <a:lumMod val="75000"/>
+                  </a:schemeClr>
+                </a:solidFill>
+              </a:rPr>
+              <a:t>, address</a:t>
+            </a:r>
+            <a:r>
+              <a:rPr lang="en-US" sz="1400" dirty="0" smtClean="0">
+                <a:solidFill>
+                  <a:schemeClr val="accent6">
+                    <a:lumMod val="75000"/>
+                  </a:schemeClr>
+                </a:solidFill>
+              </a:rPr>
+              <a:t>);</a:t>
+            </a:r>
+            <a:endParaRPr lang="en-US" sz="1400" dirty="0">
+              <a:solidFill>
+                <a:schemeClr val="accent6">
+                  <a:lumMod val="75000"/>
+                </a:schemeClr>
+              </a:solidFill>
+            </a:endParaRPr>
+          </a:p>
+        </p:txBody>
+      </p:sp>
+      <p:sp>
+        <p:nvSpPr>
+          <p:cNvPr id="9" name="TextBox 8"/>
+          <p:cNvSpPr txBox="1"/>
+          <p:nvPr/>
+        </p:nvSpPr>
+        <p:spPr>
+          <a:xfrm>
+            <a:off x="1300766" y="3098995"/>
+            <a:ext cx="9440214" cy="3198774"/>
+          </a:xfrm>
+          <a:prstGeom prst="rect">
+            <a:avLst/>
+          </a:prstGeom>
+          <a:noFill/>
+        </p:spPr>
+        <p:txBody>
+          <a:bodyPr wrap="square" rtlCol="0">
+            <a:spAutoFit/>
+          </a:bodyPr>
+          <a:lstStyle/>
           <a:p>
             <a:endParaRPr lang="en-US" dirty="0"/>
           </a:p>
@@ -32697,7 +34180,657 @@
     </p:spTree>
     <p:extLst>
       <p:ext uri="{BB962C8B-B14F-4D97-AF65-F5344CB8AC3E}">
-        <p14:creationId xmlns:p14="http://schemas.microsoft.com/office/powerpoint/2010/main" val="970127652"/>
+        <p14:creationId xmlns:p14="http://schemas.microsoft.com/office/powerpoint/2010/main" val="3614015230"/>
+      </p:ext>
+    </p:extLst>
+  </p:cSld>
+  <p:clrMapOvr>
+    <a:masterClrMapping/>
+  </p:clrMapOvr>
+  <p:timing>
+    <p:tnLst>
+      <p:par>
+        <p:cTn id="1" dur="indefinite" restart="never" nodeType="tmRoot"/>
+      </p:par>
+    </p:tnLst>
+  </p:timing>
+</p:sld>
+</file>
+
+<file path=ppt/slides/slide58.xml><?xml version="1.0" encoding="utf-8"?>
+<p:sld xmlns:a="http://schemas.openxmlformats.org/drawingml/2006/main" xmlns:r="http://schemas.openxmlformats.org/officeDocument/2006/relationships" xmlns:p="http://schemas.openxmlformats.org/presentationml/2006/main" showMasterSp="0">
+  <p:cSld>
+    <p:spTree>
+      <p:nvGrpSpPr>
+        <p:cNvPr id="1" name=""/>
+        <p:cNvGrpSpPr/>
+        <p:nvPr/>
+      </p:nvGrpSpPr>
+      <p:grpSpPr>
+        <a:xfrm>
+          <a:off x="0" y="0"/>
+          <a:ext cx="0" cy="0"/>
+          <a:chOff x="0" y="0"/>
+          <a:chExt cx="0" cy="0"/>
+        </a:xfrm>
+      </p:grpSpPr>
+      <p:sp>
+        <p:nvSpPr>
+          <p:cNvPr id="2" name="Title 1"/>
+          <p:cNvSpPr>
+            <a:spLocks noGrp="1"/>
+          </p:cNvSpPr>
+          <p:nvPr>
+            <p:ph type="title"/>
+          </p:nvPr>
+        </p:nvSpPr>
+        <p:spPr/>
+        <p:txBody>
+          <a:bodyPr/>
+          <a:lstStyle/>
+          <a:p>
+            <a:r>
+              <a:rPr lang="en-US" dirty="0" smtClean="0"/>
+              <a:t>Java - miscellaneous</a:t>
+            </a:r>
+            <a:endParaRPr lang="en-US" dirty="0"/>
+          </a:p>
+        </p:txBody>
+      </p:sp>
+      <p:sp>
+        <p:nvSpPr>
+          <p:cNvPr id="6" name="TextBox 5"/>
+          <p:cNvSpPr txBox="1"/>
+          <p:nvPr/>
+        </p:nvSpPr>
+        <p:spPr>
+          <a:xfrm>
+            <a:off x="746975" y="2099256"/>
+            <a:ext cx="6645498" cy="646331"/>
+          </a:xfrm>
+          <a:prstGeom prst="rect">
+            <a:avLst/>
+          </a:prstGeom>
+          <a:noFill/>
+        </p:spPr>
+        <p:txBody>
+          <a:bodyPr wrap="square" rtlCol="0">
+            <a:spAutoFit/>
+          </a:bodyPr>
+          <a:lstStyle/>
+          <a:p>
+            <a:endParaRPr lang="en-US" b="1" dirty="0" smtClean="0"/>
+          </a:p>
+          <a:p>
+            <a:endParaRPr lang="en-US" dirty="0"/>
+          </a:p>
+        </p:txBody>
+      </p:sp>
+      <p:sp>
+        <p:nvSpPr>
+          <p:cNvPr id="4" name="AutoShape 8" descr="http://www.penjee.com/programming/wp-content/uploads/2014/05/parameter-vs-argument-diagram.png"/>
+          <p:cNvSpPr>
+            <a:spLocks noChangeAspect="1" noChangeArrowheads="1"/>
+          </p:cNvSpPr>
+          <p:nvPr/>
+        </p:nvSpPr>
+        <p:spPr bwMode="auto">
+          <a:xfrm>
+            <a:off x="155575" y="-144463"/>
+            <a:ext cx="304800" cy="304801"/>
+          </a:xfrm>
+          <a:prstGeom prst="rect">
+            <a:avLst/>
+          </a:prstGeom>
+          <a:noFill/>
+          <a:extLst>
+            <a:ext uri="{909E8E84-426E-40DD-AFC4-6F175D3DCCD1}">
+              <a14:hiddenFill xmlns:a14="http://schemas.microsoft.com/office/drawing/2010/main">
+                <a:solidFill>
+                  <a:srgbClr val="FFFFFF"/>
+                </a:solidFill>
+              </a14:hiddenFill>
+            </a:ext>
+          </a:extLst>
+        </p:spPr>
+        <p:txBody>
+          <a:bodyPr vert="horz" wrap="square" lIns="91440" tIns="45720" rIns="91440" bIns="45720" numCol="1" anchor="t" anchorCtr="0" compatLnSpc="1">
+            <a:prstTxWarp prst="textNoShape">
+              <a:avLst/>
+            </a:prstTxWarp>
+          </a:bodyPr>
+          <a:lstStyle/>
+          <a:p>
+            <a:endParaRPr lang="en-US"/>
+          </a:p>
+        </p:txBody>
+      </p:sp>
+      <p:sp>
+        <p:nvSpPr>
+          <p:cNvPr id="8" name="TextBox 7"/>
+          <p:cNvSpPr txBox="1"/>
+          <p:nvPr/>
+        </p:nvSpPr>
+        <p:spPr>
+          <a:xfrm>
+            <a:off x="460375" y="1792936"/>
+            <a:ext cx="9994005" cy="1631216"/>
+          </a:xfrm>
+          <a:prstGeom prst="rect">
+            <a:avLst/>
+          </a:prstGeom>
+          <a:noFill/>
+        </p:spPr>
+        <p:txBody>
+          <a:bodyPr wrap="square" rtlCol="0">
+            <a:spAutoFit/>
+          </a:bodyPr>
+          <a:lstStyle/>
+          <a:p>
+            <a:r>
+              <a:rPr lang="en-US" sz="2800" u="sng" dirty="0"/>
+              <a:t>Returning a Class or </a:t>
+            </a:r>
+            <a:r>
+              <a:rPr lang="en-US" sz="2800" u="sng" dirty="0" smtClean="0"/>
+              <a:t>Interface</a:t>
+            </a:r>
+          </a:p>
+          <a:p>
+            <a:pPr marL="457200" indent="-457200">
+              <a:buFont typeface="Arial" panose="020B0604020202020204" pitchFamily="34" charset="0"/>
+              <a:buChar char="•"/>
+            </a:pPr>
+            <a:r>
+              <a:rPr lang="en-US" sz="2400" i="1" dirty="0"/>
+              <a:t>When a method uses a class name as its return </a:t>
+            </a:r>
+            <a:r>
+              <a:rPr lang="en-US" sz="2400" i="1" dirty="0" smtClean="0"/>
+              <a:t>type </a:t>
+            </a:r>
+            <a:r>
+              <a:rPr lang="en-US" sz="2400" i="1" dirty="0"/>
+              <a:t>the class of the type of the returned object must be either a subclass of, or the exact class of, the return </a:t>
+            </a:r>
+            <a:r>
+              <a:rPr lang="en-US" sz="2400" i="1" dirty="0" smtClean="0"/>
+              <a:t>type.</a:t>
+            </a:r>
+            <a:endParaRPr lang="en-US" sz="2400" i="1" dirty="0"/>
+          </a:p>
+        </p:txBody>
+      </p:sp>
+      <p:pic>
+        <p:nvPicPr>
+          <p:cNvPr id="3" name="Picture 2"/>
+          <p:cNvPicPr>
+            <a:picLocks noChangeAspect="1"/>
+          </p:cNvPicPr>
+          <p:nvPr/>
+        </p:nvPicPr>
+        <p:blipFill>
+          <a:blip r:embed="rId2"/>
+          <a:stretch>
+            <a:fillRect/>
+          </a:stretch>
+        </p:blipFill>
+        <p:spPr>
+          <a:xfrm>
+            <a:off x="746974" y="4512753"/>
+            <a:ext cx="2150771" cy="2253890"/>
+          </a:xfrm>
+          <a:prstGeom prst="rect">
+            <a:avLst/>
+          </a:prstGeom>
+        </p:spPr>
+      </p:pic>
+      <p:sp>
+        <p:nvSpPr>
+          <p:cNvPr id="7" name="TextBox 6"/>
+          <p:cNvSpPr txBox="1"/>
+          <p:nvPr/>
+        </p:nvSpPr>
+        <p:spPr>
+          <a:xfrm>
+            <a:off x="3593206" y="3608818"/>
+            <a:ext cx="8598794" cy="2585323"/>
+          </a:xfrm>
+          <a:prstGeom prst="rect">
+            <a:avLst/>
+          </a:prstGeom>
+          <a:noFill/>
+        </p:spPr>
+        <p:txBody>
+          <a:bodyPr wrap="square" rtlCol="0">
+            <a:spAutoFit/>
+          </a:bodyPr>
+          <a:lstStyle/>
+          <a:p>
+            <a:r>
+              <a:rPr lang="en-US" dirty="0" smtClean="0">
+                <a:solidFill>
+                  <a:schemeClr val="accent6">
+                    <a:lumMod val="75000"/>
+                  </a:schemeClr>
+                </a:solidFill>
+              </a:rPr>
+              <a:t>public Number </a:t>
+            </a:r>
+            <a:r>
+              <a:rPr lang="en-US" dirty="0" err="1" smtClean="0">
+                <a:solidFill>
+                  <a:schemeClr val="accent6">
+                    <a:lumMod val="75000"/>
+                  </a:schemeClr>
+                </a:solidFill>
+              </a:rPr>
+              <a:t>returnANumber</a:t>
+            </a:r>
+            <a:r>
+              <a:rPr lang="en-US" dirty="0" smtClean="0">
+                <a:solidFill>
+                  <a:schemeClr val="accent6">
+                    <a:lumMod val="75000"/>
+                  </a:schemeClr>
+                </a:solidFill>
+              </a:rPr>
+              <a:t>() {</a:t>
+            </a:r>
+          </a:p>
+          <a:p>
+            <a:r>
+              <a:rPr lang="en-US" dirty="0" smtClean="0">
+                <a:solidFill>
+                  <a:schemeClr val="accent6">
+                    <a:lumMod val="75000"/>
+                  </a:schemeClr>
+                </a:solidFill>
+              </a:rPr>
+              <a:t>    ...</a:t>
+            </a:r>
+          </a:p>
+          <a:p>
+            <a:r>
+              <a:rPr lang="en-US" dirty="0" smtClean="0">
+                <a:solidFill>
+                  <a:schemeClr val="accent6">
+                    <a:lumMod val="75000"/>
+                  </a:schemeClr>
+                </a:solidFill>
+              </a:rPr>
+              <a:t>}</a:t>
+            </a:r>
+          </a:p>
+          <a:p>
+            <a:endParaRPr lang="en-US" dirty="0"/>
+          </a:p>
+          <a:p>
+            <a:r>
+              <a:rPr lang="en-US" dirty="0"/>
+              <a:t>The </a:t>
+            </a:r>
+            <a:r>
+              <a:rPr lang="en-US" dirty="0" err="1"/>
+              <a:t>returnANumber</a:t>
+            </a:r>
+            <a:r>
+              <a:rPr lang="en-US" dirty="0"/>
+              <a:t> method can return an </a:t>
+            </a:r>
+            <a:r>
+              <a:rPr lang="en-US" dirty="0" err="1"/>
+              <a:t>ImaginaryNumber</a:t>
+            </a:r>
+            <a:r>
+              <a:rPr lang="en-US" dirty="0"/>
+              <a:t> but not an Object. </a:t>
+            </a:r>
+            <a:r>
+              <a:rPr lang="en-US" dirty="0" err="1"/>
+              <a:t>ImaginaryNumber</a:t>
+            </a:r>
+            <a:r>
+              <a:rPr lang="en-US" dirty="0"/>
+              <a:t> is a Number because it's a subclass of Number. However, an Object is not necessarily a Number — it could be a String or another type</a:t>
+            </a:r>
+            <a:endParaRPr lang="en-US" dirty="0" smtClean="0"/>
+          </a:p>
+          <a:p>
+            <a:endParaRPr lang="en-US" dirty="0"/>
+          </a:p>
+          <a:p>
+            <a:endParaRPr lang="en-US" dirty="0"/>
+          </a:p>
+        </p:txBody>
+      </p:sp>
+    </p:spTree>
+    <p:extLst>
+      <p:ext uri="{BB962C8B-B14F-4D97-AF65-F5344CB8AC3E}">
+        <p14:creationId xmlns:p14="http://schemas.microsoft.com/office/powerpoint/2010/main" val="1271906606"/>
+      </p:ext>
+    </p:extLst>
+  </p:cSld>
+  <p:clrMapOvr>
+    <a:masterClrMapping/>
+  </p:clrMapOvr>
+  <p:timing>
+    <p:tnLst>
+      <p:par>
+        <p:cTn id="1" dur="indefinite" restart="never" nodeType="tmRoot"/>
+      </p:par>
+    </p:tnLst>
+  </p:timing>
+</p:sld>
+</file>
+
+<file path=ppt/slides/slide59.xml><?xml version="1.0" encoding="utf-8"?>
+<p:sld xmlns:a="http://schemas.openxmlformats.org/drawingml/2006/main" xmlns:r="http://schemas.openxmlformats.org/officeDocument/2006/relationships" xmlns:p="http://schemas.openxmlformats.org/presentationml/2006/main" showMasterSp="0">
+  <p:cSld>
+    <p:spTree>
+      <p:nvGrpSpPr>
+        <p:cNvPr id="1" name=""/>
+        <p:cNvGrpSpPr/>
+        <p:nvPr/>
+      </p:nvGrpSpPr>
+      <p:grpSpPr>
+        <a:xfrm>
+          <a:off x="0" y="0"/>
+          <a:ext cx="0" cy="0"/>
+          <a:chOff x="0" y="0"/>
+          <a:chExt cx="0" cy="0"/>
+        </a:xfrm>
+      </p:grpSpPr>
+      <p:sp>
+        <p:nvSpPr>
+          <p:cNvPr id="2" name="Title 1"/>
+          <p:cNvSpPr>
+            <a:spLocks noGrp="1"/>
+          </p:cNvSpPr>
+          <p:nvPr>
+            <p:ph type="title"/>
+          </p:nvPr>
+        </p:nvSpPr>
+        <p:spPr/>
+        <p:txBody>
+          <a:bodyPr/>
+          <a:lstStyle/>
+          <a:p>
+            <a:r>
+              <a:rPr lang="en-US" dirty="0" smtClean="0"/>
+              <a:t>Advanced java</a:t>
+            </a:r>
+            <a:endParaRPr lang="en-US" dirty="0"/>
+          </a:p>
+        </p:txBody>
+      </p:sp>
+      <p:sp>
+        <p:nvSpPr>
+          <p:cNvPr id="6" name="TextBox 5"/>
+          <p:cNvSpPr txBox="1"/>
+          <p:nvPr/>
+        </p:nvSpPr>
+        <p:spPr>
+          <a:xfrm>
+            <a:off x="746975" y="2099256"/>
+            <a:ext cx="6645498" cy="646331"/>
+          </a:xfrm>
+          <a:prstGeom prst="rect">
+            <a:avLst/>
+          </a:prstGeom>
+          <a:noFill/>
+        </p:spPr>
+        <p:txBody>
+          <a:bodyPr wrap="square" rtlCol="0">
+            <a:spAutoFit/>
+          </a:bodyPr>
+          <a:lstStyle/>
+          <a:p>
+            <a:endParaRPr lang="en-US" b="1" dirty="0" smtClean="0"/>
+          </a:p>
+          <a:p>
+            <a:endParaRPr lang="en-US" dirty="0"/>
+          </a:p>
+        </p:txBody>
+      </p:sp>
+      <p:sp>
+        <p:nvSpPr>
+          <p:cNvPr id="4" name="AutoShape 8" descr="http://www.penjee.com/programming/wp-content/uploads/2014/05/parameter-vs-argument-diagram.png"/>
+          <p:cNvSpPr>
+            <a:spLocks noChangeAspect="1" noChangeArrowheads="1"/>
+          </p:cNvSpPr>
+          <p:nvPr/>
+        </p:nvSpPr>
+        <p:spPr bwMode="auto">
+          <a:xfrm>
+            <a:off x="155575" y="-144463"/>
+            <a:ext cx="304800" cy="304801"/>
+          </a:xfrm>
+          <a:prstGeom prst="rect">
+            <a:avLst/>
+          </a:prstGeom>
+          <a:noFill/>
+          <a:extLst>
+            <a:ext uri="{909E8E84-426E-40DD-AFC4-6F175D3DCCD1}">
+              <a14:hiddenFill xmlns:a14="http://schemas.microsoft.com/office/drawing/2010/main">
+                <a:solidFill>
+                  <a:srgbClr val="FFFFFF"/>
+                </a:solidFill>
+              </a14:hiddenFill>
+            </a:ext>
+          </a:extLst>
+        </p:spPr>
+        <p:txBody>
+          <a:bodyPr vert="horz" wrap="square" lIns="91440" tIns="45720" rIns="91440" bIns="45720" numCol="1" anchor="t" anchorCtr="0" compatLnSpc="1">
+            <a:prstTxWarp prst="textNoShape">
+              <a:avLst/>
+            </a:prstTxWarp>
+          </a:bodyPr>
+          <a:lstStyle/>
+          <a:p>
+            <a:endParaRPr lang="en-US"/>
+          </a:p>
+        </p:txBody>
+      </p:sp>
+      <p:sp>
+        <p:nvSpPr>
+          <p:cNvPr id="8" name="TextBox 7"/>
+          <p:cNvSpPr txBox="1"/>
+          <p:nvPr/>
+        </p:nvSpPr>
+        <p:spPr>
+          <a:xfrm>
+            <a:off x="460375" y="437262"/>
+            <a:ext cx="9994005" cy="4401205"/>
+          </a:xfrm>
+          <a:prstGeom prst="rect">
+            <a:avLst/>
+          </a:prstGeom>
+          <a:noFill/>
+        </p:spPr>
+        <p:txBody>
+          <a:bodyPr wrap="square" rtlCol="0">
+            <a:spAutoFit/>
+          </a:bodyPr>
+          <a:lstStyle/>
+          <a:p>
+            <a:r>
+              <a:rPr lang="en-US" sz="2800" dirty="0" smtClean="0">
+                <a:solidFill>
+                  <a:schemeClr val="accent6">
+                    <a:lumMod val="75000"/>
+                  </a:schemeClr>
+                </a:solidFill>
+              </a:rPr>
+              <a:t>Garbage collection</a:t>
+            </a:r>
+          </a:p>
+          <a:p>
+            <a:r>
+              <a:rPr lang="en-US" sz="2800" dirty="0" smtClean="0">
+                <a:solidFill>
+                  <a:schemeClr val="accent6">
+                    <a:lumMod val="75000"/>
+                  </a:schemeClr>
+                </a:solidFill>
+              </a:rPr>
+              <a:t>JDBC</a:t>
+            </a:r>
+          </a:p>
+          <a:p>
+            <a:r>
+              <a:rPr lang="en-US" sz="2800" dirty="0" smtClean="0">
+                <a:solidFill>
+                  <a:schemeClr val="accent6">
+                    <a:lumMod val="75000"/>
+                  </a:schemeClr>
+                </a:solidFill>
+              </a:rPr>
+              <a:t>Lambda expressions</a:t>
+            </a:r>
+          </a:p>
+          <a:p>
+            <a:r>
+              <a:rPr lang="en-US" sz="2800" dirty="0" smtClean="0">
+                <a:solidFill>
+                  <a:schemeClr val="accent6">
+                    <a:lumMod val="75000"/>
+                  </a:schemeClr>
+                </a:solidFill>
+              </a:rPr>
+              <a:t>Annotations</a:t>
+            </a:r>
+          </a:p>
+          <a:p>
+            <a:r>
+              <a:rPr lang="en-US" sz="2800" dirty="0" smtClean="0">
+                <a:solidFill>
+                  <a:schemeClr val="accent6">
+                    <a:lumMod val="75000"/>
+                  </a:schemeClr>
+                </a:solidFill>
+              </a:rPr>
+              <a:t>Aggregate operations on collection using </a:t>
+            </a:r>
+            <a:r>
+              <a:rPr lang="en-US" sz="2800" dirty="0" err="1" smtClean="0">
+                <a:solidFill>
+                  <a:schemeClr val="accent6">
+                    <a:lumMod val="75000"/>
+                  </a:schemeClr>
+                </a:solidFill>
+              </a:rPr>
+              <a:t>Lambarda</a:t>
+            </a:r>
+            <a:r>
+              <a:rPr lang="en-US" sz="2800" dirty="0" smtClean="0">
+                <a:solidFill>
+                  <a:schemeClr val="accent6">
+                    <a:lumMod val="75000"/>
+                  </a:schemeClr>
+                </a:solidFill>
+              </a:rPr>
+              <a:t> expression.</a:t>
+            </a:r>
+          </a:p>
+          <a:p>
+            <a:r>
+              <a:rPr lang="en-US" sz="2800" dirty="0" smtClean="0">
+                <a:solidFill>
+                  <a:schemeClr val="accent6">
+                    <a:lumMod val="75000"/>
+                  </a:schemeClr>
+                </a:solidFill>
+              </a:rPr>
+              <a:t>Java streaming</a:t>
+            </a:r>
+          </a:p>
+          <a:p>
+            <a:r>
+              <a:rPr lang="en-US" sz="2800" dirty="0" smtClean="0">
+                <a:solidFill>
+                  <a:schemeClr val="accent6">
+                    <a:lumMod val="75000"/>
+                  </a:schemeClr>
+                </a:solidFill>
+              </a:rPr>
+              <a:t>Blocking queue</a:t>
+            </a:r>
+          </a:p>
+          <a:p>
+            <a:r>
+              <a:rPr lang="en-US" sz="2800" dirty="0" smtClean="0">
+                <a:solidFill>
+                  <a:schemeClr val="accent6">
+                    <a:lumMod val="75000"/>
+                  </a:schemeClr>
+                </a:solidFill>
+              </a:rPr>
+              <a:t>Aggregate operations</a:t>
+            </a:r>
+          </a:p>
+          <a:p>
+            <a:r>
+              <a:rPr lang="en-US" sz="2800" dirty="0" smtClean="0">
+                <a:solidFill>
+                  <a:schemeClr val="accent6">
+                    <a:lumMod val="75000"/>
+                  </a:schemeClr>
+                </a:solidFill>
+              </a:rPr>
+              <a:t>Autoboxing and unboxing</a:t>
+            </a:r>
+          </a:p>
+          <a:p>
+            <a:endParaRPr lang="en-US" sz="1400" dirty="0" smtClean="0">
+              <a:solidFill>
+                <a:schemeClr val="accent6">
+                  <a:lumMod val="75000"/>
+                </a:schemeClr>
+              </a:solidFill>
+            </a:endParaRPr>
+          </a:p>
+          <a:p>
+            <a:endParaRPr lang="en-US" sz="1400" dirty="0">
+              <a:solidFill>
+                <a:schemeClr val="accent6">
+                  <a:lumMod val="75000"/>
+                </a:schemeClr>
+              </a:solidFill>
+            </a:endParaRPr>
+          </a:p>
+        </p:txBody>
+      </p:sp>
+      <p:sp>
+        <p:nvSpPr>
+          <p:cNvPr id="9" name="TextBox 8"/>
+          <p:cNvSpPr txBox="1"/>
+          <p:nvPr/>
+        </p:nvSpPr>
+        <p:spPr>
+          <a:xfrm>
+            <a:off x="1300766" y="3098995"/>
+            <a:ext cx="9440214" cy="3198774"/>
+          </a:xfrm>
+          <a:prstGeom prst="rect">
+            <a:avLst/>
+          </a:prstGeom>
+          <a:noFill/>
+        </p:spPr>
+        <p:txBody>
+          <a:bodyPr wrap="square" rtlCol="0">
+            <a:spAutoFit/>
+          </a:bodyPr>
+          <a:lstStyle/>
+          <a:p>
+            <a:endParaRPr lang="en-US" dirty="0"/>
+          </a:p>
+        </p:txBody>
+      </p:sp>
+    </p:spTree>
+    <p:extLst>
+      <p:ext uri="{BB962C8B-B14F-4D97-AF65-F5344CB8AC3E}">
+        <p14:creationId xmlns:p14="http://schemas.microsoft.com/office/powerpoint/2010/main" val="2545554712"/>
       </p:ext>
     </p:extLst>
   </p:cSld>
@@ -33103,6 +35236,1031 @@
     <p:extLst>
       <p:ext uri="{BB962C8B-B14F-4D97-AF65-F5344CB8AC3E}">
         <p14:creationId xmlns:p14="http://schemas.microsoft.com/office/powerpoint/2010/main" val="3351008566"/>
+      </p:ext>
+    </p:extLst>
+  </p:cSld>
+  <p:clrMapOvr>
+    <a:masterClrMapping/>
+  </p:clrMapOvr>
+  <p:timing>
+    <p:tnLst>
+      <p:par>
+        <p:cTn id="1" dur="indefinite" restart="never" nodeType="tmRoot"/>
+      </p:par>
+    </p:tnLst>
+  </p:timing>
+</p:sld>
+</file>
+
+<file path=ppt/slides/slide60.xml><?xml version="1.0" encoding="utf-8"?>
+<p:sld xmlns:a="http://schemas.openxmlformats.org/drawingml/2006/main" xmlns:r="http://schemas.openxmlformats.org/officeDocument/2006/relationships" xmlns:p="http://schemas.openxmlformats.org/presentationml/2006/main" showMasterSp="0">
+  <p:cSld>
+    <p:spTree>
+      <p:nvGrpSpPr>
+        <p:cNvPr id="1" name=""/>
+        <p:cNvGrpSpPr/>
+        <p:nvPr/>
+      </p:nvGrpSpPr>
+      <p:grpSpPr>
+        <a:xfrm>
+          <a:off x="0" y="0"/>
+          <a:ext cx="0" cy="0"/>
+          <a:chOff x="0" y="0"/>
+          <a:chExt cx="0" cy="0"/>
+        </a:xfrm>
+      </p:grpSpPr>
+      <p:sp>
+        <p:nvSpPr>
+          <p:cNvPr id="3" name="Content Placeholder 2"/>
+          <p:cNvSpPr>
+            <a:spLocks noGrp="1"/>
+          </p:cNvSpPr>
+          <p:nvPr>
+            <p:ph idx="1"/>
+          </p:nvPr>
+        </p:nvSpPr>
+        <p:spPr>
+          <a:xfrm>
+            <a:off x="1155262" y="284176"/>
+            <a:ext cx="9784080" cy="4206240"/>
+          </a:xfrm>
+        </p:spPr>
+        <p:txBody>
+          <a:bodyPr>
+            <a:normAutofit fontScale="25000" lnSpcReduction="20000"/>
+          </a:bodyPr>
+          <a:lstStyle/>
+          <a:p>
+            <a:r>
+              <a:rPr lang="en-US" sz="7200" dirty="0">
+                <a:solidFill>
+                  <a:schemeClr val="bg1"/>
+                </a:solidFill>
+                <a:hlinkClick r:id="rId2"/>
+              </a:rPr>
+              <a:t>https://</a:t>
+            </a:r>
+            <a:r>
+              <a:rPr lang="en-US" sz="7200" dirty="0" smtClean="0">
+                <a:solidFill>
+                  <a:schemeClr val="bg1"/>
+                </a:solidFill>
+                <a:hlinkClick r:id="rId2"/>
+              </a:rPr>
+              <a:t>docs.oracle.com/javase/tutorial/reallybigindex.html</a:t>
+            </a:r>
+            <a:endParaRPr lang="en-US" sz="7200" dirty="0" smtClean="0">
+              <a:solidFill>
+                <a:schemeClr val="bg1"/>
+              </a:solidFill>
+            </a:endParaRPr>
+          </a:p>
+          <a:p>
+            <a:r>
+              <a:rPr lang="en-US" sz="7200" dirty="0">
+                <a:solidFill>
+                  <a:schemeClr val="bg1"/>
+                </a:solidFill>
+                <a:hlinkClick r:id="rId3"/>
+              </a:rPr>
+              <a:t>http://</a:t>
+            </a:r>
+            <a:r>
+              <a:rPr lang="en-US" sz="7200" dirty="0" smtClean="0">
+                <a:solidFill>
+                  <a:schemeClr val="bg1"/>
+                </a:solidFill>
+                <a:hlinkClick r:id="rId3"/>
+              </a:rPr>
+              <a:t>www.slideshare.net/EdurekaIN/java-class-3</a:t>
+            </a:r>
+            <a:endParaRPr lang="en-US" sz="7200" dirty="0" smtClean="0">
+              <a:solidFill>
+                <a:schemeClr val="bg1"/>
+              </a:solidFill>
+            </a:endParaRPr>
+          </a:p>
+          <a:p>
+            <a:r>
+              <a:rPr lang="en-US" sz="7200" dirty="0">
+                <a:solidFill>
+                  <a:schemeClr val="bg1"/>
+                </a:solidFill>
+                <a:hlinkClick r:id="rId4"/>
+              </a:rPr>
+              <a:t>http://</a:t>
+            </a:r>
+            <a:r>
+              <a:rPr lang="en-US" sz="7200" dirty="0" smtClean="0">
+                <a:solidFill>
+                  <a:schemeClr val="bg1"/>
+                </a:solidFill>
+                <a:hlinkClick r:id="rId4"/>
+              </a:rPr>
+              <a:t>www.slideshare.net/abdurrehmanabdurrehman391/variables-and-data-types-by-sir-khalid</a:t>
+            </a:r>
+            <a:endParaRPr lang="en-US" sz="7200" dirty="0" smtClean="0">
+              <a:solidFill>
+                <a:schemeClr val="bg1"/>
+              </a:solidFill>
+            </a:endParaRPr>
+          </a:p>
+          <a:p>
+            <a:r>
+              <a:rPr lang="en-US" sz="7200" dirty="0">
+                <a:solidFill>
+                  <a:schemeClr val="bg1"/>
+                </a:solidFill>
+                <a:hlinkClick r:id="rId5"/>
+              </a:rPr>
+              <a:t>http://</a:t>
+            </a:r>
+            <a:r>
+              <a:rPr lang="en-US" sz="7200" dirty="0" smtClean="0">
+                <a:solidFill>
+                  <a:schemeClr val="bg1"/>
+                </a:solidFill>
+                <a:hlinkClick r:id="rId5"/>
+              </a:rPr>
+              <a:t>www.slideshare.net/abdurrehmanabdurrehman391/java-advancedoop</a:t>
+            </a:r>
+            <a:endParaRPr lang="en-US" sz="7200" dirty="0" smtClean="0">
+              <a:solidFill>
+                <a:schemeClr val="bg1"/>
+              </a:solidFill>
+            </a:endParaRPr>
+          </a:p>
+          <a:p>
+            <a:r>
+              <a:rPr lang="en-US" sz="7200" dirty="0">
+                <a:solidFill>
+                  <a:schemeClr val="bg1"/>
+                </a:solidFill>
+                <a:hlinkClick r:id="rId6"/>
+              </a:rPr>
+              <a:t>http://</a:t>
+            </a:r>
+            <a:r>
+              <a:rPr lang="en-US" sz="7200" dirty="0" smtClean="0">
+                <a:solidFill>
+                  <a:schemeClr val="bg1"/>
+                </a:solidFill>
+                <a:hlinkClick r:id="rId6"/>
+              </a:rPr>
+              <a:t>www.slideshare.net/MindfireSolutions/java-garbage-collection-how-it-works?next_slideshow=1</a:t>
+            </a:r>
+            <a:endParaRPr lang="en-US" sz="7200" dirty="0" smtClean="0">
+              <a:solidFill>
+                <a:schemeClr val="bg1"/>
+              </a:solidFill>
+            </a:endParaRPr>
+          </a:p>
+          <a:p>
+            <a:r>
+              <a:rPr lang="en-US" sz="7200" dirty="0">
+                <a:solidFill>
+                  <a:schemeClr val="bg1"/>
+                </a:solidFill>
+                <a:hlinkClick r:id="rId7"/>
+              </a:rPr>
+              <a:t>http://</a:t>
+            </a:r>
+            <a:r>
+              <a:rPr lang="en-US" sz="7200" dirty="0" smtClean="0">
+                <a:solidFill>
+                  <a:schemeClr val="bg1"/>
+                </a:solidFill>
+                <a:hlinkClick r:id="rId7"/>
+              </a:rPr>
+              <a:t>www.slideshare.net/arnold7490/unit-4-java</a:t>
+            </a:r>
+            <a:endParaRPr lang="en-US" sz="7200" dirty="0" smtClean="0">
+              <a:solidFill>
+                <a:schemeClr val="bg1"/>
+              </a:solidFill>
+            </a:endParaRPr>
+          </a:p>
+          <a:p>
+            <a:r>
+              <a:rPr lang="en-US" sz="7200" dirty="0">
+                <a:solidFill>
+                  <a:schemeClr val="bg1"/>
+                </a:solidFill>
+                <a:hlinkClick r:id="rId8"/>
+              </a:rPr>
+              <a:t>http://</a:t>
+            </a:r>
+            <a:r>
+              <a:rPr lang="en-US" sz="7200" dirty="0" smtClean="0">
+                <a:solidFill>
+                  <a:schemeClr val="bg1"/>
+                </a:solidFill>
+                <a:hlinkClick r:id="rId8"/>
+              </a:rPr>
+              <a:t>www.slideshare.net/arnold7490/unit-3-java?next_slideshow=1</a:t>
+            </a:r>
+            <a:endParaRPr lang="en-US" sz="7200" dirty="0" smtClean="0">
+              <a:solidFill>
+                <a:schemeClr val="bg1"/>
+              </a:solidFill>
+            </a:endParaRPr>
+          </a:p>
+          <a:p>
+            <a:r>
+              <a:rPr lang="en-US" sz="7200" dirty="0">
+                <a:solidFill>
+                  <a:schemeClr val="bg1"/>
+                </a:solidFill>
+                <a:hlinkClick r:id="rId9"/>
+              </a:rPr>
+              <a:t>http://</a:t>
+            </a:r>
+            <a:r>
+              <a:rPr lang="en-US" sz="7200" dirty="0" smtClean="0">
+                <a:solidFill>
+                  <a:schemeClr val="bg1"/>
+                </a:solidFill>
+                <a:hlinkClick r:id="rId9"/>
+              </a:rPr>
+              <a:t>www.slideshare.net/tushardesarda/java-tutorial-3</a:t>
+            </a:r>
+            <a:endParaRPr lang="en-US" sz="7200" dirty="0" smtClean="0">
+              <a:solidFill>
+                <a:schemeClr val="bg1"/>
+              </a:solidFill>
+            </a:endParaRPr>
+          </a:p>
+          <a:p>
+            <a:r>
+              <a:rPr lang="en-US" sz="7200" dirty="0">
+                <a:solidFill>
+                  <a:schemeClr val="bg1"/>
+                </a:solidFill>
+                <a:hlinkClick r:id="rId10"/>
+              </a:rPr>
+              <a:t>http://</a:t>
+            </a:r>
+            <a:r>
+              <a:rPr lang="en-US" sz="7200" dirty="0" smtClean="0">
+                <a:solidFill>
+                  <a:schemeClr val="bg1"/>
+                </a:solidFill>
+                <a:hlinkClick r:id="rId10"/>
+              </a:rPr>
+              <a:t>www.slideshare.net/muralidhar9e/java-exception-handling-ppt</a:t>
+            </a:r>
+            <a:endParaRPr lang="en-US" sz="7200" dirty="0" smtClean="0">
+              <a:solidFill>
+                <a:schemeClr val="bg1"/>
+              </a:solidFill>
+            </a:endParaRPr>
+          </a:p>
+          <a:p>
+            <a:r>
+              <a:rPr lang="en-US" sz="7200" dirty="0">
+                <a:solidFill>
+                  <a:schemeClr val="bg1"/>
+                </a:solidFill>
+                <a:hlinkClick r:id="rId11"/>
+              </a:rPr>
+              <a:t>http://</a:t>
+            </a:r>
+            <a:r>
+              <a:rPr lang="en-US" sz="7200" dirty="0" smtClean="0">
+                <a:solidFill>
+                  <a:schemeClr val="bg1"/>
+                </a:solidFill>
+                <a:hlinkClick r:id="rId11"/>
+              </a:rPr>
+              <a:t>www.slideshare.net/emprovise/2-javabasics</a:t>
+            </a:r>
+            <a:endParaRPr lang="en-US" sz="7200" dirty="0" smtClean="0">
+              <a:solidFill>
+                <a:schemeClr val="bg1"/>
+              </a:solidFill>
+            </a:endParaRPr>
+          </a:p>
+          <a:p>
+            <a:r>
+              <a:rPr lang="en-US" sz="7200" dirty="0">
+                <a:solidFill>
+                  <a:schemeClr val="bg1"/>
+                </a:solidFill>
+                <a:hlinkClick r:id="rId12"/>
+              </a:rPr>
+              <a:t>http://</a:t>
+            </a:r>
+            <a:r>
+              <a:rPr lang="en-US" sz="7200" dirty="0" smtClean="0">
+                <a:solidFill>
+                  <a:schemeClr val="bg1"/>
+                </a:solidFill>
+                <a:hlinkClick r:id="rId12"/>
+              </a:rPr>
+              <a:t>www.slideshare.net/AllanHuang/java-new-evolution</a:t>
+            </a:r>
+            <a:endParaRPr lang="en-US" sz="7200" dirty="0" smtClean="0">
+              <a:solidFill>
+                <a:schemeClr val="bg1"/>
+              </a:solidFill>
+            </a:endParaRPr>
+          </a:p>
+          <a:p>
+            <a:r>
+              <a:rPr lang="en-US" sz="7200" dirty="0">
+                <a:solidFill>
+                  <a:schemeClr val="bg1"/>
+                </a:solidFill>
+                <a:hlinkClick r:id="rId13"/>
+              </a:rPr>
+              <a:t>http://</a:t>
+            </a:r>
+            <a:r>
+              <a:rPr lang="en-US" sz="7200" dirty="0" smtClean="0">
+                <a:solidFill>
+                  <a:schemeClr val="bg1"/>
+                </a:solidFill>
+                <a:hlinkClick r:id="rId13"/>
+              </a:rPr>
+              <a:t>www.slideshare.net/antonkeks/4-collections</a:t>
+            </a:r>
+            <a:endParaRPr lang="en-US" sz="7200" dirty="0" smtClean="0">
+              <a:solidFill>
+                <a:schemeClr val="bg1"/>
+              </a:solidFill>
+            </a:endParaRPr>
+          </a:p>
+          <a:p>
+            <a:r>
+              <a:rPr lang="en-US" sz="7200" dirty="0">
+                <a:solidFill>
+                  <a:schemeClr val="bg1"/>
+                </a:solidFill>
+                <a:hlinkClick r:id="rId14"/>
+              </a:rPr>
+              <a:t>http://</a:t>
+            </a:r>
+            <a:r>
+              <a:rPr lang="en-US" sz="7200" dirty="0" smtClean="0">
+                <a:solidFill>
+                  <a:schemeClr val="bg1"/>
+                </a:solidFill>
+                <a:hlinkClick r:id="rId14"/>
+              </a:rPr>
+              <a:t>www.slideshare.net/andreaiacono/java8-39841939 - Java8</a:t>
+            </a:r>
+            <a:r>
+              <a:rPr lang="en-US" sz="7200" dirty="0" smtClean="0">
+                <a:solidFill>
+                  <a:schemeClr val="bg1"/>
+                </a:solidFill>
+              </a:rPr>
+              <a:t> features</a:t>
+            </a:r>
+          </a:p>
+          <a:p>
+            <a:r>
+              <a:rPr lang="en-US" sz="7200" dirty="0">
+                <a:solidFill>
+                  <a:schemeClr val="bg1"/>
+                </a:solidFill>
+                <a:hlinkClick r:id="rId15"/>
+              </a:rPr>
+              <a:t>http://</a:t>
+            </a:r>
+            <a:r>
+              <a:rPr lang="en-US" sz="7200" dirty="0" smtClean="0">
+                <a:solidFill>
+                  <a:schemeClr val="bg1"/>
+                </a:solidFill>
+                <a:hlinkClick r:id="rId15"/>
+              </a:rPr>
+              <a:t>www.slideshare.net/AbhishekKhune/07-java-collection</a:t>
+            </a:r>
+            <a:endParaRPr lang="en-US" sz="7200" dirty="0" smtClean="0">
+              <a:solidFill>
+                <a:schemeClr val="bg1"/>
+              </a:solidFill>
+            </a:endParaRPr>
+          </a:p>
+          <a:p>
+            <a:r>
+              <a:rPr lang="en-US" sz="7200" dirty="0">
+                <a:solidFill>
+                  <a:schemeClr val="bg1"/>
+                </a:solidFill>
+                <a:hlinkClick r:id="rId16"/>
+              </a:rPr>
+              <a:t>http://www.slideshare.net/shahjahan786/generics-27960064</a:t>
+            </a:r>
+            <a:r>
+              <a:rPr lang="en-US" sz="7200" dirty="0">
+                <a:solidFill>
+                  <a:schemeClr val="bg1"/>
+                </a:solidFill>
+              </a:rPr>
+              <a:t> - </a:t>
+            </a:r>
+            <a:r>
+              <a:rPr lang="en-US" sz="7200" dirty="0" smtClean="0">
+                <a:solidFill>
+                  <a:schemeClr val="bg1"/>
+                </a:solidFill>
+              </a:rPr>
+              <a:t>Generics</a:t>
+            </a:r>
+          </a:p>
+          <a:p>
+            <a:r>
+              <a:rPr lang="en-US" sz="7200" dirty="0">
+                <a:solidFill>
+                  <a:schemeClr val="bg1"/>
+                </a:solidFill>
+                <a:hlinkClick r:id="rId17"/>
+              </a:rPr>
+              <a:t>http://</a:t>
+            </a:r>
+            <a:r>
+              <a:rPr lang="en-US" sz="7200" dirty="0" smtClean="0">
+                <a:solidFill>
+                  <a:schemeClr val="bg1"/>
+                </a:solidFill>
+                <a:hlinkClick r:id="rId17"/>
+              </a:rPr>
+              <a:t>www.slideshare.net/caroljmcdonald/java-generics-2485138?next_slideshow=1</a:t>
+            </a:r>
+            <a:endParaRPr lang="en-US" sz="7200" dirty="0" smtClean="0">
+              <a:solidFill>
+                <a:schemeClr val="bg1"/>
+              </a:solidFill>
+            </a:endParaRPr>
+          </a:p>
+          <a:p>
+            <a:endParaRPr lang="en-US" sz="7200" dirty="0">
+              <a:solidFill>
+                <a:schemeClr val="bg1"/>
+              </a:solidFill>
+            </a:endParaRPr>
+          </a:p>
+          <a:p>
+            <a:endParaRPr lang="en-US" sz="7200" dirty="0" smtClean="0">
+              <a:solidFill>
+                <a:schemeClr val="bg1"/>
+              </a:solidFill>
+            </a:endParaRPr>
+          </a:p>
+          <a:p>
+            <a:endParaRPr lang="en-US" sz="7200" dirty="0" smtClean="0">
+              <a:solidFill>
+                <a:schemeClr val="bg1"/>
+              </a:solidFill>
+            </a:endParaRPr>
+          </a:p>
+          <a:p>
+            <a:endParaRPr lang="en-US" sz="4000" dirty="0">
+              <a:solidFill>
+                <a:schemeClr val="bg1"/>
+              </a:solidFill>
+            </a:endParaRPr>
+          </a:p>
+          <a:p>
+            <a:endParaRPr lang="en-US" sz="4000" dirty="0" smtClean="0">
+              <a:solidFill>
+                <a:schemeClr val="bg1"/>
+              </a:solidFill>
+            </a:endParaRPr>
+          </a:p>
+          <a:p>
+            <a:endParaRPr lang="en-US" sz="4000" dirty="0">
+              <a:solidFill>
+                <a:schemeClr val="bg1"/>
+              </a:solidFill>
+            </a:endParaRPr>
+          </a:p>
+          <a:p>
+            <a:endParaRPr lang="en-US" sz="4000" dirty="0" smtClean="0">
+              <a:solidFill>
+                <a:schemeClr val="bg1"/>
+              </a:solidFill>
+            </a:endParaRPr>
+          </a:p>
+          <a:p>
+            <a:endParaRPr lang="en-US" sz="4000" dirty="0">
+              <a:solidFill>
+                <a:schemeClr val="bg1"/>
+              </a:solidFill>
+            </a:endParaRPr>
+          </a:p>
+          <a:p>
+            <a:endParaRPr lang="en-US" sz="4000" dirty="0" smtClean="0">
+              <a:solidFill>
+                <a:schemeClr val="bg1"/>
+              </a:solidFill>
+            </a:endParaRPr>
+          </a:p>
+          <a:p>
+            <a:endParaRPr lang="en-US" sz="4000" dirty="0">
+              <a:solidFill>
+                <a:schemeClr val="bg1"/>
+              </a:solidFill>
+            </a:endParaRPr>
+          </a:p>
+          <a:p>
+            <a:endParaRPr lang="en-US" sz="4000" dirty="0" smtClean="0">
+              <a:solidFill>
+                <a:schemeClr val="bg1"/>
+              </a:solidFill>
+            </a:endParaRPr>
+          </a:p>
+          <a:p>
+            <a:endParaRPr lang="en-US" sz="4000" dirty="0" smtClean="0">
+              <a:solidFill>
+                <a:schemeClr val="bg1"/>
+              </a:solidFill>
+            </a:endParaRPr>
+          </a:p>
+          <a:p>
+            <a:endParaRPr lang="en-US" dirty="0" smtClean="0"/>
+          </a:p>
+          <a:p>
+            <a:endParaRPr lang="en-US" dirty="0" smtClean="0"/>
+          </a:p>
+          <a:p>
+            <a:endParaRPr lang="en-US" dirty="0" smtClean="0"/>
+          </a:p>
+          <a:p>
+            <a:endParaRPr lang="en-US" dirty="0" smtClean="0"/>
+          </a:p>
+          <a:p>
+            <a:endParaRPr lang="en-US" dirty="0" smtClean="0"/>
+          </a:p>
+          <a:p>
+            <a:endParaRPr lang="en-US" dirty="0" smtClean="0"/>
+          </a:p>
+          <a:p>
+            <a:endParaRPr lang="en-US" dirty="0" smtClean="0"/>
+          </a:p>
+          <a:p>
+            <a:endParaRPr lang="en-US" dirty="0" smtClean="0"/>
+          </a:p>
+          <a:p>
+            <a:endParaRPr lang="en-US" dirty="0" smtClean="0"/>
+          </a:p>
+          <a:p>
+            <a:endParaRPr lang="en-US" dirty="0" smtClean="0"/>
+          </a:p>
+          <a:p>
+            <a:endParaRPr lang="en-US" dirty="0" smtClean="0"/>
+          </a:p>
+          <a:p>
+            <a:endParaRPr lang="en-US" dirty="0" smtClean="0"/>
+          </a:p>
+          <a:p>
+            <a:endParaRPr lang="en-US" dirty="0"/>
+          </a:p>
+        </p:txBody>
+      </p:sp>
+    </p:spTree>
+    <p:extLst>
+      <p:ext uri="{BB962C8B-B14F-4D97-AF65-F5344CB8AC3E}">
+        <p14:creationId xmlns:p14="http://schemas.microsoft.com/office/powerpoint/2010/main" val="3290681883"/>
+      </p:ext>
+    </p:extLst>
+  </p:cSld>
+  <p:clrMapOvr>
+    <a:masterClrMapping/>
+  </p:clrMapOvr>
+  <p:timing>
+    <p:tnLst>
+      <p:par>
+        <p:cTn id="1" dur="indefinite" restart="never" nodeType="tmRoot"/>
+      </p:par>
+    </p:tnLst>
+  </p:timing>
+</p:sld>
+</file>
+
+<file path=ppt/slides/slide61.xml><?xml version="1.0" encoding="utf-8"?>
+<p:sld xmlns:a="http://schemas.openxmlformats.org/drawingml/2006/main" xmlns:r="http://schemas.openxmlformats.org/officeDocument/2006/relationships" xmlns:p="http://schemas.openxmlformats.org/presentationml/2006/main">
+  <p:cSld>
+    <p:spTree>
+      <p:nvGrpSpPr>
+        <p:cNvPr id="1" name=""/>
+        <p:cNvGrpSpPr/>
+        <p:nvPr/>
+      </p:nvGrpSpPr>
+      <p:grpSpPr>
+        <a:xfrm>
+          <a:off x="0" y="0"/>
+          <a:ext cx="0" cy="0"/>
+          <a:chOff x="0" y="0"/>
+          <a:chExt cx="0" cy="0"/>
+        </a:xfrm>
+      </p:grpSpPr>
+      <p:sp>
+        <p:nvSpPr>
+          <p:cNvPr id="3" name="Content Placeholder 2"/>
+          <p:cNvSpPr>
+            <a:spLocks noGrp="1"/>
+          </p:cNvSpPr>
+          <p:nvPr>
+            <p:ph idx="1"/>
+          </p:nvPr>
+        </p:nvSpPr>
+        <p:spPr>
+          <a:xfrm>
+            <a:off x="482909" y="512776"/>
+            <a:ext cx="11081562" cy="4207142"/>
+          </a:xfrm>
+        </p:spPr>
+        <p:txBody>
+          <a:bodyPr>
+            <a:normAutofit/>
+          </a:bodyPr>
+          <a:lstStyle/>
+          <a:p>
+            <a:r>
+              <a:rPr lang="en-US" sz="2000" dirty="0">
+                <a:solidFill>
+                  <a:schemeClr val="bg1"/>
+                </a:solidFill>
+                <a:hlinkClick r:id="rId2"/>
+              </a:rPr>
+              <a:t>http://</a:t>
+            </a:r>
+            <a:r>
+              <a:rPr lang="en-US" sz="2000" dirty="0" smtClean="0">
+                <a:solidFill>
+                  <a:schemeClr val="bg1"/>
+                </a:solidFill>
+                <a:hlinkClick r:id="rId2"/>
+              </a:rPr>
+              <a:t>www.slideshare.net/KavitaGanesan/is-66154415-kavitaganesanv2</a:t>
+            </a:r>
+            <a:r>
+              <a:rPr lang="en-US" sz="2000" dirty="0" smtClean="0">
+                <a:solidFill>
+                  <a:schemeClr val="bg1"/>
+                </a:solidFill>
+              </a:rPr>
+              <a:t> - Strings</a:t>
+            </a:r>
+          </a:p>
+          <a:p>
+            <a:r>
+              <a:rPr lang="en-US" sz="2000" dirty="0">
+                <a:solidFill>
+                  <a:schemeClr val="bg1"/>
+                </a:solidFill>
+                <a:hlinkClick r:id="rId3"/>
+              </a:rPr>
+              <a:t>http://</a:t>
+            </a:r>
+            <a:r>
+              <a:rPr lang="en-US" sz="2000" dirty="0" smtClean="0">
+                <a:solidFill>
+                  <a:schemeClr val="bg1"/>
+                </a:solidFill>
+                <a:hlinkClick r:id="rId3"/>
+              </a:rPr>
+              <a:t>www.slideshare.net/antonkeks/10-threads</a:t>
+            </a:r>
+            <a:r>
+              <a:rPr lang="en-US" sz="2000" dirty="0" smtClean="0">
+                <a:solidFill>
+                  <a:schemeClr val="bg1"/>
+                </a:solidFill>
+              </a:rPr>
+              <a:t> - Threads</a:t>
+            </a:r>
+          </a:p>
+          <a:p>
+            <a:r>
+              <a:rPr lang="en-US" sz="2000" dirty="0">
+                <a:solidFill>
+                  <a:schemeClr val="bg1"/>
+                </a:solidFill>
+                <a:hlinkClick r:id="rId4"/>
+              </a:rPr>
+              <a:t>http://</a:t>
+            </a:r>
+            <a:r>
+              <a:rPr lang="en-US" sz="2000" dirty="0" smtClean="0">
+                <a:solidFill>
+                  <a:schemeClr val="bg1"/>
+                </a:solidFill>
+                <a:hlinkClick r:id="rId4"/>
+              </a:rPr>
+              <a:t>www.slideshare.net/BenjDelMundo/java-thread-synchronization</a:t>
+            </a:r>
+            <a:r>
+              <a:rPr lang="en-US" sz="2000" dirty="0" smtClean="0">
+                <a:solidFill>
+                  <a:schemeClr val="bg1"/>
+                </a:solidFill>
+              </a:rPr>
+              <a:t> - Synchronization</a:t>
+            </a:r>
+          </a:p>
+          <a:p>
+            <a:r>
+              <a:rPr lang="en-US" sz="2000" dirty="0">
+                <a:solidFill>
+                  <a:schemeClr val="bg1"/>
+                </a:solidFill>
+                <a:hlinkClick r:id="rId5"/>
+              </a:rPr>
+              <a:t>http://</a:t>
+            </a:r>
+            <a:r>
+              <a:rPr lang="en-US" sz="2000" dirty="0" smtClean="0">
+                <a:solidFill>
+                  <a:schemeClr val="bg1"/>
+                </a:solidFill>
+                <a:hlinkClick r:id="rId5"/>
+              </a:rPr>
+              <a:t>www.slideshare.net/javaonkar/thread-concurrancy</a:t>
+            </a:r>
+            <a:r>
+              <a:rPr lang="en-US" sz="2000" dirty="0" smtClean="0">
+                <a:solidFill>
+                  <a:schemeClr val="bg1"/>
+                </a:solidFill>
+              </a:rPr>
+              <a:t> - Synchronization</a:t>
+            </a:r>
+          </a:p>
+          <a:p>
+            <a:r>
+              <a:rPr lang="en-US" sz="2000" dirty="0">
+                <a:solidFill>
+                  <a:schemeClr val="bg1"/>
+                </a:solidFill>
+                <a:hlinkClick r:id="rId6"/>
+              </a:rPr>
+              <a:t>http://</a:t>
+            </a:r>
+            <a:r>
+              <a:rPr lang="en-US" sz="2000" dirty="0" smtClean="0">
+                <a:solidFill>
+                  <a:schemeClr val="bg1"/>
+                </a:solidFill>
+                <a:hlinkClick r:id="rId6"/>
+              </a:rPr>
+              <a:t>www.slideshare.net/lineking/io-package</a:t>
+            </a:r>
+            <a:r>
+              <a:rPr lang="en-US" sz="2000" dirty="0" smtClean="0">
+                <a:solidFill>
+                  <a:schemeClr val="bg1"/>
+                </a:solidFill>
+              </a:rPr>
+              <a:t> - Basic IO</a:t>
+            </a:r>
+          </a:p>
+          <a:p>
+            <a:r>
+              <a:rPr lang="en-US" sz="2000" dirty="0" smtClean="0">
+                <a:solidFill>
+                  <a:schemeClr val="bg1"/>
+                </a:solidFill>
+                <a:hlinkClick r:id="rId7"/>
+              </a:rPr>
+              <a:t>http</a:t>
+            </a:r>
+            <a:r>
+              <a:rPr lang="en-US" sz="2000" dirty="0">
+                <a:solidFill>
+                  <a:schemeClr val="bg1"/>
+                </a:solidFill>
+                <a:hlinkClick r:id="rId7"/>
+              </a:rPr>
+              <a:t>://</a:t>
+            </a:r>
+            <a:r>
+              <a:rPr lang="en-US" sz="2000" dirty="0" smtClean="0">
+                <a:solidFill>
+                  <a:schemeClr val="bg1"/>
+                </a:solidFill>
+                <a:hlinkClick r:id="rId7"/>
+              </a:rPr>
+              <a:t>new.51cto.com</a:t>
+            </a:r>
+            <a:r>
+              <a:rPr lang="en-US" sz="2000" dirty="0" smtClean="0">
+                <a:solidFill>
+                  <a:schemeClr val="bg1"/>
+                </a:solidFill>
+              </a:rPr>
+              <a:t> – Buffered streams.</a:t>
+            </a:r>
+          </a:p>
+          <a:p>
+            <a:r>
+              <a:rPr lang="en-US" sz="2000" dirty="0">
+                <a:solidFill>
+                  <a:schemeClr val="bg1"/>
+                </a:solidFill>
+                <a:hlinkClick r:id="rId8"/>
+              </a:rPr>
+              <a:t>http://</a:t>
+            </a:r>
+            <a:r>
+              <a:rPr lang="en-US" sz="2000" dirty="0" smtClean="0">
+                <a:solidFill>
+                  <a:schemeClr val="bg1"/>
+                </a:solidFill>
+                <a:hlinkClick r:id="rId8"/>
+              </a:rPr>
+              <a:t>www.slideshare.net/EmertxeSlides/010-core-javaiofundamentals</a:t>
+            </a:r>
+            <a:r>
+              <a:rPr lang="en-US" sz="2000" dirty="0" smtClean="0">
+                <a:solidFill>
+                  <a:schemeClr val="bg1"/>
+                </a:solidFill>
+              </a:rPr>
+              <a:t> - IO</a:t>
+            </a:r>
+          </a:p>
+          <a:p>
+            <a:r>
+              <a:rPr lang="en-US" sz="2000" dirty="0">
+                <a:solidFill>
+                  <a:schemeClr val="bg1"/>
+                </a:solidFill>
+                <a:hlinkClick r:id="rId9"/>
+              </a:rPr>
+              <a:t>http://</a:t>
+            </a:r>
+            <a:r>
+              <a:rPr lang="en-US" sz="2000" dirty="0" smtClean="0">
+                <a:solidFill>
+                  <a:schemeClr val="bg1"/>
+                </a:solidFill>
+                <a:hlinkClick r:id="rId9"/>
+              </a:rPr>
+              <a:t>www.slideshare.net/martyhall/file-io-in-java-8-applying-the-power-of-streams</a:t>
+            </a:r>
+            <a:r>
+              <a:rPr lang="en-US" sz="2000" dirty="0" smtClean="0">
+                <a:solidFill>
+                  <a:schemeClr val="bg1"/>
+                </a:solidFill>
+              </a:rPr>
+              <a:t> - File IO</a:t>
+            </a:r>
+          </a:p>
+          <a:p>
+            <a:endParaRPr lang="en-US" sz="2000" dirty="0">
+              <a:solidFill>
+                <a:schemeClr val="bg1"/>
+              </a:solidFill>
+            </a:endParaRPr>
+          </a:p>
+          <a:p>
+            <a:endParaRPr lang="en-US" sz="2000" dirty="0" smtClean="0">
+              <a:solidFill>
+                <a:schemeClr val="bg1"/>
+              </a:solidFill>
+            </a:endParaRPr>
+          </a:p>
+          <a:p>
+            <a:endParaRPr lang="en-US" sz="2000" dirty="0">
+              <a:solidFill>
+                <a:schemeClr val="bg1"/>
+              </a:solidFill>
+            </a:endParaRPr>
+          </a:p>
+          <a:p>
+            <a:endParaRPr lang="en-US" sz="2000" dirty="0">
+              <a:solidFill>
+                <a:schemeClr val="bg1"/>
+              </a:solidFill>
+            </a:endParaRPr>
+          </a:p>
+          <a:p>
+            <a:endParaRPr lang="en-US" sz="7200" dirty="0" smtClean="0">
+              <a:solidFill>
+                <a:schemeClr val="bg1"/>
+              </a:solidFill>
+            </a:endParaRPr>
+          </a:p>
+          <a:p>
+            <a:endParaRPr lang="en-US" sz="7200" dirty="0" smtClean="0">
+              <a:solidFill>
+                <a:schemeClr val="bg1"/>
+              </a:solidFill>
+            </a:endParaRPr>
+          </a:p>
+          <a:p>
+            <a:endParaRPr lang="en-US" sz="4000" dirty="0">
+              <a:solidFill>
+                <a:schemeClr val="bg1"/>
+              </a:solidFill>
+            </a:endParaRPr>
+          </a:p>
+          <a:p>
+            <a:endParaRPr lang="en-US" sz="4000" dirty="0" smtClean="0">
+              <a:solidFill>
+                <a:schemeClr val="bg1"/>
+              </a:solidFill>
+            </a:endParaRPr>
+          </a:p>
+          <a:p>
+            <a:endParaRPr lang="en-US" sz="4000" dirty="0">
+              <a:solidFill>
+                <a:schemeClr val="bg1"/>
+              </a:solidFill>
+            </a:endParaRPr>
+          </a:p>
+          <a:p>
+            <a:endParaRPr lang="en-US" sz="4000" dirty="0" smtClean="0">
+              <a:solidFill>
+                <a:schemeClr val="bg1"/>
+              </a:solidFill>
+            </a:endParaRPr>
+          </a:p>
+          <a:p>
+            <a:endParaRPr lang="en-US" sz="4000" dirty="0">
+              <a:solidFill>
+                <a:schemeClr val="bg1"/>
+              </a:solidFill>
+            </a:endParaRPr>
+          </a:p>
+          <a:p>
+            <a:endParaRPr lang="en-US" sz="4000" dirty="0" smtClean="0">
+              <a:solidFill>
+                <a:schemeClr val="bg1"/>
+              </a:solidFill>
+            </a:endParaRPr>
+          </a:p>
+          <a:p>
+            <a:endParaRPr lang="en-US" sz="4000" dirty="0">
+              <a:solidFill>
+                <a:schemeClr val="bg1"/>
+              </a:solidFill>
+            </a:endParaRPr>
+          </a:p>
+          <a:p>
+            <a:endParaRPr lang="en-US" sz="4000" dirty="0" smtClean="0">
+              <a:solidFill>
+                <a:schemeClr val="bg1"/>
+              </a:solidFill>
+            </a:endParaRPr>
+          </a:p>
+          <a:p>
+            <a:endParaRPr lang="en-US" sz="4000" dirty="0" smtClean="0">
+              <a:solidFill>
+                <a:schemeClr val="bg1"/>
+              </a:solidFill>
+            </a:endParaRPr>
+          </a:p>
+          <a:p>
+            <a:endParaRPr lang="en-US" dirty="0" smtClean="0"/>
+          </a:p>
+          <a:p>
+            <a:endParaRPr lang="en-US" dirty="0" smtClean="0"/>
+          </a:p>
+          <a:p>
+            <a:endParaRPr lang="en-US" dirty="0" smtClean="0"/>
+          </a:p>
+          <a:p>
+            <a:endParaRPr lang="en-US" dirty="0" smtClean="0"/>
+          </a:p>
+          <a:p>
+            <a:endParaRPr lang="en-US" dirty="0" smtClean="0"/>
+          </a:p>
+          <a:p>
+            <a:endParaRPr lang="en-US" dirty="0" smtClean="0"/>
+          </a:p>
+          <a:p>
+            <a:endParaRPr lang="en-US" dirty="0" smtClean="0"/>
+          </a:p>
+          <a:p>
+            <a:endParaRPr lang="en-US" dirty="0" smtClean="0"/>
+          </a:p>
+          <a:p>
+            <a:endParaRPr lang="en-US" dirty="0" smtClean="0"/>
+          </a:p>
+          <a:p>
+            <a:endParaRPr lang="en-US" dirty="0" smtClean="0"/>
+          </a:p>
+          <a:p>
+            <a:endParaRPr lang="en-US" dirty="0" smtClean="0"/>
+          </a:p>
+          <a:p>
+            <a:endParaRPr lang="en-US" dirty="0" smtClean="0"/>
+          </a:p>
+          <a:p>
+            <a:endParaRPr lang="en-US" dirty="0"/>
+          </a:p>
+        </p:txBody>
+      </p:sp>
+    </p:spTree>
+    <p:extLst>
+      <p:ext uri="{BB962C8B-B14F-4D97-AF65-F5344CB8AC3E}">
+        <p14:creationId xmlns:p14="http://schemas.microsoft.com/office/powerpoint/2010/main" val="970127652"/>
       </p:ext>
     </p:extLst>
   </p:cSld>

--- a/training/core_java/10_Basic IO.pptx
+++ b/training/core_java/10_Basic IO.pptx
@@ -59,18 +59,11 @@
     <p:sldId id="578" r:id="rId53"/>
     <p:sldId id="579" r:id="rId54"/>
     <p:sldId id="575" r:id="rId55"/>
-    <p:sldId id="551" r:id="rId56"/>
-    <p:sldId id="542" r:id="rId57"/>
-    <p:sldId id="543" r:id="rId58"/>
-    <p:sldId id="544" r:id="rId59"/>
-    <p:sldId id="545" r:id="rId60"/>
-    <p:sldId id="488" r:id="rId61"/>
-    <p:sldId id="293" r:id="rId62"/>
-    <p:sldId id="313" r:id="rId63"/>
-    <p:sldId id="320" r:id="rId64"/>
-    <p:sldId id="316" r:id="rId65"/>
-    <p:sldId id="261" r:id="rId66"/>
-    <p:sldId id="502" r:id="rId67"/>
+    <p:sldId id="542" r:id="rId56"/>
+    <p:sldId id="543" r:id="rId57"/>
+    <p:sldId id="544" r:id="rId58"/>
+    <p:sldId id="545" r:id="rId59"/>
+    <p:sldId id="502" r:id="rId60"/>
   </p:sldIdLst>
   <p:sldSz cx="12192000" cy="6858000"/>
   <p:notesSz cx="6858000" cy="9144000"/>
@@ -353,7 +346,7 @@
           <a:p>
             <a:fld id="{96DFF08F-DC6B-4601-B491-B0F83F6DD2DA}" type="datetimeFigureOut">
               <a:rPr lang="en-US" dirty="0"/>
-              <a:t>10/16/2015</a:t>
+              <a:t>10/26/2015</a:t>
             </a:fld>
             <a:endParaRPr lang="en-US" dirty="0"/>
           </a:p>
@@ -518,7 +511,7 @@
           <a:p>
             <a:fld id="{96DFF08F-DC6B-4601-B491-B0F83F6DD2DA}" type="datetimeFigureOut">
               <a:rPr lang="en-US" dirty="0"/>
-              <a:t>10/16/2015</a:t>
+              <a:t>10/26/2015</a:t>
             </a:fld>
             <a:endParaRPr lang="en-US" dirty="0"/>
           </a:p>
@@ -736,7 +729,7 @@
           <a:p>
             <a:fld id="{96DFF08F-DC6B-4601-B491-B0F83F6DD2DA}" type="datetimeFigureOut">
               <a:rPr lang="en-US" dirty="0"/>
-              <a:t>10/16/2015</a:t>
+              <a:t>10/26/2015</a:t>
             </a:fld>
             <a:endParaRPr lang="en-US" dirty="0"/>
           </a:p>
@@ -911,7 +904,7 @@
           <a:p>
             <a:fld id="{96DFF08F-DC6B-4601-B491-B0F83F6DD2DA}" type="datetimeFigureOut">
               <a:rPr lang="en-US" dirty="0"/>
-              <a:t>10/16/2015</a:t>
+              <a:t>10/26/2015</a:t>
             </a:fld>
             <a:endParaRPr lang="en-US" dirty="0"/>
           </a:p>
@@ -1208,7 +1201,7 @@
             <a:fld id="{96DFF08F-DC6B-4601-B491-B0F83F6DD2DA}" type="datetimeFigureOut">
               <a:rPr lang="en-US" dirty="0"/>
               <a:pPr/>
-              <a:t>10/16/2015</a:t>
+              <a:t>10/26/2015</a:t>
             </a:fld>
             <a:endParaRPr lang="en-US" dirty="0"/>
           </a:p>
@@ -1508,7 +1501,7 @@
           <a:p>
             <a:fld id="{96DFF08F-DC6B-4601-B491-B0F83F6DD2DA}" type="datetimeFigureOut">
               <a:rPr lang="en-US" dirty="0"/>
-              <a:t>10/16/2015</a:t>
+              <a:t>10/26/2015</a:t>
             </a:fld>
             <a:endParaRPr lang="en-US" dirty="0"/>
           </a:p>
@@ -1925,7 +1918,7 @@
           <a:p>
             <a:fld id="{96DFF08F-DC6B-4601-B491-B0F83F6DD2DA}" type="datetimeFigureOut">
               <a:rPr lang="en-US" dirty="0"/>
-              <a:t>10/16/2015</a:t>
+              <a:t>10/26/2015</a:t>
             </a:fld>
             <a:endParaRPr lang="en-US" dirty="0"/>
           </a:p>
@@ -2038,7 +2031,7 @@
           <a:p>
             <a:fld id="{96DFF08F-DC6B-4601-B491-B0F83F6DD2DA}" type="datetimeFigureOut">
               <a:rPr lang="en-US" dirty="0"/>
-              <a:t>10/16/2015</a:t>
+              <a:t>10/26/2015</a:t>
             </a:fld>
             <a:endParaRPr lang="en-US" dirty="0"/>
           </a:p>
@@ -2128,7 +2121,7 @@
           <a:p>
             <a:fld id="{96DFF08F-DC6B-4601-B491-B0F83F6DD2DA}" type="datetimeFigureOut">
               <a:rPr lang="en-US" dirty="0"/>
-              <a:t>10/16/2015</a:t>
+              <a:t>10/26/2015</a:t>
             </a:fld>
             <a:endParaRPr lang="en-US" dirty="0"/>
           </a:p>
@@ -2396,7 +2389,7 @@
           <a:p>
             <a:fld id="{96DFF08F-DC6B-4601-B491-B0F83F6DD2DA}" type="datetimeFigureOut">
               <a:rPr lang="en-US" dirty="0"/>
-              <a:t>10/16/2015</a:t>
+              <a:t>10/26/2015</a:t>
             </a:fld>
             <a:endParaRPr lang="en-US" dirty="0"/>
           </a:p>
@@ -2656,7 +2649,7 @@
           <a:p>
             <a:fld id="{96DFF08F-DC6B-4601-B491-B0F83F6DD2DA}" type="datetimeFigureOut">
               <a:rPr lang="en-US" dirty="0"/>
-              <a:t>10/16/2015</a:t>
+              <a:t>10/26/2015</a:t>
             </a:fld>
             <a:endParaRPr lang="en-US" dirty="0"/>
           </a:p>
@@ -2904,7 +2897,7 @@
             <a:fld id="{96DFF08F-DC6B-4601-B491-B0F83F6DD2DA}" type="datetimeFigureOut">
               <a:rPr lang="en-US" dirty="0"/>
               <a:pPr/>
-              <a:t>10/16/2015</a:t>
+              <a:t>10/26/2015</a:t>
             </a:fld>
             <a:endParaRPr lang="en-US" dirty="0"/>
           </a:p>
@@ -31724,15 +31717,7 @@
                   <a:schemeClr val="bg1"/>
                 </a:solidFill>
               </a:rPr>
-              <a:t>Working with </a:t>
-            </a:r>
-            <a:r>
-              <a:rPr lang="en-US" sz="3200" b="1" dirty="0" smtClean="0">
-                <a:solidFill>
-                  <a:schemeClr val="bg1"/>
-                </a:solidFill>
-              </a:rPr>
-              <a:t>Links</a:t>
+              <a:t>Working with Links</a:t>
             </a:r>
             <a:endParaRPr lang="en-US" sz="3200" b="1" dirty="0">
               <a:solidFill>
@@ -32460,15 +32445,7 @@
                   <a:schemeClr val="bg1"/>
                 </a:solidFill>
               </a:rPr>
-              <a:t>Working with </a:t>
-            </a:r>
-            <a:r>
-              <a:rPr lang="en-US" sz="3200" b="1" dirty="0" smtClean="0">
-                <a:solidFill>
-                  <a:schemeClr val="bg1"/>
-                </a:solidFill>
-              </a:rPr>
-              <a:t>Links</a:t>
+              <a:t>Working with Links</a:t>
             </a:r>
             <a:endParaRPr lang="en-US" sz="3200" b="1" dirty="0">
               <a:solidFill>
@@ -33309,15 +33286,7 @@
                   <a:schemeClr val="bg1"/>
                 </a:solidFill>
               </a:rPr>
-              <a:t>Working with </a:t>
-            </a:r>
-            <a:r>
-              <a:rPr lang="en-US" sz="3200" b="1" dirty="0" smtClean="0">
-                <a:solidFill>
-                  <a:schemeClr val="bg1"/>
-                </a:solidFill>
-              </a:rPr>
-              <a:t>Links</a:t>
+              <a:t>Working with Links</a:t>
             </a:r>
             <a:endParaRPr lang="en-US" sz="3200" b="1" dirty="0">
               <a:solidFill>
@@ -34702,7 +34671,7 @@
                   <a:schemeClr val="bg1"/>
                 </a:solidFill>
               </a:rPr>
-              <a:t>Working with directories</a:t>
+              <a:t>Watching a directory for changes</a:t>
             </a:r>
             <a:endParaRPr lang="en-US" sz="3200" b="1" dirty="0">
               <a:solidFill>
@@ -34898,6 +34867,99 @@
           <a:lstStyle/>
           <a:p>
             <a:endParaRPr lang="en-US" dirty="0"/>
+          </a:p>
+        </p:txBody>
+      </p:sp>
+      <p:pic>
+        <p:nvPicPr>
+          <p:cNvPr id="12" name="Picture 11"/>
+          <p:cNvPicPr>
+            <a:picLocks noChangeAspect="1"/>
+          </p:cNvPicPr>
+          <p:nvPr/>
+        </p:nvPicPr>
+        <p:blipFill>
+          <a:blip r:embed="rId2"/>
+          <a:stretch>
+            <a:fillRect/>
+          </a:stretch>
+        </p:blipFill>
+        <p:spPr>
+          <a:xfrm>
+            <a:off x="457951" y="1190170"/>
+            <a:ext cx="7381684" cy="5536263"/>
+          </a:xfrm>
+          <a:prstGeom prst="rect">
+            <a:avLst/>
+          </a:prstGeom>
+        </p:spPr>
+      </p:pic>
+      <p:sp>
+        <p:nvSpPr>
+          <p:cNvPr id="14" name="TextBox 13"/>
+          <p:cNvSpPr txBox="1"/>
+          <p:nvPr/>
+        </p:nvSpPr>
+        <p:spPr>
+          <a:xfrm>
+            <a:off x="8001000" y="1315670"/>
+            <a:ext cx="3792071" cy="1815882"/>
+          </a:xfrm>
+          <a:prstGeom prst="rect">
+            <a:avLst/>
+          </a:prstGeom>
+          <a:noFill/>
+        </p:spPr>
+        <p:txBody>
+          <a:bodyPr wrap="square" rtlCol="0">
+            <a:spAutoFit/>
+          </a:bodyPr>
+          <a:lstStyle/>
+          <a:p>
+            <a:r>
+              <a:rPr lang="en-US" sz="2800" dirty="0">
+                <a:solidFill>
+                  <a:schemeClr val="bg1"/>
+                </a:solidFill>
+              </a:rPr>
+              <a:t>Lab19.22: </a:t>
+            </a:r>
+            <a:endParaRPr lang="en-US" sz="2800" dirty="0" smtClean="0">
+              <a:solidFill>
+                <a:schemeClr val="bg1"/>
+              </a:solidFill>
+            </a:endParaRPr>
+          </a:p>
+          <a:p>
+            <a:r>
+              <a:rPr lang="en-US" sz="2800" dirty="0" smtClean="0">
+                <a:solidFill>
+                  <a:schemeClr val="bg1"/>
+                </a:solidFill>
+              </a:rPr>
+              <a:t>Using </a:t>
+            </a:r>
+            <a:r>
+              <a:rPr lang="en-US" sz="2800" dirty="0">
+                <a:solidFill>
+                  <a:schemeClr val="bg1"/>
+                </a:solidFill>
+              </a:rPr>
+              <a:t>Watch Service to monitor any changes in the </a:t>
+            </a:r>
+            <a:r>
+              <a:rPr lang="en-US" sz="2800" dirty="0" smtClean="0">
+                <a:solidFill>
+                  <a:schemeClr val="bg1"/>
+                </a:solidFill>
+              </a:rPr>
+              <a:t>directory.</a:t>
+            </a:r>
+            <a:endParaRPr lang="en-US" sz="2800" dirty="0">
+              <a:solidFill>
+                <a:schemeClr val="bg1"/>
+              </a:solidFill>
+            </a:endParaRPr>
           </a:p>
         </p:txBody>
       </p:sp>
@@ -35119,7 +35181,7 @@
                   <a:schemeClr val="bg1"/>
                 </a:solidFill>
               </a:rPr>
-              <a:t>File I/O</a:t>
+              <a:t>File I/O (Prior to SE7)</a:t>
             </a:r>
             <a:endParaRPr lang="en-US" sz="3200" b="1" dirty="0">
               <a:solidFill>
@@ -35219,10 +35281,96 @@
           </a:p>
         </p:txBody>
       </p:sp>
+      <p:sp>
+        <p:nvSpPr>
+          <p:cNvPr id="3" name="TextBox 2"/>
+          <p:cNvSpPr txBox="1"/>
+          <p:nvPr/>
+        </p:nvSpPr>
+        <p:spPr>
+          <a:xfrm>
+            <a:off x="591671" y="1315670"/>
+            <a:ext cx="9197788" cy="523220"/>
+          </a:xfrm>
+          <a:prstGeom prst="rect">
+            <a:avLst/>
+          </a:prstGeom>
+          <a:noFill/>
+        </p:spPr>
+        <p:txBody>
+          <a:bodyPr wrap="square" rtlCol="0">
+            <a:spAutoFit/>
+          </a:bodyPr>
+          <a:lstStyle/>
+          <a:p>
+            <a:r>
+              <a:rPr lang="en-US" sz="2800" i="1" dirty="0">
+                <a:solidFill>
+                  <a:schemeClr val="bg1"/>
+                </a:solidFill>
+              </a:rPr>
+              <a:t>Mapping </a:t>
+            </a:r>
+            <a:r>
+              <a:rPr lang="en-US" sz="2800" i="1" dirty="0" err="1">
+                <a:solidFill>
+                  <a:schemeClr val="bg1"/>
+                </a:solidFill>
+              </a:rPr>
+              <a:t>java.io.File</a:t>
+            </a:r>
+            <a:r>
+              <a:rPr lang="en-US" sz="2800" i="1" dirty="0">
+                <a:solidFill>
+                  <a:schemeClr val="bg1"/>
+                </a:solidFill>
+              </a:rPr>
+              <a:t> Functionality to </a:t>
+            </a:r>
+            <a:r>
+              <a:rPr lang="en-US" sz="2800" i="1" dirty="0" err="1">
+                <a:solidFill>
+                  <a:schemeClr val="bg1"/>
+                </a:solidFill>
+              </a:rPr>
+              <a:t>java.nio.file</a:t>
+            </a:r>
+            <a:endParaRPr lang="en-US" sz="2800" i="1" dirty="0">
+              <a:solidFill>
+                <a:schemeClr val="bg1"/>
+              </a:solidFill>
+            </a:endParaRPr>
+          </a:p>
+        </p:txBody>
+      </p:sp>
+      <p:pic>
+        <p:nvPicPr>
+          <p:cNvPr id="11" name="Picture 10"/>
+          <p:cNvPicPr>
+            <a:picLocks noChangeAspect="1"/>
+          </p:cNvPicPr>
+          <p:nvPr/>
+        </p:nvPicPr>
+        <p:blipFill>
+          <a:blip r:embed="rId2"/>
+          <a:stretch>
+            <a:fillRect/>
+          </a:stretch>
+        </p:blipFill>
+        <p:spPr>
+          <a:xfrm>
+            <a:off x="591671" y="1814286"/>
+            <a:ext cx="9704927" cy="4852594"/>
+          </a:xfrm>
+          <a:prstGeom prst="rect">
+            <a:avLst/>
+          </a:prstGeom>
+        </p:spPr>
+      </p:pic>
     </p:spTree>
     <p:extLst>
       <p:ext uri="{BB962C8B-B14F-4D97-AF65-F5344CB8AC3E}">
-        <p14:creationId xmlns:p14="http://schemas.microsoft.com/office/powerpoint/2010/main" val="1321772074"/>
+        <p14:creationId xmlns:p14="http://schemas.microsoft.com/office/powerpoint/2010/main" val="656930572"/>
       </p:ext>
     </p:extLst>
   </p:cSld>
@@ -35437,7 +35585,7 @@
                   <a:schemeClr val="bg1"/>
                 </a:solidFill>
               </a:rPr>
-              <a:t>File I/O (Prior to SE7)</a:t>
+              <a:t>File I/O (Prior to SE7)…….</a:t>
             </a:r>
             <a:endParaRPr lang="en-US" sz="3200" b="1" dirty="0">
               <a:solidFill>
@@ -35537,71 +35685,9 @@
           </a:p>
         </p:txBody>
       </p:sp>
-      <p:sp>
-        <p:nvSpPr>
-          <p:cNvPr id="3" name="TextBox 2"/>
-          <p:cNvSpPr txBox="1"/>
-          <p:nvPr/>
-        </p:nvSpPr>
-        <p:spPr>
-          <a:xfrm>
-            <a:off x="591671" y="1315670"/>
-            <a:ext cx="9197788" cy="523220"/>
-          </a:xfrm>
-          <a:prstGeom prst="rect">
-            <a:avLst/>
-          </a:prstGeom>
-          <a:noFill/>
-        </p:spPr>
-        <p:txBody>
-          <a:bodyPr wrap="square" rtlCol="0">
-            <a:spAutoFit/>
-          </a:bodyPr>
-          <a:lstStyle/>
-          <a:p>
-            <a:r>
-              <a:rPr lang="en-US" sz="2800" i="1" dirty="0">
-                <a:solidFill>
-                  <a:schemeClr val="bg1"/>
-                </a:solidFill>
-              </a:rPr>
-              <a:t>Mapping </a:t>
-            </a:r>
-            <a:r>
-              <a:rPr lang="en-US" sz="2800" i="1" dirty="0" err="1">
-                <a:solidFill>
-                  <a:schemeClr val="bg1"/>
-                </a:solidFill>
-              </a:rPr>
-              <a:t>java.io.File</a:t>
-            </a:r>
-            <a:r>
-              <a:rPr lang="en-US" sz="2800" i="1" dirty="0">
-                <a:solidFill>
-                  <a:schemeClr val="bg1"/>
-                </a:solidFill>
-              </a:rPr>
-              <a:t> Functionality to </a:t>
-            </a:r>
-            <a:r>
-              <a:rPr lang="en-US" sz="2800" i="1" dirty="0" err="1">
-                <a:solidFill>
-                  <a:schemeClr val="bg1"/>
-                </a:solidFill>
-              </a:rPr>
-              <a:t>java.nio.file</a:t>
-            </a:r>
-            <a:endParaRPr lang="en-US" sz="2800" i="1" dirty="0">
-              <a:solidFill>
-                <a:schemeClr val="bg1"/>
-              </a:solidFill>
-            </a:endParaRPr>
-          </a:p>
-        </p:txBody>
-      </p:sp>
       <p:pic>
         <p:nvPicPr>
-          <p:cNvPr id="11" name="Picture 10"/>
+          <p:cNvPr id="12" name="Picture 11"/>
           <p:cNvPicPr>
             <a:picLocks noChangeAspect="1"/>
           </p:cNvPicPr>
@@ -35615,8 +35701,8 @@
         </p:blipFill>
         <p:spPr>
           <a:xfrm>
-            <a:off x="591671" y="1814286"/>
-            <a:ext cx="9704927" cy="4852594"/>
+            <a:off x="444819" y="1372762"/>
+            <a:ext cx="11495038" cy="4449813"/>
           </a:xfrm>
           <a:prstGeom prst="rect">
             <a:avLst/>
@@ -35626,7 +35712,7 @@
     </p:spTree>
     <p:extLst>
       <p:ext uri="{BB962C8B-B14F-4D97-AF65-F5344CB8AC3E}">
-        <p14:creationId xmlns:p14="http://schemas.microsoft.com/office/powerpoint/2010/main" val="656930572"/>
+        <p14:creationId xmlns:p14="http://schemas.microsoft.com/office/powerpoint/2010/main" val="764176100"/>
       </p:ext>
     </p:extLst>
   </p:cSld>
@@ -35943,7 +36029,7 @@
       </p:sp>
       <p:pic>
         <p:nvPicPr>
-          <p:cNvPr id="12" name="Picture 11"/>
+          <p:cNvPr id="11" name="Picture 10"/>
           <p:cNvPicPr>
             <a:picLocks noChangeAspect="1"/>
           </p:cNvPicPr>
@@ -35957,8 +36043,8 @@
         </p:blipFill>
         <p:spPr>
           <a:xfrm>
-            <a:off x="444819" y="1372762"/>
-            <a:ext cx="11495038" cy="4449813"/>
+            <a:off x="307972" y="1315670"/>
+            <a:ext cx="11458691" cy="4950659"/>
           </a:xfrm>
           <a:prstGeom prst="rect">
             <a:avLst/>
@@ -35968,7 +36054,7 @@
     </p:spTree>
     <p:extLst>
       <p:ext uri="{BB962C8B-B14F-4D97-AF65-F5344CB8AC3E}">
-        <p14:creationId xmlns:p14="http://schemas.microsoft.com/office/powerpoint/2010/main" val="764176100"/>
+        <p14:creationId xmlns:p14="http://schemas.microsoft.com/office/powerpoint/2010/main" val="1999220992"/>
       </p:ext>
     </p:extLst>
   </p:cSld>
@@ -36285,7 +36371,7 @@
       </p:sp>
       <p:pic>
         <p:nvPicPr>
-          <p:cNvPr id="11" name="Picture 10"/>
+          <p:cNvPr id="12" name="Picture 11"/>
           <p:cNvPicPr>
             <a:picLocks noChangeAspect="1"/>
           </p:cNvPicPr>
@@ -36299,8 +36385,8 @@
         </p:blipFill>
         <p:spPr>
           <a:xfrm>
-            <a:off x="307972" y="1315670"/>
-            <a:ext cx="11458691" cy="4950659"/>
+            <a:off x="444818" y="1288885"/>
+            <a:ext cx="8752969" cy="5321486"/>
           </a:xfrm>
           <a:prstGeom prst="rect">
             <a:avLst/>
@@ -36310,7 +36396,7 @@
     </p:spTree>
     <p:extLst>
       <p:ext uri="{BB962C8B-B14F-4D97-AF65-F5344CB8AC3E}">
-        <p14:creationId xmlns:p14="http://schemas.microsoft.com/office/powerpoint/2010/main" val="1999220992"/>
+        <p14:creationId xmlns:p14="http://schemas.microsoft.com/office/powerpoint/2010/main" val="2555819788"/>
       </p:ext>
     </p:extLst>
   </p:cSld>
@@ -36346,313 +36432,359 @@
       </p:grpSpPr>
       <p:sp>
         <p:nvSpPr>
-          <p:cNvPr id="2" name="Title 1"/>
+          <p:cNvPr id="3" name="Content Placeholder 2"/>
           <p:cNvSpPr>
             <a:spLocks noGrp="1"/>
           </p:cNvSpPr>
           <p:nvPr>
-            <p:ph type="title"/>
+            <p:ph idx="1"/>
           </p:nvPr>
         </p:nvSpPr>
-        <p:spPr/>
-        <p:txBody>
-          <a:bodyPr/>
-          <a:lstStyle/>
-          <a:p>
-            <a:r>
-              <a:rPr lang="en-US" dirty="0" smtClean="0"/>
-              <a:t>exceptions</a:t>
-            </a:r>
+        <p:spPr>
+          <a:xfrm>
+            <a:off x="482909" y="512776"/>
+            <a:ext cx="11081562" cy="4207142"/>
+          </a:xfrm>
+        </p:spPr>
+        <p:txBody>
+          <a:bodyPr>
+            <a:normAutofit/>
+          </a:bodyPr>
+          <a:lstStyle/>
+          <a:p>
+            <a:r>
+              <a:rPr lang="en-US" sz="3000" b="1" dirty="0" smtClean="0">
+                <a:solidFill>
+                  <a:schemeClr val="bg1"/>
+                </a:solidFill>
+                <a:hlinkClick r:id="rId2"/>
+              </a:rPr>
+              <a:t>References:</a:t>
+            </a:r>
+          </a:p>
+          <a:p>
+            <a:r>
+              <a:rPr lang="en-US" sz="2000" dirty="0" smtClean="0">
+                <a:solidFill>
+                  <a:schemeClr val="bg1"/>
+                </a:solidFill>
+                <a:hlinkClick r:id="rId3"/>
+              </a:rPr>
+              <a:t>http</a:t>
+            </a:r>
+            <a:r>
+              <a:rPr lang="en-US" sz="2000" dirty="0">
+                <a:solidFill>
+                  <a:schemeClr val="bg1"/>
+                </a:solidFill>
+                <a:hlinkClick r:id="rId3"/>
+              </a:rPr>
+              <a:t>://</a:t>
+            </a:r>
+            <a:r>
+              <a:rPr lang="en-US" sz="2000" dirty="0" smtClean="0">
+                <a:solidFill>
+                  <a:schemeClr val="bg1"/>
+                </a:solidFill>
+                <a:hlinkClick r:id="rId3"/>
+              </a:rPr>
+              <a:t>www.slideshare.net/lineking/io-package</a:t>
+            </a:r>
+            <a:r>
+              <a:rPr lang="en-US" sz="2000" dirty="0" smtClean="0">
+                <a:solidFill>
+                  <a:schemeClr val="bg1"/>
+                </a:solidFill>
+              </a:rPr>
+              <a:t> - Basic IO</a:t>
+            </a:r>
+          </a:p>
+          <a:p>
+            <a:r>
+              <a:rPr lang="en-US" sz="2000" dirty="0" smtClean="0">
+                <a:solidFill>
+                  <a:schemeClr val="bg1"/>
+                </a:solidFill>
+                <a:hlinkClick r:id="rId4"/>
+              </a:rPr>
+              <a:t>http</a:t>
+            </a:r>
+            <a:r>
+              <a:rPr lang="en-US" sz="2000" dirty="0">
+                <a:solidFill>
+                  <a:schemeClr val="bg1"/>
+                </a:solidFill>
+                <a:hlinkClick r:id="rId4"/>
+              </a:rPr>
+              <a:t>://</a:t>
+            </a:r>
+            <a:r>
+              <a:rPr lang="en-US" sz="2000" dirty="0" smtClean="0">
+                <a:solidFill>
+                  <a:schemeClr val="bg1"/>
+                </a:solidFill>
+                <a:hlinkClick r:id="rId4"/>
+              </a:rPr>
+              <a:t>new.51cto.com</a:t>
+            </a:r>
+            <a:r>
+              <a:rPr lang="en-US" sz="2000" dirty="0" smtClean="0">
+                <a:solidFill>
+                  <a:schemeClr val="bg1"/>
+                </a:solidFill>
+              </a:rPr>
+              <a:t> – Buffered streams.</a:t>
+            </a:r>
+          </a:p>
+          <a:p>
+            <a:r>
+              <a:rPr lang="en-US" sz="2000" dirty="0">
+                <a:solidFill>
+                  <a:schemeClr val="bg1"/>
+                </a:solidFill>
+                <a:hlinkClick r:id="rId5"/>
+              </a:rPr>
+              <a:t>http://</a:t>
+            </a:r>
+            <a:r>
+              <a:rPr lang="en-US" sz="2000" dirty="0" smtClean="0">
+                <a:solidFill>
+                  <a:schemeClr val="bg1"/>
+                </a:solidFill>
+                <a:hlinkClick r:id="rId5"/>
+              </a:rPr>
+              <a:t>www.slideshare.net/EmertxeSlides/010-core-javaiofundamentals</a:t>
+            </a:r>
+            <a:r>
+              <a:rPr lang="en-US" sz="2000" dirty="0" smtClean="0">
+                <a:solidFill>
+                  <a:schemeClr val="bg1"/>
+                </a:solidFill>
+              </a:rPr>
+              <a:t> - IO</a:t>
+            </a:r>
+          </a:p>
+          <a:p>
+            <a:r>
+              <a:rPr lang="en-US" sz="2000" dirty="0">
+                <a:solidFill>
+                  <a:schemeClr val="bg1"/>
+                </a:solidFill>
+                <a:hlinkClick r:id="rId6"/>
+              </a:rPr>
+              <a:t>http://</a:t>
+            </a:r>
+            <a:r>
+              <a:rPr lang="en-US" sz="2000" dirty="0" smtClean="0">
+                <a:solidFill>
+                  <a:schemeClr val="bg1"/>
+                </a:solidFill>
+                <a:hlinkClick r:id="rId6"/>
+              </a:rPr>
+              <a:t>www.slideshare.net/martyhall/file-io-in-java-8-applying-the-power-of-streams</a:t>
+            </a:r>
+            <a:r>
+              <a:rPr lang="en-US" sz="2000" dirty="0" smtClean="0">
+                <a:solidFill>
+                  <a:schemeClr val="bg1"/>
+                </a:solidFill>
+              </a:rPr>
+              <a:t> - File </a:t>
+            </a:r>
+            <a:r>
+              <a:rPr lang="en-US" sz="2000" dirty="0" smtClean="0">
+                <a:solidFill>
+                  <a:schemeClr val="bg1"/>
+                </a:solidFill>
+              </a:rPr>
+              <a:t>IO</a:t>
+            </a:r>
+          </a:p>
+          <a:p>
+            <a:r>
+              <a:rPr lang="en-US" sz="2000" dirty="0">
+                <a:solidFill>
+                  <a:schemeClr val="bg1"/>
+                </a:solidFill>
+                <a:hlinkClick r:id="rId7"/>
+              </a:rPr>
+              <a:t>http://</a:t>
+            </a:r>
+            <a:r>
+              <a:rPr lang="en-US" sz="2000" dirty="0" smtClean="0">
+                <a:solidFill>
+                  <a:schemeClr val="bg1"/>
+                </a:solidFill>
+                <a:hlinkClick r:id="rId7"/>
+              </a:rPr>
+              <a:t>www.slideshare.net/boulderjug/55-things-in-java-7</a:t>
+            </a:r>
+            <a:r>
+              <a:rPr lang="en-US" sz="2000" dirty="0" smtClean="0">
+                <a:solidFill>
+                  <a:schemeClr val="bg1"/>
+                </a:solidFill>
+              </a:rPr>
+              <a:t> - File IO</a:t>
+            </a:r>
+          </a:p>
+          <a:p>
+            <a:endParaRPr lang="en-US" sz="2000" dirty="0" smtClean="0">
+              <a:solidFill>
+                <a:schemeClr val="bg1"/>
+              </a:solidFill>
+            </a:endParaRPr>
+          </a:p>
+          <a:p>
+            <a:endParaRPr lang="en-US" sz="2000" dirty="0">
+              <a:solidFill>
+                <a:schemeClr val="bg1"/>
+              </a:solidFill>
+            </a:endParaRPr>
+          </a:p>
+          <a:p>
+            <a:endParaRPr lang="en-US" sz="2000" dirty="0" smtClean="0">
+              <a:solidFill>
+                <a:schemeClr val="bg1"/>
+              </a:solidFill>
+            </a:endParaRPr>
+          </a:p>
+          <a:p>
+            <a:endParaRPr lang="en-US" sz="2000" dirty="0">
+              <a:solidFill>
+                <a:schemeClr val="bg1"/>
+              </a:solidFill>
+            </a:endParaRPr>
+          </a:p>
+          <a:p>
+            <a:endParaRPr lang="en-US" sz="2000" dirty="0">
+              <a:solidFill>
+                <a:schemeClr val="bg1"/>
+              </a:solidFill>
+            </a:endParaRPr>
+          </a:p>
+          <a:p>
+            <a:endParaRPr lang="en-US" sz="7200" dirty="0" smtClean="0">
+              <a:solidFill>
+                <a:schemeClr val="bg1"/>
+              </a:solidFill>
+            </a:endParaRPr>
+          </a:p>
+          <a:p>
+            <a:endParaRPr lang="en-US" sz="7200" dirty="0" smtClean="0">
+              <a:solidFill>
+                <a:schemeClr val="bg1"/>
+              </a:solidFill>
+            </a:endParaRPr>
+          </a:p>
+          <a:p>
+            <a:endParaRPr lang="en-US" sz="4000" dirty="0">
+              <a:solidFill>
+                <a:schemeClr val="bg1"/>
+              </a:solidFill>
+            </a:endParaRPr>
+          </a:p>
+          <a:p>
+            <a:endParaRPr lang="en-US" sz="4000" dirty="0" smtClean="0">
+              <a:solidFill>
+                <a:schemeClr val="bg1"/>
+              </a:solidFill>
+            </a:endParaRPr>
+          </a:p>
+          <a:p>
+            <a:endParaRPr lang="en-US" sz="4000" dirty="0">
+              <a:solidFill>
+                <a:schemeClr val="bg1"/>
+              </a:solidFill>
+            </a:endParaRPr>
+          </a:p>
+          <a:p>
+            <a:endParaRPr lang="en-US" sz="4000" dirty="0" smtClean="0">
+              <a:solidFill>
+                <a:schemeClr val="bg1"/>
+              </a:solidFill>
+            </a:endParaRPr>
+          </a:p>
+          <a:p>
+            <a:endParaRPr lang="en-US" sz="4000" dirty="0">
+              <a:solidFill>
+                <a:schemeClr val="bg1"/>
+              </a:solidFill>
+            </a:endParaRPr>
+          </a:p>
+          <a:p>
+            <a:endParaRPr lang="en-US" sz="4000" dirty="0" smtClean="0">
+              <a:solidFill>
+                <a:schemeClr val="bg1"/>
+              </a:solidFill>
+            </a:endParaRPr>
+          </a:p>
+          <a:p>
+            <a:endParaRPr lang="en-US" sz="4000" dirty="0">
+              <a:solidFill>
+                <a:schemeClr val="bg1"/>
+              </a:solidFill>
+            </a:endParaRPr>
+          </a:p>
+          <a:p>
+            <a:endParaRPr lang="en-US" sz="4000" dirty="0" smtClean="0">
+              <a:solidFill>
+                <a:schemeClr val="bg1"/>
+              </a:solidFill>
+            </a:endParaRPr>
+          </a:p>
+          <a:p>
+            <a:endParaRPr lang="en-US" sz="4000" dirty="0" smtClean="0">
+              <a:solidFill>
+                <a:schemeClr val="bg1"/>
+              </a:solidFill>
+            </a:endParaRPr>
+          </a:p>
+          <a:p>
+            <a:endParaRPr lang="en-US" dirty="0" smtClean="0"/>
+          </a:p>
+          <a:p>
+            <a:endParaRPr lang="en-US" dirty="0" smtClean="0"/>
+          </a:p>
+          <a:p>
+            <a:endParaRPr lang="en-US" dirty="0" smtClean="0"/>
+          </a:p>
+          <a:p>
+            <a:endParaRPr lang="en-US" dirty="0" smtClean="0"/>
+          </a:p>
+          <a:p>
+            <a:endParaRPr lang="en-US" dirty="0" smtClean="0"/>
+          </a:p>
+          <a:p>
+            <a:endParaRPr lang="en-US" dirty="0" smtClean="0"/>
+          </a:p>
+          <a:p>
+            <a:endParaRPr lang="en-US" dirty="0" smtClean="0"/>
+          </a:p>
+          <a:p>
+            <a:endParaRPr lang="en-US" dirty="0" smtClean="0"/>
+          </a:p>
+          <a:p>
+            <a:endParaRPr lang="en-US" dirty="0" smtClean="0"/>
+          </a:p>
+          <a:p>
+            <a:endParaRPr lang="en-US" dirty="0" smtClean="0"/>
+          </a:p>
+          <a:p>
+            <a:endParaRPr lang="en-US" dirty="0" smtClean="0"/>
+          </a:p>
+          <a:p>
+            <a:endParaRPr lang="en-US" dirty="0" smtClean="0"/>
+          </a:p>
+          <a:p>
             <a:endParaRPr lang="en-US" dirty="0"/>
           </a:p>
         </p:txBody>
       </p:sp>
-      <p:sp>
-        <p:nvSpPr>
-          <p:cNvPr id="4" name="AutoShape 8" descr="http://www.penjee.com/programming/wp-content/uploads/2014/05/parameter-vs-argument-diagram.png"/>
-          <p:cNvSpPr>
-            <a:spLocks noChangeAspect="1" noChangeArrowheads="1"/>
-          </p:cNvSpPr>
-          <p:nvPr/>
-        </p:nvSpPr>
-        <p:spPr bwMode="auto">
-          <a:xfrm>
-            <a:off x="155575" y="-144463"/>
-            <a:ext cx="304800" cy="304801"/>
-          </a:xfrm>
-          <a:prstGeom prst="rect">
-            <a:avLst/>
-          </a:prstGeom>
-          <a:noFill/>
-          <a:extLst>
-            <a:ext uri="{909E8E84-426E-40DD-AFC4-6F175D3DCCD1}">
-              <a14:hiddenFill xmlns:a14="http://schemas.microsoft.com/office/drawing/2010/main">
-                <a:solidFill>
-                  <a:srgbClr val="FFFFFF"/>
-                </a:solidFill>
-              </a14:hiddenFill>
-            </a:ext>
-          </a:extLst>
-        </p:spPr>
-        <p:txBody>
-          <a:bodyPr vert="horz" wrap="square" lIns="91440" tIns="45720" rIns="91440" bIns="45720" numCol="1" anchor="t" anchorCtr="0" compatLnSpc="1">
-            <a:prstTxWarp prst="textNoShape">
-              <a:avLst/>
-            </a:prstTxWarp>
-          </a:bodyPr>
-          <a:lstStyle/>
-          <a:p>
-            <a:endParaRPr lang="en-US"/>
-          </a:p>
-        </p:txBody>
-      </p:sp>
-      <p:sp>
-        <p:nvSpPr>
-          <p:cNvPr id="8" name="TextBox 7"/>
-          <p:cNvSpPr txBox="1"/>
-          <p:nvPr/>
-        </p:nvSpPr>
-        <p:spPr>
-          <a:xfrm>
-            <a:off x="7495504" y="2240924"/>
-            <a:ext cx="4456090" cy="400110"/>
-          </a:xfrm>
-          <a:prstGeom prst="rect">
-            <a:avLst/>
-          </a:prstGeom>
-          <a:noFill/>
-        </p:spPr>
-        <p:txBody>
-          <a:bodyPr wrap="square" rtlCol="0">
-            <a:spAutoFit/>
-          </a:bodyPr>
-          <a:lstStyle/>
-          <a:p>
-            <a:endParaRPr lang="en-US" sz="2000" u="sng" dirty="0"/>
-          </a:p>
-        </p:txBody>
-      </p:sp>
-      <p:sp>
-        <p:nvSpPr>
-          <p:cNvPr id="5" name="TextBox 4"/>
-          <p:cNvSpPr txBox="1"/>
-          <p:nvPr/>
-        </p:nvSpPr>
-        <p:spPr>
-          <a:xfrm>
-            <a:off x="307974" y="262826"/>
-            <a:ext cx="11643619" cy="6442774"/>
-          </a:xfrm>
-          <a:prstGeom prst="rect">
-            <a:avLst/>
-          </a:prstGeom>
-          <a:solidFill>
-            <a:schemeClr val="tx1">
-              <a:lumMod val="95000"/>
-            </a:schemeClr>
-          </a:solidFill>
-        </p:spPr>
-        <p:txBody>
-          <a:bodyPr wrap="square" rtlCol="0">
-            <a:spAutoFit/>
-          </a:bodyPr>
-          <a:lstStyle/>
-          <a:p>
-            <a:endParaRPr lang="en-US" dirty="0"/>
-          </a:p>
-        </p:txBody>
-      </p:sp>
-      <p:cxnSp>
-        <p:nvCxnSpPr>
-          <p:cNvPr id="6" name="Straight Connector 5"/>
-          <p:cNvCxnSpPr/>
-          <p:nvPr/>
-        </p:nvCxnSpPr>
-        <p:spPr>
-          <a:xfrm flipV="1">
-            <a:off x="307974" y="1103086"/>
-            <a:ext cx="11643619" cy="58057"/>
-          </a:xfrm>
-          <a:prstGeom prst="line">
-            <a:avLst/>
-          </a:prstGeom>
-          <a:ln w="50800">
-            <a:solidFill>
-              <a:srgbClr val="C00000"/>
-            </a:solidFill>
-          </a:ln>
-        </p:spPr>
-        <p:style>
-          <a:lnRef idx="1">
-            <a:schemeClr val="accent1"/>
-          </a:lnRef>
-          <a:fillRef idx="0">
-            <a:schemeClr val="accent1"/>
-          </a:fillRef>
-          <a:effectRef idx="0">
-            <a:schemeClr val="accent1"/>
-          </a:effectRef>
-          <a:fontRef idx="minor">
-            <a:schemeClr val="tx1"/>
-          </a:fontRef>
-        </p:style>
-      </p:cxnSp>
-      <p:sp>
-        <p:nvSpPr>
-          <p:cNvPr id="7" name="TextBox 6"/>
-          <p:cNvSpPr txBox="1"/>
-          <p:nvPr/>
-        </p:nvSpPr>
-        <p:spPr>
-          <a:xfrm>
-            <a:off x="444820" y="390569"/>
-            <a:ext cx="5650139" cy="584775"/>
-          </a:xfrm>
-          <a:prstGeom prst="rect">
-            <a:avLst/>
-          </a:prstGeom>
-          <a:noFill/>
-        </p:spPr>
-        <p:txBody>
-          <a:bodyPr wrap="square" rtlCol="0">
-            <a:spAutoFit/>
-          </a:bodyPr>
-          <a:lstStyle/>
-          <a:p>
-            <a:r>
-              <a:rPr lang="en-US" sz="3200" b="1" dirty="0" smtClean="0">
-                <a:solidFill>
-                  <a:schemeClr val="bg1"/>
-                </a:solidFill>
-              </a:rPr>
-              <a:t>File I/O (Prior to SE7)…….</a:t>
-            </a:r>
-            <a:endParaRPr lang="en-US" sz="3200" b="1" dirty="0">
-              <a:solidFill>
-                <a:schemeClr val="bg1"/>
-              </a:solidFill>
-            </a:endParaRPr>
-          </a:p>
-        </p:txBody>
-      </p:sp>
-      <p:sp>
-        <p:nvSpPr>
-          <p:cNvPr id="10" name="TextBox 9"/>
-          <p:cNvSpPr txBox="1"/>
-          <p:nvPr/>
-        </p:nvSpPr>
-        <p:spPr>
-          <a:xfrm>
-            <a:off x="457952" y="1132114"/>
-            <a:ext cx="10529047" cy="461665"/>
-          </a:xfrm>
-          <a:prstGeom prst="rect">
-            <a:avLst/>
-          </a:prstGeom>
-          <a:noFill/>
-        </p:spPr>
-        <p:txBody>
-          <a:bodyPr wrap="square" rtlCol="0">
-            <a:spAutoFit/>
-          </a:bodyPr>
-          <a:lstStyle/>
-          <a:p>
-            <a:endParaRPr lang="en-US" sz="2400" dirty="0" smtClean="0">
-              <a:solidFill>
-                <a:schemeClr val="bg1"/>
-              </a:solidFill>
-            </a:endParaRPr>
-          </a:p>
-        </p:txBody>
-      </p:sp>
-      <p:sp>
-        <p:nvSpPr>
-          <p:cNvPr id="16" name="TextBox 15"/>
-          <p:cNvSpPr txBox="1"/>
-          <p:nvPr/>
-        </p:nvSpPr>
-        <p:spPr>
-          <a:xfrm>
-            <a:off x="7153835" y="5177118"/>
-            <a:ext cx="4329952" cy="1358153"/>
-          </a:xfrm>
-          <a:prstGeom prst="rect">
-            <a:avLst/>
-          </a:prstGeom>
-          <a:noFill/>
-        </p:spPr>
-        <p:txBody>
-          <a:bodyPr wrap="square" rtlCol="0">
-            <a:spAutoFit/>
-          </a:bodyPr>
-          <a:lstStyle/>
-          <a:p>
-            <a:endParaRPr lang="en-US" dirty="0"/>
-          </a:p>
-        </p:txBody>
-      </p:sp>
-      <p:sp>
-        <p:nvSpPr>
-          <p:cNvPr id="9" name="TextBox 8"/>
-          <p:cNvSpPr txBox="1"/>
-          <p:nvPr/>
-        </p:nvSpPr>
-        <p:spPr>
-          <a:xfrm>
-            <a:off x="444820" y="1315670"/>
-            <a:ext cx="11187201" cy="400110"/>
-          </a:xfrm>
-          <a:prstGeom prst="rect">
-            <a:avLst/>
-          </a:prstGeom>
-          <a:noFill/>
-        </p:spPr>
-        <p:txBody>
-          <a:bodyPr wrap="square" rtlCol="0">
-            <a:spAutoFit/>
-          </a:bodyPr>
-          <a:lstStyle/>
-          <a:p>
-            <a:pPr marL="285750" indent="-285750">
-              <a:buFont typeface="Arial" panose="020B0604020202020204" pitchFamily="34" charset="0"/>
-              <a:buChar char="•"/>
-            </a:pPr>
-            <a:endParaRPr lang="en-US" sz="2000" dirty="0">
-              <a:solidFill>
-                <a:schemeClr val="bg1"/>
-              </a:solidFill>
-            </a:endParaRPr>
-          </a:p>
-        </p:txBody>
-      </p:sp>
-      <p:pic>
-        <p:nvPicPr>
-          <p:cNvPr id="12" name="Picture 11"/>
-          <p:cNvPicPr>
-            <a:picLocks noChangeAspect="1"/>
-          </p:cNvPicPr>
-          <p:nvPr/>
-        </p:nvPicPr>
-        <p:blipFill>
-          <a:blip r:embed="rId2"/>
-          <a:stretch>
-            <a:fillRect/>
-          </a:stretch>
-        </p:blipFill>
-        <p:spPr>
-          <a:xfrm>
-            <a:off x="444818" y="1288885"/>
-            <a:ext cx="8752969" cy="5321486"/>
-          </a:xfrm>
-          <a:prstGeom prst="rect">
-            <a:avLst/>
-          </a:prstGeom>
-        </p:spPr>
-      </p:pic>
     </p:spTree>
     <p:extLst>
       <p:ext uri="{BB962C8B-B14F-4D97-AF65-F5344CB8AC3E}">
-        <p14:creationId xmlns:p14="http://schemas.microsoft.com/office/powerpoint/2010/main" val="2555819788"/>
+        <p14:creationId xmlns:p14="http://schemas.microsoft.com/office/powerpoint/2010/main" val="970127652"/>
       </p:ext>
     </p:extLst>
   </p:cSld>
@@ -37058,2645 +37190,6 @@
     <p:extLst>
       <p:ext uri="{BB962C8B-B14F-4D97-AF65-F5344CB8AC3E}">
         <p14:creationId xmlns:p14="http://schemas.microsoft.com/office/powerpoint/2010/main" val="3351008566"/>
-      </p:ext>
-    </p:extLst>
-  </p:cSld>
-  <p:clrMapOvr>
-    <a:masterClrMapping/>
-  </p:clrMapOvr>
-  <p:timing>
-    <p:tnLst>
-      <p:par>
-        <p:cTn id="1" dur="indefinite" restart="never" nodeType="tmRoot"/>
-      </p:par>
-    </p:tnLst>
-  </p:timing>
-</p:sld>
-</file>
-
-<file path=ppt/slides/slide60.xml><?xml version="1.0" encoding="utf-8"?>
-<p:sld xmlns:a="http://schemas.openxmlformats.org/drawingml/2006/main" xmlns:r="http://schemas.openxmlformats.org/officeDocument/2006/relationships" xmlns:p="http://schemas.openxmlformats.org/presentationml/2006/main">
-  <p:cSld>
-    <p:spTree>
-      <p:nvGrpSpPr>
-        <p:cNvPr id="1" name=""/>
-        <p:cNvGrpSpPr/>
-        <p:nvPr/>
-      </p:nvGrpSpPr>
-      <p:grpSpPr>
-        <a:xfrm>
-          <a:off x="0" y="0"/>
-          <a:ext cx="0" cy="0"/>
-          <a:chOff x="0" y="0"/>
-          <a:chExt cx="0" cy="0"/>
-        </a:xfrm>
-      </p:grpSpPr>
-      <p:sp>
-        <p:nvSpPr>
-          <p:cNvPr id="2" name="Title 1"/>
-          <p:cNvSpPr>
-            <a:spLocks noGrp="1"/>
-          </p:cNvSpPr>
-          <p:nvPr>
-            <p:ph type="title"/>
-          </p:nvPr>
-        </p:nvSpPr>
-        <p:spPr/>
-        <p:txBody>
-          <a:bodyPr/>
-          <a:lstStyle/>
-          <a:p>
-            <a:r>
-              <a:rPr lang="en-US" dirty="0" smtClean="0"/>
-              <a:t>exceptions</a:t>
-            </a:r>
-            <a:endParaRPr lang="en-US" dirty="0"/>
-          </a:p>
-        </p:txBody>
-      </p:sp>
-      <p:sp>
-        <p:nvSpPr>
-          <p:cNvPr id="4" name="AutoShape 8" descr="http://www.penjee.com/programming/wp-content/uploads/2014/05/parameter-vs-argument-diagram.png"/>
-          <p:cNvSpPr>
-            <a:spLocks noChangeAspect="1" noChangeArrowheads="1"/>
-          </p:cNvSpPr>
-          <p:nvPr/>
-        </p:nvSpPr>
-        <p:spPr bwMode="auto">
-          <a:xfrm>
-            <a:off x="155575" y="-144463"/>
-            <a:ext cx="304800" cy="304801"/>
-          </a:xfrm>
-          <a:prstGeom prst="rect">
-            <a:avLst/>
-          </a:prstGeom>
-          <a:noFill/>
-          <a:extLst>
-            <a:ext uri="{909E8E84-426E-40DD-AFC4-6F175D3DCCD1}">
-              <a14:hiddenFill xmlns:a14="http://schemas.microsoft.com/office/drawing/2010/main">
-                <a:solidFill>
-                  <a:srgbClr val="FFFFFF"/>
-                </a:solidFill>
-              </a14:hiddenFill>
-            </a:ext>
-          </a:extLst>
-        </p:spPr>
-        <p:txBody>
-          <a:bodyPr vert="horz" wrap="square" lIns="91440" tIns="45720" rIns="91440" bIns="45720" numCol="1" anchor="t" anchorCtr="0" compatLnSpc="1">
-            <a:prstTxWarp prst="textNoShape">
-              <a:avLst/>
-            </a:prstTxWarp>
-          </a:bodyPr>
-          <a:lstStyle/>
-          <a:p>
-            <a:endParaRPr lang="en-US"/>
-          </a:p>
-        </p:txBody>
-      </p:sp>
-      <p:sp>
-        <p:nvSpPr>
-          <p:cNvPr id="8" name="TextBox 7"/>
-          <p:cNvSpPr txBox="1"/>
-          <p:nvPr/>
-        </p:nvSpPr>
-        <p:spPr>
-          <a:xfrm>
-            <a:off x="7495504" y="2240924"/>
-            <a:ext cx="4456090" cy="400110"/>
-          </a:xfrm>
-          <a:prstGeom prst="rect">
-            <a:avLst/>
-          </a:prstGeom>
-          <a:noFill/>
-        </p:spPr>
-        <p:txBody>
-          <a:bodyPr wrap="square" rtlCol="0">
-            <a:spAutoFit/>
-          </a:bodyPr>
-          <a:lstStyle/>
-          <a:p>
-            <a:endParaRPr lang="en-US" sz="2000" u="sng" dirty="0"/>
-          </a:p>
-        </p:txBody>
-      </p:sp>
-      <p:sp>
-        <p:nvSpPr>
-          <p:cNvPr id="5" name="TextBox 4"/>
-          <p:cNvSpPr txBox="1"/>
-          <p:nvPr/>
-        </p:nvSpPr>
-        <p:spPr>
-          <a:xfrm>
-            <a:off x="811369" y="2240924"/>
-            <a:ext cx="7959144" cy="4353059"/>
-          </a:xfrm>
-          <a:prstGeom prst="rect">
-            <a:avLst/>
-          </a:prstGeom>
-          <a:noFill/>
-        </p:spPr>
-        <p:txBody>
-          <a:bodyPr wrap="square" rtlCol="0">
-            <a:spAutoFit/>
-          </a:bodyPr>
-          <a:lstStyle/>
-          <a:p>
-            <a:endParaRPr lang="en-US" dirty="0"/>
-          </a:p>
-        </p:txBody>
-      </p:sp>
-    </p:spTree>
-    <p:extLst>
-      <p:ext uri="{BB962C8B-B14F-4D97-AF65-F5344CB8AC3E}">
-        <p14:creationId xmlns:p14="http://schemas.microsoft.com/office/powerpoint/2010/main" val="3823283436"/>
-      </p:ext>
-    </p:extLst>
-  </p:cSld>
-  <p:clrMapOvr>
-    <a:masterClrMapping/>
-  </p:clrMapOvr>
-  <p:timing>
-    <p:tnLst>
-      <p:par>
-        <p:cTn id="1" dur="indefinite" restart="never" nodeType="tmRoot"/>
-      </p:par>
-    </p:tnLst>
-  </p:timing>
-</p:sld>
-</file>
-
-<file path=ppt/slides/slide61.xml><?xml version="1.0" encoding="utf-8"?>
-<p:sld xmlns:a="http://schemas.openxmlformats.org/drawingml/2006/main" xmlns:r="http://schemas.openxmlformats.org/officeDocument/2006/relationships" xmlns:p="http://schemas.openxmlformats.org/presentationml/2006/main" showMasterSp="0">
-  <p:cSld>
-    <p:spTree>
-      <p:nvGrpSpPr>
-        <p:cNvPr id="1" name=""/>
-        <p:cNvGrpSpPr/>
-        <p:nvPr/>
-      </p:nvGrpSpPr>
-      <p:grpSpPr>
-        <a:xfrm>
-          <a:off x="0" y="0"/>
-          <a:ext cx="0" cy="0"/>
-          <a:chOff x="0" y="0"/>
-          <a:chExt cx="0" cy="0"/>
-        </a:xfrm>
-      </p:grpSpPr>
-      <p:sp>
-        <p:nvSpPr>
-          <p:cNvPr id="2" name="Title 1"/>
-          <p:cNvSpPr>
-            <a:spLocks noGrp="1"/>
-          </p:cNvSpPr>
-          <p:nvPr>
-            <p:ph type="title"/>
-          </p:nvPr>
-        </p:nvSpPr>
-        <p:spPr/>
-        <p:txBody>
-          <a:bodyPr/>
-          <a:lstStyle/>
-          <a:p>
-            <a:r>
-              <a:rPr lang="en-US" dirty="0" smtClean="0"/>
-              <a:t>Java - miscellaneous</a:t>
-            </a:r>
-            <a:endParaRPr lang="en-US" dirty="0"/>
-          </a:p>
-        </p:txBody>
-      </p:sp>
-      <p:sp>
-        <p:nvSpPr>
-          <p:cNvPr id="6" name="TextBox 5"/>
-          <p:cNvSpPr txBox="1"/>
-          <p:nvPr/>
-        </p:nvSpPr>
-        <p:spPr>
-          <a:xfrm>
-            <a:off x="746975" y="2099256"/>
-            <a:ext cx="6645498" cy="646331"/>
-          </a:xfrm>
-          <a:prstGeom prst="rect">
-            <a:avLst/>
-          </a:prstGeom>
-          <a:noFill/>
-        </p:spPr>
-        <p:txBody>
-          <a:bodyPr wrap="square" rtlCol="0">
-            <a:spAutoFit/>
-          </a:bodyPr>
-          <a:lstStyle/>
-          <a:p>
-            <a:endParaRPr lang="en-US" b="1" dirty="0" smtClean="0"/>
-          </a:p>
-          <a:p>
-            <a:endParaRPr lang="en-US" dirty="0"/>
-          </a:p>
-        </p:txBody>
-      </p:sp>
-      <p:sp>
-        <p:nvSpPr>
-          <p:cNvPr id="4" name="AutoShape 8" descr="http://www.penjee.com/programming/wp-content/uploads/2014/05/parameter-vs-argument-diagram.png"/>
-          <p:cNvSpPr>
-            <a:spLocks noChangeAspect="1" noChangeArrowheads="1"/>
-          </p:cNvSpPr>
-          <p:nvPr/>
-        </p:nvSpPr>
-        <p:spPr bwMode="auto">
-          <a:xfrm>
-            <a:off x="155575" y="-144463"/>
-            <a:ext cx="304800" cy="304801"/>
-          </a:xfrm>
-          <a:prstGeom prst="rect">
-            <a:avLst/>
-          </a:prstGeom>
-          <a:noFill/>
-          <a:extLst>
-            <a:ext uri="{909E8E84-426E-40DD-AFC4-6F175D3DCCD1}">
-              <a14:hiddenFill xmlns:a14="http://schemas.microsoft.com/office/drawing/2010/main">
-                <a:solidFill>
-                  <a:srgbClr val="FFFFFF"/>
-                </a:solidFill>
-              </a14:hiddenFill>
-            </a:ext>
-          </a:extLst>
-        </p:spPr>
-        <p:txBody>
-          <a:bodyPr vert="horz" wrap="square" lIns="91440" tIns="45720" rIns="91440" bIns="45720" numCol="1" anchor="t" anchorCtr="0" compatLnSpc="1">
-            <a:prstTxWarp prst="textNoShape">
-              <a:avLst/>
-            </a:prstTxWarp>
-          </a:bodyPr>
-          <a:lstStyle/>
-          <a:p>
-            <a:endParaRPr lang="en-US"/>
-          </a:p>
-        </p:txBody>
-      </p:sp>
-      <p:sp>
-        <p:nvSpPr>
-          <p:cNvPr id="8" name="TextBox 7"/>
-          <p:cNvSpPr txBox="1"/>
-          <p:nvPr/>
-        </p:nvSpPr>
-        <p:spPr>
-          <a:xfrm>
-            <a:off x="1202919" y="2575775"/>
-            <a:ext cx="8224416" cy="523220"/>
-          </a:xfrm>
-          <a:prstGeom prst="rect">
-            <a:avLst/>
-          </a:prstGeom>
-          <a:noFill/>
-        </p:spPr>
-        <p:txBody>
-          <a:bodyPr wrap="square" rtlCol="0">
-            <a:spAutoFit/>
-          </a:bodyPr>
-          <a:lstStyle/>
-          <a:p>
-            <a:r>
-              <a:rPr lang="en-US" sz="2800" b="1" dirty="0"/>
-              <a:t>Type Comparison Operator </a:t>
-            </a:r>
-            <a:r>
-              <a:rPr lang="en-US" sz="2800" b="1" dirty="0" err="1"/>
-              <a:t>instanceof</a:t>
-            </a:r>
-            <a:endParaRPr lang="en-US" sz="2800" b="1" dirty="0"/>
-          </a:p>
-        </p:txBody>
-      </p:sp>
-      <p:sp>
-        <p:nvSpPr>
-          <p:cNvPr id="9" name="TextBox 8"/>
-          <p:cNvSpPr txBox="1"/>
-          <p:nvPr/>
-        </p:nvSpPr>
-        <p:spPr>
-          <a:xfrm>
-            <a:off x="1300766" y="3098995"/>
-            <a:ext cx="9440214" cy="3198774"/>
-          </a:xfrm>
-          <a:prstGeom prst="rect">
-            <a:avLst/>
-          </a:prstGeom>
-          <a:noFill/>
-        </p:spPr>
-        <p:txBody>
-          <a:bodyPr wrap="square" rtlCol="0">
-            <a:spAutoFit/>
-          </a:bodyPr>
-          <a:lstStyle/>
-          <a:p>
-            <a:endParaRPr lang="en-US" dirty="0"/>
-          </a:p>
-        </p:txBody>
-      </p:sp>
-      <p:sp>
-        <p:nvSpPr>
-          <p:cNvPr id="12" name="Rectangle 11"/>
-          <p:cNvSpPr/>
-          <p:nvPr/>
-        </p:nvSpPr>
-        <p:spPr>
-          <a:xfrm>
-            <a:off x="1202919" y="3222106"/>
-            <a:ext cx="8224416" cy="3354765"/>
-          </a:xfrm>
-          <a:prstGeom prst="rect">
-            <a:avLst/>
-          </a:prstGeom>
-        </p:spPr>
-        <p:txBody>
-          <a:bodyPr wrap="square">
-            <a:spAutoFit/>
-          </a:bodyPr>
-          <a:lstStyle/>
-          <a:p>
-            <a:pPr marL="285750" indent="-285750">
-              <a:buFont typeface="Arial" panose="020B0604020202020204" pitchFamily="34" charset="0"/>
-              <a:buChar char="•"/>
-            </a:pPr>
-            <a:r>
-              <a:rPr lang="en-US" sz="2000" dirty="0"/>
-              <a:t>The </a:t>
-            </a:r>
-            <a:r>
-              <a:rPr lang="en-US" sz="2000" dirty="0" err="1"/>
-              <a:t>instanceof</a:t>
-            </a:r>
-            <a:r>
-              <a:rPr lang="en-US" sz="2000" dirty="0"/>
-              <a:t> operator compares an object to a specified type. </a:t>
-            </a:r>
-            <a:endParaRPr lang="en-US" sz="2000" dirty="0" smtClean="0"/>
-          </a:p>
-          <a:p>
-            <a:pPr marL="285750" indent="-285750">
-              <a:buFont typeface="Arial" panose="020B0604020202020204" pitchFamily="34" charset="0"/>
-              <a:buChar char="•"/>
-            </a:pPr>
-            <a:endParaRPr lang="en-US" sz="2000" dirty="0"/>
-          </a:p>
-          <a:p>
-            <a:pPr marL="285750" indent="-285750">
-              <a:buFont typeface="Arial" panose="020B0604020202020204" pitchFamily="34" charset="0"/>
-              <a:buChar char="•"/>
-            </a:pPr>
-            <a:r>
-              <a:rPr lang="en-US" sz="2000" dirty="0" smtClean="0"/>
-              <a:t>You </a:t>
-            </a:r>
-            <a:r>
-              <a:rPr lang="en-US" sz="2000" dirty="0"/>
-              <a:t>can use it to test if an object is an instance of a class, an instance of a subclass, or an instance of a class that implements a particular </a:t>
-            </a:r>
-            <a:r>
-              <a:rPr lang="en-US" sz="2000" dirty="0" smtClean="0"/>
-              <a:t>interface</a:t>
-            </a:r>
-          </a:p>
-          <a:p>
-            <a:pPr marL="285750" indent="-285750">
-              <a:buFont typeface="Arial" panose="020B0604020202020204" pitchFamily="34" charset="0"/>
-              <a:buChar char="•"/>
-            </a:pPr>
-            <a:endParaRPr lang="en-US" sz="2000" dirty="0"/>
-          </a:p>
-          <a:p>
-            <a:pPr marL="285750" indent="-285750">
-              <a:buFont typeface="Arial" panose="020B0604020202020204" pitchFamily="34" charset="0"/>
-              <a:buChar char="•"/>
-            </a:pPr>
-            <a:r>
-              <a:rPr lang="en-US" sz="3200" dirty="0" smtClean="0"/>
-              <a:t>Classes implementing interfaces</a:t>
-            </a:r>
-          </a:p>
-          <a:p>
-            <a:pPr marL="285750" indent="-285750">
-              <a:buFont typeface="Arial" panose="020B0604020202020204" pitchFamily="34" charset="0"/>
-              <a:buChar char="•"/>
-            </a:pPr>
-            <a:r>
-              <a:rPr lang="en-US" sz="2000" dirty="0"/>
-              <a:t>class </a:t>
-            </a:r>
-            <a:r>
-              <a:rPr lang="en-US" sz="2000" dirty="0" err="1"/>
-              <a:t>MyClass</a:t>
-            </a:r>
-            <a:r>
-              <a:rPr lang="en-US" sz="2000" dirty="0"/>
-              <a:t> extends </a:t>
-            </a:r>
-            <a:r>
-              <a:rPr lang="en-US" sz="2000" dirty="0" err="1"/>
-              <a:t>MySuperClass</a:t>
-            </a:r>
-            <a:r>
-              <a:rPr lang="en-US" sz="2000" dirty="0"/>
-              <a:t> implements </a:t>
-            </a:r>
-            <a:r>
-              <a:rPr lang="en-US" sz="2000" dirty="0" err="1"/>
-              <a:t>YourInterface</a:t>
-            </a:r>
-            <a:r>
-              <a:rPr lang="en-US" sz="2000" dirty="0"/>
-              <a:t> {</a:t>
-            </a:r>
-          </a:p>
-          <a:p>
-            <a:pPr marL="285750" indent="-285750">
-              <a:buFont typeface="Arial" panose="020B0604020202020204" pitchFamily="34" charset="0"/>
-              <a:buChar char="•"/>
-            </a:pPr>
-            <a:r>
-              <a:rPr lang="en-US" sz="2000" dirty="0"/>
-              <a:t>    // field, constructor, and</a:t>
-            </a:r>
-          </a:p>
-          <a:p>
-            <a:pPr marL="285750" indent="-285750">
-              <a:buFont typeface="Arial" panose="020B0604020202020204" pitchFamily="34" charset="0"/>
-              <a:buChar char="•"/>
-            </a:pPr>
-            <a:r>
-              <a:rPr lang="en-US" sz="2000" dirty="0"/>
-              <a:t>    // method declarations</a:t>
-            </a:r>
-          </a:p>
-          <a:p>
-            <a:pPr marL="285750" indent="-285750">
-              <a:buFont typeface="Arial" panose="020B0604020202020204" pitchFamily="34" charset="0"/>
-              <a:buChar char="•"/>
-            </a:pPr>
-            <a:r>
-              <a:rPr lang="en-US" sz="2000" dirty="0"/>
-              <a:t>}</a:t>
-            </a:r>
-          </a:p>
-        </p:txBody>
-      </p:sp>
-    </p:spTree>
-    <p:extLst>
-      <p:ext uri="{BB962C8B-B14F-4D97-AF65-F5344CB8AC3E}">
-        <p14:creationId xmlns:p14="http://schemas.microsoft.com/office/powerpoint/2010/main" val="86288042"/>
-      </p:ext>
-    </p:extLst>
-  </p:cSld>
-  <p:clrMapOvr>
-    <a:masterClrMapping/>
-  </p:clrMapOvr>
-  <p:timing>
-    <p:tnLst>
-      <p:par>
-        <p:cTn id="1" dur="indefinite" restart="never" nodeType="tmRoot"/>
-      </p:par>
-    </p:tnLst>
-  </p:timing>
-</p:sld>
-</file>
-
-<file path=ppt/slides/slide62.xml><?xml version="1.0" encoding="utf-8"?>
-<p:sld xmlns:a="http://schemas.openxmlformats.org/drawingml/2006/main" xmlns:r="http://schemas.openxmlformats.org/officeDocument/2006/relationships" xmlns:p="http://schemas.openxmlformats.org/presentationml/2006/main" showMasterSp="0">
-  <p:cSld>
-    <p:spTree>
-      <p:nvGrpSpPr>
-        <p:cNvPr id="1" name=""/>
-        <p:cNvGrpSpPr/>
-        <p:nvPr/>
-      </p:nvGrpSpPr>
-      <p:grpSpPr>
-        <a:xfrm>
-          <a:off x="0" y="0"/>
-          <a:ext cx="0" cy="0"/>
-          <a:chOff x="0" y="0"/>
-          <a:chExt cx="0" cy="0"/>
-        </a:xfrm>
-      </p:grpSpPr>
-      <p:sp>
-        <p:nvSpPr>
-          <p:cNvPr id="2" name="Title 1"/>
-          <p:cNvSpPr>
-            <a:spLocks noGrp="1"/>
-          </p:cNvSpPr>
-          <p:nvPr>
-            <p:ph type="title"/>
-          </p:nvPr>
-        </p:nvSpPr>
-        <p:spPr/>
-        <p:txBody>
-          <a:bodyPr/>
-          <a:lstStyle/>
-          <a:p>
-            <a:r>
-              <a:rPr lang="en-US" dirty="0" smtClean="0"/>
-              <a:t>Java - miscellaneous</a:t>
-            </a:r>
-            <a:endParaRPr lang="en-US" dirty="0"/>
-          </a:p>
-        </p:txBody>
-      </p:sp>
-      <p:sp>
-        <p:nvSpPr>
-          <p:cNvPr id="6" name="TextBox 5"/>
-          <p:cNvSpPr txBox="1"/>
-          <p:nvPr/>
-        </p:nvSpPr>
-        <p:spPr>
-          <a:xfrm>
-            <a:off x="746975" y="2099256"/>
-            <a:ext cx="6645498" cy="646331"/>
-          </a:xfrm>
-          <a:prstGeom prst="rect">
-            <a:avLst/>
-          </a:prstGeom>
-          <a:noFill/>
-        </p:spPr>
-        <p:txBody>
-          <a:bodyPr wrap="square" rtlCol="0">
-            <a:spAutoFit/>
-          </a:bodyPr>
-          <a:lstStyle/>
-          <a:p>
-            <a:endParaRPr lang="en-US" b="1" dirty="0" smtClean="0"/>
-          </a:p>
-          <a:p>
-            <a:endParaRPr lang="en-US" dirty="0"/>
-          </a:p>
-        </p:txBody>
-      </p:sp>
-      <p:sp>
-        <p:nvSpPr>
-          <p:cNvPr id="4" name="AutoShape 8" descr="http://www.penjee.com/programming/wp-content/uploads/2014/05/parameter-vs-argument-diagram.png"/>
-          <p:cNvSpPr>
-            <a:spLocks noChangeAspect="1" noChangeArrowheads="1"/>
-          </p:cNvSpPr>
-          <p:nvPr/>
-        </p:nvSpPr>
-        <p:spPr bwMode="auto">
-          <a:xfrm>
-            <a:off x="155575" y="-144463"/>
-            <a:ext cx="304800" cy="304801"/>
-          </a:xfrm>
-          <a:prstGeom prst="rect">
-            <a:avLst/>
-          </a:prstGeom>
-          <a:noFill/>
-          <a:extLst>
-            <a:ext uri="{909E8E84-426E-40DD-AFC4-6F175D3DCCD1}">
-              <a14:hiddenFill xmlns:a14="http://schemas.microsoft.com/office/drawing/2010/main">
-                <a:solidFill>
-                  <a:srgbClr val="FFFFFF"/>
-                </a:solidFill>
-              </a14:hiddenFill>
-            </a:ext>
-          </a:extLst>
-        </p:spPr>
-        <p:txBody>
-          <a:bodyPr vert="horz" wrap="square" lIns="91440" tIns="45720" rIns="91440" bIns="45720" numCol="1" anchor="t" anchorCtr="0" compatLnSpc="1">
-            <a:prstTxWarp prst="textNoShape">
-              <a:avLst/>
-            </a:prstTxWarp>
-          </a:bodyPr>
-          <a:lstStyle/>
-          <a:p>
-            <a:endParaRPr lang="en-US"/>
-          </a:p>
-        </p:txBody>
-      </p:sp>
-      <p:sp>
-        <p:nvSpPr>
-          <p:cNvPr id="8" name="TextBox 7"/>
-          <p:cNvSpPr txBox="1"/>
-          <p:nvPr/>
-        </p:nvSpPr>
-        <p:spPr>
-          <a:xfrm>
-            <a:off x="460375" y="1792936"/>
-            <a:ext cx="9994005" cy="4985980"/>
-          </a:xfrm>
-          <a:prstGeom prst="rect">
-            <a:avLst/>
-          </a:prstGeom>
-          <a:noFill/>
-        </p:spPr>
-        <p:txBody>
-          <a:bodyPr wrap="square" rtlCol="0">
-            <a:spAutoFit/>
-          </a:bodyPr>
-          <a:lstStyle/>
-          <a:p>
-            <a:r>
-              <a:rPr lang="en-US" sz="3200" b="1" u="sng" dirty="0" err="1" smtClean="0"/>
-              <a:t>Varargs</a:t>
-            </a:r>
-            <a:r>
-              <a:rPr lang="en-US" sz="3200" b="1" u="sng" dirty="0" smtClean="0"/>
-              <a:t> – Specifying Arbitrary number of arguments</a:t>
-            </a:r>
-          </a:p>
-          <a:p>
-            <a:r>
-              <a:rPr lang="en-US" dirty="0"/>
-              <a:t>public Polygon </a:t>
-            </a:r>
-            <a:r>
-              <a:rPr lang="en-US" dirty="0" err="1"/>
-              <a:t>polygonFrom</a:t>
-            </a:r>
-            <a:r>
-              <a:rPr lang="en-US" dirty="0"/>
-              <a:t>(Point... corners) {</a:t>
-            </a:r>
-          </a:p>
-          <a:p>
-            <a:r>
-              <a:rPr lang="en-US" dirty="0"/>
-              <a:t>    </a:t>
-            </a:r>
-            <a:r>
-              <a:rPr lang="en-US" dirty="0" err="1"/>
-              <a:t>int</a:t>
-            </a:r>
-            <a:r>
-              <a:rPr lang="en-US" dirty="0"/>
-              <a:t> </a:t>
-            </a:r>
-            <a:r>
-              <a:rPr lang="en-US" dirty="0" err="1"/>
-              <a:t>numberOfSides</a:t>
-            </a:r>
-            <a:r>
-              <a:rPr lang="en-US" dirty="0"/>
-              <a:t> = </a:t>
-            </a:r>
-            <a:r>
-              <a:rPr lang="en-US" dirty="0" err="1"/>
-              <a:t>corners.length</a:t>
-            </a:r>
-            <a:r>
-              <a:rPr lang="en-US" dirty="0"/>
-              <a:t>;</a:t>
-            </a:r>
-          </a:p>
-          <a:p>
-            <a:r>
-              <a:rPr lang="en-US" dirty="0"/>
-              <a:t>    double squareOfSide1, lengthOfSide1;</a:t>
-            </a:r>
-          </a:p>
-          <a:p>
-            <a:r>
-              <a:rPr lang="en-US" dirty="0"/>
-              <a:t>    squareOfSide1 = (corners[1].x - corners[0].x)</a:t>
-            </a:r>
-          </a:p>
-          <a:p>
-            <a:r>
-              <a:rPr lang="en-US" dirty="0"/>
-              <a:t>                     * (corners[1].x - corners[0].x) </a:t>
-            </a:r>
-          </a:p>
-          <a:p>
-            <a:r>
-              <a:rPr lang="en-US" dirty="0"/>
-              <a:t>                     + (corners[1].y - corners[0].y)</a:t>
-            </a:r>
-          </a:p>
-          <a:p>
-            <a:r>
-              <a:rPr lang="en-US" dirty="0"/>
-              <a:t>                     * (corners[1].y - corners[0].y);</a:t>
-            </a:r>
-          </a:p>
-          <a:p>
-            <a:r>
-              <a:rPr lang="en-US" dirty="0"/>
-              <a:t>    lengthOfSide1 = </a:t>
-            </a:r>
-            <a:r>
-              <a:rPr lang="en-US" dirty="0" err="1"/>
-              <a:t>Math.sqrt</a:t>
-            </a:r>
-            <a:r>
-              <a:rPr lang="en-US" dirty="0"/>
-              <a:t>(squareOfSide1);</a:t>
-            </a:r>
-          </a:p>
-          <a:p>
-            <a:endParaRPr lang="en-US" dirty="0"/>
-          </a:p>
-          <a:p>
-            <a:r>
-              <a:rPr lang="en-US" dirty="0"/>
-              <a:t>    // more method body code follows that creates and returns a </a:t>
-            </a:r>
-          </a:p>
-          <a:p>
-            <a:r>
-              <a:rPr lang="en-US" dirty="0"/>
-              <a:t>    // polygon connecting the Points</a:t>
-            </a:r>
-          </a:p>
-          <a:p>
-            <a:r>
-              <a:rPr lang="en-US" dirty="0" smtClean="0"/>
-              <a:t>}</a:t>
-            </a:r>
-          </a:p>
-          <a:p>
-            <a:r>
-              <a:rPr lang="en-US" sz="1400" dirty="0"/>
-              <a:t>You will most commonly see </a:t>
-            </a:r>
-            <a:r>
-              <a:rPr lang="en-US" sz="1400" dirty="0" err="1"/>
-              <a:t>varargs</a:t>
-            </a:r>
-            <a:r>
-              <a:rPr lang="en-US" sz="1400" dirty="0"/>
-              <a:t> with the printing methods; for example, this </a:t>
-            </a:r>
-            <a:r>
-              <a:rPr lang="en-US" sz="1400" dirty="0" err="1"/>
-              <a:t>printf</a:t>
-            </a:r>
-            <a:r>
-              <a:rPr lang="en-US" sz="1400" dirty="0"/>
-              <a:t> method:</a:t>
-            </a:r>
-          </a:p>
-          <a:p>
-            <a:endParaRPr lang="en-US" sz="1400" dirty="0"/>
-          </a:p>
-          <a:p>
-            <a:r>
-              <a:rPr lang="en-US" sz="1400" dirty="0">
-                <a:solidFill>
-                  <a:schemeClr val="accent6">
-                    <a:lumMod val="75000"/>
-                  </a:schemeClr>
-                </a:solidFill>
-              </a:rPr>
-              <a:t>public </a:t>
-            </a:r>
-            <a:r>
-              <a:rPr lang="en-US" sz="1400" dirty="0" err="1">
-                <a:solidFill>
-                  <a:schemeClr val="accent6">
-                    <a:lumMod val="75000"/>
-                  </a:schemeClr>
-                </a:solidFill>
-              </a:rPr>
-              <a:t>PrintStream</a:t>
-            </a:r>
-            <a:r>
-              <a:rPr lang="en-US" sz="1400" dirty="0">
-                <a:solidFill>
-                  <a:schemeClr val="accent6">
-                    <a:lumMod val="75000"/>
-                  </a:schemeClr>
-                </a:solidFill>
-              </a:rPr>
-              <a:t> </a:t>
-            </a:r>
-            <a:r>
-              <a:rPr lang="en-US" sz="1400" dirty="0" err="1">
-                <a:solidFill>
-                  <a:schemeClr val="accent6">
-                    <a:lumMod val="75000"/>
-                  </a:schemeClr>
-                </a:solidFill>
-              </a:rPr>
-              <a:t>printf</a:t>
-            </a:r>
-            <a:r>
-              <a:rPr lang="en-US" sz="1400" dirty="0">
-                <a:solidFill>
-                  <a:schemeClr val="accent6">
-                    <a:lumMod val="75000"/>
-                  </a:schemeClr>
-                </a:solidFill>
-              </a:rPr>
-              <a:t>(String format, Object... </a:t>
-            </a:r>
-            <a:r>
-              <a:rPr lang="en-US" sz="1400" dirty="0" err="1">
-                <a:solidFill>
-                  <a:schemeClr val="accent6">
-                    <a:lumMod val="75000"/>
-                  </a:schemeClr>
-                </a:solidFill>
-              </a:rPr>
-              <a:t>args</a:t>
-            </a:r>
-            <a:r>
-              <a:rPr lang="en-US" sz="1400" dirty="0">
-                <a:solidFill>
-                  <a:schemeClr val="accent6">
-                    <a:lumMod val="75000"/>
-                  </a:schemeClr>
-                </a:solidFill>
-              </a:rPr>
-              <a:t>)</a:t>
-            </a:r>
-          </a:p>
-          <a:p>
-            <a:r>
-              <a:rPr lang="en-US" sz="1400" dirty="0"/>
-              <a:t>allows you to print an arbitrary number of objects. It can be called like this:</a:t>
-            </a:r>
-          </a:p>
-          <a:p>
-            <a:r>
-              <a:rPr lang="en-US" sz="1400" dirty="0" err="1" smtClean="0">
-                <a:solidFill>
-                  <a:schemeClr val="accent6">
-                    <a:lumMod val="75000"/>
-                  </a:schemeClr>
-                </a:solidFill>
-              </a:rPr>
-              <a:t>System.out.printf</a:t>
-            </a:r>
-            <a:r>
-              <a:rPr lang="en-US" sz="1400" dirty="0">
-                <a:solidFill>
-                  <a:schemeClr val="accent6">
-                    <a:lumMod val="75000"/>
-                  </a:schemeClr>
-                </a:solidFill>
-              </a:rPr>
-              <a:t>("%s: %d, %</a:t>
-            </a:r>
-            <a:r>
-              <a:rPr lang="en-US" sz="1400" dirty="0" err="1">
-                <a:solidFill>
-                  <a:schemeClr val="accent6">
-                    <a:lumMod val="75000"/>
-                  </a:schemeClr>
-                </a:solidFill>
-              </a:rPr>
-              <a:t>s%n</a:t>
-            </a:r>
-            <a:r>
-              <a:rPr lang="en-US" sz="1400" dirty="0">
-                <a:solidFill>
-                  <a:schemeClr val="accent6">
-                    <a:lumMod val="75000"/>
-                  </a:schemeClr>
-                </a:solidFill>
-              </a:rPr>
-              <a:t>", name, </a:t>
-            </a:r>
-            <a:r>
-              <a:rPr lang="en-US" sz="1400" dirty="0" err="1">
-                <a:solidFill>
-                  <a:schemeClr val="accent6">
-                    <a:lumMod val="75000"/>
-                  </a:schemeClr>
-                </a:solidFill>
-              </a:rPr>
-              <a:t>idnum</a:t>
-            </a:r>
-            <a:r>
-              <a:rPr lang="en-US" sz="1400" dirty="0">
-                <a:solidFill>
-                  <a:schemeClr val="accent6">
-                    <a:lumMod val="75000"/>
-                  </a:schemeClr>
-                </a:solidFill>
-              </a:rPr>
-              <a:t>, address</a:t>
-            </a:r>
-            <a:r>
-              <a:rPr lang="en-US" sz="1400" dirty="0" smtClean="0">
-                <a:solidFill>
-                  <a:schemeClr val="accent6">
-                    <a:lumMod val="75000"/>
-                  </a:schemeClr>
-                </a:solidFill>
-              </a:rPr>
-              <a:t>);</a:t>
-            </a:r>
-            <a:endParaRPr lang="en-US" sz="1400" dirty="0">
-              <a:solidFill>
-                <a:schemeClr val="accent6">
-                  <a:lumMod val="75000"/>
-                </a:schemeClr>
-              </a:solidFill>
-            </a:endParaRPr>
-          </a:p>
-        </p:txBody>
-      </p:sp>
-      <p:sp>
-        <p:nvSpPr>
-          <p:cNvPr id="9" name="TextBox 8"/>
-          <p:cNvSpPr txBox="1"/>
-          <p:nvPr/>
-        </p:nvSpPr>
-        <p:spPr>
-          <a:xfrm>
-            <a:off x="1300766" y="3098995"/>
-            <a:ext cx="9440214" cy="3198774"/>
-          </a:xfrm>
-          <a:prstGeom prst="rect">
-            <a:avLst/>
-          </a:prstGeom>
-          <a:noFill/>
-        </p:spPr>
-        <p:txBody>
-          <a:bodyPr wrap="square" rtlCol="0">
-            <a:spAutoFit/>
-          </a:bodyPr>
-          <a:lstStyle/>
-          <a:p>
-            <a:endParaRPr lang="en-US" dirty="0"/>
-          </a:p>
-        </p:txBody>
-      </p:sp>
-    </p:spTree>
-    <p:extLst>
-      <p:ext uri="{BB962C8B-B14F-4D97-AF65-F5344CB8AC3E}">
-        <p14:creationId xmlns:p14="http://schemas.microsoft.com/office/powerpoint/2010/main" val="3614015230"/>
-      </p:ext>
-    </p:extLst>
-  </p:cSld>
-  <p:clrMapOvr>
-    <a:masterClrMapping/>
-  </p:clrMapOvr>
-  <p:timing>
-    <p:tnLst>
-      <p:par>
-        <p:cTn id="1" dur="indefinite" restart="never" nodeType="tmRoot"/>
-      </p:par>
-    </p:tnLst>
-  </p:timing>
-</p:sld>
-</file>
-
-<file path=ppt/slides/slide63.xml><?xml version="1.0" encoding="utf-8"?>
-<p:sld xmlns:a="http://schemas.openxmlformats.org/drawingml/2006/main" xmlns:r="http://schemas.openxmlformats.org/officeDocument/2006/relationships" xmlns:p="http://schemas.openxmlformats.org/presentationml/2006/main" showMasterSp="0">
-  <p:cSld>
-    <p:spTree>
-      <p:nvGrpSpPr>
-        <p:cNvPr id="1" name=""/>
-        <p:cNvGrpSpPr/>
-        <p:nvPr/>
-      </p:nvGrpSpPr>
-      <p:grpSpPr>
-        <a:xfrm>
-          <a:off x="0" y="0"/>
-          <a:ext cx="0" cy="0"/>
-          <a:chOff x="0" y="0"/>
-          <a:chExt cx="0" cy="0"/>
-        </a:xfrm>
-      </p:grpSpPr>
-      <p:sp>
-        <p:nvSpPr>
-          <p:cNvPr id="2" name="Title 1"/>
-          <p:cNvSpPr>
-            <a:spLocks noGrp="1"/>
-          </p:cNvSpPr>
-          <p:nvPr>
-            <p:ph type="title"/>
-          </p:nvPr>
-        </p:nvSpPr>
-        <p:spPr/>
-        <p:txBody>
-          <a:bodyPr/>
-          <a:lstStyle/>
-          <a:p>
-            <a:r>
-              <a:rPr lang="en-US" dirty="0" smtClean="0"/>
-              <a:t>Java - miscellaneous</a:t>
-            </a:r>
-            <a:endParaRPr lang="en-US" dirty="0"/>
-          </a:p>
-        </p:txBody>
-      </p:sp>
-      <p:sp>
-        <p:nvSpPr>
-          <p:cNvPr id="6" name="TextBox 5"/>
-          <p:cNvSpPr txBox="1"/>
-          <p:nvPr/>
-        </p:nvSpPr>
-        <p:spPr>
-          <a:xfrm>
-            <a:off x="746975" y="2099256"/>
-            <a:ext cx="6645498" cy="646331"/>
-          </a:xfrm>
-          <a:prstGeom prst="rect">
-            <a:avLst/>
-          </a:prstGeom>
-          <a:noFill/>
-        </p:spPr>
-        <p:txBody>
-          <a:bodyPr wrap="square" rtlCol="0">
-            <a:spAutoFit/>
-          </a:bodyPr>
-          <a:lstStyle/>
-          <a:p>
-            <a:endParaRPr lang="en-US" b="1" dirty="0" smtClean="0"/>
-          </a:p>
-          <a:p>
-            <a:endParaRPr lang="en-US" dirty="0"/>
-          </a:p>
-        </p:txBody>
-      </p:sp>
-      <p:sp>
-        <p:nvSpPr>
-          <p:cNvPr id="4" name="AutoShape 8" descr="http://www.penjee.com/programming/wp-content/uploads/2014/05/parameter-vs-argument-diagram.png"/>
-          <p:cNvSpPr>
-            <a:spLocks noChangeAspect="1" noChangeArrowheads="1"/>
-          </p:cNvSpPr>
-          <p:nvPr/>
-        </p:nvSpPr>
-        <p:spPr bwMode="auto">
-          <a:xfrm>
-            <a:off x="155575" y="-144463"/>
-            <a:ext cx="304800" cy="304801"/>
-          </a:xfrm>
-          <a:prstGeom prst="rect">
-            <a:avLst/>
-          </a:prstGeom>
-          <a:noFill/>
-          <a:extLst>
-            <a:ext uri="{909E8E84-426E-40DD-AFC4-6F175D3DCCD1}">
-              <a14:hiddenFill xmlns:a14="http://schemas.microsoft.com/office/drawing/2010/main">
-                <a:solidFill>
-                  <a:srgbClr val="FFFFFF"/>
-                </a:solidFill>
-              </a14:hiddenFill>
-            </a:ext>
-          </a:extLst>
-        </p:spPr>
-        <p:txBody>
-          <a:bodyPr vert="horz" wrap="square" lIns="91440" tIns="45720" rIns="91440" bIns="45720" numCol="1" anchor="t" anchorCtr="0" compatLnSpc="1">
-            <a:prstTxWarp prst="textNoShape">
-              <a:avLst/>
-            </a:prstTxWarp>
-          </a:bodyPr>
-          <a:lstStyle/>
-          <a:p>
-            <a:endParaRPr lang="en-US"/>
-          </a:p>
-        </p:txBody>
-      </p:sp>
-      <p:sp>
-        <p:nvSpPr>
-          <p:cNvPr id="8" name="TextBox 7"/>
-          <p:cNvSpPr txBox="1"/>
-          <p:nvPr/>
-        </p:nvSpPr>
-        <p:spPr>
-          <a:xfrm>
-            <a:off x="460375" y="1792936"/>
-            <a:ext cx="9994005" cy="1631216"/>
-          </a:xfrm>
-          <a:prstGeom prst="rect">
-            <a:avLst/>
-          </a:prstGeom>
-          <a:noFill/>
-        </p:spPr>
-        <p:txBody>
-          <a:bodyPr wrap="square" rtlCol="0">
-            <a:spAutoFit/>
-          </a:bodyPr>
-          <a:lstStyle/>
-          <a:p>
-            <a:r>
-              <a:rPr lang="en-US" sz="2800" u="sng" dirty="0"/>
-              <a:t>Returning a Class or </a:t>
-            </a:r>
-            <a:r>
-              <a:rPr lang="en-US" sz="2800" u="sng" dirty="0" smtClean="0"/>
-              <a:t>Interface</a:t>
-            </a:r>
-          </a:p>
-          <a:p>
-            <a:pPr marL="457200" indent="-457200">
-              <a:buFont typeface="Arial" panose="020B0604020202020204" pitchFamily="34" charset="0"/>
-              <a:buChar char="•"/>
-            </a:pPr>
-            <a:r>
-              <a:rPr lang="en-US" sz="2400" i="1" dirty="0"/>
-              <a:t>When a method uses a class name as its return </a:t>
-            </a:r>
-            <a:r>
-              <a:rPr lang="en-US" sz="2400" i="1" dirty="0" smtClean="0"/>
-              <a:t>type </a:t>
-            </a:r>
-            <a:r>
-              <a:rPr lang="en-US" sz="2400" i="1" dirty="0"/>
-              <a:t>the class of the type of the returned object must be either a subclass of, or the exact class of, the return </a:t>
-            </a:r>
-            <a:r>
-              <a:rPr lang="en-US" sz="2400" i="1" dirty="0" smtClean="0"/>
-              <a:t>type.</a:t>
-            </a:r>
-            <a:endParaRPr lang="en-US" sz="2400" i="1" dirty="0"/>
-          </a:p>
-        </p:txBody>
-      </p:sp>
-      <p:pic>
-        <p:nvPicPr>
-          <p:cNvPr id="3" name="Picture 2"/>
-          <p:cNvPicPr>
-            <a:picLocks noChangeAspect="1"/>
-          </p:cNvPicPr>
-          <p:nvPr/>
-        </p:nvPicPr>
-        <p:blipFill>
-          <a:blip r:embed="rId2"/>
-          <a:stretch>
-            <a:fillRect/>
-          </a:stretch>
-        </p:blipFill>
-        <p:spPr>
-          <a:xfrm>
-            <a:off x="746974" y="4512753"/>
-            <a:ext cx="2150771" cy="2253890"/>
-          </a:xfrm>
-          <a:prstGeom prst="rect">
-            <a:avLst/>
-          </a:prstGeom>
-        </p:spPr>
-      </p:pic>
-      <p:sp>
-        <p:nvSpPr>
-          <p:cNvPr id="7" name="TextBox 6"/>
-          <p:cNvSpPr txBox="1"/>
-          <p:nvPr/>
-        </p:nvSpPr>
-        <p:spPr>
-          <a:xfrm>
-            <a:off x="3593206" y="3608818"/>
-            <a:ext cx="8598794" cy="2585323"/>
-          </a:xfrm>
-          <a:prstGeom prst="rect">
-            <a:avLst/>
-          </a:prstGeom>
-          <a:noFill/>
-        </p:spPr>
-        <p:txBody>
-          <a:bodyPr wrap="square" rtlCol="0">
-            <a:spAutoFit/>
-          </a:bodyPr>
-          <a:lstStyle/>
-          <a:p>
-            <a:r>
-              <a:rPr lang="en-US" dirty="0" smtClean="0">
-                <a:solidFill>
-                  <a:schemeClr val="accent6">
-                    <a:lumMod val="75000"/>
-                  </a:schemeClr>
-                </a:solidFill>
-              </a:rPr>
-              <a:t>public Number </a:t>
-            </a:r>
-            <a:r>
-              <a:rPr lang="en-US" dirty="0" err="1" smtClean="0">
-                <a:solidFill>
-                  <a:schemeClr val="accent6">
-                    <a:lumMod val="75000"/>
-                  </a:schemeClr>
-                </a:solidFill>
-              </a:rPr>
-              <a:t>returnANumber</a:t>
-            </a:r>
-            <a:r>
-              <a:rPr lang="en-US" dirty="0" smtClean="0">
-                <a:solidFill>
-                  <a:schemeClr val="accent6">
-                    <a:lumMod val="75000"/>
-                  </a:schemeClr>
-                </a:solidFill>
-              </a:rPr>
-              <a:t>() {</a:t>
-            </a:r>
-          </a:p>
-          <a:p>
-            <a:r>
-              <a:rPr lang="en-US" dirty="0" smtClean="0">
-                <a:solidFill>
-                  <a:schemeClr val="accent6">
-                    <a:lumMod val="75000"/>
-                  </a:schemeClr>
-                </a:solidFill>
-              </a:rPr>
-              <a:t>    ...</a:t>
-            </a:r>
-          </a:p>
-          <a:p>
-            <a:r>
-              <a:rPr lang="en-US" dirty="0" smtClean="0">
-                <a:solidFill>
-                  <a:schemeClr val="accent6">
-                    <a:lumMod val="75000"/>
-                  </a:schemeClr>
-                </a:solidFill>
-              </a:rPr>
-              <a:t>}</a:t>
-            </a:r>
-          </a:p>
-          <a:p>
-            <a:endParaRPr lang="en-US" dirty="0"/>
-          </a:p>
-          <a:p>
-            <a:r>
-              <a:rPr lang="en-US" dirty="0"/>
-              <a:t>The </a:t>
-            </a:r>
-            <a:r>
-              <a:rPr lang="en-US" dirty="0" err="1"/>
-              <a:t>returnANumber</a:t>
-            </a:r>
-            <a:r>
-              <a:rPr lang="en-US" dirty="0"/>
-              <a:t> method can return an </a:t>
-            </a:r>
-            <a:r>
-              <a:rPr lang="en-US" dirty="0" err="1"/>
-              <a:t>ImaginaryNumber</a:t>
-            </a:r>
-            <a:r>
-              <a:rPr lang="en-US" dirty="0"/>
-              <a:t> but not an Object. </a:t>
-            </a:r>
-            <a:r>
-              <a:rPr lang="en-US" dirty="0" err="1"/>
-              <a:t>ImaginaryNumber</a:t>
-            </a:r>
-            <a:r>
-              <a:rPr lang="en-US" dirty="0"/>
-              <a:t> is a Number because it's a subclass of Number. However, an Object is not necessarily a Number — it could be a String or another type</a:t>
-            </a:r>
-            <a:endParaRPr lang="en-US" dirty="0" smtClean="0"/>
-          </a:p>
-          <a:p>
-            <a:endParaRPr lang="en-US" dirty="0"/>
-          </a:p>
-          <a:p>
-            <a:endParaRPr lang="en-US" dirty="0"/>
-          </a:p>
-        </p:txBody>
-      </p:sp>
-    </p:spTree>
-    <p:extLst>
-      <p:ext uri="{BB962C8B-B14F-4D97-AF65-F5344CB8AC3E}">
-        <p14:creationId xmlns:p14="http://schemas.microsoft.com/office/powerpoint/2010/main" val="1271906606"/>
-      </p:ext>
-    </p:extLst>
-  </p:cSld>
-  <p:clrMapOvr>
-    <a:masterClrMapping/>
-  </p:clrMapOvr>
-  <p:timing>
-    <p:tnLst>
-      <p:par>
-        <p:cTn id="1" dur="indefinite" restart="never" nodeType="tmRoot"/>
-      </p:par>
-    </p:tnLst>
-  </p:timing>
-</p:sld>
-</file>
-
-<file path=ppt/slides/slide64.xml><?xml version="1.0" encoding="utf-8"?>
-<p:sld xmlns:a="http://schemas.openxmlformats.org/drawingml/2006/main" xmlns:r="http://schemas.openxmlformats.org/officeDocument/2006/relationships" xmlns:p="http://schemas.openxmlformats.org/presentationml/2006/main" showMasterSp="0">
-  <p:cSld>
-    <p:spTree>
-      <p:nvGrpSpPr>
-        <p:cNvPr id="1" name=""/>
-        <p:cNvGrpSpPr/>
-        <p:nvPr/>
-      </p:nvGrpSpPr>
-      <p:grpSpPr>
-        <a:xfrm>
-          <a:off x="0" y="0"/>
-          <a:ext cx="0" cy="0"/>
-          <a:chOff x="0" y="0"/>
-          <a:chExt cx="0" cy="0"/>
-        </a:xfrm>
-      </p:grpSpPr>
-      <p:sp>
-        <p:nvSpPr>
-          <p:cNvPr id="2" name="Title 1"/>
-          <p:cNvSpPr>
-            <a:spLocks noGrp="1"/>
-          </p:cNvSpPr>
-          <p:nvPr>
-            <p:ph type="title"/>
-          </p:nvPr>
-        </p:nvSpPr>
-        <p:spPr/>
-        <p:txBody>
-          <a:bodyPr/>
-          <a:lstStyle/>
-          <a:p>
-            <a:r>
-              <a:rPr lang="en-US" dirty="0" smtClean="0"/>
-              <a:t>Advanced java</a:t>
-            </a:r>
-            <a:endParaRPr lang="en-US" dirty="0"/>
-          </a:p>
-        </p:txBody>
-      </p:sp>
-      <p:sp>
-        <p:nvSpPr>
-          <p:cNvPr id="6" name="TextBox 5"/>
-          <p:cNvSpPr txBox="1"/>
-          <p:nvPr/>
-        </p:nvSpPr>
-        <p:spPr>
-          <a:xfrm>
-            <a:off x="746975" y="2099256"/>
-            <a:ext cx="6645498" cy="646331"/>
-          </a:xfrm>
-          <a:prstGeom prst="rect">
-            <a:avLst/>
-          </a:prstGeom>
-          <a:noFill/>
-        </p:spPr>
-        <p:txBody>
-          <a:bodyPr wrap="square" rtlCol="0">
-            <a:spAutoFit/>
-          </a:bodyPr>
-          <a:lstStyle/>
-          <a:p>
-            <a:endParaRPr lang="en-US" b="1" dirty="0" smtClean="0"/>
-          </a:p>
-          <a:p>
-            <a:endParaRPr lang="en-US" dirty="0"/>
-          </a:p>
-        </p:txBody>
-      </p:sp>
-      <p:sp>
-        <p:nvSpPr>
-          <p:cNvPr id="4" name="AutoShape 8" descr="http://www.penjee.com/programming/wp-content/uploads/2014/05/parameter-vs-argument-diagram.png"/>
-          <p:cNvSpPr>
-            <a:spLocks noChangeAspect="1" noChangeArrowheads="1"/>
-          </p:cNvSpPr>
-          <p:nvPr/>
-        </p:nvSpPr>
-        <p:spPr bwMode="auto">
-          <a:xfrm>
-            <a:off x="155575" y="-144463"/>
-            <a:ext cx="304800" cy="304801"/>
-          </a:xfrm>
-          <a:prstGeom prst="rect">
-            <a:avLst/>
-          </a:prstGeom>
-          <a:noFill/>
-          <a:extLst>
-            <a:ext uri="{909E8E84-426E-40DD-AFC4-6F175D3DCCD1}">
-              <a14:hiddenFill xmlns:a14="http://schemas.microsoft.com/office/drawing/2010/main">
-                <a:solidFill>
-                  <a:srgbClr val="FFFFFF"/>
-                </a:solidFill>
-              </a14:hiddenFill>
-            </a:ext>
-          </a:extLst>
-        </p:spPr>
-        <p:txBody>
-          <a:bodyPr vert="horz" wrap="square" lIns="91440" tIns="45720" rIns="91440" bIns="45720" numCol="1" anchor="t" anchorCtr="0" compatLnSpc="1">
-            <a:prstTxWarp prst="textNoShape">
-              <a:avLst/>
-            </a:prstTxWarp>
-          </a:bodyPr>
-          <a:lstStyle/>
-          <a:p>
-            <a:endParaRPr lang="en-US"/>
-          </a:p>
-        </p:txBody>
-      </p:sp>
-      <p:sp>
-        <p:nvSpPr>
-          <p:cNvPr id="8" name="TextBox 7"/>
-          <p:cNvSpPr txBox="1"/>
-          <p:nvPr/>
-        </p:nvSpPr>
-        <p:spPr>
-          <a:xfrm>
-            <a:off x="460375" y="437262"/>
-            <a:ext cx="9994005" cy="4401205"/>
-          </a:xfrm>
-          <a:prstGeom prst="rect">
-            <a:avLst/>
-          </a:prstGeom>
-          <a:noFill/>
-        </p:spPr>
-        <p:txBody>
-          <a:bodyPr wrap="square" rtlCol="0">
-            <a:spAutoFit/>
-          </a:bodyPr>
-          <a:lstStyle/>
-          <a:p>
-            <a:r>
-              <a:rPr lang="en-US" sz="2800" dirty="0" smtClean="0">
-                <a:solidFill>
-                  <a:schemeClr val="accent6">
-                    <a:lumMod val="75000"/>
-                  </a:schemeClr>
-                </a:solidFill>
-              </a:rPr>
-              <a:t>Garbage collection</a:t>
-            </a:r>
-          </a:p>
-          <a:p>
-            <a:r>
-              <a:rPr lang="en-US" sz="2800" dirty="0" smtClean="0">
-                <a:solidFill>
-                  <a:schemeClr val="accent6">
-                    <a:lumMod val="75000"/>
-                  </a:schemeClr>
-                </a:solidFill>
-              </a:rPr>
-              <a:t>JDBC</a:t>
-            </a:r>
-          </a:p>
-          <a:p>
-            <a:r>
-              <a:rPr lang="en-US" sz="2800" dirty="0" smtClean="0">
-                <a:solidFill>
-                  <a:schemeClr val="accent6">
-                    <a:lumMod val="75000"/>
-                  </a:schemeClr>
-                </a:solidFill>
-              </a:rPr>
-              <a:t>Lambda expressions</a:t>
-            </a:r>
-          </a:p>
-          <a:p>
-            <a:r>
-              <a:rPr lang="en-US" sz="2800" dirty="0" smtClean="0">
-                <a:solidFill>
-                  <a:schemeClr val="accent6">
-                    <a:lumMod val="75000"/>
-                  </a:schemeClr>
-                </a:solidFill>
-              </a:rPr>
-              <a:t>Annotations</a:t>
-            </a:r>
-          </a:p>
-          <a:p>
-            <a:r>
-              <a:rPr lang="en-US" sz="2800" dirty="0" smtClean="0">
-                <a:solidFill>
-                  <a:schemeClr val="accent6">
-                    <a:lumMod val="75000"/>
-                  </a:schemeClr>
-                </a:solidFill>
-              </a:rPr>
-              <a:t>Aggregate operations on collection using </a:t>
-            </a:r>
-            <a:r>
-              <a:rPr lang="en-US" sz="2800" dirty="0" err="1" smtClean="0">
-                <a:solidFill>
-                  <a:schemeClr val="accent6">
-                    <a:lumMod val="75000"/>
-                  </a:schemeClr>
-                </a:solidFill>
-              </a:rPr>
-              <a:t>Lambarda</a:t>
-            </a:r>
-            <a:r>
-              <a:rPr lang="en-US" sz="2800" dirty="0" smtClean="0">
-                <a:solidFill>
-                  <a:schemeClr val="accent6">
-                    <a:lumMod val="75000"/>
-                  </a:schemeClr>
-                </a:solidFill>
-              </a:rPr>
-              <a:t> expression.</a:t>
-            </a:r>
-          </a:p>
-          <a:p>
-            <a:r>
-              <a:rPr lang="en-US" sz="2800" dirty="0" smtClean="0">
-                <a:solidFill>
-                  <a:schemeClr val="accent6">
-                    <a:lumMod val="75000"/>
-                  </a:schemeClr>
-                </a:solidFill>
-              </a:rPr>
-              <a:t>Java streaming</a:t>
-            </a:r>
-          </a:p>
-          <a:p>
-            <a:r>
-              <a:rPr lang="en-US" sz="2800" dirty="0" smtClean="0">
-                <a:solidFill>
-                  <a:schemeClr val="accent6">
-                    <a:lumMod val="75000"/>
-                  </a:schemeClr>
-                </a:solidFill>
-              </a:rPr>
-              <a:t>Blocking queue</a:t>
-            </a:r>
-          </a:p>
-          <a:p>
-            <a:r>
-              <a:rPr lang="en-US" sz="2800" dirty="0" smtClean="0">
-                <a:solidFill>
-                  <a:schemeClr val="accent6">
-                    <a:lumMod val="75000"/>
-                  </a:schemeClr>
-                </a:solidFill>
-              </a:rPr>
-              <a:t>Aggregate operations</a:t>
-            </a:r>
-          </a:p>
-          <a:p>
-            <a:r>
-              <a:rPr lang="en-US" sz="2800" dirty="0" smtClean="0">
-                <a:solidFill>
-                  <a:schemeClr val="accent6">
-                    <a:lumMod val="75000"/>
-                  </a:schemeClr>
-                </a:solidFill>
-              </a:rPr>
-              <a:t>Autoboxing and unboxing</a:t>
-            </a:r>
-          </a:p>
-          <a:p>
-            <a:endParaRPr lang="en-US" sz="1400" dirty="0" smtClean="0">
-              <a:solidFill>
-                <a:schemeClr val="accent6">
-                  <a:lumMod val="75000"/>
-                </a:schemeClr>
-              </a:solidFill>
-            </a:endParaRPr>
-          </a:p>
-          <a:p>
-            <a:endParaRPr lang="en-US" sz="1400" dirty="0">
-              <a:solidFill>
-                <a:schemeClr val="accent6">
-                  <a:lumMod val="75000"/>
-                </a:schemeClr>
-              </a:solidFill>
-            </a:endParaRPr>
-          </a:p>
-        </p:txBody>
-      </p:sp>
-      <p:sp>
-        <p:nvSpPr>
-          <p:cNvPr id="9" name="TextBox 8"/>
-          <p:cNvSpPr txBox="1"/>
-          <p:nvPr/>
-        </p:nvSpPr>
-        <p:spPr>
-          <a:xfrm>
-            <a:off x="1300766" y="3098995"/>
-            <a:ext cx="9440214" cy="3198774"/>
-          </a:xfrm>
-          <a:prstGeom prst="rect">
-            <a:avLst/>
-          </a:prstGeom>
-          <a:noFill/>
-        </p:spPr>
-        <p:txBody>
-          <a:bodyPr wrap="square" rtlCol="0">
-            <a:spAutoFit/>
-          </a:bodyPr>
-          <a:lstStyle/>
-          <a:p>
-            <a:endParaRPr lang="en-US" dirty="0"/>
-          </a:p>
-        </p:txBody>
-      </p:sp>
-    </p:spTree>
-    <p:extLst>
-      <p:ext uri="{BB962C8B-B14F-4D97-AF65-F5344CB8AC3E}">
-        <p14:creationId xmlns:p14="http://schemas.microsoft.com/office/powerpoint/2010/main" val="2545554712"/>
-      </p:ext>
-    </p:extLst>
-  </p:cSld>
-  <p:clrMapOvr>
-    <a:masterClrMapping/>
-  </p:clrMapOvr>
-  <p:timing>
-    <p:tnLst>
-      <p:par>
-        <p:cTn id="1" dur="indefinite" restart="never" nodeType="tmRoot"/>
-      </p:par>
-    </p:tnLst>
-  </p:timing>
-</p:sld>
-</file>
-
-<file path=ppt/slides/slide65.xml><?xml version="1.0" encoding="utf-8"?>
-<p:sld xmlns:a="http://schemas.openxmlformats.org/drawingml/2006/main" xmlns:r="http://schemas.openxmlformats.org/officeDocument/2006/relationships" xmlns:p="http://schemas.openxmlformats.org/presentationml/2006/main" showMasterSp="0">
-  <p:cSld>
-    <p:spTree>
-      <p:nvGrpSpPr>
-        <p:cNvPr id="1" name=""/>
-        <p:cNvGrpSpPr/>
-        <p:nvPr/>
-      </p:nvGrpSpPr>
-      <p:grpSpPr>
-        <a:xfrm>
-          <a:off x="0" y="0"/>
-          <a:ext cx="0" cy="0"/>
-          <a:chOff x="0" y="0"/>
-          <a:chExt cx="0" cy="0"/>
-        </a:xfrm>
-      </p:grpSpPr>
-      <p:sp>
-        <p:nvSpPr>
-          <p:cNvPr id="3" name="Content Placeholder 2"/>
-          <p:cNvSpPr>
-            <a:spLocks noGrp="1"/>
-          </p:cNvSpPr>
-          <p:nvPr>
-            <p:ph idx="1"/>
-          </p:nvPr>
-        </p:nvSpPr>
-        <p:spPr>
-          <a:xfrm>
-            <a:off x="1155262" y="284176"/>
-            <a:ext cx="9784080" cy="4206240"/>
-          </a:xfrm>
-        </p:spPr>
-        <p:txBody>
-          <a:bodyPr>
-            <a:normAutofit fontScale="25000" lnSpcReduction="20000"/>
-          </a:bodyPr>
-          <a:lstStyle/>
-          <a:p>
-            <a:r>
-              <a:rPr lang="en-US" sz="7200" dirty="0">
-                <a:solidFill>
-                  <a:schemeClr val="bg1"/>
-                </a:solidFill>
-                <a:hlinkClick r:id="rId2"/>
-              </a:rPr>
-              <a:t>https://</a:t>
-            </a:r>
-            <a:r>
-              <a:rPr lang="en-US" sz="7200" dirty="0" smtClean="0">
-                <a:solidFill>
-                  <a:schemeClr val="bg1"/>
-                </a:solidFill>
-                <a:hlinkClick r:id="rId2"/>
-              </a:rPr>
-              <a:t>docs.oracle.com/javase/tutorial/reallybigindex.html</a:t>
-            </a:r>
-            <a:endParaRPr lang="en-US" sz="7200" dirty="0" smtClean="0">
-              <a:solidFill>
-                <a:schemeClr val="bg1"/>
-              </a:solidFill>
-            </a:endParaRPr>
-          </a:p>
-          <a:p>
-            <a:r>
-              <a:rPr lang="en-US" sz="7200" dirty="0">
-                <a:solidFill>
-                  <a:schemeClr val="bg1"/>
-                </a:solidFill>
-                <a:hlinkClick r:id="rId3"/>
-              </a:rPr>
-              <a:t>http://</a:t>
-            </a:r>
-            <a:r>
-              <a:rPr lang="en-US" sz="7200" dirty="0" smtClean="0">
-                <a:solidFill>
-                  <a:schemeClr val="bg1"/>
-                </a:solidFill>
-                <a:hlinkClick r:id="rId3"/>
-              </a:rPr>
-              <a:t>www.slideshare.net/EdurekaIN/java-class-3</a:t>
-            </a:r>
-            <a:endParaRPr lang="en-US" sz="7200" dirty="0" smtClean="0">
-              <a:solidFill>
-                <a:schemeClr val="bg1"/>
-              </a:solidFill>
-            </a:endParaRPr>
-          </a:p>
-          <a:p>
-            <a:r>
-              <a:rPr lang="en-US" sz="7200" dirty="0">
-                <a:solidFill>
-                  <a:schemeClr val="bg1"/>
-                </a:solidFill>
-                <a:hlinkClick r:id="rId4"/>
-              </a:rPr>
-              <a:t>http://</a:t>
-            </a:r>
-            <a:r>
-              <a:rPr lang="en-US" sz="7200" dirty="0" smtClean="0">
-                <a:solidFill>
-                  <a:schemeClr val="bg1"/>
-                </a:solidFill>
-                <a:hlinkClick r:id="rId4"/>
-              </a:rPr>
-              <a:t>www.slideshare.net/abdurrehmanabdurrehman391/variables-and-data-types-by-sir-khalid</a:t>
-            </a:r>
-            <a:endParaRPr lang="en-US" sz="7200" dirty="0" smtClean="0">
-              <a:solidFill>
-                <a:schemeClr val="bg1"/>
-              </a:solidFill>
-            </a:endParaRPr>
-          </a:p>
-          <a:p>
-            <a:r>
-              <a:rPr lang="en-US" sz="7200" dirty="0">
-                <a:solidFill>
-                  <a:schemeClr val="bg1"/>
-                </a:solidFill>
-                <a:hlinkClick r:id="rId5"/>
-              </a:rPr>
-              <a:t>http://</a:t>
-            </a:r>
-            <a:r>
-              <a:rPr lang="en-US" sz="7200" dirty="0" smtClean="0">
-                <a:solidFill>
-                  <a:schemeClr val="bg1"/>
-                </a:solidFill>
-                <a:hlinkClick r:id="rId5"/>
-              </a:rPr>
-              <a:t>www.slideshare.net/abdurrehmanabdurrehman391/java-advancedoop</a:t>
-            </a:r>
-            <a:endParaRPr lang="en-US" sz="7200" dirty="0" smtClean="0">
-              <a:solidFill>
-                <a:schemeClr val="bg1"/>
-              </a:solidFill>
-            </a:endParaRPr>
-          </a:p>
-          <a:p>
-            <a:r>
-              <a:rPr lang="en-US" sz="7200" dirty="0">
-                <a:solidFill>
-                  <a:schemeClr val="bg1"/>
-                </a:solidFill>
-                <a:hlinkClick r:id="rId6"/>
-              </a:rPr>
-              <a:t>http://</a:t>
-            </a:r>
-            <a:r>
-              <a:rPr lang="en-US" sz="7200" dirty="0" smtClean="0">
-                <a:solidFill>
-                  <a:schemeClr val="bg1"/>
-                </a:solidFill>
-                <a:hlinkClick r:id="rId6"/>
-              </a:rPr>
-              <a:t>www.slideshare.net/MindfireSolutions/java-garbage-collection-how-it-works?next_slideshow=1</a:t>
-            </a:r>
-            <a:endParaRPr lang="en-US" sz="7200" dirty="0" smtClean="0">
-              <a:solidFill>
-                <a:schemeClr val="bg1"/>
-              </a:solidFill>
-            </a:endParaRPr>
-          </a:p>
-          <a:p>
-            <a:r>
-              <a:rPr lang="en-US" sz="7200" dirty="0">
-                <a:solidFill>
-                  <a:schemeClr val="bg1"/>
-                </a:solidFill>
-                <a:hlinkClick r:id="rId7"/>
-              </a:rPr>
-              <a:t>http://</a:t>
-            </a:r>
-            <a:r>
-              <a:rPr lang="en-US" sz="7200" dirty="0" smtClean="0">
-                <a:solidFill>
-                  <a:schemeClr val="bg1"/>
-                </a:solidFill>
-                <a:hlinkClick r:id="rId7"/>
-              </a:rPr>
-              <a:t>www.slideshare.net/arnold7490/unit-4-java</a:t>
-            </a:r>
-            <a:endParaRPr lang="en-US" sz="7200" dirty="0" smtClean="0">
-              <a:solidFill>
-                <a:schemeClr val="bg1"/>
-              </a:solidFill>
-            </a:endParaRPr>
-          </a:p>
-          <a:p>
-            <a:r>
-              <a:rPr lang="en-US" sz="7200" dirty="0">
-                <a:solidFill>
-                  <a:schemeClr val="bg1"/>
-                </a:solidFill>
-                <a:hlinkClick r:id="rId8"/>
-              </a:rPr>
-              <a:t>http://</a:t>
-            </a:r>
-            <a:r>
-              <a:rPr lang="en-US" sz="7200" dirty="0" smtClean="0">
-                <a:solidFill>
-                  <a:schemeClr val="bg1"/>
-                </a:solidFill>
-                <a:hlinkClick r:id="rId8"/>
-              </a:rPr>
-              <a:t>www.slideshare.net/arnold7490/unit-3-java?next_slideshow=1</a:t>
-            </a:r>
-            <a:endParaRPr lang="en-US" sz="7200" dirty="0" smtClean="0">
-              <a:solidFill>
-                <a:schemeClr val="bg1"/>
-              </a:solidFill>
-            </a:endParaRPr>
-          </a:p>
-          <a:p>
-            <a:r>
-              <a:rPr lang="en-US" sz="7200" dirty="0">
-                <a:solidFill>
-                  <a:schemeClr val="bg1"/>
-                </a:solidFill>
-                <a:hlinkClick r:id="rId9"/>
-              </a:rPr>
-              <a:t>http://</a:t>
-            </a:r>
-            <a:r>
-              <a:rPr lang="en-US" sz="7200" dirty="0" smtClean="0">
-                <a:solidFill>
-                  <a:schemeClr val="bg1"/>
-                </a:solidFill>
-                <a:hlinkClick r:id="rId9"/>
-              </a:rPr>
-              <a:t>www.slideshare.net/tushardesarda/java-tutorial-3</a:t>
-            </a:r>
-            <a:endParaRPr lang="en-US" sz="7200" dirty="0" smtClean="0">
-              <a:solidFill>
-                <a:schemeClr val="bg1"/>
-              </a:solidFill>
-            </a:endParaRPr>
-          </a:p>
-          <a:p>
-            <a:r>
-              <a:rPr lang="en-US" sz="7200" dirty="0">
-                <a:solidFill>
-                  <a:schemeClr val="bg1"/>
-                </a:solidFill>
-                <a:hlinkClick r:id="rId10"/>
-              </a:rPr>
-              <a:t>http://</a:t>
-            </a:r>
-            <a:r>
-              <a:rPr lang="en-US" sz="7200" dirty="0" smtClean="0">
-                <a:solidFill>
-                  <a:schemeClr val="bg1"/>
-                </a:solidFill>
-                <a:hlinkClick r:id="rId10"/>
-              </a:rPr>
-              <a:t>www.slideshare.net/muralidhar9e/java-exception-handling-ppt</a:t>
-            </a:r>
-            <a:endParaRPr lang="en-US" sz="7200" dirty="0" smtClean="0">
-              <a:solidFill>
-                <a:schemeClr val="bg1"/>
-              </a:solidFill>
-            </a:endParaRPr>
-          </a:p>
-          <a:p>
-            <a:r>
-              <a:rPr lang="en-US" sz="7200" dirty="0">
-                <a:solidFill>
-                  <a:schemeClr val="bg1"/>
-                </a:solidFill>
-                <a:hlinkClick r:id="rId11"/>
-              </a:rPr>
-              <a:t>http://</a:t>
-            </a:r>
-            <a:r>
-              <a:rPr lang="en-US" sz="7200" dirty="0" smtClean="0">
-                <a:solidFill>
-                  <a:schemeClr val="bg1"/>
-                </a:solidFill>
-                <a:hlinkClick r:id="rId11"/>
-              </a:rPr>
-              <a:t>www.slideshare.net/emprovise/2-javabasics</a:t>
-            </a:r>
-            <a:endParaRPr lang="en-US" sz="7200" dirty="0" smtClean="0">
-              <a:solidFill>
-                <a:schemeClr val="bg1"/>
-              </a:solidFill>
-            </a:endParaRPr>
-          </a:p>
-          <a:p>
-            <a:r>
-              <a:rPr lang="en-US" sz="7200" dirty="0">
-                <a:solidFill>
-                  <a:schemeClr val="bg1"/>
-                </a:solidFill>
-                <a:hlinkClick r:id="rId12"/>
-              </a:rPr>
-              <a:t>http://</a:t>
-            </a:r>
-            <a:r>
-              <a:rPr lang="en-US" sz="7200" dirty="0" smtClean="0">
-                <a:solidFill>
-                  <a:schemeClr val="bg1"/>
-                </a:solidFill>
-                <a:hlinkClick r:id="rId12"/>
-              </a:rPr>
-              <a:t>www.slideshare.net/AllanHuang/java-new-evolution</a:t>
-            </a:r>
-            <a:endParaRPr lang="en-US" sz="7200" dirty="0" smtClean="0">
-              <a:solidFill>
-                <a:schemeClr val="bg1"/>
-              </a:solidFill>
-            </a:endParaRPr>
-          </a:p>
-          <a:p>
-            <a:r>
-              <a:rPr lang="en-US" sz="7200" dirty="0">
-                <a:solidFill>
-                  <a:schemeClr val="bg1"/>
-                </a:solidFill>
-                <a:hlinkClick r:id="rId13"/>
-              </a:rPr>
-              <a:t>http://</a:t>
-            </a:r>
-            <a:r>
-              <a:rPr lang="en-US" sz="7200" dirty="0" smtClean="0">
-                <a:solidFill>
-                  <a:schemeClr val="bg1"/>
-                </a:solidFill>
-                <a:hlinkClick r:id="rId13"/>
-              </a:rPr>
-              <a:t>www.slideshare.net/antonkeks/4-collections</a:t>
-            </a:r>
-            <a:endParaRPr lang="en-US" sz="7200" dirty="0" smtClean="0">
-              <a:solidFill>
-                <a:schemeClr val="bg1"/>
-              </a:solidFill>
-            </a:endParaRPr>
-          </a:p>
-          <a:p>
-            <a:r>
-              <a:rPr lang="en-US" sz="7200" dirty="0">
-                <a:solidFill>
-                  <a:schemeClr val="bg1"/>
-                </a:solidFill>
-                <a:hlinkClick r:id="rId14"/>
-              </a:rPr>
-              <a:t>http://</a:t>
-            </a:r>
-            <a:r>
-              <a:rPr lang="en-US" sz="7200" dirty="0" smtClean="0">
-                <a:solidFill>
-                  <a:schemeClr val="bg1"/>
-                </a:solidFill>
-                <a:hlinkClick r:id="rId14"/>
-              </a:rPr>
-              <a:t>www.slideshare.net/andreaiacono/java8-39841939 - Java8</a:t>
-            </a:r>
-            <a:r>
-              <a:rPr lang="en-US" sz="7200" dirty="0" smtClean="0">
-                <a:solidFill>
-                  <a:schemeClr val="bg1"/>
-                </a:solidFill>
-              </a:rPr>
-              <a:t> features</a:t>
-            </a:r>
-          </a:p>
-          <a:p>
-            <a:r>
-              <a:rPr lang="en-US" sz="7200" dirty="0">
-                <a:solidFill>
-                  <a:schemeClr val="bg1"/>
-                </a:solidFill>
-                <a:hlinkClick r:id="rId15"/>
-              </a:rPr>
-              <a:t>http://</a:t>
-            </a:r>
-            <a:r>
-              <a:rPr lang="en-US" sz="7200" dirty="0" smtClean="0">
-                <a:solidFill>
-                  <a:schemeClr val="bg1"/>
-                </a:solidFill>
-                <a:hlinkClick r:id="rId15"/>
-              </a:rPr>
-              <a:t>www.slideshare.net/AbhishekKhune/07-java-collection</a:t>
-            </a:r>
-            <a:endParaRPr lang="en-US" sz="7200" dirty="0" smtClean="0">
-              <a:solidFill>
-                <a:schemeClr val="bg1"/>
-              </a:solidFill>
-            </a:endParaRPr>
-          </a:p>
-          <a:p>
-            <a:r>
-              <a:rPr lang="en-US" sz="7200" dirty="0">
-                <a:solidFill>
-                  <a:schemeClr val="bg1"/>
-                </a:solidFill>
-                <a:hlinkClick r:id="rId16"/>
-              </a:rPr>
-              <a:t>http://www.slideshare.net/shahjahan786/generics-27960064</a:t>
-            </a:r>
-            <a:r>
-              <a:rPr lang="en-US" sz="7200" dirty="0">
-                <a:solidFill>
-                  <a:schemeClr val="bg1"/>
-                </a:solidFill>
-              </a:rPr>
-              <a:t> - </a:t>
-            </a:r>
-            <a:r>
-              <a:rPr lang="en-US" sz="7200" dirty="0" smtClean="0">
-                <a:solidFill>
-                  <a:schemeClr val="bg1"/>
-                </a:solidFill>
-              </a:rPr>
-              <a:t>Generics</a:t>
-            </a:r>
-          </a:p>
-          <a:p>
-            <a:r>
-              <a:rPr lang="en-US" sz="7200" dirty="0">
-                <a:solidFill>
-                  <a:schemeClr val="bg1"/>
-                </a:solidFill>
-                <a:hlinkClick r:id="rId17"/>
-              </a:rPr>
-              <a:t>http://</a:t>
-            </a:r>
-            <a:r>
-              <a:rPr lang="en-US" sz="7200" dirty="0" smtClean="0">
-                <a:solidFill>
-                  <a:schemeClr val="bg1"/>
-                </a:solidFill>
-                <a:hlinkClick r:id="rId17"/>
-              </a:rPr>
-              <a:t>www.slideshare.net/caroljmcdonald/java-generics-2485138?next_slideshow=1</a:t>
-            </a:r>
-            <a:endParaRPr lang="en-US" sz="7200" dirty="0" smtClean="0">
-              <a:solidFill>
-                <a:schemeClr val="bg1"/>
-              </a:solidFill>
-            </a:endParaRPr>
-          </a:p>
-          <a:p>
-            <a:endParaRPr lang="en-US" sz="7200" dirty="0">
-              <a:solidFill>
-                <a:schemeClr val="bg1"/>
-              </a:solidFill>
-            </a:endParaRPr>
-          </a:p>
-          <a:p>
-            <a:endParaRPr lang="en-US" sz="7200" dirty="0" smtClean="0">
-              <a:solidFill>
-                <a:schemeClr val="bg1"/>
-              </a:solidFill>
-            </a:endParaRPr>
-          </a:p>
-          <a:p>
-            <a:endParaRPr lang="en-US" sz="7200" dirty="0" smtClean="0">
-              <a:solidFill>
-                <a:schemeClr val="bg1"/>
-              </a:solidFill>
-            </a:endParaRPr>
-          </a:p>
-          <a:p>
-            <a:endParaRPr lang="en-US" sz="4000" dirty="0">
-              <a:solidFill>
-                <a:schemeClr val="bg1"/>
-              </a:solidFill>
-            </a:endParaRPr>
-          </a:p>
-          <a:p>
-            <a:endParaRPr lang="en-US" sz="4000" dirty="0" smtClean="0">
-              <a:solidFill>
-                <a:schemeClr val="bg1"/>
-              </a:solidFill>
-            </a:endParaRPr>
-          </a:p>
-          <a:p>
-            <a:endParaRPr lang="en-US" sz="4000" dirty="0">
-              <a:solidFill>
-                <a:schemeClr val="bg1"/>
-              </a:solidFill>
-            </a:endParaRPr>
-          </a:p>
-          <a:p>
-            <a:endParaRPr lang="en-US" sz="4000" dirty="0" smtClean="0">
-              <a:solidFill>
-                <a:schemeClr val="bg1"/>
-              </a:solidFill>
-            </a:endParaRPr>
-          </a:p>
-          <a:p>
-            <a:endParaRPr lang="en-US" sz="4000" dirty="0">
-              <a:solidFill>
-                <a:schemeClr val="bg1"/>
-              </a:solidFill>
-            </a:endParaRPr>
-          </a:p>
-          <a:p>
-            <a:endParaRPr lang="en-US" sz="4000" dirty="0" smtClean="0">
-              <a:solidFill>
-                <a:schemeClr val="bg1"/>
-              </a:solidFill>
-            </a:endParaRPr>
-          </a:p>
-          <a:p>
-            <a:endParaRPr lang="en-US" sz="4000" dirty="0">
-              <a:solidFill>
-                <a:schemeClr val="bg1"/>
-              </a:solidFill>
-            </a:endParaRPr>
-          </a:p>
-          <a:p>
-            <a:endParaRPr lang="en-US" sz="4000" dirty="0" smtClean="0">
-              <a:solidFill>
-                <a:schemeClr val="bg1"/>
-              </a:solidFill>
-            </a:endParaRPr>
-          </a:p>
-          <a:p>
-            <a:endParaRPr lang="en-US" sz="4000" dirty="0" smtClean="0">
-              <a:solidFill>
-                <a:schemeClr val="bg1"/>
-              </a:solidFill>
-            </a:endParaRPr>
-          </a:p>
-          <a:p>
-            <a:endParaRPr lang="en-US" dirty="0" smtClean="0"/>
-          </a:p>
-          <a:p>
-            <a:endParaRPr lang="en-US" dirty="0" smtClean="0"/>
-          </a:p>
-          <a:p>
-            <a:endParaRPr lang="en-US" dirty="0" smtClean="0"/>
-          </a:p>
-          <a:p>
-            <a:endParaRPr lang="en-US" dirty="0" smtClean="0"/>
-          </a:p>
-          <a:p>
-            <a:endParaRPr lang="en-US" dirty="0" smtClean="0"/>
-          </a:p>
-          <a:p>
-            <a:endParaRPr lang="en-US" dirty="0" smtClean="0"/>
-          </a:p>
-          <a:p>
-            <a:endParaRPr lang="en-US" dirty="0" smtClean="0"/>
-          </a:p>
-          <a:p>
-            <a:endParaRPr lang="en-US" dirty="0" smtClean="0"/>
-          </a:p>
-          <a:p>
-            <a:endParaRPr lang="en-US" dirty="0" smtClean="0"/>
-          </a:p>
-          <a:p>
-            <a:endParaRPr lang="en-US" dirty="0" smtClean="0"/>
-          </a:p>
-          <a:p>
-            <a:endParaRPr lang="en-US" dirty="0" smtClean="0"/>
-          </a:p>
-          <a:p>
-            <a:endParaRPr lang="en-US" dirty="0" smtClean="0"/>
-          </a:p>
-          <a:p>
-            <a:endParaRPr lang="en-US" dirty="0"/>
-          </a:p>
-        </p:txBody>
-      </p:sp>
-    </p:spTree>
-    <p:extLst>
-      <p:ext uri="{BB962C8B-B14F-4D97-AF65-F5344CB8AC3E}">
-        <p14:creationId xmlns:p14="http://schemas.microsoft.com/office/powerpoint/2010/main" val="3290681883"/>
-      </p:ext>
-    </p:extLst>
-  </p:cSld>
-  <p:clrMapOvr>
-    <a:masterClrMapping/>
-  </p:clrMapOvr>
-  <p:timing>
-    <p:tnLst>
-      <p:par>
-        <p:cTn id="1" dur="indefinite" restart="never" nodeType="tmRoot"/>
-      </p:par>
-    </p:tnLst>
-  </p:timing>
-</p:sld>
-</file>
-
-<file path=ppt/slides/slide66.xml><?xml version="1.0" encoding="utf-8"?>
-<p:sld xmlns:a="http://schemas.openxmlformats.org/drawingml/2006/main" xmlns:r="http://schemas.openxmlformats.org/officeDocument/2006/relationships" xmlns:p="http://schemas.openxmlformats.org/presentationml/2006/main">
-  <p:cSld>
-    <p:spTree>
-      <p:nvGrpSpPr>
-        <p:cNvPr id="1" name=""/>
-        <p:cNvGrpSpPr/>
-        <p:nvPr/>
-      </p:nvGrpSpPr>
-      <p:grpSpPr>
-        <a:xfrm>
-          <a:off x="0" y="0"/>
-          <a:ext cx="0" cy="0"/>
-          <a:chOff x="0" y="0"/>
-          <a:chExt cx="0" cy="0"/>
-        </a:xfrm>
-      </p:grpSpPr>
-      <p:sp>
-        <p:nvSpPr>
-          <p:cNvPr id="3" name="Content Placeholder 2"/>
-          <p:cNvSpPr>
-            <a:spLocks noGrp="1"/>
-          </p:cNvSpPr>
-          <p:nvPr>
-            <p:ph idx="1"/>
-          </p:nvPr>
-        </p:nvSpPr>
-        <p:spPr>
-          <a:xfrm>
-            <a:off x="482909" y="512776"/>
-            <a:ext cx="11081562" cy="4207142"/>
-          </a:xfrm>
-        </p:spPr>
-        <p:txBody>
-          <a:bodyPr>
-            <a:normAutofit/>
-          </a:bodyPr>
-          <a:lstStyle/>
-          <a:p>
-            <a:r>
-              <a:rPr lang="en-US" sz="2000" dirty="0">
-                <a:solidFill>
-                  <a:schemeClr val="bg1"/>
-                </a:solidFill>
-                <a:hlinkClick r:id="rId2"/>
-              </a:rPr>
-              <a:t>http://</a:t>
-            </a:r>
-            <a:r>
-              <a:rPr lang="en-US" sz="2000" dirty="0" smtClean="0">
-                <a:solidFill>
-                  <a:schemeClr val="bg1"/>
-                </a:solidFill>
-                <a:hlinkClick r:id="rId2"/>
-              </a:rPr>
-              <a:t>www.slideshare.net/KavitaGanesan/is-66154415-kavitaganesanv2</a:t>
-            </a:r>
-            <a:r>
-              <a:rPr lang="en-US" sz="2000" dirty="0" smtClean="0">
-                <a:solidFill>
-                  <a:schemeClr val="bg1"/>
-                </a:solidFill>
-              </a:rPr>
-              <a:t> - Strings</a:t>
-            </a:r>
-          </a:p>
-          <a:p>
-            <a:r>
-              <a:rPr lang="en-US" sz="2000" dirty="0">
-                <a:solidFill>
-                  <a:schemeClr val="bg1"/>
-                </a:solidFill>
-                <a:hlinkClick r:id="rId3"/>
-              </a:rPr>
-              <a:t>http://</a:t>
-            </a:r>
-            <a:r>
-              <a:rPr lang="en-US" sz="2000" dirty="0" smtClean="0">
-                <a:solidFill>
-                  <a:schemeClr val="bg1"/>
-                </a:solidFill>
-                <a:hlinkClick r:id="rId3"/>
-              </a:rPr>
-              <a:t>www.slideshare.net/antonkeks/10-threads</a:t>
-            </a:r>
-            <a:r>
-              <a:rPr lang="en-US" sz="2000" dirty="0" smtClean="0">
-                <a:solidFill>
-                  <a:schemeClr val="bg1"/>
-                </a:solidFill>
-              </a:rPr>
-              <a:t> - Threads</a:t>
-            </a:r>
-          </a:p>
-          <a:p>
-            <a:r>
-              <a:rPr lang="en-US" sz="2000" dirty="0">
-                <a:solidFill>
-                  <a:schemeClr val="bg1"/>
-                </a:solidFill>
-                <a:hlinkClick r:id="rId4"/>
-              </a:rPr>
-              <a:t>http://</a:t>
-            </a:r>
-            <a:r>
-              <a:rPr lang="en-US" sz="2000" dirty="0" smtClean="0">
-                <a:solidFill>
-                  <a:schemeClr val="bg1"/>
-                </a:solidFill>
-                <a:hlinkClick r:id="rId4"/>
-              </a:rPr>
-              <a:t>www.slideshare.net/BenjDelMundo/java-thread-synchronization</a:t>
-            </a:r>
-            <a:r>
-              <a:rPr lang="en-US" sz="2000" dirty="0" smtClean="0">
-                <a:solidFill>
-                  <a:schemeClr val="bg1"/>
-                </a:solidFill>
-              </a:rPr>
-              <a:t> - Synchronization</a:t>
-            </a:r>
-          </a:p>
-          <a:p>
-            <a:r>
-              <a:rPr lang="en-US" sz="2000" dirty="0">
-                <a:solidFill>
-                  <a:schemeClr val="bg1"/>
-                </a:solidFill>
-                <a:hlinkClick r:id="rId5"/>
-              </a:rPr>
-              <a:t>http://</a:t>
-            </a:r>
-            <a:r>
-              <a:rPr lang="en-US" sz="2000" dirty="0" smtClean="0">
-                <a:solidFill>
-                  <a:schemeClr val="bg1"/>
-                </a:solidFill>
-                <a:hlinkClick r:id="rId5"/>
-              </a:rPr>
-              <a:t>www.slideshare.net/javaonkar/thread-concurrancy</a:t>
-            </a:r>
-            <a:r>
-              <a:rPr lang="en-US" sz="2000" dirty="0" smtClean="0">
-                <a:solidFill>
-                  <a:schemeClr val="bg1"/>
-                </a:solidFill>
-              </a:rPr>
-              <a:t> - Synchronization</a:t>
-            </a:r>
-          </a:p>
-          <a:p>
-            <a:r>
-              <a:rPr lang="en-US" sz="2000" dirty="0">
-                <a:solidFill>
-                  <a:schemeClr val="bg1"/>
-                </a:solidFill>
-                <a:hlinkClick r:id="rId6"/>
-              </a:rPr>
-              <a:t>http://</a:t>
-            </a:r>
-            <a:r>
-              <a:rPr lang="en-US" sz="2000" dirty="0" smtClean="0">
-                <a:solidFill>
-                  <a:schemeClr val="bg1"/>
-                </a:solidFill>
-                <a:hlinkClick r:id="rId6"/>
-              </a:rPr>
-              <a:t>www.slideshare.net/lineking/io-package</a:t>
-            </a:r>
-            <a:r>
-              <a:rPr lang="en-US" sz="2000" dirty="0" smtClean="0">
-                <a:solidFill>
-                  <a:schemeClr val="bg1"/>
-                </a:solidFill>
-              </a:rPr>
-              <a:t> - Basic IO</a:t>
-            </a:r>
-          </a:p>
-          <a:p>
-            <a:r>
-              <a:rPr lang="en-US" sz="2000" dirty="0" smtClean="0">
-                <a:solidFill>
-                  <a:schemeClr val="bg1"/>
-                </a:solidFill>
-                <a:hlinkClick r:id="rId7"/>
-              </a:rPr>
-              <a:t>http</a:t>
-            </a:r>
-            <a:r>
-              <a:rPr lang="en-US" sz="2000" dirty="0">
-                <a:solidFill>
-                  <a:schemeClr val="bg1"/>
-                </a:solidFill>
-                <a:hlinkClick r:id="rId7"/>
-              </a:rPr>
-              <a:t>://</a:t>
-            </a:r>
-            <a:r>
-              <a:rPr lang="en-US" sz="2000" dirty="0" smtClean="0">
-                <a:solidFill>
-                  <a:schemeClr val="bg1"/>
-                </a:solidFill>
-                <a:hlinkClick r:id="rId7"/>
-              </a:rPr>
-              <a:t>new.51cto.com</a:t>
-            </a:r>
-            <a:r>
-              <a:rPr lang="en-US" sz="2000" dirty="0" smtClean="0">
-                <a:solidFill>
-                  <a:schemeClr val="bg1"/>
-                </a:solidFill>
-              </a:rPr>
-              <a:t> – Buffered streams.</a:t>
-            </a:r>
-          </a:p>
-          <a:p>
-            <a:r>
-              <a:rPr lang="en-US" sz="2000" dirty="0">
-                <a:solidFill>
-                  <a:schemeClr val="bg1"/>
-                </a:solidFill>
-                <a:hlinkClick r:id="rId8"/>
-              </a:rPr>
-              <a:t>http://</a:t>
-            </a:r>
-            <a:r>
-              <a:rPr lang="en-US" sz="2000" dirty="0" smtClean="0">
-                <a:solidFill>
-                  <a:schemeClr val="bg1"/>
-                </a:solidFill>
-                <a:hlinkClick r:id="rId8"/>
-              </a:rPr>
-              <a:t>www.slideshare.net/EmertxeSlides/010-core-javaiofundamentals</a:t>
-            </a:r>
-            <a:r>
-              <a:rPr lang="en-US" sz="2000" dirty="0" smtClean="0">
-                <a:solidFill>
-                  <a:schemeClr val="bg1"/>
-                </a:solidFill>
-              </a:rPr>
-              <a:t> - IO</a:t>
-            </a:r>
-          </a:p>
-          <a:p>
-            <a:r>
-              <a:rPr lang="en-US" sz="2000" dirty="0">
-                <a:solidFill>
-                  <a:schemeClr val="bg1"/>
-                </a:solidFill>
-                <a:hlinkClick r:id="rId9"/>
-              </a:rPr>
-              <a:t>http://</a:t>
-            </a:r>
-            <a:r>
-              <a:rPr lang="en-US" sz="2000" dirty="0" smtClean="0">
-                <a:solidFill>
-                  <a:schemeClr val="bg1"/>
-                </a:solidFill>
-                <a:hlinkClick r:id="rId9"/>
-              </a:rPr>
-              <a:t>www.slideshare.net/martyhall/file-io-in-java-8-applying-the-power-of-streams</a:t>
-            </a:r>
-            <a:r>
-              <a:rPr lang="en-US" sz="2000" dirty="0" smtClean="0">
-                <a:solidFill>
-                  <a:schemeClr val="bg1"/>
-                </a:solidFill>
-              </a:rPr>
-              <a:t> - File IO</a:t>
-            </a:r>
-          </a:p>
-          <a:p>
-            <a:endParaRPr lang="en-US" sz="2000" dirty="0">
-              <a:solidFill>
-                <a:schemeClr val="bg1"/>
-              </a:solidFill>
-            </a:endParaRPr>
-          </a:p>
-          <a:p>
-            <a:endParaRPr lang="en-US" sz="2000" dirty="0" smtClean="0">
-              <a:solidFill>
-                <a:schemeClr val="bg1"/>
-              </a:solidFill>
-            </a:endParaRPr>
-          </a:p>
-          <a:p>
-            <a:endParaRPr lang="en-US" sz="2000" dirty="0">
-              <a:solidFill>
-                <a:schemeClr val="bg1"/>
-              </a:solidFill>
-            </a:endParaRPr>
-          </a:p>
-          <a:p>
-            <a:endParaRPr lang="en-US" sz="2000" dirty="0">
-              <a:solidFill>
-                <a:schemeClr val="bg1"/>
-              </a:solidFill>
-            </a:endParaRPr>
-          </a:p>
-          <a:p>
-            <a:endParaRPr lang="en-US" sz="7200" dirty="0" smtClean="0">
-              <a:solidFill>
-                <a:schemeClr val="bg1"/>
-              </a:solidFill>
-            </a:endParaRPr>
-          </a:p>
-          <a:p>
-            <a:endParaRPr lang="en-US" sz="7200" dirty="0" smtClean="0">
-              <a:solidFill>
-                <a:schemeClr val="bg1"/>
-              </a:solidFill>
-            </a:endParaRPr>
-          </a:p>
-          <a:p>
-            <a:endParaRPr lang="en-US" sz="4000" dirty="0">
-              <a:solidFill>
-                <a:schemeClr val="bg1"/>
-              </a:solidFill>
-            </a:endParaRPr>
-          </a:p>
-          <a:p>
-            <a:endParaRPr lang="en-US" sz="4000" dirty="0" smtClean="0">
-              <a:solidFill>
-                <a:schemeClr val="bg1"/>
-              </a:solidFill>
-            </a:endParaRPr>
-          </a:p>
-          <a:p>
-            <a:endParaRPr lang="en-US" sz="4000" dirty="0">
-              <a:solidFill>
-                <a:schemeClr val="bg1"/>
-              </a:solidFill>
-            </a:endParaRPr>
-          </a:p>
-          <a:p>
-            <a:endParaRPr lang="en-US" sz="4000" dirty="0" smtClean="0">
-              <a:solidFill>
-                <a:schemeClr val="bg1"/>
-              </a:solidFill>
-            </a:endParaRPr>
-          </a:p>
-          <a:p>
-            <a:endParaRPr lang="en-US" sz="4000" dirty="0">
-              <a:solidFill>
-                <a:schemeClr val="bg1"/>
-              </a:solidFill>
-            </a:endParaRPr>
-          </a:p>
-          <a:p>
-            <a:endParaRPr lang="en-US" sz="4000" dirty="0" smtClean="0">
-              <a:solidFill>
-                <a:schemeClr val="bg1"/>
-              </a:solidFill>
-            </a:endParaRPr>
-          </a:p>
-          <a:p>
-            <a:endParaRPr lang="en-US" sz="4000" dirty="0">
-              <a:solidFill>
-                <a:schemeClr val="bg1"/>
-              </a:solidFill>
-            </a:endParaRPr>
-          </a:p>
-          <a:p>
-            <a:endParaRPr lang="en-US" sz="4000" dirty="0" smtClean="0">
-              <a:solidFill>
-                <a:schemeClr val="bg1"/>
-              </a:solidFill>
-            </a:endParaRPr>
-          </a:p>
-          <a:p>
-            <a:endParaRPr lang="en-US" sz="4000" dirty="0" smtClean="0">
-              <a:solidFill>
-                <a:schemeClr val="bg1"/>
-              </a:solidFill>
-            </a:endParaRPr>
-          </a:p>
-          <a:p>
-            <a:endParaRPr lang="en-US" dirty="0" smtClean="0"/>
-          </a:p>
-          <a:p>
-            <a:endParaRPr lang="en-US" dirty="0" smtClean="0"/>
-          </a:p>
-          <a:p>
-            <a:endParaRPr lang="en-US" dirty="0" smtClean="0"/>
-          </a:p>
-          <a:p>
-            <a:endParaRPr lang="en-US" dirty="0" smtClean="0"/>
-          </a:p>
-          <a:p>
-            <a:endParaRPr lang="en-US" dirty="0" smtClean="0"/>
-          </a:p>
-          <a:p>
-            <a:endParaRPr lang="en-US" dirty="0" smtClean="0"/>
-          </a:p>
-          <a:p>
-            <a:endParaRPr lang="en-US" dirty="0" smtClean="0"/>
-          </a:p>
-          <a:p>
-            <a:endParaRPr lang="en-US" dirty="0" smtClean="0"/>
-          </a:p>
-          <a:p>
-            <a:endParaRPr lang="en-US" dirty="0" smtClean="0"/>
-          </a:p>
-          <a:p>
-            <a:endParaRPr lang="en-US" dirty="0" smtClean="0"/>
-          </a:p>
-          <a:p>
-            <a:endParaRPr lang="en-US" dirty="0" smtClean="0"/>
-          </a:p>
-          <a:p>
-            <a:endParaRPr lang="en-US" dirty="0" smtClean="0"/>
-          </a:p>
-          <a:p>
-            <a:endParaRPr lang="en-US" dirty="0"/>
-          </a:p>
-        </p:txBody>
-      </p:sp>
-    </p:spTree>
-    <p:extLst>
-      <p:ext uri="{BB962C8B-B14F-4D97-AF65-F5344CB8AC3E}">
-        <p14:creationId xmlns:p14="http://schemas.microsoft.com/office/powerpoint/2010/main" val="970127652"/>
       </p:ext>
     </p:extLst>
   </p:cSld>
